--- a/Introduction to Maven.pptx
+++ b/Introduction to Maven.pptx
@@ -5,7 +5,7 @@
     <p:sldMasterId id="2147483684" r:id="rId1"/>
   </p:sldMasterIdLst>
   <p:notesMasterIdLst>
-    <p:notesMasterId r:id="rId28"/>
+    <p:notesMasterId r:id="rId31"/>
   </p:notesMasterIdLst>
   <p:sldIdLst>
     <p:sldId id="256" r:id="rId2"/>
@@ -24,16 +24,19 @@
     <p:sldId id="458" r:id="rId15"/>
     <p:sldId id="461" r:id="rId16"/>
     <p:sldId id="456" r:id="rId17"/>
-    <p:sldId id="457" r:id="rId18"/>
-    <p:sldId id="463" r:id="rId19"/>
-    <p:sldId id="464" r:id="rId20"/>
-    <p:sldId id="465" r:id="rId21"/>
-    <p:sldId id="466" r:id="rId22"/>
-    <p:sldId id="467" r:id="rId23"/>
-    <p:sldId id="469" r:id="rId24"/>
-    <p:sldId id="468" r:id="rId25"/>
-    <p:sldId id="424" r:id="rId26"/>
-    <p:sldId id="367" r:id="rId27"/>
+    <p:sldId id="470" r:id="rId18"/>
+    <p:sldId id="457" r:id="rId19"/>
+    <p:sldId id="463" r:id="rId20"/>
+    <p:sldId id="464" r:id="rId21"/>
+    <p:sldId id="465" r:id="rId22"/>
+    <p:sldId id="466" r:id="rId23"/>
+    <p:sldId id="467" r:id="rId24"/>
+    <p:sldId id="469" r:id="rId25"/>
+    <p:sldId id="468" r:id="rId26"/>
+    <p:sldId id="471" r:id="rId27"/>
+    <p:sldId id="472" r:id="rId28"/>
+    <p:sldId id="424" r:id="rId29"/>
+    <p:sldId id="367" r:id="rId30"/>
   </p:sldIdLst>
   <p:sldSz cx="9144000" cy="6858000" type="screen4x3"/>
   <p:notesSz cx="6858000" cy="9144000"/>
@@ -234,7 +237,7 @@
             <a:fld id="{940CEE64-98CB-4226-A253-7BC1859BE751}" type="datetimeFigureOut">
               <a:rPr lang="en-US" smtClean="0"/>
               <a:pPr/>
-              <a:t>29/01/2023</a:t>
+              <a:t>11/02/2023</a:t>
             </a:fld>
             <a:endParaRPr lang="en-US"/>
           </a:p>
@@ -1212,7 +1215,49 @@
               <a:tabLst/>
               <a:defRPr/>
             </a:pPr>
-            <a:endParaRPr lang="en-US" dirty="0"/>
+            <a:r>
+              <a:rPr lang="en-US" dirty="0"/>
+              <a:t>2005 - </a:t>
+            </a:r>
+            <a:r>
+              <a:rPr lang="en-US" dirty="0" err="1"/>
+              <a:t>org.apache.maven.archetypes:maven-archetype-quickstart</a:t>
+            </a:r>
+            <a:r>
+              <a:rPr lang="en-US" dirty="0"/>
+              <a:t> (jar)</a:t>
+            </a:r>
+          </a:p>
+          <a:p>
+            <a:pPr marL="0" marR="0" lvl="0" indent="0" algn="l" defTabSz="914400" rtl="0" eaLnBrk="1" fontAlgn="auto" latinLnBrk="0" hangingPunct="1">
+              <a:lnSpc>
+                <a:spcPct val="100000"/>
+              </a:lnSpc>
+              <a:spcBef>
+                <a:spcPts val="0"/>
+              </a:spcBef>
+              <a:spcAft>
+                <a:spcPts val="0"/>
+              </a:spcAft>
+              <a:buClrTx/>
+              <a:buSzTx/>
+              <a:buFontTx/>
+              <a:buNone/>
+              <a:tabLst/>
+              <a:defRPr/>
+            </a:pPr>
+            <a:r>
+              <a:rPr lang="en-US" dirty="0"/>
+              <a:t>2010 - </a:t>
+            </a:r>
+            <a:r>
+              <a:rPr lang="en-US" dirty="0" err="1"/>
+              <a:t>org.apache.maven.archetypes:maven-archetype-webapp</a:t>
+            </a:r>
+            <a:r>
+              <a:rPr lang="en-US" dirty="0"/>
+              <a:t> (war)</a:t>
+            </a:r>
           </a:p>
         </p:txBody>
       </p:sp>
@@ -1316,7 +1361,49 @@
               <a:tabLst/>
               <a:defRPr/>
             </a:pPr>
-            <a:endParaRPr lang="en-US" dirty="0"/>
+            <a:r>
+              <a:rPr lang="en-US" dirty="0"/>
+              <a:t>2005 - </a:t>
+            </a:r>
+            <a:r>
+              <a:rPr lang="en-US" dirty="0" err="1"/>
+              <a:t>org.apache.maven.archetypes:maven-archetype-quickstart</a:t>
+            </a:r>
+            <a:r>
+              <a:rPr lang="en-US" dirty="0"/>
+              <a:t> (jar)</a:t>
+            </a:r>
+          </a:p>
+          <a:p>
+            <a:pPr marL="0" marR="0" lvl="0" indent="0" algn="l" defTabSz="914400" rtl="0" eaLnBrk="1" fontAlgn="auto" latinLnBrk="0" hangingPunct="1">
+              <a:lnSpc>
+                <a:spcPct val="100000"/>
+              </a:lnSpc>
+              <a:spcBef>
+                <a:spcPts val="0"/>
+              </a:spcBef>
+              <a:spcAft>
+                <a:spcPts val="0"/>
+              </a:spcAft>
+              <a:buClrTx/>
+              <a:buSzTx/>
+              <a:buFontTx/>
+              <a:buNone/>
+              <a:tabLst/>
+              <a:defRPr/>
+            </a:pPr>
+            <a:r>
+              <a:rPr lang="en-US" dirty="0"/>
+              <a:t>2010 - </a:t>
+            </a:r>
+            <a:r>
+              <a:rPr lang="en-US" dirty="0" err="1"/>
+              <a:t>org.apache.maven.archetypes:maven-archetype-webapp</a:t>
+            </a:r>
+            <a:r>
+              <a:rPr lang="en-US" dirty="0"/>
+              <a:t> (war)</a:t>
+            </a:r>
           </a:p>
         </p:txBody>
       </p:sp>
@@ -1347,7 +1434,7 @@
     </p:spTree>
     <p:extLst>
       <p:ext uri="{BB962C8B-B14F-4D97-AF65-F5344CB8AC3E}">
-        <p14:creationId xmlns:p14="http://schemas.microsoft.com/office/powerpoint/2010/main" val="2580647966"/>
+        <p14:creationId xmlns:p14="http://schemas.microsoft.com/office/powerpoint/2010/main" val="273255227"/>
       </p:ext>
     </p:extLst>
   </p:cSld>
@@ -1451,7 +1538,7 @@
     </p:spTree>
     <p:extLst>
       <p:ext uri="{BB962C8B-B14F-4D97-AF65-F5344CB8AC3E}">
-        <p14:creationId xmlns:p14="http://schemas.microsoft.com/office/powerpoint/2010/main" val="3434931623"/>
+        <p14:creationId xmlns:p14="http://schemas.microsoft.com/office/powerpoint/2010/main" val="2580647966"/>
       </p:ext>
     </p:extLst>
   </p:cSld>
@@ -1555,7 +1642,7 @@
     </p:spTree>
     <p:extLst>
       <p:ext uri="{BB962C8B-B14F-4D97-AF65-F5344CB8AC3E}">
-        <p14:creationId xmlns:p14="http://schemas.microsoft.com/office/powerpoint/2010/main" val="66788098"/>
+        <p14:creationId xmlns:p14="http://schemas.microsoft.com/office/powerpoint/2010/main" val="3434931623"/>
       </p:ext>
     </p:extLst>
   </p:cSld>
@@ -1659,7 +1746,7 @@
     </p:spTree>
     <p:extLst>
       <p:ext uri="{BB962C8B-B14F-4D97-AF65-F5344CB8AC3E}">
-        <p14:creationId xmlns:p14="http://schemas.microsoft.com/office/powerpoint/2010/main" val="1197829330"/>
+        <p14:creationId xmlns:p14="http://schemas.microsoft.com/office/powerpoint/2010/main" val="66788098"/>
       </p:ext>
     </p:extLst>
   </p:cSld>
@@ -1867,7 +1954,7 @@
     </p:spTree>
     <p:extLst>
       <p:ext uri="{BB962C8B-B14F-4D97-AF65-F5344CB8AC3E}">
-        <p14:creationId xmlns:p14="http://schemas.microsoft.com/office/powerpoint/2010/main" val="2980526582"/>
+        <p14:creationId xmlns:p14="http://schemas.microsoft.com/office/powerpoint/2010/main" val="1197829330"/>
       </p:ext>
     </p:extLst>
   </p:cSld>
@@ -1971,7 +2058,7 @@
     </p:spTree>
     <p:extLst>
       <p:ext uri="{BB962C8B-B14F-4D97-AF65-F5344CB8AC3E}">
-        <p14:creationId xmlns:p14="http://schemas.microsoft.com/office/powerpoint/2010/main" val="2890518594"/>
+        <p14:creationId xmlns:p14="http://schemas.microsoft.com/office/powerpoint/2010/main" val="2980526582"/>
       </p:ext>
     </p:extLst>
   </p:cSld>
@@ -2075,7 +2162,7 @@
     </p:spTree>
     <p:extLst>
       <p:ext uri="{BB962C8B-B14F-4D97-AF65-F5344CB8AC3E}">
-        <p14:creationId xmlns:p14="http://schemas.microsoft.com/office/powerpoint/2010/main" val="1079838779"/>
+        <p14:creationId xmlns:p14="http://schemas.microsoft.com/office/powerpoint/2010/main" val="2890518594"/>
       </p:ext>
     </p:extLst>
   </p:cSld>
@@ -2179,7 +2266,7 @@
     </p:spTree>
     <p:extLst>
       <p:ext uri="{BB962C8B-B14F-4D97-AF65-F5344CB8AC3E}">
-        <p14:creationId xmlns:p14="http://schemas.microsoft.com/office/powerpoint/2010/main" val="1105152277"/>
+        <p14:creationId xmlns:p14="http://schemas.microsoft.com/office/powerpoint/2010/main" val="1079838779"/>
       </p:ext>
     </p:extLst>
   </p:cSld>
@@ -2230,9 +2317,28 @@
         </p:nvSpPr>
         <p:spPr/>
         <p:txBody>
-          <a:bodyPr/>
-          <a:lstStyle/>
-          <a:p>
+          <a:bodyPr>
+            <a:normAutofit/>
+          </a:bodyPr>
+          <a:lstStyle/>
+          <a:p>
+            <a:pPr marL="0" marR="0" lvl="0" indent="0" algn="l" defTabSz="914400" rtl="0" eaLnBrk="1" fontAlgn="auto" latinLnBrk="0" hangingPunct="1">
+              <a:lnSpc>
+                <a:spcPct val="100000"/>
+              </a:lnSpc>
+              <a:spcBef>
+                <a:spcPts val="0"/>
+              </a:spcBef>
+              <a:spcAft>
+                <a:spcPts val="0"/>
+              </a:spcAft>
+              <a:buClrTx/>
+              <a:buSzTx/>
+              <a:buFontTx/>
+              <a:buNone/>
+              <a:tabLst/>
+              <a:defRPr/>
+            </a:pPr>
             <a:endParaRPr lang="en-US" dirty="0"/>
           </a:p>
         </p:txBody>
@@ -2244,7 +2350,7 @@
             <a:spLocks noGrp="1"/>
           </p:cNvSpPr>
           <p:nvPr>
-            <p:ph type="sldNum" sz="quarter" idx="5"/>
+            <p:ph type="sldNum" sz="quarter" idx="10"/>
           </p:nvPr>
         </p:nvSpPr>
         <p:spPr/>
@@ -2256,6 +2362,299 @@
               <a:rPr lang="en-US" smtClean="0"/>
               <a:pPr/>
               <a:t>25</a:t>
+            </a:fld>
+            <a:endParaRPr lang="en-US"/>
+          </a:p>
+        </p:txBody>
+      </p:sp>
+    </p:spTree>
+    <p:extLst>
+      <p:ext uri="{BB962C8B-B14F-4D97-AF65-F5344CB8AC3E}">
+        <p14:creationId xmlns:p14="http://schemas.microsoft.com/office/powerpoint/2010/main" val="1105152277"/>
+      </p:ext>
+    </p:extLst>
+  </p:cSld>
+  <p:clrMapOvr>
+    <a:masterClrMapping/>
+  </p:clrMapOvr>
+</p:notes>
+</file>
+
+<file path=ppt/notesSlides/notesSlide25.xml><?xml version="1.0" encoding="utf-8"?>
+<p:notes xmlns:a="http://schemas.openxmlformats.org/drawingml/2006/main" xmlns:r="http://schemas.openxmlformats.org/officeDocument/2006/relationships" xmlns:p="http://schemas.openxmlformats.org/presentationml/2006/main">
+  <p:cSld>
+    <p:spTree>
+      <p:nvGrpSpPr>
+        <p:cNvPr id="1" name=""/>
+        <p:cNvGrpSpPr/>
+        <p:nvPr/>
+      </p:nvGrpSpPr>
+      <p:grpSpPr>
+        <a:xfrm>
+          <a:off x="0" y="0"/>
+          <a:ext cx="0" cy="0"/>
+          <a:chOff x="0" y="0"/>
+          <a:chExt cx="0" cy="0"/>
+        </a:xfrm>
+      </p:grpSpPr>
+      <p:sp>
+        <p:nvSpPr>
+          <p:cNvPr id="2" name="Slide Image Placeholder 1"/>
+          <p:cNvSpPr>
+            <a:spLocks noGrp="1" noRot="1" noChangeAspect="1"/>
+          </p:cNvSpPr>
+          <p:nvPr>
+            <p:ph type="sldImg"/>
+          </p:nvPr>
+        </p:nvSpPr>
+        <p:spPr/>
+      </p:sp>
+      <p:sp>
+        <p:nvSpPr>
+          <p:cNvPr id="3" name="Notes Placeholder 2"/>
+          <p:cNvSpPr>
+            <a:spLocks noGrp="1"/>
+          </p:cNvSpPr>
+          <p:nvPr>
+            <p:ph type="body" idx="1"/>
+          </p:nvPr>
+        </p:nvSpPr>
+        <p:spPr/>
+        <p:txBody>
+          <a:bodyPr>
+            <a:normAutofit/>
+          </a:bodyPr>
+          <a:lstStyle/>
+          <a:p>
+            <a:pPr marL="0" marR="0" lvl="0" indent="0" algn="l" defTabSz="914400" rtl="0" eaLnBrk="1" fontAlgn="auto" latinLnBrk="0" hangingPunct="1">
+              <a:lnSpc>
+                <a:spcPct val="100000"/>
+              </a:lnSpc>
+              <a:spcBef>
+                <a:spcPts val="0"/>
+              </a:spcBef>
+              <a:spcAft>
+                <a:spcPts val="0"/>
+              </a:spcAft>
+              <a:buClrTx/>
+              <a:buSzTx/>
+              <a:buFontTx/>
+              <a:buNone/>
+              <a:tabLst/>
+              <a:defRPr/>
+            </a:pPr>
+            <a:endParaRPr lang="en-US" dirty="0"/>
+          </a:p>
+        </p:txBody>
+      </p:sp>
+      <p:sp>
+        <p:nvSpPr>
+          <p:cNvPr id="4" name="Slide Number Placeholder 3"/>
+          <p:cNvSpPr>
+            <a:spLocks noGrp="1"/>
+          </p:cNvSpPr>
+          <p:nvPr>
+            <p:ph type="sldNum" sz="quarter" idx="10"/>
+          </p:nvPr>
+        </p:nvSpPr>
+        <p:spPr/>
+        <p:txBody>
+          <a:bodyPr/>
+          <a:lstStyle/>
+          <a:p>
+            <a:fld id="{2B6F42A7-B42A-4EFE-B8BF-3BC6AAD8E03A}" type="slidenum">
+              <a:rPr lang="en-US" smtClean="0"/>
+              <a:pPr/>
+              <a:t>26</a:t>
+            </a:fld>
+            <a:endParaRPr lang="en-US"/>
+          </a:p>
+        </p:txBody>
+      </p:sp>
+    </p:spTree>
+    <p:extLst>
+      <p:ext uri="{BB962C8B-B14F-4D97-AF65-F5344CB8AC3E}">
+        <p14:creationId xmlns:p14="http://schemas.microsoft.com/office/powerpoint/2010/main" val="1982416632"/>
+      </p:ext>
+    </p:extLst>
+  </p:cSld>
+  <p:clrMapOvr>
+    <a:masterClrMapping/>
+  </p:clrMapOvr>
+</p:notes>
+</file>
+
+<file path=ppt/notesSlides/notesSlide26.xml><?xml version="1.0" encoding="utf-8"?>
+<p:notes xmlns:a="http://schemas.openxmlformats.org/drawingml/2006/main" xmlns:r="http://schemas.openxmlformats.org/officeDocument/2006/relationships" xmlns:p="http://schemas.openxmlformats.org/presentationml/2006/main">
+  <p:cSld>
+    <p:spTree>
+      <p:nvGrpSpPr>
+        <p:cNvPr id="1" name=""/>
+        <p:cNvGrpSpPr/>
+        <p:nvPr/>
+      </p:nvGrpSpPr>
+      <p:grpSpPr>
+        <a:xfrm>
+          <a:off x="0" y="0"/>
+          <a:ext cx="0" cy="0"/>
+          <a:chOff x="0" y="0"/>
+          <a:chExt cx="0" cy="0"/>
+        </a:xfrm>
+      </p:grpSpPr>
+      <p:sp>
+        <p:nvSpPr>
+          <p:cNvPr id="2" name="Slide Image Placeholder 1"/>
+          <p:cNvSpPr>
+            <a:spLocks noGrp="1" noRot="1" noChangeAspect="1"/>
+          </p:cNvSpPr>
+          <p:nvPr>
+            <p:ph type="sldImg"/>
+          </p:nvPr>
+        </p:nvSpPr>
+        <p:spPr/>
+      </p:sp>
+      <p:sp>
+        <p:nvSpPr>
+          <p:cNvPr id="3" name="Notes Placeholder 2"/>
+          <p:cNvSpPr>
+            <a:spLocks noGrp="1"/>
+          </p:cNvSpPr>
+          <p:nvPr>
+            <p:ph type="body" idx="1"/>
+          </p:nvPr>
+        </p:nvSpPr>
+        <p:spPr/>
+        <p:txBody>
+          <a:bodyPr>
+            <a:normAutofit/>
+          </a:bodyPr>
+          <a:lstStyle/>
+          <a:p>
+            <a:pPr marL="0" marR="0" lvl="0" indent="0" algn="l" defTabSz="914400" rtl="0" eaLnBrk="1" fontAlgn="auto" latinLnBrk="0" hangingPunct="1">
+              <a:lnSpc>
+                <a:spcPct val="100000"/>
+              </a:lnSpc>
+              <a:spcBef>
+                <a:spcPts val="0"/>
+              </a:spcBef>
+              <a:spcAft>
+                <a:spcPts val="0"/>
+              </a:spcAft>
+              <a:buClrTx/>
+              <a:buSzTx/>
+              <a:buFontTx/>
+              <a:buNone/>
+              <a:tabLst/>
+              <a:defRPr/>
+            </a:pPr>
+            <a:endParaRPr lang="en-US" dirty="0"/>
+          </a:p>
+        </p:txBody>
+      </p:sp>
+      <p:sp>
+        <p:nvSpPr>
+          <p:cNvPr id="4" name="Slide Number Placeholder 3"/>
+          <p:cNvSpPr>
+            <a:spLocks noGrp="1"/>
+          </p:cNvSpPr>
+          <p:nvPr>
+            <p:ph type="sldNum" sz="quarter" idx="10"/>
+          </p:nvPr>
+        </p:nvSpPr>
+        <p:spPr/>
+        <p:txBody>
+          <a:bodyPr/>
+          <a:lstStyle/>
+          <a:p>
+            <a:fld id="{2B6F42A7-B42A-4EFE-B8BF-3BC6AAD8E03A}" type="slidenum">
+              <a:rPr lang="en-US" smtClean="0"/>
+              <a:pPr/>
+              <a:t>27</a:t>
+            </a:fld>
+            <a:endParaRPr lang="en-US"/>
+          </a:p>
+        </p:txBody>
+      </p:sp>
+    </p:spTree>
+    <p:extLst>
+      <p:ext uri="{BB962C8B-B14F-4D97-AF65-F5344CB8AC3E}">
+        <p14:creationId xmlns:p14="http://schemas.microsoft.com/office/powerpoint/2010/main" val="3987490079"/>
+      </p:ext>
+    </p:extLst>
+  </p:cSld>
+  <p:clrMapOvr>
+    <a:masterClrMapping/>
+  </p:clrMapOvr>
+</p:notes>
+</file>
+
+<file path=ppt/notesSlides/notesSlide27.xml><?xml version="1.0" encoding="utf-8"?>
+<p:notes xmlns:a="http://schemas.openxmlformats.org/drawingml/2006/main" xmlns:r="http://schemas.openxmlformats.org/officeDocument/2006/relationships" xmlns:p="http://schemas.openxmlformats.org/presentationml/2006/main">
+  <p:cSld>
+    <p:spTree>
+      <p:nvGrpSpPr>
+        <p:cNvPr id="1" name=""/>
+        <p:cNvGrpSpPr/>
+        <p:nvPr/>
+      </p:nvGrpSpPr>
+      <p:grpSpPr>
+        <a:xfrm>
+          <a:off x="0" y="0"/>
+          <a:ext cx="0" cy="0"/>
+          <a:chOff x="0" y="0"/>
+          <a:chExt cx="0" cy="0"/>
+        </a:xfrm>
+      </p:grpSpPr>
+      <p:sp>
+        <p:nvSpPr>
+          <p:cNvPr id="2" name="Slide Image Placeholder 1"/>
+          <p:cNvSpPr>
+            <a:spLocks noGrp="1" noRot="1" noChangeAspect="1"/>
+          </p:cNvSpPr>
+          <p:nvPr>
+            <p:ph type="sldImg"/>
+          </p:nvPr>
+        </p:nvSpPr>
+        <p:spPr/>
+      </p:sp>
+      <p:sp>
+        <p:nvSpPr>
+          <p:cNvPr id="3" name="Notes Placeholder 2"/>
+          <p:cNvSpPr>
+            <a:spLocks noGrp="1"/>
+          </p:cNvSpPr>
+          <p:nvPr>
+            <p:ph type="body" idx="1"/>
+          </p:nvPr>
+        </p:nvSpPr>
+        <p:spPr/>
+        <p:txBody>
+          <a:bodyPr/>
+          <a:lstStyle/>
+          <a:p>
+            <a:endParaRPr lang="en-US" dirty="0"/>
+          </a:p>
+        </p:txBody>
+      </p:sp>
+      <p:sp>
+        <p:nvSpPr>
+          <p:cNvPr id="4" name="Slide Number Placeholder 3"/>
+          <p:cNvSpPr>
+            <a:spLocks noGrp="1"/>
+          </p:cNvSpPr>
+          <p:nvPr>
+            <p:ph type="sldNum" sz="quarter" idx="5"/>
+          </p:nvPr>
+        </p:nvSpPr>
+        <p:spPr/>
+        <p:txBody>
+          <a:bodyPr/>
+          <a:lstStyle/>
+          <a:p>
+            <a:fld id="{2B6F42A7-B42A-4EFE-B8BF-3BC6AAD8E03A}" type="slidenum">
+              <a:rPr lang="en-US" smtClean="0"/>
+              <a:pPr/>
+              <a:t>28</a:t>
             </a:fld>
             <a:endParaRPr lang="en-US"/>
           </a:p>
@@ -3183,7 +3582,7 @@
             <a:fld id="{31E92B8E-6087-4A13-9F20-23C7A62C6D17}" type="datetimeFigureOut">
               <a:rPr lang="en-US" smtClean="0"/>
               <a:pPr/>
-              <a:t>29/01/2023</a:t>
+              <a:t>11/02/2023</a:t>
             </a:fld>
             <a:endParaRPr lang="en-US"/>
           </a:p>
@@ -3483,7 +3882,7 @@
             <a:fld id="{31E92B8E-6087-4A13-9F20-23C7A62C6D17}" type="datetimeFigureOut">
               <a:rPr lang="en-US" smtClean="0"/>
               <a:pPr/>
-              <a:t>29/01/2023</a:t>
+              <a:t>11/02/2023</a:t>
             </a:fld>
             <a:endParaRPr lang="en-US"/>
           </a:p>
@@ -3659,7 +4058,7 @@
             <a:fld id="{31E92B8E-6087-4A13-9F20-23C7A62C6D17}" type="datetimeFigureOut">
               <a:rPr lang="en-US" smtClean="0"/>
               <a:pPr/>
-              <a:t>29/01/2023</a:t>
+              <a:t>11/02/2023</a:t>
             </a:fld>
             <a:endParaRPr lang="en-US"/>
           </a:p>
@@ -3825,7 +4224,7 @@
             <a:fld id="{31E92B8E-6087-4A13-9F20-23C7A62C6D17}" type="datetimeFigureOut">
               <a:rPr lang="en-US" smtClean="0"/>
               <a:pPr/>
-              <a:t>29/01/2023</a:t>
+              <a:t>11/02/2023</a:t>
             </a:fld>
             <a:endParaRPr lang="en-US"/>
           </a:p>
@@ -4086,7 +4485,7 @@
             <a:fld id="{31E92B8E-6087-4A13-9F20-23C7A62C6D17}" type="datetimeFigureOut">
               <a:rPr lang="en-US" smtClean="0"/>
               <a:pPr/>
-              <a:t>29/01/2023</a:t>
+              <a:t>11/02/2023</a:t>
             </a:fld>
             <a:endParaRPr lang="en-US"/>
           </a:p>
@@ -4541,7 +4940,7 @@
             <a:fld id="{31E92B8E-6087-4A13-9F20-23C7A62C6D17}" type="datetimeFigureOut">
               <a:rPr lang="en-US" smtClean="0"/>
               <a:pPr/>
-              <a:t>29/01/2023</a:t>
+              <a:t>11/02/2023</a:t>
             </a:fld>
             <a:endParaRPr lang="en-US"/>
           </a:p>
@@ -5025,7 +5424,7 @@
             <a:fld id="{31E92B8E-6087-4A13-9F20-23C7A62C6D17}" type="datetimeFigureOut">
               <a:rPr lang="en-US" smtClean="0"/>
               <a:pPr/>
-              <a:t>29/01/2023</a:t>
+              <a:t>11/02/2023</a:t>
             </a:fld>
             <a:endParaRPr lang="en-US"/>
           </a:p>
@@ -5144,7 +5543,7 @@
             <a:fld id="{31E92B8E-6087-4A13-9F20-23C7A62C6D17}" type="datetimeFigureOut">
               <a:rPr lang="en-US" smtClean="0"/>
               <a:pPr/>
-              <a:t>29/01/2023</a:t>
+              <a:t>11/02/2023</a:t>
             </a:fld>
             <a:endParaRPr lang="en-US"/>
           </a:p>
@@ -5282,7 +5681,7 @@
             <a:fld id="{31E92B8E-6087-4A13-9F20-23C7A62C6D17}" type="datetimeFigureOut">
               <a:rPr lang="en-US" smtClean="0"/>
               <a:pPr/>
-              <a:t>29/01/2023</a:t>
+              <a:t>11/02/2023</a:t>
             </a:fld>
             <a:endParaRPr lang="en-US"/>
           </a:p>
@@ -5597,7 +5996,7 @@
             <a:fld id="{31E92B8E-6087-4A13-9F20-23C7A62C6D17}" type="datetimeFigureOut">
               <a:rPr lang="en-US" smtClean="0"/>
               <a:pPr/>
-              <a:t>29/01/2023</a:t>
+              <a:t>11/02/2023</a:t>
             </a:fld>
             <a:endParaRPr lang="en-US"/>
           </a:p>
@@ -5726,7 +6125,7 @@
             <a:fld id="{31E92B8E-6087-4A13-9F20-23C7A62C6D17}" type="datetimeFigureOut">
               <a:rPr lang="en-US" smtClean="0"/>
               <a:pPr/>
-              <a:t>29/01/2023</a:t>
+              <a:t>11/02/2023</a:t>
             </a:fld>
             <a:endParaRPr lang="en-US"/>
           </a:p>
@@ -6485,7 +6884,7 @@
             <a:fld id="{31E92B8E-6087-4A13-9F20-23C7A62C6D17}" type="datetimeFigureOut">
               <a:rPr lang="en-US" smtClean="0"/>
               <a:pPr/>
-              <a:t>29/01/2023</a:t>
+              <a:t>11/02/2023</a:t>
             </a:fld>
             <a:endParaRPr lang="en-US"/>
           </a:p>
@@ -8628,6 +9027,13 @@
             <a:endParaRPr lang="en-US" dirty="0"/>
           </a:p>
           <a:p>
+            <a:pPr lvl="2"/>
+            <a:r>
+              <a:rPr lang="en-US" dirty="0"/>
+              <a:t>jar package</a:t>
+            </a:r>
+          </a:p>
+          <a:p>
             <a:pPr lvl="1"/>
             <a:endParaRPr lang="en-US" dirty="0"/>
           </a:p>
@@ -8655,7 +9061,7 @@
         </p:blipFill>
         <p:spPr>
           <a:xfrm>
-            <a:off x="2120324" y="2708920"/>
+            <a:off x="2120324" y="3129880"/>
             <a:ext cx="6916172" cy="3539480"/>
           </a:xfrm>
           <a:prstGeom prst="rect">
@@ -8677,6 +9083,137 @@
 </file>
 
 <file path=ppt/slides/slide17.xml><?xml version="1.0" encoding="utf-8"?>
+<p:sld xmlns:a="http://schemas.openxmlformats.org/drawingml/2006/main" xmlns:r="http://schemas.openxmlformats.org/officeDocument/2006/relationships" xmlns:p="http://schemas.openxmlformats.org/presentationml/2006/main">
+  <p:cSld>
+    <p:spTree>
+      <p:nvGrpSpPr>
+        <p:cNvPr id="1" name=""/>
+        <p:cNvGrpSpPr/>
+        <p:nvPr/>
+      </p:nvGrpSpPr>
+      <p:grpSpPr>
+        <a:xfrm>
+          <a:off x="0" y="0"/>
+          <a:ext cx="0" cy="0"/>
+          <a:chOff x="0" y="0"/>
+          <a:chExt cx="0" cy="0"/>
+        </a:xfrm>
+      </p:grpSpPr>
+      <p:sp>
+        <p:nvSpPr>
+          <p:cNvPr id="2" name="Title 1"/>
+          <p:cNvSpPr>
+            <a:spLocks noGrp="1"/>
+          </p:cNvSpPr>
+          <p:nvPr>
+            <p:ph type="title"/>
+          </p:nvPr>
+        </p:nvSpPr>
+        <p:spPr/>
+        <p:txBody>
+          <a:bodyPr/>
+          <a:lstStyle/>
+          <a:p>
+            <a:r>
+              <a:rPr lang="en-US" dirty="0"/>
+              <a:t>Maven</a:t>
+            </a:r>
+          </a:p>
+        </p:txBody>
+      </p:sp>
+      <p:sp>
+        <p:nvSpPr>
+          <p:cNvPr id="3" name="Content Placeholder 2"/>
+          <p:cNvSpPr>
+            <a:spLocks noGrp="1"/>
+          </p:cNvSpPr>
+          <p:nvPr>
+            <p:ph idx="1"/>
+          </p:nvPr>
+        </p:nvSpPr>
+        <p:spPr/>
+        <p:txBody>
+          <a:bodyPr/>
+          <a:lstStyle/>
+          <a:p>
+            <a:r>
+              <a:rPr lang="en-US" dirty="0"/>
+              <a:t>Command Line</a:t>
+            </a:r>
+          </a:p>
+          <a:p>
+            <a:pPr lvl="1"/>
+            <a:r>
+              <a:rPr lang="en-US" dirty="0" err="1"/>
+              <a:t>mvn</a:t>
+            </a:r>
+            <a:r>
+              <a:rPr lang="en-US" dirty="0"/>
+              <a:t> </a:t>
+            </a:r>
+            <a:r>
+              <a:rPr lang="en-US" dirty="0" err="1"/>
+              <a:t>archetype:generate</a:t>
+            </a:r>
+            <a:endParaRPr lang="en-US" dirty="0"/>
+          </a:p>
+          <a:p>
+            <a:pPr lvl="2"/>
+            <a:r>
+              <a:rPr lang="en-US" dirty="0"/>
+              <a:t>war package</a:t>
+            </a:r>
+          </a:p>
+          <a:p>
+            <a:pPr lvl="1"/>
+            <a:endParaRPr lang="en-US" dirty="0"/>
+          </a:p>
+        </p:txBody>
+      </p:sp>
+      <p:pic>
+        <p:nvPicPr>
+          <p:cNvPr id="6" name="Picture 5">
+            <a:extLst>
+              <a:ext uri="{FF2B5EF4-FFF2-40B4-BE49-F238E27FC236}">
+                <a16:creationId xmlns:a16="http://schemas.microsoft.com/office/drawing/2014/main" id="{DB32908C-0502-77EE-2501-BB7B658B617C}"/>
+              </a:ext>
+            </a:extLst>
+          </p:cNvPr>
+          <p:cNvPicPr>
+            <a:picLocks noChangeAspect="1"/>
+          </p:cNvPicPr>
+          <p:nvPr/>
+        </p:nvPicPr>
+        <p:blipFill>
+          <a:blip r:embed="rId3"/>
+          <a:stretch>
+            <a:fillRect/>
+          </a:stretch>
+        </p:blipFill>
+        <p:spPr>
+          <a:xfrm>
+            <a:off x="2195736" y="2996952"/>
+            <a:ext cx="6857452" cy="3753065"/>
+          </a:xfrm>
+          <a:prstGeom prst="rect">
+            <a:avLst/>
+          </a:prstGeom>
+        </p:spPr>
+      </p:pic>
+    </p:spTree>
+    <p:extLst>
+      <p:ext uri="{BB962C8B-B14F-4D97-AF65-F5344CB8AC3E}">
+        <p14:creationId xmlns:p14="http://schemas.microsoft.com/office/powerpoint/2010/main" val="3971899285"/>
+      </p:ext>
+    </p:extLst>
+  </p:cSld>
+  <p:clrMapOvr>
+    <a:masterClrMapping/>
+  </p:clrMapOvr>
+</p:sld>
+</file>
+
+<file path=ppt/slides/slide18.xml><?xml version="1.0" encoding="utf-8"?>
 <p:sld xmlns:a="http://schemas.openxmlformats.org/drawingml/2006/main" xmlns:r="http://schemas.openxmlformats.org/officeDocument/2006/relationships" xmlns:p="http://schemas.openxmlformats.org/presentationml/2006/main">
   <p:cSld>
     <p:spTree>
@@ -8795,7 +9332,7 @@
 </p:sld>
 </file>
 
-<file path=ppt/slides/slide18.xml><?xml version="1.0" encoding="utf-8"?>
+<file path=ppt/slides/slide19.xml><?xml version="1.0" encoding="utf-8"?>
 <p:sld xmlns:a="http://schemas.openxmlformats.org/drawingml/2006/main" xmlns:r="http://schemas.openxmlformats.org/officeDocument/2006/relationships" xmlns:p="http://schemas.openxmlformats.org/presentationml/2006/main">
   <p:cSld>
     <p:spTree>
@@ -8914,7 +9451,97 @@
 </p:sld>
 </file>
 
-<file path=ppt/slides/slide19.xml><?xml version="1.0" encoding="utf-8"?>
+<file path=ppt/slides/slide2.xml><?xml version="1.0" encoding="utf-8"?>
+<p:sld xmlns:a="http://schemas.openxmlformats.org/drawingml/2006/main" xmlns:r="http://schemas.openxmlformats.org/officeDocument/2006/relationships" xmlns:p="http://schemas.openxmlformats.org/presentationml/2006/main">
+  <p:cSld>
+    <p:spTree>
+      <p:nvGrpSpPr>
+        <p:cNvPr id="1" name=""/>
+        <p:cNvGrpSpPr/>
+        <p:nvPr/>
+      </p:nvGrpSpPr>
+      <p:grpSpPr>
+        <a:xfrm>
+          <a:off x="0" y="0"/>
+          <a:ext cx="0" cy="0"/>
+          <a:chOff x="0" y="0"/>
+          <a:chExt cx="0" cy="0"/>
+        </a:xfrm>
+      </p:grpSpPr>
+      <p:sp>
+        <p:nvSpPr>
+          <p:cNvPr id="2" name="Title 1"/>
+          <p:cNvSpPr>
+            <a:spLocks noGrp="1"/>
+          </p:cNvSpPr>
+          <p:nvPr>
+            <p:ph type="title"/>
+          </p:nvPr>
+        </p:nvSpPr>
+        <p:spPr/>
+        <p:txBody>
+          <a:bodyPr/>
+          <a:lstStyle/>
+          <a:p>
+            <a:r>
+              <a:rPr lang="en-US" dirty="0"/>
+              <a:t>Agenda</a:t>
+            </a:r>
+          </a:p>
+        </p:txBody>
+      </p:sp>
+      <p:sp>
+        <p:nvSpPr>
+          <p:cNvPr id="3" name="Content Placeholder 2"/>
+          <p:cNvSpPr>
+            <a:spLocks noGrp="1"/>
+          </p:cNvSpPr>
+          <p:nvPr>
+            <p:ph idx="1"/>
+          </p:nvPr>
+        </p:nvSpPr>
+        <p:spPr/>
+        <p:txBody>
+          <a:bodyPr/>
+          <a:lstStyle/>
+          <a:p>
+            <a:r>
+              <a:rPr lang="en-US" dirty="0"/>
+              <a:t>Apache Maven</a:t>
+            </a:r>
+          </a:p>
+          <a:p>
+            <a:endParaRPr lang="en-US" dirty="0"/>
+          </a:p>
+          <a:p>
+            <a:endParaRPr lang="en-US" dirty="0"/>
+          </a:p>
+          <a:p>
+            <a:endParaRPr lang="en-US" dirty="0"/>
+          </a:p>
+          <a:p>
+            <a:endParaRPr lang="en-US" dirty="0"/>
+          </a:p>
+          <a:p>
+            <a:pPr lvl="1"/>
+            <a:endParaRPr lang="en-US" dirty="0"/>
+          </a:p>
+        </p:txBody>
+      </p:sp>
+    </p:spTree>
+    <p:extLst>
+      <p:ext uri="{BB962C8B-B14F-4D97-AF65-F5344CB8AC3E}">
+        <p14:creationId xmlns:p14="http://schemas.microsoft.com/office/powerpoint/2010/main" val="1011993927"/>
+      </p:ext>
+    </p:extLst>
+  </p:cSld>
+  <p:clrMapOvr>
+    <a:masterClrMapping/>
+  </p:clrMapOvr>
+</p:sld>
+</file>
+
+<file path=ppt/slides/slide20.xml><?xml version="1.0" encoding="utf-8"?>
 <p:sld xmlns:a="http://schemas.openxmlformats.org/drawingml/2006/main" xmlns:r="http://schemas.openxmlformats.org/officeDocument/2006/relationships" xmlns:p="http://schemas.openxmlformats.org/presentationml/2006/main">
   <p:cSld>
     <p:spTree>
@@ -9033,97 +9660,7 @@
 </p:sld>
 </file>
 
-<file path=ppt/slides/slide2.xml><?xml version="1.0" encoding="utf-8"?>
-<p:sld xmlns:a="http://schemas.openxmlformats.org/drawingml/2006/main" xmlns:r="http://schemas.openxmlformats.org/officeDocument/2006/relationships" xmlns:p="http://schemas.openxmlformats.org/presentationml/2006/main">
-  <p:cSld>
-    <p:spTree>
-      <p:nvGrpSpPr>
-        <p:cNvPr id="1" name=""/>
-        <p:cNvGrpSpPr/>
-        <p:nvPr/>
-      </p:nvGrpSpPr>
-      <p:grpSpPr>
-        <a:xfrm>
-          <a:off x="0" y="0"/>
-          <a:ext cx="0" cy="0"/>
-          <a:chOff x="0" y="0"/>
-          <a:chExt cx="0" cy="0"/>
-        </a:xfrm>
-      </p:grpSpPr>
-      <p:sp>
-        <p:nvSpPr>
-          <p:cNvPr id="2" name="Title 1"/>
-          <p:cNvSpPr>
-            <a:spLocks noGrp="1"/>
-          </p:cNvSpPr>
-          <p:nvPr>
-            <p:ph type="title"/>
-          </p:nvPr>
-        </p:nvSpPr>
-        <p:spPr/>
-        <p:txBody>
-          <a:bodyPr/>
-          <a:lstStyle/>
-          <a:p>
-            <a:r>
-              <a:rPr lang="en-US" dirty="0"/>
-              <a:t>Agenda</a:t>
-            </a:r>
-          </a:p>
-        </p:txBody>
-      </p:sp>
-      <p:sp>
-        <p:nvSpPr>
-          <p:cNvPr id="3" name="Content Placeholder 2"/>
-          <p:cNvSpPr>
-            <a:spLocks noGrp="1"/>
-          </p:cNvSpPr>
-          <p:nvPr>
-            <p:ph idx="1"/>
-          </p:nvPr>
-        </p:nvSpPr>
-        <p:spPr/>
-        <p:txBody>
-          <a:bodyPr/>
-          <a:lstStyle/>
-          <a:p>
-            <a:r>
-              <a:rPr lang="en-US" dirty="0"/>
-              <a:t>Apache Maven</a:t>
-            </a:r>
-          </a:p>
-          <a:p>
-            <a:endParaRPr lang="en-US" dirty="0"/>
-          </a:p>
-          <a:p>
-            <a:endParaRPr lang="en-US" dirty="0"/>
-          </a:p>
-          <a:p>
-            <a:endParaRPr lang="en-US" dirty="0"/>
-          </a:p>
-          <a:p>
-            <a:endParaRPr lang="en-US" dirty="0"/>
-          </a:p>
-          <a:p>
-            <a:pPr lvl="1"/>
-            <a:endParaRPr lang="en-US" dirty="0"/>
-          </a:p>
-        </p:txBody>
-      </p:sp>
-    </p:spTree>
-    <p:extLst>
-      <p:ext uri="{BB962C8B-B14F-4D97-AF65-F5344CB8AC3E}">
-        <p14:creationId xmlns:p14="http://schemas.microsoft.com/office/powerpoint/2010/main" val="1011993927"/>
-      </p:ext>
-    </p:extLst>
-  </p:cSld>
-  <p:clrMapOvr>
-    <a:masterClrMapping/>
-  </p:clrMapOvr>
-</p:sld>
-</file>
-
-<file path=ppt/slides/slide20.xml><?xml version="1.0" encoding="utf-8"?>
+<file path=ppt/slides/slide21.xml><?xml version="1.0" encoding="utf-8"?>
 <p:sld xmlns:a="http://schemas.openxmlformats.org/drawingml/2006/main" xmlns:r="http://schemas.openxmlformats.org/officeDocument/2006/relationships" xmlns:p="http://schemas.openxmlformats.org/presentationml/2006/main">
   <p:cSld>
     <p:spTree>
@@ -9242,7 +9779,7 @@
 </p:sld>
 </file>
 
-<file path=ppt/slides/slide21.xml><?xml version="1.0" encoding="utf-8"?>
+<file path=ppt/slides/slide22.xml><?xml version="1.0" encoding="utf-8"?>
 <p:sld xmlns:a="http://schemas.openxmlformats.org/drawingml/2006/main" xmlns:r="http://schemas.openxmlformats.org/officeDocument/2006/relationships" xmlns:p="http://schemas.openxmlformats.org/presentationml/2006/main">
   <p:cSld>
     <p:spTree>
@@ -9361,7 +9898,7 @@
 </p:sld>
 </file>
 
-<file path=ppt/slides/slide22.xml><?xml version="1.0" encoding="utf-8"?>
+<file path=ppt/slides/slide23.xml><?xml version="1.0" encoding="utf-8"?>
 <p:sld xmlns:a="http://schemas.openxmlformats.org/drawingml/2006/main" xmlns:r="http://schemas.openxmlformats.org/officeDocument/2006/relationships" xmlns:p="http://schemas.openxmlformats.org/presentationml/2006/main">
   <p:cSld>
     <p:spTree>
@@ -9424,7 +9961,7 @@
             <a:pPr lvl="1"/>
             <a:r>
               <a:rPr lang="en-US" dirty="0"/>
-              <a:t>File -&gt; New -&gt; Other</a:t>
+              <a:t>File -&gt; New -&gt; Other (jar)</a:t>
             </a:r>
           </a:p>
           <a:p>
@@ -9451,7 +9988,7 @@
         </p:nvGrpSpPr>
         <p:grpSpPr>
           <a:xfrm>
-            <a:off x="1979713" y="2492896"/>
+            <a:off x="2210970" y="2492896"/>
             <a:ext cx="2258598" cy="2042651"/>
             <a:chOff x="1979713" y="2492896"/>
             <a:chExt cx="2258598" cy="2042651"/>
@@ -9561,7 +10098,7 @@
         </p:nvGrpSpPr>
         <p:grpSpPr>
           <a:xfrm>
-            <a:off x="4376619" y="2508763"/>
+            <a:off x="4607876" y="2508763"/>
             <a:ext cx="2235196" cy="2048403"/>
             <a:chOff x="4376619" y="2508763"/>
             <a:chExt cx="2235196" cy="2048403"/>
@@ -9671,7 +10208,7 @@
         </p:nvGrpSpPr>
         <p:grpSpPr>
           <a:xfrm>
-            <a:off x="1964479" y="4653137"/>
+            <a:off x="2195736" y="4653137"/>
             <a:ext cx="2289065" cy="2042650"/>
             <a:chOff x="1964479" y="4653137"/>
             <a:chExt cx="2289065" cy="2042650"/>
@@ -9781,7 +10318,7 @@
         </p:nvGrpSpPr>
         <p:grpSpPr>
           <a:xfrm>
-            <a:off x="4374279" y="4653138"/>
+            <a:off x="4605536" y="4653138"/>
             <a:ext cx="2289065" cy="2042650"/>
             <a:chOff x="4374279" y="4653138"/>
             <a:chExt cx="2289065" cy="2042650"/>
@@ -9890,7 +10427,7 @@
 </p:sld>
 </file>
 
-<file path=ppt/slides/slide23.xml><?xml version="1.0" encoding="utf-8"?>
+<file path=ppt/slides/slide24.xml><?xml version="1.0" encoding="utf-8"?>
 <p:sld xmlns:a="http://schemas.openxmlformats.org/drawingml/2006/main" xmlns:r="http://schemas.openxmlformats.org/officeDocument/2006/relationships" xmlns:p="http://schemas.openxmlformats.org/presentationml/2006/main">
   <p:cSld>
     <p:spTree>
@@ -9953,7 +10490,7 @@
             <a:pPr lvl="1"/>
             <a:r>
               <a:rPr lang="en-US" dirty="0"/>
-              <a:t>File -&gt; New -&gt; Other</a:t>
+              <a:t>java project</a:t>
             </a:r>
           </a:p>
           <a:p>
@@ -9988,7 +10525,7 @@
         </p:blipFill>
         <p:spPr>
           <a:xfrm>
-            <a:off x="2158618" y="2602956"/>
+            <a:off x="2158618" y="2615378"/>
             <a:ext cx="6229806" cy="4125990"/>
           </a:xfrm>
           <a:prstGeom prst="rect">
@@ -10009,7 +10546,7 @@
 </p:sld>
 </file>
 
-<file path=ppt/slides/slide24.xml><?xml version="1.0" encoding="utf-8"?>
+<file path=ppt/slides/slide25.xml><?xml version="1.0" encoding="utf-8"?>
 <p:sld xmlns:a="http://schemas.openxmlformats.org/drawingml/2006/main" xmlns:r="http://schemas.openxmlformats.org/officeDocument/2006/relationships" xmlns:p="http://schemas.openxmlformats.org/presentationml/2006/main">
   <p:cSld>
     <p:spTree>
@@ -10070,7 +10607,10 @@
           </a:p>
           <a:p>
             <a:pPr lvl="1"/>
-            <a:endParaRPr lang="en-US" dirty="0"/>
+            <a:r>
+              <a:rPr lang="en-US" dirty="0"/>
+              <a:t>build</a:t>
+            </a:r>
           </a:p>
           <a:p>
             <a:pPr lvl="1"/>
@@ -10104,7 +10644,7 @@
         </p:blipFill>
         <p:spPr>
           <a:xfrm>
-            <a:off x="1979712" y="2132856"/>
+            <a:off x="1979712" y="2492896"/>
             <a:ext cx="2952328" cy="2400989"/>
           </a:xfrm>
           <a:prstGeom prst="rect">
@@ -10134,7 +10674,7 @@
         </p:blipFill>
         <p:spPr>
           <a:xfrm>
-            <a:off x="5194922" y="2132856"/>
+            <a:off x="5194922" y="2492896"/>
             <a:ext cx="3475884" cy="4221088"/>
           </a:xfrm>
           <a:prstGeom prst="rect">
@@ -10155,7 +10695,7 @@
 </p:sld>
 </file>
 
-<file path=ppt/slides/slide25.xml><?xml version="1.0" encoding="utf-8"?>
+<file path=ppt/slides/slide26.xml><?xml version="1.0" encoding="utf-8"?>
 <p:sld xmlns:a="http://schemas.openxmlformats.org/drawingml/2006/main" xmlns:r="http://schemas.openxmlformats.org/officeDocument/2006/relationships" xmlns:p="http://schemas.openxmlformats.org/presentationml/2006/main">
   <p:cSld>
     <p:spTree>
@@ -10172,6 +10712,633 @@
           <a:chExt cx="0" cy="0"/>
         </a:xfrm>
       </p:grpSpPr>
+      <p:pic>
+        <p:nvPicPr>
+          <p:cNvPr id="9" name="Picture 8">
+            <a:extLst>
+              <a:ext uri="{FF2B5EF4-FFF2-40B4-BE49-F238E27FC236}">
+                <a16:creationId xmlns:a16="http://schemas.microsoft.com/office/drawing/2014/main" id="{BA5305A5-BF51-1266-9242-375D532024DB}"/>
+              </a:ext>
+            </a:extLst>
+          </p:cNvPr>
+          <p:cNvPicPr>
+            <a:picLocks noChangeAspect="1"/>
+          </p:cNvPicPr>
+          <p:nvPr/>
+        </p:nvPicPr>
+        <p:blipFill>
+          <a:blip r:embed="rId3"/>
+          <a:stretch>
+            <a:fillRect/>
+          </a:stretch>
+        </p:blipFill>
+        <p:spPr>
+          <a:xfrm>
+            <a:off x="4605536" y="2492896"/>
+            <a:ext cx="2258598" cy="2069848"/>
+          </a:xfrm>
+          <a:prstGeom prst="rect">
+            <a:avLst/>
+          </a:prstGeom>
+        </p:spPr>
+      </p:pic>
+      <p:sp>
+        <p:nvSpPr>
+          <p:cNvPr id="2" name="Title 1"/>
+          <p:cNvSpPr>
+            <a:spLocks noGrp="1"/>
+          </p:cNvSpPr>
+          <p:nvPr>
+            <p:ph type="title"/>
+          </p:nvPr>
+        </p:nvSpPr>
+        <p:spPr/>
+        <p:txBody>
+          <a:bodyPr/>
+          <a:lstStyle/>
+          <a:p>
+            <a:r>
+              <a:rPr lang="en-US" dirty="0"/>
+              <a:t>Maven</a:t>
+            </a:r>
+          </a:p>
+        </p:txBody>
+      </p:sp>
+      <p:sp>
+        <p:nvSpPr>
+          <p:cNvPr id="3" name="Content Placeholder 2"/>
+          <p:cNvSpPr>
+            <a:spLocks noGrp="1"/>
+          </p:cNvSpPr>
+          <p:nvPr>
+            <p:ph idx="1"/>
+          </p:nvPr>
+        </p:nvSpPr>
+        <p:spPr/>
+        <p:txBody>
+          <a:bodyPr/>
+          <a:lstStyle/>
+          <a:p>
+            <a:r>
+              <a:rPr lang="en-US" dirty="0"/>
+              <a:t>Eclipse IDE Plugin</a:t>
+            </a:r>
+          </a:p>
+          <a:p>
+            <a:pPr lvl="1"/>
+            <a:r>
+              <a:rPr lang="en-US" dirty="0"/>
+              <a:t>File -&gt; New -&gt; Other (war)</a:t>
+            </a:r>
+          </a:p>
+          <a:p>
+            <a:pPr lvl="1"/>
+            <a:endParaRPr lang="en-US" dirty="0"/>
+          </a:p>
+          <a:p>
+            <a:pPr lvl="1"/>
+            <a:endParaRPr lang="en-US" dirty="0"/>
+          </a:p>
+        </p:txBody>
+      </p:sp>
+      <p:grpSp>
+        <p:nvGrpSpPr>
+          <p:cNvPr id="19" name="Group 18">
+            <a:extLst>
+              <a:ext uri="{FF2B5EF4-FFF2-40B4-BE49-F238E27FC236}">
+                <a16:creationId xmlns:a16="http://schemas.microsoft.com/office/drawing/2014/main" id="{EF830348-E119-1B50-7894-EEC69363CEEE}"/>
+              </a:ext>
+            </a:extLst>
+          </p:cNvPr>
+          <p:cNvGrpSpPr/>
+          <p:nvPr/>
+        </p:nvGrpSpPr>
+        <p:grpSpPr>
+          <a:xfrm>
+            <a:off x="2210970" y="2492896"/>
+            <a:ext cx="2258598" cy="2042651"/>
+            <a:chOff x="1979713" y="2492896"/>
+            <a:chExt cx="2258598" cy="2042651"/>
+          </a:xfrm>
+        </p:grpSpPr>
+        <p:pic>
+          <p:nvPicPr>
+            <p:cNvPr id="6" name="Picture 5">
+              <a:extLst>
+                <a:ext uri="{FF2B5EF4-FFF2-40B4-BE49-F238E27FC236}">
+                  <a16:creationId xmlns:a16="http://schemas.microsoft.com/office/drawing/2014/main" id="{A7282A3C-954E-0E00-9D21-9C73E1F15B40}"/>
+                </a:ext>
+              </a:extLst>
+            </p:cNvPr>
+            <p:cNvPicPr>
+              <a:picLocks noChangeAspect="1"/>
+            </p:cNvPicPr>
+            <p:nvPr/>
+          </p:nvPicPr>
+          <p:blipFill>
+            <a:blip r:embed="rId4"/>
+            <a:stretch>
+              <a:fillRect/>
+            </a:stretch>
+          </p:blipFill>
+          <p:spPr>
+            <a:xfrm>
+              <a:off x="1979713" y="2492896"/>
+              <a:ext cx="2258598" cy="2042651"/>
+            </a:xfrm>
+            <a:prstGeom prst="rect">
+              <a:avLst/>
+            </a:prstGeom>
+          </p:spPr>
+        </p:pic>
+        <p:sp>
+          <p:nvSpPr>
+            <p:cNvPr id="15" name="Oval 14">
+              <a:extLst>
+                <a:ext uri="{FF2B5EF4-FFF2-40B4-BE49-F238E27FC236}">
+                  <a16:creationId xmlns:a16="http://schemas.microsoft.com/office/drawing/2014/main" id="{86065D26-7FBA-0A34-F99C-D17F34371214}"/>
+                </a:ext>
+              </a:extLst>
+            </p:cNvPr>
+            <p:cNvSpPr/>
+            <p:nvPr/>
+          </p:nvSpPr>
+          <p:spPr>
+            <a:xfrm>
+              <a:off x="3635896" y="2636912"/>
+              <a:ext cx="360040" cy="360040"/>
+            </a:xfrm>
+            <a:prstGeom prst="ellipse">
+              <a:avLst/>
+            </a:prstGeom>
+            <a:noFill/>
+            <a:ln>
+              <a:solidFill>
+                <a:srgbClr val="FF0000"/>
+              </a:solidFill>
+            </a:ln>
+          </p:spPr>
+          <p:style>
+            <a:lnRef idx="2">
+              <a:schemeClr val="accent1">
+                <a:shade val="50000"/>
+              </a:schemeClr>
+            </a:lnRef>
+            <a:fillRef idx="1">
+              <a:schemeClr val="accent1"/>
+            </a:fillRef>
+            <a:effectRef idx="0">
+              <a:schemeClr val="accent1"/>
+            </a:effectRef>
+            <a:fontRef idx="minor">
+              <a:schemeClr val="lt1"/>
+            </a:fontRef>
+          </p:style>
+          <p:txBody>
+            <a:bodyPr rtlCol="0" anchor="ctr"/>
+            <a:lstStyle/>
+            <a:p>
+              <a:pPr algn="ctr"/>
+              <a:r>
+                <a:rPr lang="en-US" dirty="0">
+                  <a:solidFill>
+                    <a:srgbClr val="FF0000"/>
+                  </a:solidFill>
+                </a:rPr>
+                <a:t>1</a:t>
+              </a:r>
+            </a:p>
+          </p:txBody>
+        </p:sp>
+      </p:grpSp>
+      <p:sp>
+        <p:nvSpPr>
+          <p:cNvPr id="16" name="Oval 15">
+            <a:extLst>
+              <a:ext uri="{FF2B5EF4-FFF2-40B4-BE49-F238E27FC236}">
+                <a16:creationId xmlns:a16="http://schemas.microsoft.com/office/drawing/2014/main" id="{9087CDA3-BB0C-9969-7DAF-4A8D204F6FC0}"/>
+              </a:ext>
+            </a:extLst>
+          </p:cNvPr>
+          <p:cNvSpPr/>
+          <p:nvPr/>
+        </p:nvSpPr>
+        <p:spPr>
+          <a:xfrm>
+            <a:off x="6315425" y="2636912"/>
+            <a:ext cx="360040" cy="360040"/>
+          </a:xfrm>
+          <a:prstGeom prst="ellipse">
+            <a:avLst/>
+          </a:prstGeom>
+          <a:noFill/>
+          <a:ln>
+            <a:solidFill>
+              <a:srgbClr val="FF0000"/>
+            </a:solidFill>
+          </a:ln>
+        </p:spPr>
+        <p:style>
+          <a:lnRef idx="2">
+            <a:schemeClr val="accent1">
+              <a:shade val="50000"/>
+            </a:schemeClr>
+          </a:lnRef>
+          <a:fillRef idx="1">
+            <a:schemeClr val="accent1"/>
+          </a:fillRef>
+          <a:effectRef idx="0">
+            <a:schemeClr val="accent1"/>
+          </a:effectRef>
+          <a:fontRef idx="minor">
+            <a:schemeClr val="lt1"/>
+          </a:fontRef>
+        </p:style>
+        <p:txBody>
+          <a:bodyPr rtlCol="0" anchor="ctr"/>
+          <a:lstStyle/>
+          <a:p>
+            <a:pPr algn="ctr"/>
+            <a:r>
+              <a:rPr lang="en-US" dirty="0">
+                <a:solidFill>
+                  <a:srgbClr val="FF0000"/>
+                </a:solidFill>
+              </a:rPr>
+              <a:t>2</a:t>
+            </a:r>
+          </a:p>
+        </p:txBody>
+      </p:sp>
+      <p:grpSp>
+        <p:nvGrpSpPr>
+          <p:cNvPr id="25" name="Group 24">
+            <a:extLst>
+              <a:ext uri="{FF2B5EF4-FFF2-40B4-BE49-F238E27FC236}">
+                <a16:creationId xmlns:a16="http://schemas.microsoft.com/office/drawing/2014/main" id="{623A375A-29FB-2954-31D5-2A920A37AFC9}"/>
+              </a:ext>
+            </a:extLst>
+          </p:cNvPr>
+          <p:cNvGrpSpPr/>
+          <p:nvPr/>
+        </p:nvGrpSpPr>
+        <p:grpSpPr>
+          <a:xfrm>
+            <a:off x="2199810" y="4679563"/>
+            <a:ext cx="2258598" cy="2042650"/>
+            <a:chOff x="2199810" y="4679563"/>
+            <a:chExt cx="2258598" cy="2042650"/>
+          </a:xfrm>
+        </p:grpSpPr>
+        <p:pic>
+          <p:nvPicPr>
+            <p:cNvPr id="5" name="Picture 4">
+              <a:extLst>
+                <a:ext uri="{FF2B5EF4-FFF2-40B4-BE49-F238E27FC236}">
+                  <a16:creationId xmlns:a16="http://schemas.microsoft.com/office/drawing/2014/main" id="{3BFC69E7-BE00-767F-86D2-029AE8215A8A}"/>
+                </a:ext>
+              </a:extLst>
+            </p:cNvPr>
+            <p:cNvPicPr>
+              <a:picLocks noChangeAspect="1"/>
+            </p:cNvPicPr>
+            <p:nvPr/>
+          </p:nvPicPr>
+          <p:blipFill>
+            <a:blip r:embed="rId5"/>
+            <a:stretch>
+              <a:fillRect/>
+            </a:stretch>
+          </p:blipFill>
+          <p:spPr>
+            <a:xfrm>
+              <a:off x="2199810" y="4679563"/>
+              <a:ext cx="2258598" cy="2042650"/>
+            </a:xfrm>
+            <a:prstGeom prst="rect">
+              <a:avLst/>
+            </a:prstGeom>
+          </p:spPr>
+        </p:pic>
+        <p:sp>
+          <p:nvSpPr>
+            <p:cNvPr id="14" name="Oval 13">
+              <a:extLst>
+                <a:ext uri="{FF2B5EF4-FFF2-40B4-BE49-F238E27FC236}">
+                  <a16:creationId xmlns:a16="http://schemas.microsoft.com/office/drawing/2014/main" id="{590DEE2D-D0F2-5A58-5EC5-E5E85E673C9A}"/>
+                </a:ext>
+              </a:extLst>
+            </p:cNvPr>
+            <p:cNvSpPr/>
+            <p:nvPr/>
+          </p:nvSpPr>
+          <p:spPr>
+            <a:xfrm>
+              <a:off x="3851920" y="4797152"/>
+              <a:ext cx="360040" cy="360040"/>
+            </a:xfrm>
+            <a:prstGeom prst="ellipse">
+              <a:avLst/>
+            </a:prstGeom>
+            <a:noFill/>
+            <a:ln>
+              <a:solidFill>
+                <a:srgbClr val="FF0000"/>
+              </a:solidFill>
+            </a:ln>
+          </p:spPr>
+          <p:style>
+            <a:lnRef idx="2">
+              <a:schemeClr val="accent1">
+                <a:shade val="50000"/>
+              </a:schemeClr>
+            </a:lnRef>
+            <a:fillRef idx="1">
+              <a:schemeClr val="accent1"/>
+            </a:fillRef>
+            <a:effectRef idx="0">
+              <a:schemeClr val="accent1"/>
+            </a:effectRef>
+            <a:fontRef idx="minor">
+              <a:schemeClr val="lt1"/>
+            </a:fontRef>
+          </p:style>
+          <p:txBody>
+            <a:bodyPr rtlCol="0" anchor="ctr"/>
+            <a:lstStyle/>
+            <a:p>
+              <a:pPr algn="ctr"/>
+              <a:r>
+                <a:rPr lang="en-US" dirty="0">
+                  <a:solidFill>
+                    <a:srgbClr val="FF0000"/>
+                  </a:solidFill>
+                </a:rPr>
+                <a:t>3</a:t>
+              </a:r>
+            </a:p>
+          </p:txBody>
+        </p:sp>
+      </p:grpSp>
+      <p:grpSp>
+        <p:nvGrpSpPr>
+          <p:cNvPr id="24" name="Group 23">
+            <a:extLst>
+              <a:ext uri="{FF2B5EF4-FFF2-40B4-BE49-F238E27FC236}">
+                <a16:creationId xmlns:a16="http://schemas.microsoft.com/office/drawing/2014/main" id="{6BB29A0F-356B-91FC-A5DF-D8D00456D3F2}"/>
+              </a:ext>
+            </a:extLst>
+          </p:cNvPr>
+          <p:cNvGrpSpPr/>
+          <p:nvPr/>
+        </p:nvGrpSpPr>
+        <p:grpSpPr>
+          <a:xfrm>
+            <a:off x="4630089" y="4706760"/>
+            <a:ext cx="2199242" cy="2015453"/>
+            <a:chOff x="4630089" y="4706760"/>
+            <a:chExt cx="2199242" cy="2015453"/>
+          </a:xfrm>
+        </p:grpSpPr>
+        <p:pic>
+          <p:nvPicPr>
+            <p:cNvPr id="13" name="Picture 12">
+              <a:extLst>
+                <a:ext uri="{FF2B5EF4-FFF2-40B4-BE49-F238E27FC236}">
+                  <a16:creationId xmlns:a16="http://schemas.microsoft.com/office/drawing/2014/main" id="{405B63F6-2D17-8999-6FB1-9DBA814C7D96}"/>
+                </a:ext>
+              </a:extLst>
+            </p:cNvPr>
+            <p:cNvPicPr>
+              <a:picLocks noChangeAspect="1"/>
+            </p:cNvPicPr>
+            <p:nvPr/>
+          </p:nvPicPr>
+          <p:blipFill>
+            <a:blip r:embed="rId6"/>
+            <a:stretch>
+              <a:fillRect/>
+            </a:stretch>
+          </p:blipFill>
+          <p:spPr>
+            <a:xfrm>
+              <a:off x="4630089" y="4706760"/>
+              <a:ext cx="2199242" cy="2015453"/>
+            </a:xfrm>
+            <a:prstGeom prst="rect">
+              <a:avLst/>
+            </a:prstGeom>
+          </p:spPr>
+        </p:pic>
+        <p:sp>
+          <p:nvSpPr>
+            <p:cNvPr id="23" name="Oval 22">
+              <a:extLst>
+                <a:ext uri="{FF2B5EF4-FFF2-40B4-BE49-F238E27FC236}">
+                  <a16:creationId xmlns:a16="http://schemas.microsoft.com/office/drawing/2014/main" id="{0E5FD7F7-3707-4D48-EA2A-7D572BCB5595}"/>
+                </a:ext>
+              </a:extLst>
+            </p:cNvPr>
+            <p:cNvSpPr/>
+            <p:nvPr/>
+          </p:nvSpPr>
+          <p:spPr>
+            <a:xfrm>
+              <a:off x="6300192" y="4869160"/>
+              <a:ext cx="360040" cy="360040"/>
+            </a:xfrm>
+            <a:prstGeom prst="ellipse">
+              <a:avLst/>
+            </a:prstGeom>
+            <a:noFill/>
+            <a:ln>
+              <a:solidFill>
+                <a:srgbClr val="FF0000"/>
+              </a:solidFill>
+            </a:ln>
+          </p:spPr>
+          <p:style>
+            <a:lnRef idx="2">
+              <a:schemeClr val="accent1">
+                <a:shade val="50000"/>
+              </a:schemeClr>
+            </a:lnRef>
+            <a:fillRef idx="1">
+              <a:schemeClr val="accent1"/>
+            </a:fillRef>
+            <a:effectRef idx="0">
+              <a:schemeClr val="accent1"/>
+            </a:effectRef>
+            <a:fontRef idx="minor">
+              <a:schemeClr val="lt1"/>
+            </a:fontRef>
+          </p:style>
+          <p:txBody>
+            <a:bodyPr rtlCol="0" anchor="ctr"/>
+            <a:lstStyle/>
+            <a:p>
+              <a:pPr algn="ctr"/>
+              <a:r>
+                <a:rPr lang="en-US" dirty="0">
+                  <a:solidFill>
+                    <a:srgbClr val="FF0000"/>
+                  </a:solidFill>
+                </a:rPr>
+                <a:t>4</a:t>
+              </a:r>
+            </a:p>
+          </p:txBody>
+        </p:sp>
+      </p:grpSp>
+    </p:spTree>
+    <p:extLst>
+      <p:ext uri="{BB962C8B-B14F-4D97-AF65-F5344CB8AC3E}">
+        <p14:creationId xmlns:p14="http://schemas.microsoft.com/office/powerpoint/2010/main" val="4154137208"/>
+      </p:ext>
+    </p:extLst>
+  </p:cSld>
+  <p:clrMapOvr>
+    <a:masterClrMapping/>
+  </p:clrMapOvr>
+</p:sld>
+</file>
+
+<file path=ppt/slides/slide27.xml><?xml version="1.0" encoding="utf-8"?>
+<p:sld xmlns:a="http://schemas.openxmlformats.org/drawingml/2006/main" xmlns:r="http://schemas.openxmlformats.org/officeDocument/2006/relationships" xmlns:p="http://schemas.openxmlformats.org/presentationml/2006/main">
+  <p:cSld>
+    <p:spTree>
+      <p:nvGrpSpPr>
+        <p:cNvPr id="1" name=""/>
+        <p:cNvGrpSpPr/>
+        <p:nvPr/>
+      </p:nvGrpSpPr>
+      <p:grpSpPr>
+        <a:xfrm>
+          <a:off x="0" y="0"/>
+          <a:ext cx="0" cy="0"/>
+          <a:chOff x="0" y="0"/>
+          <a:chExt cx="0" cy="0"/>
+        </a:xfrm>
+      </p:grpSpPr>
+      <p:sp>
+        <p:nvSpPr>
+          <p:cNvPr id="2" name="Title 1"/>
+          <p:cNvSpPr>
+            <a:spLocks noGrp="1"/>
+          </p:cNvSpPr>
+          <p:nvPr>
+            <p:ph type="title"/>
+          </p:nvPr>
+        </p:nvSpPr>
+        <p:spPr/>
+        <p:txBody>
+          <a:bodyPr/>
+          <a:lstStyle/>
+          <a:p>
+            <a:r>
+              <a:rPr lang="en-US" dirty="0"/>
+              <a:t>Maven</a:t>
+            </a:r>
+          </a:p>
+        </p:txBody>
+      </p:sp>
+      <p:sp>
+        <p:nvSpPr>
+          <p:cNvPr id="3" name="Content Placeholder 2"/>
+          <p:cNvSpPr>
+            <a:spLocks noGrp="1"/>
+          </p:cNvSpPr>
+          <p:nvPr>
+            <p:ph idx="1"/>
+          </p:nvPr>
+        </p:nvSpPr>
+        <p:spPr/>
+        <p:txBody>
+          <a:bodyPr/>
+          <a:lstStyle/>
+          <a:p>
+            <a:r>
+              <a:rPr lang="en-US" dirty="0"/>
+              <a:t>Eclipse IDE Plugin</a:t>
+            </a:r>
+          </a:p>
+          <a:p>
+            <a:pPr lvl="1"/>
+            <a:r>
+              <a:rPr lang="en-US" dirty="0"/>
+              <a:t>web project</a:t>
+            </a:r>
+          </a:p>
+          <a:p>
+            <a:pPr lvl="1"/>
+            <a:endParaRPr lang="en-US" dirty="0"/>
+          </a:p>
+          <a:p>
+            <a:pPr lvl="1"/>
+            <a:endParaRPr lang="en-US" dirty="0"/>
+          </a:p>
+        </p:txBody>
+      </p:sp>
+      <p:pic>
+        <p:nvPicPr>
+          <p:cNvPr id="7" name="Picture 6">
+            <a:extLst>
+              <a:ext uri="{FF2B5EF4-FFF2-40B4-BE49-F238E27FC236}">
+                <a16:creationId xmlns:a16="http://schemas.microsoft.com/office/drawing/2014/main" id="{C2E23CEF-FC94-CC77-34A1-9016F4FAEB6F}"/>
+              </a:ext>
+            </a:extLst>
+          </p:cNvPr>
+          <p:cNvPicPr>
+            <a:picLocks noChangeAspect="1"/>
+          </p:cNvPicPr>
+          <p:nvPr/>
+        </p:nvPicPr>
+        <p:blipFill>
+          <a:blip r:embed="rId3"/>
+          <a:stretch>
+            <a:fillRect/>
+          </a:stretch>
+        </p:blipFill>
+        <p:spPr>
+          <a:xfrm>
+            <a:off x="2195736" y="2636912"/>
+            <a:ext cx="6802376" cy="3857406"/>
+          </a:xfrm>
+          <a:prstGeom prst="rect">
+            <a:avLst/>
+          </a:prstGeom>
+        </p:spPr>
+      </p:pic>
+    </p:spTree>
+    <p:extLst>
+      <p:ext uri="{BB962C8B-B14F-4D97-AF65-F5344CB8AC3E}">
+        <p14:creationId xmlns:p14="http://schemas.microsoft.com/office/powerpoint/2010/main" val="2357543080"/>
+      </p:ext>
+    </p:extLst>
+  </p:cSld>
+  <p:clrMapOvr>
+    <a:masterClrMapping/>
+  </p:clrMapOvr>
+</p:sld>
+</file>
+
+<file path=ppt/slides/slide28.xml><?xml version="1.0" encoding="utf-8"?>
+<p:sld xmlns:a="http://schemas.openxmlformats.org/drawingml/2006/main" xmlns:r="http://schemas.openxmlformats.org/officeDocument/2006/relationships" xmlns:p="http://schemas.openxmlformats.org/presentationml/2006/main">
+  <p:cSld>
+    <p:spTree>
+      <p:nvGrpSpPr>
+        <p:cNvPr id="1" name=""/>
+        <p:cNvGrpSpPr/>
+        <p:nvPr/>
+      </p:nvGrpSpPr>
+      <p:grpSpPr>
+        <a:xfrm>
+          <a:off x="0" y="0"/>
+          <a:ext cx="0" cy="0"/>
+          <a:chOff x="0" y="0"/>
+          <a:chExt cx="0" cy="0"/>
+        </a:xfrm>
+      </p:grpSpPr>
       <p:sp>
         <p:nvSpPr>
           <p:cNvPr id="2" name="Title 1"/>
@@ -10306,7 +11473,7 @@
 </p:sld>
 </file>
 
-<file path=ppt/slides/slide26.xml><?xml version="1.0" encoding="utf-8"?>
+<file path=ppt/slides/slide29.xml><?xml version="1.0" encoding="utf-8"?>
 <p:sld xmlns:a="http://schemas.openxmlformats.org/drawingml/2006/main" xmlns:r="http://schemas.openxmlformats.org/officeDocument/2006/relationships" xmlns:p="http://schemas.openxmlformats.org/presentationml/2006/main">
   <p:cSld>
     <p:spTree>

--- a/Introduction to Maven.pptx
+++ b/Introduction to Maven.pptx
@@ -5,7 +5,7 @@
     <p:sldMasterId id="2147483684" r:id="rId1"/>
   </p:sldMasterIdLst>
   <p:notesMasterIdLst>
-    <p:notesMasterId r:id="rId31"/>
+    <p:notesMasterId r:id="rId33"/>
   </p:notesMasterIdLst>
   <p:sldIdLst>
     <p:sldId id="256" r:id="rId2"/>
@@ -31,12 +31,14 @@
     <p:sldId id="465" r:id="rId22"/>
     <p:sldId id="466" r:id="rId23"/>
     <p:sldId id="467" r:id="rId24"/>
-    <p:sldId id="469" r:id="rId25"/>
-    <p:sldId id="468" r:id="rId26"/>
-    <p:sldId id="471" r:id="rId27"/>
-    <p:sldId id="472" r:id="rId28"/>
-    <p:sldId id="424" r:id="rId29"/>
-    <p:sldId id="367" r:id="rId30"/>
+    <p:sldId id="473" r:id="rId25"/>
+    <p:sldId id="469" r:id="rId26"/>
+    <p:sldId id="468" r:id="rId27"/>
+    <p:sldId id="471" r:id="rId28"/>
+    <p:sldId id="474" r:id="rId29"/>
+    <p:sldId id="472" r:id="rId30"/>
+    <p:sldId id="424" r:id="rId31"/>
+    <p:sldId id="367" r:id="rId32"/>
   </p:sldIdLst>
   <p:sldSz cx="9144000" cy="6858000" type="screen4x3"/>
   <p:notesSz cx="6858000" cy="9144000"/>
@@ -237,7 +239,7 @@
             <a:fld id="{940CEE64-98CB-4226-A253-7BC1859BE751}" type="datetimeFigureOut">
               <a:rPr lang="en-US" smtClean="0"/>
               <a:pPr/>
-              <a:t>11/02/2023</a:t>
+              <a:t>12/02/2023</a:t>
             </a:fld>
             <a:endParaRPr lang="en-US"/>
           </a:p>
@@ -543,29 +545,10 @@
         </p:nvSpPr>
         <p:spPr/>
         <p:txBody>
-          <a:bodyPr>
-            <a:normAutofit/>
-          </a:bodyPr>
-          <a:lstStyle/>
-          <a:p>
-            <a:pPr marL="0" marR="0" lvl="0" indent="0" algn="l" defTabSz="914400" rtl="0" eaLnBrk="1" fontAlgn="auto" latinLnBrk="0" hangingPunct="1">
-              <a:lnSpc>
-                <a:spcPct val="100000"/>
-              </a:lnSpc>
-              <a:spcBef>
-                <a:spcPts val="0"/>
-              </a:spcBef>
-              <a:spcAft>
-                <a:spcPts val="0"/>
-              </a:spcAft>
-              <a:buClrTx/>
-              <a:buSzTx/>
-              <a:buFontTx/>
-              <a:buNone/>
-              <a:tabLst/>
-              <a:defRPr/>
-            </a:pPr>
-            <a:endParaRPr lang="en-US" dirty="0"/>
+          <a:bodyPr/>
+          <a:lstStyle/>
+          <a:p>
+            <a:endParaRPr lang="en-US"/>
           </a:p>
         </p:txBody>
       </p:sp>
@@ -576,7 +559,7 @@
             <a:spLocks noGrp="1"/>
           </p:cNvSpPr>
           <p:nvPr>
-            <p:ph type="sldNum" sz="quarter" idx="10"/>
+            <p:ph type="sldNum" sz="quarter" idx="5"/>
           </p:nvPr>
         </p:nvSpPr>
         <p:spPr/>
@@ -587,7 +570,7 @@
             <a:fld id="{2B6F42A7-B42A-4EFE-B8BF-3BC6AAD8E03A}" type="slidenum">
               <a:rPr lang="en-US" smtClean="0"/>
               <a:pPr/>
-              <a:t>2</a:t>
+              <a:t>1</a:t>
             </a:fld>
             <a:endParaRPr lang="en-US"/>
           </a:p>
@@ -596,7 +579,7 @@
     </p:spTree>
     <p:extLst>
       <p:ext uri="{BB962C8B-B14F-4D97-AF65-F5344CB8AC3E}">
-        <p14:creationId xmlns:p14="http://schemas.microsoft.com/office/powerpoint/2010/main" val="3274084527"/>
+        <p14:creationId xmlns:p14="http://schemas.microsoft.com/office/powerpoint/2010/main" val="3697003689"/>
       </p:ext>
     </p:extLst>
   </p:cSld>
@@ -691,7 +674,7 @@
             <a:fld id="{2B6F42A7-B42A-4EFE-B8BF-3BC6AAD8E03A}" type="slidenum">
               <a:rPr lang="en-US" smtClean="0"/>
               <a:pPr/>
-              <a:t>11</a:t>
+              <a:t>10</a:t>
             </a:fld>
             <a:endParaRPr lang="en-US"/>
           </a:p>
@@ -700,7 +683,7 @@
     </p:spTree>
     <p:extLst>
       <p:ext uri="{BB962C8B-B14F-4D97-AF65-F5344CB8AC3E}">
-        <p14:creationId xmlns:p14="http://schemas.microsoft.com/office/powerpoint/2010/main" val="814528569"/>
+        <p14:creationId xmlns:p14="http://schemas.microsoft.com/office/powerpoint/2010/main" val="565558983"/>
       </p:ext>
     </p:extLst>
   </p:cSld>
@@ -795,7 +778,7 @@
             <a:fld id="{2B6F42A7-B42A-4EFE-B8BF-3BC6AAD8E03A}" type="slidenum">
               <a:rPr lang="en-US" smtClean="0"/>
               <a:pPr/>
-              <a:t>12</a:t>
+              <a:t>11</a:t>
             </a:fld>
             <a:endParaRPr lang="en-US"/>
           </a:p>
@@ -804,7 +787,7 @@
     </p:spTree>
     <p:extLst>
       <p:ext uri="{BB962C8B-B14F-4D97-AF65-F5344CB8AC3E}">
-        <p14:creationId xmlns:p14="http://schemas.microsoft.com/office/powerpoint/2010/main" val="2186222712"/>
+        <p14:creationId xmlns:p14="http://schemas.microsoft.com/office/powerpoint/2010/main" val="814528569"/>
       </p:ext>
     </p:extLst>
   </p:cSld>
@@ -899,7 +882,7 @@
             <a:fld id="{2B6F42A7-B42A-4EFE-B8BF-3BC6AAD8E03A}" type="slidenum">
               <a:rPr lang="en-US" smtClean="0"/>
               <a:pPr/>
-              <a:t>13</a:t>
+              <a:t>12</a:t>
             </a:fld>
             <a:endParaRPr lang="en-US"/>
           </a:p>
@@ -908,7 +891,7 @@
     </p:spTree>
     <p:extLst>
       <p:ext uri="{BB962C8B-B14F-4D97-AF65-F5344CB8AC3E}">
-        <p14:creationId xmlns:p14="http://schemas.microsoft.com/office/powerpoint/2010/main" val="2937248207"/>
+        <p14:creationId xmlns:p14="http://schemas.microsoft.com/office/powerpoint/2010/main" val="2186222712"/>
       </p:ext>
     </p:extLst>
   </p:cSld>
@@ -981,33 +964,7 @@
               <a:tabLst/>
               <a:defRPr/>
             </a:pPr>
-            <a:r>
-              <a:rPr lang="en-US" dirty="0"/>
-              <a:t>Build life cycle</a:t>
-            </a:r>
-          </a:p>
-          <a:p>
-            <a:pPr marL="228600" marR="0" lvl="0" indent="-228600" algn="l" defTabSz="914400" rtl="0" eaLnBrk="1" fontAlgn="auto" latinLnBrk="0" hangingPunct="1">
-              <a:lnSpc>
-                <a:spcPct val="100000"/>
-              </a:lnSpc>
-              <a:spcBef>
-                <a:spcPts val="0"/>
-              </a:spcBef>
-              <a:spcAft>
-                <a:spcPts val="0"/>
-              </a:spcAft>
-              <a:buClrTx/>
-              <a:buSzTx/>
-              <a:buFontTx/>
-              <a:buAutoNum type="arabicPeriod"/>
-              <a:tabLst/>
-              <a:defRPr/>
-            </a:pPr>
-            <a:r>
-              <a:rPr lang="en-US" dirty="0"/>
-              <a:t>Validate  2. Compile  3. Test  4. Package  5. Install  6. Deploy</a:t>
-            </a:r>
+            <a:endParaRPr lang="en-US" dirty="0"/>
           </a:p>
         </p:txBody>
       </p:sp>
@@ -1029,7 +986,7 @@
             <a:fld id="{2B6F42A7-B42A-4EFE-B8BF-3BC6AAD8E03A}" type="slidenum">
               <a:rPr lang="en-US" smtClean="0"/>
               <a:pPr/>
-              <a:t>14</a:t>
+              <a:t>13</a:t>
             </a:fld>
             <a:endParaRPr lang="en-US"/>
           </a:p>
@@ -1038,7 +995,7 @@
     </p:spTree>
     <p:extLst>
       <p:ext uri="{BB962C8B-B14F-4D97-AF65-F5344CB8AC3E}">
-        <p14:creationId xmlns:p14="http://schemas.microsoft.com/office/powerpoint/2010/main" val="3896483336"/>
+        <p14:creationId xmlns:p14="http://schemas.microsoft.com/office/powerpoint/2010/main" val="2937248207"/>
       </p:ext>
     </p:extLst>
   </p:cSld>
@@ -1111,7 +1068,33 @@
               <a:tabLst/>
               <a:defRPr/>
             </a:pPr>
-            <a:endParaRPr lang="en-US" dirty="0"/>
+            <a:r>
+              <a:rPr lang="en-US" dirty="0"/>
+              <a:t>Build life cycle</a:t>
+            </a:r>
+          </a:p>
+          <a:p>
+            <a:pPr marL="228600" marR="0" lvl="0" indent="-228600" algn="l" defTabSz="914400" rtl="0" eaLnBrk="1" fontAlgn="auto" latinLnBrk="0" hangingPunct="1">
+              <a:lnSpc>
+                <a:spcPct val="100000"/>
+              </a:lnSpc>
+              <a:spcBef>
+                <a:spcPts val="0"/>
+              </a:spcBef>
+              <a:spcAft>
+                <a:spcPts val="0"/>
+              </a:spcAft>
+              <a:buClrTx/>
+              <a:buSzTx/>
+              <a:buFontTx/>
+              <a:buAutoNum type="arabicPeriod"/>
+              <a:tabLst/>
+              <a:defRPr/>
+            </a:pPr>
+            <a:r>
+              <a:rPr lang="en-US" dirty="0"/>
+              <a:t>Validate  2. Compile  3. Test  4. Package  5. Install  6. Deploy</a:t>
+            </a:r>
           </a:p>
         </p:txBody>
       </p:sp>
@@ -1133,7 +1116,7 @@
             <a:fld id="{2B6F42A7-B42A-4EFE-B8BF-3BC6AAD8E03A}" type="slidenum">
               <a:rPr lang="en-US" smtClean="0"/>
               <a:pPr/>
-              <a:t>15</a:t>
+              <a:t>14</a:t>
             </a:fld>
             <a:endParaRPr lang="en-US"/>
           </a:p>
@@ -1142,7 +1125,7 @@
     </p:spTree>
     <p:extLst>
       <p:ext uri="{BB962C8B-B14F-4D97-AF65-F5344CB8AC3E}">
-        <p14:creationId xmlns:p14="http://schemas.microsoft.com/office/powerpoint/2010/main" val="1964889751"/>
+        <p14:creationId xmlns:p14="http://schemas.microsoft.com/office/powerpoint/2010/main" val="3896483336"/>
       </p:ext>
     </p:extLst>
   </p:cSld>
@@ -1215,49 +1198,7 @@
               <a:tabLst/>
               <a:defRPr/>
             </a:pPr>
-            <a:r>
-              <a:rPr lang="en-US" dirty="0"/>
-              <a:t>2005 - </a:t>
-            </a:r>
-            <a:r>
-              <a:rPr lang="en-US" dirty="0" err="1"/>
-              <a:t>org.apache.maven.archetypes:maven-archetype-quickstart</a:t>
-            </a:r>
-            <a:r>
-              <a:rPr lang="en-US" dirty="0"/>
-              <a:t> (jar)</a:t>
-            </a:r>
-          </a:p>
-          <a:p>
-            <a:pPr marL="0" marR="0" lvl="0" indent="0" algn="l" defTabSz="914400" rtl="0" eaLnBrk="1" fontAlgn="auto" latinLnBrk="0" hangingPunct="1">
-              <a:lnSpc>
-                <a:spcPct val="100000"/>
-              </a:lnSpc>
-              <a:spcBef>
-                <a:spcPts val="0"/>
-              </a:spcBef>
-              <a:spcAft>
-                <a:spcPts val="0"/>
-              </a:spcAft>
-              <a:buClrTx/>
-              <a:buSzTx/>
-              <a:buFontTx/>
-              <a:buNone/>
-              <a:tabLst/>
-              <a:defRPr/>
-            </a:pPr>
-            <a:r>
-              <a:rPr lang="en-US" dirty="0"/>
-              <a:t>2010 - </a:t>
-            </a:r>
-            <a:r>
-              <a:rPr lang="en-US" dirty="0" err="1"/>
-              <a:t>org.apache.maven.archetypes:maven-archetype-webapp</a:t>
-            </a:r>
-            <a:r>
-              <a:rPr lang="en-US" dirty="0"/>
-              <a:t> (war)</a:t>
-            </a:r>
+            <a:endParaRPr lang="en-US" dirty="0"/>
           </a:p>
         </p:txBody>
       </p:sp>
@@ -1279,7 +1220,7 @@
             <a:fld id="{2B6F42A7-B42A-4EFE-B8BF-3BC6AAD8E03A}" type="slidenum">
               <a:rPr lang="en-US" smtClean="0"/>
               <a:pPr/>
-              <a:t>16</a:t>
+              <a:t>15</a:t>
             </a:fld>
             <a:endParaRPr lang="en-US"/>
           </a:p>
@@ -1288,7 +1229,7 @@
     </p:spTree>
     <p:extLst>
       <p:ext uri="{BB962C8B-B14F-4D97-AF65-F5344CB8AC3E}">
-        <p14:creationId xmlns:p14="http://schemas.microsoft.com/office/powerpoint/2010/main" val="1938493685"/>
+        <p14:creationId xmlns:p14="http://schemas.microsoft.com/office/powerpoint/2010/main" val="1964889751"/>
       </p:ext>
     </p:extLst>
   </p:cSld>
@@ -1425,7 +1366,7 @@
             <a:fld id="{2B6F42A7-B42A-4EFE-B8BF-3BC6AAD8E03A}" type="slidenum">
               <a:rPr lang="en-US" smtClean="0"/>
               <a:pPr/>
-              <a:t>17</a:t>
+              <a:t>16</a:t>
             </a:fld>
             <a:endParaRPr lang="en-US"/>
           </a:p>
@@ -1434,7 +1375,7 @@
     </p:spTree>
     <p:extLst>
       <p:ext uri="{BB962C8B-B14F-4D97-AF65-F5344CB8AC3E}">
-        <p14:creationId xmlns:p14="http://schemas.microsoft.com/office/powerpoint/2010/main" val="273255227"/>
+        <p14:creationId xmlns:p14="http://schemas.microsoft.com/office/powerpoint/2010/main" val="1938493685"/>
       </p:ext>
     </p:extLst>
   </p:cSld>
@@ -1507,7 +1448,49 @@
               <a:tabLst/>
               <a:defRPr/>
             </a:pPr>
-            <a:endParaRPr lang="en-US" dirty="0"/>
+            <a:r>
+              <a:rPr lang="en-US" dirty="0"/>
+              <a:t>2005 - </a:t>
+            </a:r>
+            <a:r>
+              <a:rPr lang="en-US" dirty="0" err="1"/>
+              <a:t>org.apache.maven.archetypes:maven-archetype-quickstart</a:t>
+            </a:r>
+            <a:r>
+              <a:rPr lang="en-US" dirty="0"/>
+              <a:t> (jar)</a:t>
+            </a:r>
+          </a:p>
+          <a:p>
+            <a:pPr marL="0" marR="0" lvl="0" indent="0" algn="l" defTabSz="914400" rtl="0" eaLnBrk="1" fontAlgn="auto" latinLnBrk="0" hangingPunct="1">
+              <a:lnSpc>
+                <a:spcPct val="100000"/>
+              </a:lnSpc>
+              <a:spcBef>
+                <a:spcPts val="0"/>
+              </a:spcBef>
+              <a:spcAft>
+                <a:spcPts val="0"/>
+              </a:spcAft>
+              <a:buClrTx/>
+              <a:buSzTx/>
+              <a:buFontTx/>
+              <a:buNone/>
+              <a:tabLst/>
+              <a:defRPr/>
+            </a:pPr>
+            <a:r>
+              <a:rPr lang="en-US" dirty="0"/>
+              <a:t>2010 - </a:t>
+            </a:r>
+            <a:r>
+              <a:rPr lang="en-US" dirty="0" err="1"/>
+              <a:t>org.apache.maven.archetypes:maven-archetype-webapp</a:t>
+            </a:r>
+            <a:r>
+              <a:rPr lang="en-US" dirty="0"/>
+              <a:t> (war)</a:t>
+            </a:r>
           </a:p>
         </p:txBody>
       </p:sp>
@@ -1529,7 +1512,7 @@
             <a:fld id="{2B6F42A7-B42A-4EFE-B8BF-3BC6AAD8E03A}" type="slidenum">
               <a:rPr lang="en-US" smtClean="0"/>
               <a:pPr/>
-              <a:t>18</a:t>
+              <a:t>17</a:t>
             </a:fld>
             <a:endParaRPr lang="en-US"/>
           </a:p>
@@ -1538,7 +1521,7 @@
     </p:spTree>
     <p:extLst>
       <p:ext uri="{BB962C8B-B14F-4D97-AF65-F5344CB8AC3E}">
-        <p14:creationId xmlns:p14="http://schemas.microsoft.com/office/powerpoint/2010/main" val="2580647966"/>
+        <p14:creationId xmlns:p14="http://schemas.microsoft.com/office/powerpoint/2010/main" val="273255227"/>
       </p:ext>
     </p:extLst>
   </p:cSld>
@@ -1633,7 +1616,7 @@
             <a:fld id="{2B6F42A7-B42A-4EFE-B8BF-3BC6AAD8E03A}" type="slidenum">
               <a:rPr lang="en-US" smtClean="0"/>
               <a:pPr/>
-              <a:t>19</a:t>
+              <a:t>18</a:t>
             </a:fld>
             <a:endParaRPr lang="en-US"/>
           </a:p>
@@ -1642,7 +1625,7 @@
     </p:spTree>
     <p:extLst>
       <p:ext uri="{BB962C8B-B14F-4D97-AF65-F5344CB8AC3E}">
-        <p14:creationId xmlns:p14="http://schemas.microsoft.com/office/powerpoint/2010/main" val="3434931623"/>
+        <p14:creationId xmlns:p14="http://schemas.microsoft.com/office/powerpoint/2010/main" val="2580647966"/>
       </p:ext>
     </p:extLst>
   </p:cSld>
@@ -1737,7 +1720,7 @@
             <a:fld id="{2B6F42A7-B42A-4EFE-B8BF-3BC6AAD8E03A}" type="slidenum">
               <a:rPr lang="en-US" smtClean="0"/>
               <a:pPr/>
-              <a:t>20</a:t>
+              <a:t>19</a:t>
             </a:fld>
             <a:endParaRPr lang="en-US"/>
           </a:p>
@@ -1746,7 +1729,7 @@
     </p:spTree>
     <p:extLst>
       <p:ext uri="{BB962C8B-B14F-4D97-AF65-F5344CB8AC3E}">
-        <p14:creationId xmlns:p14="http://schemas.microsoft.com/office/powerpoint/2010/main" val="66788098"/>
+        <p14:creationId xmlns:p14="http://schemas.microsoft.com/office/powerpoint/2010/main" val="3434931623"/>
       </p:ext>
     </p:extLst>
   </p:cSld>
@@ -1841,7 +1824,7 @@
             <a:fld id="{2B6F42A7-B42A-4EFE-B8BF-3BC6AAD8E03A}" type="slidenum">
               <a:rPr lang="en-US" smtClean="0"/>
               <a:pPr/>
-              <a:t>3</a:t>
+              <a:t>2</a:t>
             </a:fld>
             <a:endParaRPr lang="en-US"/>
           </a:p>
@@ -1850,7 +1833,7 @@
     </p:spTree>
     <p:extLst>
       <p:ext uri="{BB962C8B-B14F-4D97-AF65-F5344CB8AC3E}">
-        <p14:creationId xmlns:p14="http://schemas.microsoft.com/office/powerpoint/2010/main" val="2127549080"/>
+        <p14:creationId xmlns:p14="http://schemas.microsoft.com/office/powerpoint/2010/main" val="3274084527"/>
       </p:ext>
     </p:extLst>
   </p:cSld>
@@ -1945,7 +1928,7 @@
             <a:fld id="{2B6F42A7-B42A-4EFE-B8BF-3BC6AAD8E03A}" type="slidenum">
               <a:rPr lang="en-US" smtClean="0"/>
               <a:pPr/>
-              <a:t>21</a:t>
+              <a:t>20</a:t>
             </a:fld>
             <a:endParaRPr lang="en-US"/>
           </a:p>
@@ -1954,7 +1937,7 @@
     </p:spTree>
     <p:extLst>
       <p:ext uri="{BB962C8B-B14F-4D97-AF65-F5344CB8AC3E}">
-        <p14:creationId xmlns:p14="http://schemas.microsoft.com/office/powerpoint/2010/main" val="1197829330"/>
+        <p14:creationId xmlns:p14="http://schemas.microsoft.com/office/powerpoint/2010/main" val="66788098"/>
       </p:ext>
     </p:extLst>
   </p:cSld>
@@ -2049,7 +2032,7 @@
             <a:fld id="{2B6F42A7-B42A-4EFE-B8BF-3BC6AAD8E03A}" type="slidenum">
               <a:rPr lang="en-US" smtClean="0"/>
               <a:pPr/>
-              <a:t>22</a:t>
+              <a:t>21</a:t>
             </a:fld>
             <a:endParaRPr lang="en-US"/>
           </a:p>
@@ -2058,7 +2041,7 @@
     </p:spTree>
     <p:extLst>
       <p:ext uri="{BB962C8B-B14F-4D97-AF65-F5344CB8AC3E}">
-        <p14:creationId xmlns:p14="http://schemas.microsoft.com/office/powerpoint/2010/main" val="2980526582"/>
+        <p14:creationId xmlns:p14="http://schemas.microsoft.com/office/powerpoint/2010/main" val="1197829330"/>
       </p:ext>
     </p:extLst>
   </p:cSld>
@@ -2153,7 +2136,7 @@
             <a:fld id="{2B6F42A7-B42A-4EFE-B8BF-3BC6AAD8E03A}" type="slidenum">
               <a:rPr lang="en-US" smtClean="0"/>
               <a:pPr/>
-              <a:t>23</a:t>
+              <a:t>22</a:t>
             </a:fld>
             <a:endParaRPr lang="en-US"/>
           </a:p>
@@ -2162,7 +2145,7 @@
     </p:spTree>
     <p:extLst>
       <p:ext uri="{BB962C8B-B14F-4D97-AF65-F5344CB8AC3E}">
-        <p14:creationId xmlns:p14="http://schemas.microsoft.com/office/powerpoint/2010/main" val="2890518594"/>
+        <p14:creationId xmlns:p14="http://schemas.microsoft.com/office/powerpoint/2010/main" val="2980526582"/>
       </p:ext>
     </p:extLst>
   </p:cSld>
@@ -2257,7 +2240,7 @@
             <a:fld id="{2B6F42A7-B42A-4EFE-B8BF-3BC6AAD8E03A}" type="slidenum">
               <a:rPr lang="en-US" smtClean="0"/>
               <a:pPr/>
-              <a:t>24</a:t>
+              <a:t>23</a:t>
             </a:fld>
             <a:endParaRPr lang="en-US"/>
           </a:p>
@@ -2266,7 +2249,7 @@
     </p:spTree>
     <p:extLst>
       <p:ext uri="{BB962C8B-B14F-4D97-AF65-F5344CB8AC3E}">
-        <p14:creationId xmlns:p14="http://schemas.microsoft.com/office/powerpoint/2010/main" val="1079838779"/>
+        <p14:creationId xmlns:p14="http://schemas.microsoft.com/office/powerpoint/2010/main" val="2890518594"/>
       </p:ext>
     </p:extLst>
   </p:cSld>
@@ -2361,7 +2344,7 @@
             <a:fld id="{2B6F42A7-B42A-4EFE-B8BF-3BC6AAD8E03A}" type="slidenum">
               <a:rPr lang="en-US" smtClean="0"/>
               <a:pPr/>
-              <a:t>25</a:t>
+              <a:t>24</a:t>
             </a:fld>
             <a:endParaRPr lang="en-US"/>
           </a:p>
@@ -2370,7 +2353,7 @@
     </p:spTree>
     <p:extLst>
       <p:ext uri="{BB962C8B-B14F-4D97-AF65-F5344CB8AC3E}">
-        <p14:creationId xmlns:p14="http://schemas.microsoft.com/office/powerpoint/2010/main" val="1105152277"/>
+        <p14:creationId xmlns:p14="http://schemas.microsoft.com/office/powerpoint/2010/main" val="2689014646"/>
       </p:ext>
     </p:extLst>
   </p:cSld>
@@ -2465,7 +2448,7 @@
             <a:fld id="{2B6F42A7-B42A-4EFE-B8BF-3BC6AAD8E03A}" type="slidenum">
               <a:rPr lang="en-US" smtClean="0"/>
               <a:pPr/>
-              <a:t>26</a:t>
+              <a:t>25</a:t>
             </a:fld>
             <a:endParaRPr lang="en-US"/>
           </a:p>
@@ -2474,7 +2457,7 @@
     </p:spTree>
     <p:extLst>
       <p:ext uri="{BB962C8B-B14F-4D97-AF65-F5344CB8AC3E}">
-        <p14:creationId xmlns:p14="http://schemas.microsoft.com/office/powerpoint/2010/main" val="1982416632"/>
+        <p14:creationId xmlns:p14="http://schemas.microsoft.com/office/powerpoint/2010/main" val="1079838779"/>
       </p:ext>
     </p:extLst>
   </p:cSld>
@@ -2569,7 +2552,7 @@
             <a:fld id="{2B6F42A7-B42A-4EFE-B8BF-3BC6AAD8E03A}" type="slidenum">
               <a:rPr lang="en-US" smtClean="0"/>
               <a:pPr/>
-              <a:t>27</a:t>
+              <a:t>26</a:t>
             </a:fld>
             <a:endParaRPr lang="en-US"/>
           </a:p>
@@ -2578,7 +2561,7 @@
     </p:spTree>
     <p:extLst>
       <p:ext uri="{BB962C8B-B14F-4D97-AF65-F5344CB8AC3E}">
-        <p14:creationId xmlns:p14="http://schemas.microsoft.com/office/powerpoint/2010/main" val="3987490079"/>
+        <p14:creationId xmlns:p14="http://schemas.microsoft.com/office/powerpoint/2010/main" val="1105152277"/>
       </p:ext>
     </p:extLst>
   </p:cSld>
@@ -2629,9 +2612,132 @@
         </p:nvSpPr>
         <p:spPr/>
         <p:txBody>
+          <a:bodyPr>
+            <a:normAutofit/>
+          </a:bodyPr>
+          <a:lstStyle/>
+          <a:p>
+            <a:pPr marL="0" marR="0" lvl="0" indent="0" algn="l" defTabSz="914400" rtl="0" eaLnBrk="1" fontAlgn="auto" latinLnBrk="0" hangingPunct="1">
+              <a:lnSpc>
+                <a:spcPct val="100000"/>
+              </a:lnSpc>
+              <a:spcBef>
+                <a:spcPts val="0"/>
+              </a:spcBef>
+              <a:spcAft>
+                <a:spcPts val="0"/>
+              </a:spcAft>
+              <a:buClrTx/>
+              <a:buSzTx/>
+              <a:buFontTx/>
+              <a:buNone/>
+              <a:tabLst/>
+              <a:defRPr/>
+            </a:pPr>
+            <a:endParaRPr lang="en-US" dirty="0"/>
+          </a:p>
+        </p:txBody>
+      </p:sp>
+      <p:sp>
+        <p:nvSpPr>
+          <p:cNvPr id="4" name="Slide Number Placeholder 3"/>
+          <p:cNvSpPr>
+            <a:spLocks noGrp="1"/>
+          </p:cNvSpPr>
+          <p:nvPr>
+            <p:ph type="sldNum" sz="quarter" idx="10"/>
+          </p:nvPr>
+        </p:nvSpPr>
+        <p:spPr/>
+        <p:txBody>
           <a:bodyPr/>
           <a:lstStyle/>
           <a:p>
+            <a:fld id="{2B6F42A7-B42A-4EFE-B8BF-3BC6AAD8E03A}" type="slidenum">
+              <a:rPr lang="en-US" smtClean="0"/>
+              <a:pPr/>
+              <a:t>27</a:t>
+            </a:fld>
+            <a:endParaRPr lang="en-US"/>
+          </a:p>
+        </p:txBody>
+      </p:sp>
+    </p:spTree>
+    <p:extLst>
+      <p:ext uri="{BB962C8B-B14F-4D97-AF65-F5344CB8AC3E}">
+        <p14:creationId xmlns:p14="http://schemas.microsoft.com/office/powerpoint/2010/main" val="1982416632"/>
+      </p:ext>
+    </p:extLst>
+  </p:cSld>
+  <p:clrMapOvr>
+    <a:masterClrMapping/>
+  </p:clrMapOvr>
+</p:notes>
+</file>
+
+<file path=ppt/notesSlides/notesSlide28.xml><?xml version="1.0" encoding="utf-8"?>
+<p:notes xmlns:a="http://schemas.openxmlformats.org/drawingml/2006/main" xmlns:r="http://schemas.openxmlformats.org/officeDocument/2006/relationships" xmlns:p="http://schemas.openxmlformats.org/presentationml/2006/main">
+  <p:cSld>
+    <p:spTree>
+      <p:nvGrpSpPr>
+        <p:cNvPr id="1" name=""/>
+        <p:cNvGrpSpPr/>
+        <p:nvPr/>
+      </p:nvGrpSpPr>
+      <p:grpSpPr>
+        <a:xfrm>
+          <a:off x="0" y="0"/>
+          <a:ext cx="0" cy="0"/>
+          <a:chOff x="0" y="0"/>
+          <a:chExt cx="0" cy="0"/>
+        </a:xfrm>
+      </p:grpSpPr>
+      <p:sp>
+        <p:nvSpPr>
+          <p:cNvPr id="2" name="Slide Image Placeholder 1"/>
+          <p:cNvSpPr>
+            <a:spLocks noGrp="1" noRot="1" noChangeAspect="1"/>
+          </p:cNvSpPr>
+          <p:nvPr>
+            <p:ph type="sldImg"/>
+          </p:nvPr>
+        </p:nvSpPr>
+        <p:spPr/>
+      </p:sp>
+      <p:sp>
+        <p:nvSpPr>
+          <p:cNvPr id="3" name="Notes Placeholder 2"/>
+          <p:cNvSpPr>
+            <a:spLocks noGrp="1"/>
+          </p:cNvSpPr>
+          <p:nvPr>
+            <p:ph type="body" idx="1"/>
+          </p:nvPr>
+        </p:nvSpPr>
+        <p:spPr/>
+        <p:txBody>
+          <a:bodyPr>
+            <a:normAutofit/>
+          </a:bodyPr>
+          <a:lstStyle/>
+          <a:p>
+            <a:pPr marL="0" marR="0" lvl="0" indent="0" algn="l" defTabSz="914400" rtl="0" eaLnBrk="1" fontAlgn="auto" latinLnBrk="0" hangingPunct="1">
+              <a:lnSpc>
+                <a:spcPct val="100000"/>
+              </a:lnSpc>
+              <a:spcBef>
+                <a:spcPts val="0"/>
+              </a:spcBef>
+              <a:spcAft>
+                <a:spcPts val="0"/>
+              </a:spcAft>
+              <a:buClrTx/>
+              <a:buSzTx/>
+              <a:buFontTx/>
+              <a:buNone/>
+              <a:tabLst/>
+              <a:defRPr/>
+            </a:pPr>
             <a:endParaRPr lang="en-US" dirty="0"/>
           </a:p>
         </p:txBody>
@@ -2643,7 +2749,7 @@
             <a:spLocks noGrp="1"/>
           </p:cNvSpPr>
           <p:nvPr>
-            <p:ph type="sldNum" sz="quarter" idx="5"/>
+            <p:ph type="sldNum" sz="quarter" idx="10"/>
           </p:nvPr>
         </p:nvSpPr>
         <p:spPr/>
@@ -2663,7 +2769,111 @@
     </p:spTree>
     <p:extLst>
       <p:ext uri="{BB962C8B-B14F-4D97-AF65-F5344CB8AC3E}">
-        <p14:creationId xmlns:p14="http://schemas.microsoft.com/office/powerpoint/2010/main" val="629698199"/>
+        <p14:creationId xmlns:p14="http://schemas.microsoft.com/office/powerpoint/2010/main" val="2779326536"/>
+      </p:ext>
+    </p:extLst>
+  </p:cSld>
+  <p:clrMapOvr>
+    <a:masterClrMapping/>
+  </p:clrMapOvr>
+</p:notes>
+</file>
+
+<file path=ppt/notesSlides/notesSlide29.xml><?xml version="1.0" encoding="utf-8"?>
+<p:notes xmlns:a="http://schemas.openxmlformats.org/drawingml/2006/main" xmlns:r="http://schemas.openxmlformats.org/officeDocument/2006/relationships" xmlns:p="http://schemas.openxmlformats.org/presentationml/2006/main">
+  <p:cSld>
+    <p:spTree>
+      <p:nvGrpSpPr>
+        <p:cNvPr id="1" name=""/>
+        <p:cNvGrpSpPr/>
+        <p:nvPr/>
+      </p:nvGrpSpPr>
+      <p:grpSpPr>
+        <a:xfrm>
+          <a:off x="0" y="0"/>
+          <a:ext cx="0" cy="0"/>
+          <a:chOff x="0" y="0"/>
+          <a:chExt cx="0" cy="0"/>
+        </a:xfrm>
+      </p:grpSpPr>
+      <p:sp>
+        <p:nvSpPr>
+          <p:cNvPr id="2" name="Slide Image Placeholder 1"/>
+          <p:cNvSpPr>
+            <a:spLocks noGrp="1" noRot="1" noChangeAspect="1"/>
+          </p:cNvSpPr>
+          <p:nvPr>
+            <p:ph type="sldImg"/>
+          </p:nvPr>
+        </p:nvSpPr>
+        <p:spPr/>
+      </p:sp>
+      <p:sp>
+        <p:nvSpPr>
+          <p:cNvPr id="3" name="Notes Placeholder 2"/>
+          <p:cNvSpPr>
+            <a:spLocks noGrp="1"/>
+          </p:cNvSpPr>
+          <p:nvPr>
+            <p:ph type="body" idx="1"/>
+          </p:nvPr>
+        </p:nvSpPr>
+        <p:spPr/>
+        <p:txBody>
+          <a:bodyPr>
+            <a:normAutofit/>
+          </a:bodyPr>
+          <a:lstStyle/>
+          <a:p>
+            <a:pPr marL="0" marR="0" lvl="0" indent="0" algn="l" defTabSz="914400" rtl="0" eaLnBrk="1" fontAlgn="auto" latinLnBrk="0" hangingPunct="1">
+              <a:lnSpc>
+                <a:spcPct val="100000"/>
+              </a:lnSpc>
+              <a:spcBef>
+                <a:spcPts val="0"/>
+              </a:spcBef>
+              <a:spcAft>
+                <a:spcPts val="0"/>
+              </a:spcAft>
+              <a:buClrTx/>
+              <a:buSzTx/>
+              <a:buFontTx/>
+              <a:buNone/>
+              <a:tabLst/>
+              <a:defRPr/>
+            </a:pPr>
+            <a:endParaRPr lang="en-US" dirty="0"/>
+          </a:p>
+        </p:txBody>
+      </p:sp>
+      <p:sp>
+        <p:nvSpPr>
+          <p:cNvPr id="4" name="Slide Number Placeholder 3"/>
+          <p:cNvSpPr>
+            <a:spLocks noGrp="1"/>
+          </p:cNvSpPr>
+          <p:nvPr>
+            <p:ph type="sldNum" sz="quarter" idx="10"/>
+          </p:nvPr>
+        </p:nvSpPr>
+        <p:spPr/>
+        <p:txBody>
+          <a:bodyPr/>
+          <a:lstStyle/>
+          <a:p>
+            <a:fld id="{2B6F42A7-B42A-4EFE-B8BF-3BC6AAD8E03A}" type="slidenum">
+              <a:rPr lang="en-US" smtClean="0"/>
+              <a:pPr/>
+              <a:t>29</a:t>
+            </a:fld>
+            <a:endParaRPr lang="en-US"/>
+          </a:p>
+        </p:txBody>
+      </p:sp>
+    </p:spTree>
+    <p:extLst>
+      <p:ext uri="{BB962C8B-B14F-4D97-AF65-F5344CB8AC3E}">
+        <p14:creationId xmlns:p14="http://schemas.microsoft.com/office/powerpoint/2010/main" val="3987490079"/>
       </p:ext>
     </p:extLst>
   </p:cSld>
@@ -2758,7 +2968,7 @@
             <a:fld id="{2B6F42A7-B42A-4EFE-B8BF-3BC6AAD8E03A}" type="slidenum">
               <a:rPr lang="en-US" smtClean="0"/>
               <a:pPr/>
-              <a:t>4</a:t>
+              <a:t>3</a:t>
             </a:fld>
             <a:endParaRPr lang="en-US"/>
           </a:p>
@@ -2767,7 +2977,177 @@
     </p:spTree>
     <p:extLst>
       <p:ext uri="{BB962C8B-B14F-4D97-AF65-F5344CB8AC3E}">
-        <p14:creationId xmlns:p14="http://schemas.microsoft.com/office/powerpoint/2010/main" val="1994663169"/>
+        <p14:creationId xmlns:p14="http://schemas.microsoft.com/office/powerpoint/2010/main" val="2127549080"/>
+      </p:ext>
+    </p:extLst>
+  </p:cSld>
+  <p:clrMapOvr>
+    <a:masterClrMapping/>
+  </p:clrMapOvr>
+</p:notes>
+</file>
+
+<file path=ppt/notesSlides/notesSlide30.xml><?xml version="1.0" encoding="utf-8"?>
+<p:notes xmlns:a="http://schemas.openxmlformats.org/drawingml/2006/main" xmlns:r="http://schemas.openxmlformats.org/officeDocument/2006/relationships" xmlns:p="http://schemas.openxmlformats.org/presentationml/2006/main">
+  <p:cSld>
+    <p:spTree>
+      <p:nvGrpSpPr>
+        <p:cNvPr id="1" name=""/>
+        <p:cNvGrpSpPr/>
+        <p:nvPr/>
+      </p:nvGrpSpPr>
+      <p:grpSpPr>
+        <a:xfrm>
+          <a:off x="0" y="0"/>
+          <a:ext cx="0" cy="0"/>
+          <a:chOff x="0" y="0"/>
+          <a:chExt cx="0" cy="0"/>
+        </a:xfrm>
+      </p:grpSpPr>
+      <p:sp>
+        <p:nvSpPr>
+          <p:cNvPr id="2" name="Slide Image Placeholder 1"/>
+          <p:cNvSpPr>
+            <a:spLocks noGrp="1" noRot="1" noChangeAspect="1"/>
+          </p:cNvSpPr>
+          <p:nvPr>
+            <p:ph type="sldImg"/>
+          </p:nvPr>
+        </p:nvSpPr>
+        <p:spPr/>
+      </p:sp>
+      <p:sp>
+        <p:nvSpPr>
+          <p:cNvPr id="3" name="Notes Placeholder 2"/>
+          <p:cNvSpPr>
+            <a:spLocks noGrp="1"/>
+          </p:cNvSpPr>
+          <p:nvPr>
+            <p:ph type="body" idx="1"/>
+          </p:nvPr>
+        </p:nvSpPr>
+        <p:spPr/>
+        <p:txBody>
+          <a:bodyPr/>
+          <a:lstStyle/>
+          <a:p>
+            <a:endParaRPr lang="en-US" dirty="0"/>
+          </a:p>
+        </p:txBody>
+      </p:sp>
+      <p:sp>
+        <p:nvSpPr>
+          <p:cNvPr id="4" name="Slide Number Placeholder 3"/>
+          <p:cNvSpPr>
+            <a:spLocks noGrp="1"/>
+          </p:cNvSpPr>
+          <p:nvPr>
+            <p:ph type="sldNum" sz="quarter" idx="5"/>
+          </p:nvPr>
+        </p:nvSpPr>
+        <p:spPr/>
+        <p:txBody>
+          <a:bodyPr/>
+          <a:lstStyle/>
+          <a:p>
+            <a:fld id="{2B6F42A7-B42A-4EFE-B8BF-3BC6AAD8E03A}" type="slidenum">
+              <a:rPr lang="en-US" smtClean="0"/>
+              <a:pPr/>
+              <a:t>30</a:t>
+            </a:fld>
+            <a:endParaRPr lang="en-US"/>
+          </a:p>
+        </p:txBody>
+      </p:sp>
+    </p:spTree>
+    <p:extLst>
+      <p:ext uri="{BB962C8B-B14F-4D97-AF65-F5344CB8AC3E}">
+        <p14:creationId xmlns:p14="http://schemas.microsoft.com/office/powerpoint/2010/main" val="629698199"/>
+      </p:ext>
+    </p:extLst>
+  </p:cSld>
+  <p:clrMapOvr>
+    <a:masterClrMapping/>
+  </p:clrMapOvr>
+</p:notes>
+</file>
+
+<file path=ppt/notesSlides/notesSlide31.xml><?xml version="1.0" encoding="utf-8"?>
+<p:notes xmlns:a="http://schemas.openxmlformats.org/drawingml/2006/main" xmlns:r="http://schemas.openxmlformats.org/officeDocument/2006/relationships" xmlns:p="http://schemas.openxmlformats.org/presentationml/2006/main">
+  <p:cSld>
+    <p:spTree>
+      <p:nvGrpSpPr>
+        <p:cNvPr id="1" name=""/>
+        <p:cNvGrpSpPr/>
+        <p:nvPr/>
+      </p:nvGrpSpPr>
+      <p:grpSpPr>
+        <a:xfrm>
+          <a:off x="0" y="0"/>
+          <a:ext cx="0" cy="0"/>
+          <a:chOff x="0" y="0"/>
+          <a:chExt cx="0" cy="0"/>
+        </a:xfrm>
+      </p:grpSpPr>
+      <p:sp>
+        <p:nvSpPr>
+          <p:cNvPr id="2" name="Slide Image Placeholder 1"/>
+          <p:cNvSpPr>
+            <a:spLocks noGrp="1" noRot="1" noChangeAspect="1"/>
+          </p:cNvSpPr>
+          <p:nvPr>
+            <p:ph type="sldImg"/>
+          </p:nvPr>
+        </p:nvSpPr>
+        <p:spPr/>
+      </p:sp>
+      <p:sp>
+        <p:nvSpPr>
+          <p:cNvPr id="3" name="Notes Placeholder 2"/>
+          <p:cNvSpPr>
+            <a:spLocks noGrp="1"/>
+          </p:cNvSpPr>
+          <p:nvPr>
+            <p:ph type="body" idx="1"/>
+          </p:nvPr>
+        </p:nvSpPr>
+        <p:spPr/>
+        <p:txBody>
+          <a:bodyPr/>
+          <a:lstStyle/>
+          <a:p>
+            <a:endParaRPr lang="en-US"/>
+          </a:p>
+        </p:txBody>
+      </p:sp>
+      <p:sp>
+        <p:nvSpPr>
+          <p:cNvPr id="4" name="Slide Number Placeholder 3"/>
+          <p:cNvSpPr>
+            <a:spLocks noGrp="1"/>
+          </p:cNvSpPr>
+          <p:nvPr>
+            <p:ph type="sldNum" sz="quarter" idx="5"/>
+          </p:nvPr>
+        </p:nvSpPr>
+        <p:spPr/>
+        <p:txBody>
+          <a:bodyPr/>
+          <a:lstStyle/>
+          <a:p>
+            <a:fld id="{2B6F42A7-B42A-4EFE-B8BF-3BC6AAD8E03A}" type="slidenum">
+              <a:rPr lang="en-US" smtClean="0"/>
+              <a:pPr/>
+              <a:t>31</a:t>
+            </a:fld>
+            <a:endParaRPr lang="en-US"/>
+          </a:p>
+        </p:txBody>
+      </p:sp>
+    </p:spTree>
+    <p:extLst>
+      <p:ext uri="{BB962C8B-B14F-4D97-AF65-F5344CB8AC3E}">
+        <p14:creationId xmlns:p14="http://schemas.microsoft.com/office/powerpoint/2010/main" val="79046378"/>
       </p:ext>
     </p:extLst>
   </p:cSld>
@@ -2840,57 +3220,7 @@
               <a:tabLst/>
               <a:defRPr/>
             </a:pPr>
-            <a:r>
-              <a:rPr lang="en-US" dirty="0"/>
-              <a:t>How to change .m2 go to </a:t>
-            </a:r>
-            <a:r>
-              <a:rPr lang="en-US" dirty="0" err="1"/>
-              <a:t>maven_home</a:t>
-            </a:r>
-            <a:r>
-              <a:rPr lang="en-US" dirty="0"/>
-              <a:t>/conf/settings.xml </a:t>
-            </a:r>
-          </a:p>
-          <a:p>
-            <a:pPr marL="0" marR="0" lvl="0" indent="0" algn="l" defTabSz="914400" rtl="0" eaLnBrk="1" fontAlgn="auto" latinLnBrk="0" hangingPunct="1">
-              <a:lnSpc>
-                <a:spcPct val="100000"/>
-              </a:lnSpc>
-              <a:spcBef>
-                <a:spcPts val="0"/>
-              </a:spcBef>
-              <a:spcAft>
-                <a:spcPts val="0"/>
-              </a:spcAft>
-              <a:buClrTx/>
-              <a:buSzTx/>
-              <a:buFontTx/>
-              <a:buNone/>
-              <a:tabLst/>
-              <a:defRPr/>
-            </a:pPr>
-            <a:r>
-              <a:rPr lang="en-US" dirty="0"/>
-              <a:t>ex. &lt;</a:t>
-            </a:r>
-            <a:r>
-              <a:rPr lang="en-US" dirty="0" err="1"/>
-              <a:t>localRepository</a:t>
-            </a:r>
-            <a:r>
-              <a:rPr lang="en-US" dirty="0"/>
-              <a:t>&gt;/path/to/local/repo&lt;/</a:t>
-            </a:r>
-            <a:r>
-              <a:rPr lang="en-US" dirty="0" err="1"/>
-              <a:t>localRepository</a:t>
-            </a:r>
-            <a:r>
-              <a:rPr lang="en-US" dirty="0"/>
-              <a:t>&gt;</a:t>
-            </a:r>
+            <a:endParaRPr lang="en-US" dirty="0"/>
           </a:p>
         </p:txBody>
       </p:sp>
@@ -2912,7 +3242,7 @@
             <a:fld id="{2B6F42A7-B42A-4EFE-B8BF-3BC6AAD8E03A}" type="slidenum">
               <a:rPr lang="en-US" smtClean="0"/>
               <a:pPr/>
-              <a:t>5</a:t>
+              <a:t>4</a:t>
             </a:fld>
             <a:endParaRPr lang="en-US"/>
           </a:p>
@@ -2921,7 +3251,7 @@
     </p:spTree>
     <p:extLst>
       <p:ext uri="{BB962C8B-B14F-4D97-AF65-F5344CB8AC3E}">
-        <p14:creationId xmlns:p14="http://schemas.microsoft.com/office/powerpoint/2010/main" val="661245106"/>
+        <p14:creationId xmlns:p14="http://schemas.microsoft.com/office/powerpoint/2010/main" val="1994663169"/>
       </p:ext>
     </p:extLst>
   </p:cSld>
@@ -2994,7 +3324,57 @@
               <a:tabLst/>
               <a:defRPr/>
             </a:pPr>
-            <a:endParaRPr lang="en-US" dirty="0"/>
+            <a:r>
+              <a:rPr lang="en-US" dirty="0"/>
+              <a:t>How to change .m2 go to </a:t>
+            </a:r>
+            <a:r>
+              <a:rPr lang="en-US" dirty="0" err="1"/>
+              <a:t>maven_home</a:t>
+            </a:r>
+            <a:r>
+              <a:rPr lang="en-US" dirty="0"/>
+              <a:t>/conf/settings.xml </a:t>
+            </a:r>
+          </a:p>
+          <a:p>
+            <a:pPr marL="0" marR="0" lvl="0" indent="0" algn="l" defTabSz="914400" rtl="0" eaLnBrk="1" fontAlgn="auto" latinLnBrk="0" hangingPunct="1">
+              <a:lnSpc>
+                <a:spcPct val="100000"/>
+              </a:lnSpc>
+              <a:spcBef>
+                <a:spcPts val="0"/>
+              </a:spcBef>
+              <a:spcAft>
+                <a:spcPts val="0"/>
+              </a:spcAft>
+              <a:buClrTx/>
+              <a:buSzTx/>
+              <a:buFontTx/>
+              <a:buNone/>
+              <a:tabLst/>
+              <a:defRPr/>
+            </a:pPr>
+            <a:r>
+              <a:rPr lang="en-US" dirty="0"/>
+              <a:t>ex. &lt;</a:t>
+            </a:r>
+            <a:r>
+              <a:rPr lang="en-US" dirty="0" err="1"/>
+              <a:t>localRepository</a:t>
+            </a:r>
+            <a:r>
+              <a:rPr lang="en-US" dirty="0"/>
+              <a:t>&gt;/path/to/local/repo&lt;/</a:t>
+            </a:r>
+            <a:r>
+              <a:rPr lang="en-US" dirty="0" err="1"/>
+              <a:t>localRepository</a:t>
+            </a:r>
+            <a:r>
+              <a:rPr lang="en-US" dirty="0"/>
+              <a:t>&gt;</a:t>
+            </a:r>
           </a:p>
         </p:txBody>
       </p:sp>
@@ -3016,7 +3396,7 @@
             <a:fld id="{2B6F42A7-B42A-4EFE-B8BF-3BC6AAD8E03A}" type="slidenum">
               <a:rPr lang="en-US" smtClean="0"/>
               <a:pPr/>
-              <a:t>6</a:t>
+              <a:t>5</a:t>
             </a:fld>
             <a:endParaRPr lang="en-US"/>
           </a:p>
@@ -3025,7 +3405,7 @@
     </p:spTree>
     <p:extLst>
       <p:ext uri="{BB962C8B-B14F-4D97-AF65-F5344CB8AC3E}">
-        <p14:creationId xmlns:p14="http://schemas.microsoft.com/office/powerpoint/2010/main" val="2546288095"/>
+        <p14:creationId xmlns:p14="http://schemas.microsoft.com/office/powerpoint/2010/main" val="661245106"/>
       </p:ext>
     </p:extLst>
   </p:cSld>
@@ -3120,7 +3500,7 @@
             <a:fld id="{2B6F42A7-B42A-4EFE-B8BF-3BC6AAD8E03A}" type="slidenum">
               <a:rPr lang="en-US" smtClean="0"/>
               <a:pPr/>
-              <a:t>7</a:t>
+              <a:t>6</a:t>
             </a:fld>
             <a:endParaRPr lang="en-US"/>
           </a:p>
@@ -3129,7 +3509,7 @@
     </p:spTree>
     <p:extLst>
       <p:ext uri="{BB962C8B-B14F-4D97-AF65-F5344CB8AC3E}">
-        <p14:creationId xmlns:p14="http://schemas.microsoft.com/office/powerpoint/2010/main" val="4180468902"/>
+        <p14:creationId xmlns:p14="http://schemas.microsoft.com/office/powerpoint/2010/main" val="2546288095"/>
       </p:ext>
     </p:extLst>
   </p:cSld>
@@ -3224,7 +3604,7 @@
             <a:fld id="{2B6F42A7-B42A-4EFE-B8BF-3BC6AAD8E03A}" type="slidenum">
               <a:rPr lang="en-US" smtClean="0"/>
               <a:pPr/>
-              <a:t>8</a:t>
+              <a:t>7</a:t>
             </a:fld>
             <a:endParaRPr lang="en-US"/>
           </a:p>
@@ -3233,7 +3613,7 @@
     </p:spTree>
     <p:extLst>
       <p:ext uri="{BB962C8B-B14F-4D97-AF65-F5344CB8AC3E}">
-        <p14:creationId xmlns:p14="http://schemas.microsoft.com/office/powerpoint/2010/main" val="4261231309"/>
+        <p14:creationId xmlns:p14="http://schemas.microsoft.com/office/powerpoint/2010/main" val="4180468902"/>
       </p:ext>
     </p:extLst>
   </p:cSld>
@@ -3328,7 +3708,7 @@
             <a:fld id="{2B6F42A7-B42A-4EFE-B8BF-3BC6AAD8E03A}" type="slidenum">
               <a:rPr lang="en-US" smtClean="0"/>
               <a:pPr/>
-              <a:t>9</a:t>
+              <a:t>8</a:t>
             </a:fld>
             <a:endParaRPr lang="en-US"/>
           </a:p>
@@ -3337,7 +3717,7 @@
     </p:spTree>
     <p:extLst>
       <p:ext uri="{BB962C8B-B14F-4D97-AF65-F5344CB8AC3E}">
-        <p14:creationId xmlns:p14="http://schemas.microsoft.com/office/powerpoint/2010/main" val="4178070976"/>
+        <p14:creationId xmlns:p14="http://schemas.microsoft.com/office/powerpoint/2010/main" val="4261231309"/>
       </p:ext>
     </p:extLst>
   </p:cSld>
@@ -3432,7 +3812,7 @@
             <a:fld id="{2B6F42A7-B42A-4EFE-B8BF-3BC6AAD8E03A}" type="slidenum">
               <a:rPr lang="en-US" smtClean="0"/>
               <a:pPr/>
-              <a:t>10</a:t>
+              <a:t>9</a:t>
             </a:fld>
             <a:endParaRPr lang="en-US"/>
           </a:p>
@@ -3441,7 +3821,7 @@
     </p:spTree>
     <p:extLst>
       <p:ext uri="{BB962C8B-B14F-4D97-AF65-F5344CB8AC3E}">
-        <p14:creationId xmlns:p14="http://schemas.microsoft.com/office/powerpoint/2010/main" val="565558983"/>
+        <p14:creationId xmlns:p14="http://schemas.microsoft.com/office/powerpoint/2010/main" val="4178070976"/>
       </p:ext>
     </p:extLst>
   </p:cSld>
@@ -3582,7 +3962,7 @@
             <a:fld id="{31E92B8E-6087-4A13-9F20-23C7A62C6D17}" type="datetimeFigureOut">
               <a:rPr lang="en-US" smtClean="0"/>
               <a:pPr/>
-              <a:t>11/02/2023</a:t>
+              <a:t>12/02/2023</a:t>
             </a:fld>
             <a:endParaRPr lang="en-US"/>
           </a:p>
@@ -3882,7 +4262,7 @@
             <a:fld id="{31E92B8E-6087-4A13-9F20-23C7A62C6D17}" type="datetimeFigureOut">
               <a:rPr lang="en-US" smtClean="0"/>
               <a:pPr/>
-              <a:t>11/02/2023</a:t>
+              <a:t>12/02/2023</a:t>
             </a:fld>
             <a:endParaRPr lang="en-US"/>
           </a:p>
@@ -4058,7 +4438,7 @@
             <a:fld id="{31E92B8E-6087-4A13-9F20-23C7A62C6D17}" type="datetimeFigureOut">
               <a:rPr lang="en-US" smtClean="0"/>
               <a:pPr/>
-              <a:t>11/02/2023</a:t>
+              <a:t>12/02/2023</a:t>
             </a:fld>
             <a:endParaRPr lang="en-US"/>
           </a:p>
@@ -4224,7 +4604,7 @@
             <a:fld id="{31E92B8E-6087-4A13-9F20-23C7A62C6D17}" type="datetimeFigureOut">
               <a:rPr lang="en-US" smtClean="0"/>
               <a:pPr/>
-              <a:t>11/02/2023</a:t>
+              <a:t>12/02/2023</a:t>
             </a:fld>
             <a:endParaRPr lang="en-US"/>
           </a:p>
@@ -4485,7 +4865,7 @@
             <a:fld id="{31E92B8E-6087-4A13-9F20-23C7A62C6D17}" type="datetimeFigureOut">
               <a:rPr lang="en-US" smtClean="0"/>
               <a:pPr/>
-              <a:t>11/02/2023</a:t>
+              <a:t>12/02/2023</a:t>
             </a:fld>
             <a:endParaRPr lang="en-US"/>
           </a:p>
@@ -4940,7 +5320,7 @@
             <a:fld id="{31E92B8E-6087-4A13-9F20-23C7A62C6D17}" type="datetimeFigureOut">
               <a:rPr lang="en-US" smtClean="0"/>
               <a:pPr/>
-              <a:t>11/02/2023</a:t>
+              <a:t>12/02/2023</a:t>
             </a:fld>
             <a:endParaRPr lang="en-US"/>
           </a:p>
@@ -5424,7 +5804,7 @@
             <a:fld id="{31E92B8E-6087-4A13-9F20-23C7A62C6D17}" type="datetimeFigureOut">
               <a:rPr lang="en-US" smtClean="0"/>
               <a:pPr/>
-              <a:t>11/02/2023</a:t>
+              <a:t>12/02/2023</a:t>
             </a:fld>
             <a:endParaRPr lang="en-US"/>
           </a:p>
@@ -5543,7 +5923,7 @@
             <a:fld id="{31E92B8E-6087-4A13-9F20-23C7A62C6D17}" type="datetimeFigureOut">
               <a:rPr lang="en-US" smtClean="0"/>
               <a:pPr/>
-              <a:t>11/02/2023</a:t>
+              <a:t>12/02/2023</a:t>
             </a:fld>
             <a:endParaRPr lang="en-US"/>
           </a:p>
@@ -5681,7 +6061,7 @@
             <a:fld id="{31E92B8E-6087-4A13-9F20-23C7A62C6D17}" type="datetimeFigureOut">
               <a:rPr lang="en-US" smtClean="0"/>
               <a:pPr/>
-              <a:t>11/02/2023</a:t>
+              <a:t>12/02/2023</a:t>
             </a:fld>
             <a:endParaRPr lang="en-US"/>
           </a:p>
@@ -5996,7 +6376,7 @@
             <a:fld id="{31E92B8E-6087-4A13-9F20-23C7A62C6D17}" type="datetimeFigureOut">
               <a:rPr lang="en-US" smtClean="0"/>
               <a:pPr/>
-              <a:t>11/02/2023</a:t>
+              <a:t>12/02/2023</a:t>
             </a:fld>
             <a:endParaRPr lang="en-US"/>
           </a:p>
@@ -6125,7 +6505,7 @@
             <a:fld id="{31E92B8E-6087-4A13-9F20-23C7A62C6D17}" type="datetimeFigureOut">
               <a:rPr lang="en-US" smtClean="0"/>
               <a:pPr/>
-              <a:t>11/02/2023</a:t>
+              <a:t>12/02/2023</a:t>
             </a:fld>
             <a:endParaRPr lang="en-US"/>
           </a:p>
@@ -6884,7 +7264,7 @@
             <a:fld id="{31E92B8E-6087-4A13-9F20-23C7A62C6D17}" type="datetimeFigureOut">
               <a:rPr lang="en-US" smtClean="0"/>
               <a:pPr/>
-              <a:t>11/02/2023</a:t>
+              <a:t>12/02/2023</a:t>
             </a:fld>
             <a:endParaRPr lang="en-US"/>
           </a:p>
@@ -7416,7 +7796,7 @@
           <p:nvPr/>
         </p:nvPicPr>
         <p:blipFill>
-          <a:blip r:embed="rId2">
+          <a:blip r:embed="rId3">
             <a:extLst>
               <a:ext uri="{28A0092B-C50C-407E-A947-70E740481C1C}">
                 <a14:useLocalDpi xmlns:a14="http://schemas.microsoft.com/office/drawing/2010/main" val="0"/>
@@ -10490,6 +10870,205 @@
             <a:pPr lvl="1"/>
             <a:r>
               <a:rPr lang="en-US" dirty="0"/>
+              <a:t>File -&gt; New -&gt; Other (jar)</a:t>
+            </a:r>
+          </a:p>
+          <a:p>
+            <a:pPr lvl="1"/>
+            <a:endParaRPr lang="en-US" dirty="0"/>
+          </a:p>
+          <a:p>
+            <a:pPr lvl="1"/>
+            <a:endParaRPr lang="en-US" dirty="0"/>
+          </a:p>
+        </p:txBody>
+      </p:sp>
+      <p:grpSp>
+        <p:nvGrpSpPr>
+          <p:cNvPr id="22" name="Group 21">
+            <a:extLst>
+              <a:ext uri="{FF2B5EF4-FFF2-40B4-BE49-F238E27FC236}">
+                <a16:creationId xmlns:a16="http://schemas.microsoft.com/office/drawing/2014/main" id="{7C4EE36B-6752-3D93-FDE0-0C44DB0463B2}"/>
+              </a:ext>
+            </a:extLst>
+          </p:cNvPr>
+          <p:cNvGrpSpPr/>
+          <p:nvPr/>
+        </p:nvGrpSpPr>
+        <p:grpSpPr>
+          <a:xfrm>
+            <a:off x="2195736" y="2564904"/>
+            <a:ext cx="5328592" cy="4176464"/>
+            <a:chOff x="2036487" y="4581129"/>
+            <a:chExt cx="2289065" cy="2042650"/>
+          </a:xfrm>
+        </p:grpSpPr>
+        <p:pic>
+          <p:nvPicPr>
+            <p:cNvPr id="10" name="Picture 9">
+              <a:extLst>
+                <a:ext uri="{FF2B5EF4-FFF2-40B4-BE49-F238E27FC236}">
+                  <a16:creationId xmlns:a16="http://schemas.microsoft.com/office/drawing/2014/main" id="{5BAC23B4-1FA5-192A-8B69-4EC2165ACDCF}"/>
+                </a:ext>
+              </a:extLst>
+            </p:cNvPr>
+            <p:cNvPicPr>
+              <a:picLocks noChangeAspect="1"/>
+            </p:cNvPicPr>
+            <p:nvPr/>
+          </p:nvPicPr>
+          <p:blipFill>
+            <a:blip r:embed="rId3"/>
+            <a:stretch>
+              <a:fillRect/>
+            </a:stretch>
+          </p:blipFill>
+          <p:spPr>
+            <a:xfrm>
+              <a:off x="2036487" y="4581129"/>
+              <a:ext cx="2289065" cy="2042650"/>
+            </a:xfrm>
+            <a:prstGeom prst="rect">
+              <a:avLst/>
+            </a:prstGeom>
+          </p:spPr>
+        </p:pic>
+        <p:sp>
+          <p:nvSpPr>
+            <p:cNvPr id="17" name="Oval 16">
+              <a:extLst>
+                <a:ext uri="{FF2B5EF4-FFF2-40B4-BE49-F238E27FC236}">
+                  <a16:creationId xmlns:a16="http://schemas.microsoft.com/office/drawing/2014/main" id="{70A341A4-D067-65F3-7C0D-612C9B5AB0C6}"/>
+                </a:ext>
+              </a:extLst>
+            </p:cNvPr>
+            <p:cNvSpPr/>
+            <p:nvPr/>
+          </p:nvSpPr>
+          <p:spPr>
+            <a:xfrm>
+              <a:off x="3635896" y="4650371"/>
+              <a:ext cx="254420" cy="271439"/>
+            </a:xfrm>
+            <a:prstGeom prst="ellipse">
+              <a:avLst/>
+            </a:prstGeom>
+            <a:noFill/>
+            <a:ln>
+              <a:solidFill>
+                <a:srgbClr val="FF0000"/>
+              </a:solidFill>
+            </a:ln>
+          </p:spPr>
+          <p:style>
+            <a:lnRef idx="2">
+              <a:schemeClr val="accent1">
+                <a:shade val="50000"/>
+              </a:schemeClr>
+            </a:lnRef>
+            <a:fillRef idx="1">
+              <a:schemeClr val="accent1"/>
+            </a:fillRef>
+            <a:effectRef idx="0">
+              <a:schemeClr val="accent1"/>
+            </a:effectRef>
+            <a:fontRef idx="minor">
+              <a:schemeClr val="lt1"/>
+            </a:fontRef>
+          </p:style>
+          <p:txBody>
+            <a:bodyPr rtlCol="0" anchor="ctr"/>
+            <a:lstStyle/>
+            <a:p>
+              <a:pPr algn="ctr"/>
+              <a:r>
+                <a:rPr lang="en-US" dirty="0">
+                  <a:solidFill>
+                    <a:srgbClr val="FF0000"/>
+                  </a:solidFill>
+                </a:rPr>
+                <a:t>3</a:t>
+              </a:r>
+            </a:p>
+          </p:txBody>
+        </p:sp>
+      </p:grpSp>
+    </p:spTree>
+    <p:extLst>
+      <p:ext uri="{BB962C8B-B14F-4D97-AF65-F5344CB8AC3E}">
+        <p14:creationId xmlns:p14="http://schemas.microsoft.com/office/powerpoint/2010/main" val="2711207773"/>
+      </p:ext>
+    </p:extLst>
+  </p:cSld>
+  <p:clrMapOvr>
+    <a:masterClrMapping/>
+  </p:clrMapOvr>
+</p:sld>
+</file>
+
+<file path=ppt/slides/slide25.xml><?xml version="1.0" encoding="utf-8"?>
+<p:sld xmlns:a="http://schemas.openxmlformats.org/drawingml/2006/main" xmlns:r="http://schemas.openxmlformats.org/officeDocument/2006/relationships" xmlns:p="http://schemas.openxmlformats.org/presentationml/2006/main">
+  <p:cSld>
+    <p:spTree>
+      <p:nvGrpSpPr>
+        <p:cNvPr id="1" name=""/>
+        <p:cNvGrpSpPr/>
+        <p:nvPr/>
+      </p:nvGrpSpPr>
+      <p:grpSpPr>
+        <a:xfrm>
+          <a:off x="0" y="0"/>
+          <a:ext cx="0" cy="0"/>
+          <a:chOff x="0" y="0"/>
+          <a:chExt cx="0" cy="0"/>
+        </a:xfrm>
+      </p:grpSpPr>
+      <p:sp>
+        <p:nvSpPr>
+          <p:cNvPr id="2" name="Title 1"/>
+          <p:cNvSpPr>
+            <a:spLocks noGrp="1"/>
+          </p:cNvSpPr>
+          <p:nvPr>
+            <p:ph type="title"/>
+          </p:nvPr>
+        </p:nvSpPr>
+        <p:spPr/>
+        <p:txBody>
+          <a:bodyPr/>
+          <a:lstStyle/>
+          <a:p>
+            <a:r>
+              <a:rPr lang="en-US" dirty="0"/>
+              <a:t>Maven</a:t>
+            </a:r>
+          </a:p>
+        </p:txBody>
+      </p:sp>
+      <p:sp>
+        <p:nvSpPr>
+          <p:cNvPr id="3" name="Content Placeholder 2"/>
+          <p:cNvSpPr>
+            <a:spLocks noGrp="1"/>
+          </p:cNvSpPr>
+          <p:nvPr>
+            <p:ph idx="1"/>
+          </p:nvPr>
+        </p:nvSpPr>
+        <p:spPr/>
+        <p:txBody>
+          <a:bodyPr/>
+          <a:lstStyle/>
+          <a:p>
+            <a:r>
+              <a:rPr lang="en-US" dirty="0"/>
+              <a:t>Eclipse IDE Plugin</a:t>
+            </a:r>
+          </a:p>
+          <a:p>
+            <a:pPr lvl="1"/>
+            <a:r>
+              <a:rPr lang="en-US" dirty="0"/>
               <a:t>java project</a:t>
             </a:r>
           </a:p>
@@ -10525,7 +11104,7 @@
         </p:blipFill>
         <p:spPr>
           <a:xfrm>
-            <a:off x="2158618" y="2615378"/>
+            <a:off x="2158618" y="2564904"/>
             <a:ext cx="6229806" cy="4125990"/>
           </a:xfrm>
           <a:prstGeom prst="rect">
@@ -10546,7 +11125,7 @@
 </p:sld>
 </file>
 
-<file path=ppt/slides/slide25.xml><?xml version="1.0" encoding="utf-8"?>
+<file path=ppt/slides/slide26.xml><?xml version="1.0" encoding="utf-8"?>
 <p:sld xmlns:a="http://schemas.openxmlformats.org/drawingml/2006/main" xmlns:r="http://schemas.openxmlformats.org/officeDocument/2006/relationships" xmlns:p="http://schemas.openxmlformats.org/presentationml/2006/main">
   <p:cSld>
     <p:spTree>
@@ -10695,7 +11274,7 @@
 </p:sld>
 </file>
 
-<file path=ppt/slides/slide26.xml><?xml version="1.0" encoding="utf-8"?>
+<file path=ppt/slides/slide27.xml><?xml version="1.0" encoding="utf-8"?>
 <p:sld xmlns:a="http://schemas.openxmlformats.org/drawingml/2006/main" xmlns:r="http://schemas.openxmlformats.org/officeDocument/2006/relationships" xmlns:p="http://schemas.openxmlformats.org/presentationml/2006/main">
   <p:cSld>
     <p:spTree>
@@ -10712,36 +11291,6 @@
           <a:chExt cx="0" cy="0"/>
         </a:xfrm>
       </p:grpSpPr>
-      <p:pic>
-        <p:nvPicPr>
-          <p:cNvPr id="9" name="Picture 8">
-            <a:extLst>
-              <a:ext uri="{FF2B5EF4-FFF2-40B4-BE49-F238E27FC236}">
-                <a16:creationId xmlns:a16="http://schemas.microsoft.com/office/drawing/2014/main" id="{BA5305A5-BF51-1266-9242-375D532024DB}"/>
-              </a:ext>
-            </a:extLst>
-          </p:cNvPr>
-          <p:cNvPicPr>
-            <a:picLocks noChangeAspect="1"/>
-          </p:cNvPicPr>
-          <p:nvPr/>
-        </p:nvPicPr>
-        <p:blipFill>
-          <a:blip r:embed="rId3"/>
-          <a:stretch>
-            <a:fillRect/>
-          </a:stretch>
-        </p:blipFill>
-        <p:spPr>
-          <a:xfrm>
-            <a:off x="4605536" y="2492896"/>
-            <a:ext cx="2258598" cy="2069848"/>
-          </a:xfrm>
-          <a:prstGeom prst="rect">
-            <a:avLst/>
-          </a:prstGeom>
-        </p:spPr>
-      </p:pic>
       <p:sp>
         <p:nvSpPr>
           <p:cNvPr id="2" name="Title 1"/>
@@ -10836,7 +11385,7 @@
             <p:nvPr/>
           </p:nvPicPr>
           <p:blipFill>
-            <a:blip r:embed="rId4"/>
+            <a:blip r:embed="rId3"/>
             <a:stretch>
               <a:fillRect/>
             </a:stretch>
@@ -10911,65 +11460,116 @@
           </p:txBody>
         </p:sp>
       </p:grpSp>
-      <p:sp>
-        <p:nvSpPr>
-          <p:cNvPr id="16" name="Oval 15">
+      <p:grpSp>
+        <p:nvGrpSpPr>
+          <p:cNvPr id="4" name="Group 3">
             <a:extLst>
               <a:ext uri="{FF2B5EF4-FFF2-40B4-BE49-F238E27FC236}">
-                <a16:creationId xmlns:a16="http://schemas.microsoft.com/office/drawing/2014/main" id="{9087CDA3-BB0C-9969-7DAF-4A8D204F6FC0}"/>
+                <a16:creationId xmlns:a16="http://schemas.microsoft.com/office/drawing/2014/main" id="{FF14F650-1DBF-981B-98ED-D6B22EE60A1A}"/>
               </a:ext>
             </a:extLst>
           </p:cNvPr>
-          <p:cNvSpPr/>
+          <p:cNvGrpSpPr/>
           <p:nvPr/>
-        </p:nvSpPr>
-        <p:spPr>
+        </p:nvGrpSpPr>
+        <p:grpSpPr>
           <a:xfrm>
-            <a:off x="6315425" y="2636912"/>
-            <a:ext cx="360040" cy="360040"/>
+            <a:off x="4605536" y="2492896"/>
+            <a:ext cx="2258598" cy="2069848"/>
+            <a:chOff x="4605536" y="2492896"/>
+            <a:chExt cx="2258598" cy="2069848"/>
           </a:xfrm>
-          <a:prstGeom prst="ellipse">
-            <a:avLst/>
-          </a:prstGeom>
-          <a:noFill/>
-          <a:ln>
-            <a:solidFill>
-              <a:srgbClr val="FF0000"/>
-            </a:solidFill>
-          </a:ln>
-        </p:spPr>
-        <p:style>
-          <a:lnRef idx="2">
-            <a:schemeClr val="accent1">
-              <a:shade val="50000"/>
-            </a:schemeClr>
-          </a:lnRef>
-          <a:fillRef idx="1">
-            <a:schemeClr val="accent1"/>
-          </a:fillRef>
-          <a:effectRef idx="0">
-            <a:schemeClr val="accent1"/>
-          </a:effectRef>
-          <a:fontRef idx="minor">
-            <a:schemeClr val="lt1"/>
-          </a:fontRef>
-        </p:style>
-        <p:txBody>
-          <a:bodyPr rtlCol="0" anchor="ctr"/>
-          <a:lstStyle/>
-          <a:p>
-            <a:pPr algn="ctr"/>
-            <a:r>
-              <a:rPr lang="en-US" dirty="0">
-                <a:solidFill>
-                  <a:srgbClr val="FF0000"/>
-                </a:solidFill>
-              </a:rPr>
-              <a:t>2</a:t>
-            </a:r>
-          </a:p>
-        </p:txBody>
-      </p:sp>
+        </p:grpSpPr>
+        <p:pic>
+          <p:nvPicPr>
+            <p:cNvPr id="9" name="Picture 8">
+              <a:extLst>
+                <a:ext uri="{FF2B5EF4-FFF2-40B4-BE49-F238E27FC236}">
+                  <a16:creationId xmlns:a16="http://schemas.microsoft.com/office/drawing/2014/main" id="{BA5305A5-BF51-1266-9242-375D532024DB}"/>
+                </a:ext>
+              </a:extLst>
+            </p:cNvPr>
+            <p:cNvPicPr>
+              <a:picLocks noChangeAspect="1"/>
+            </p:cNvPicPr>
+            <p:nvPr/>
+          </p:nvPicPr>
+          <p:blipFill>
+            <a:blip r:embed="rId4"/>
+            <a:stretch>
+              <a:fillRect/>
+            </a:stretch>
+          </p:blipFill>
+          <p:spPr>
+            <a:xfrm>
+              <a:off x="4605536" y="2492896"/>
+              <a:ext cx="2258598" cy="2069848"/>
+            </a:xfrm>
+            <a:prstGeom prst="rect">
+              <a:avLst/>
+            </a:prstGeom>
+          </p:spPr>
+        </p:pic>
+        <p:sp>
+          <p:nvSpPr>
+            <p:cNvPr id="16" name="Oval 15">
+              <a:extLst>
+                <a:ext uri="{FF2B5EF4-FFF2-40B4-BE49-F238E27FC236}">
+                  <a16:creationId xmlns:a16="http://schemas.microsoft.com/office/drawing/2014/main" id="{9087CDA3-BB0C-9969-7DAF-4A8D204F6FC0}"/>
+                </a:ext>
+              </a:extLst>
+            </p:cNvPr>
+            <p:cNvSpPr/>
+            <p:nvPr/>
+          </p:nvSpPr>
+          <p:spPr>
+            <a:xfrm>
+              <a:off x="6315425" y="2636912"/>
+              <a:ext cx="360040" cy="360040"/>
+            </a:xfrm>
+            <a:prstGeom prst="ellipse">
+              <a:avLst/>
+            </a:prstGeom>
+            <a:noFill/>
+            <a:ln>
+              <a:solidFill>
+                <a:srgbClr val="FF0000"/>
+              </a:solidFill>
+            </a:ln>
+          </p:spPr>
+          <p:style>
+            <a:lnRef idx="2">
+              <a:schemeClr val="accent1">
+                <a:shade val="50000"/>
+              </a:schemeClr>
+            </a:lnRef>
+            <a:fillRef idx="1">
+              <a:schemeClr val="accent1"/>
+            </a:fillRef>
+            <a:effectRef idx="0">
+              <a:schemeClr val="accent1"/>
+            </a:effectRef>
+            <a:fontRef idx="minor">
+              <a:schemeClr val="lt1"/>
+            </a:fontRef>
+          </p:style>
+          <p:txBody>
+            <a:bodyPr rtlCol="0" anchor="ctr"/>
+            <a:lstStyle/>
+            <a:p>
+              <a:pPr algn="ctr"/>
+              <a:r>
+                <a:rPr lang="en-US" dirty="0">
+                  <a:solidFill>
+                    <a:srgbClr val="FF0000"/>
+                  </a:solidFill>
+                </a:rPr>
+                <a:t>2</a:t>
+              </a:r>
+            </a:p>
+          </p:txBody>
+        </p:sp>
+      </p:grpSp>
       <p:grpSp>
         <p:nvGrpSpPr>
           <p:cNvPr id="25" name="Group 24">
@@ -11203,7 +11803,206 @@
 </p:sld>
 </file>
 
-<file path=ppt/slides/slide27.xml><?xml version="1.0" encoding="utf-8"?>
+<file path=ppt/slides/slide28.xml><?xml version="1.0" encoding="utf-8"?>
+<p:sld xmlns:a="http://schemas.openxmlformats.org/drawingml/2006/main" xmlns:r="http://schemas.openxmlformats.org/officeDocument/2006/relationships" xmlns:p="http://schemas.openxmlformats.org/presentationml/2006/main">
+  <p:cSld>
+    <p:spTree>
+      <p:nvGrpSpPr>
+        <p:cNvPr id="1" name=""/>
+        <p:cNvGrpSpPr/>
+        <p:nvPr/>
+      </p:nvGrpSpPr>
+      <p:grpSpPr>
+        <a:xfrm>
+          <a:off x="0" y="0"/>
+          <a:ext cx="0" cy="0"/>
+          <a:chOff x="0" y="0"/>
+          <a:chExt cx="0" cy="0"/>
+        </a:xfrm>
+      </p:grpSpPr>
+      <p:sp>
+        <p:nvSpPr>
+          <p:cNvPr id="2" name="Title 1"/>
+          <p:cNvSpPr>
+            <a:spLocks noGrp="1"/>
+          </p:cNvSpPr>
+          <p:nvPr>
+            <p:ph type="title"/>
+          </p:nvPr>
+        </p:nvSpPr>
+        <p:spPr/>
+        <p:txBody>
+          <a:bodyPr/>
+          <a:lstStyle/>
+          <a:p>
+            <a:r>
+              <a:rPr lang="en-US" dirty="0"/>
+              <a:t>Maven</a:t>
+            </a:r>
+          </a:p>
+        </p:txBody>
+      </p:sp>
+      <p:sp>
+        <p:nvSpPr>
+          <p:cNvPr id="3" name="Content Placeholder 2"/>
+          <p:cNvSpPr>
+            <a:spLocks noGrp="1"/>
+          </p:cNvSpPr>
+          <p:nvPr>
+            <p:ph idx="1"/>
+          </p:nvPr>
+        </p:nvSpPr>
+        <p:spPr/>
+        <p:txBody>
+          <a:bodyPr/>
+          <a:lstStyle/>
+          <a:p>
+            <a:r>
+              <a:rPr lang="en-US" dirty="0"/>
+              <a:t>Eclipse IDE Plugin</a:t>
+            </a:r>
+          </a:p>
+          <a:p>
+            <a:pPr lvl="1"/>
+            <a:r>
+              <a:rPr lang="en-US" dirty="0"/>
+              <a:t>File -&gt; New -&gt; Other (war)</a:t>
+            </a:r>
+          </a:p>
+          <a:p>
+            <a:pPr lvl="1"/>
+            <a:endParaRPr lang="en-US" dirty="0"/>
+          </a:p>
+          <a:p>
+            <a:pPr lvl="1"/>
+            <a:endParaRPr lang="en-US" dirty="0"/>
+          </a:p>
+        </p:txBody>
+      </p:sp>
+      <p:grpSp>
+        <p:nvGrpSpPr>
+          <p:cNvPr id="25" name="Group 24">
+            <a:extLst>
+              <a:ext uri="{FF2B5EF4-FFF2-40B4-BE49-F238E27FC236}">
+                <a16:creationId xmlns:a16="http://schemas.microsoft.com/office/drawing/2014/main" id="{623A375A-29FB-2954-31D5-2A920A37AFC9}"/>
+              </a:ext>
+            </a:extLst>
+          </p:cNvPr>
+          <p:cNvGrpSpPr/>
+          <p:nvPr/>
+        </p:nvGrpSpPr>
+        <p:grpSpPr>
+          <a:xfrm>
+            <a:off x="2199809" y="2636911"/>
+            <a:ext cx="5324519" cy="4104457"/>
+            <a:chOff x="2199810" y="4679563"/>
+            <a:chExt cx="2258598" cy="2042650"/>
+          </a:xfrm>
+        </p:grpSpPr>
+        <p:pic>
+          <p:nvPicPr>
+            <p:cNvPr id="5" name="Picture 4">
+              <a:extLst>
+                <a:ext uri="{FF2B5EF4-FFF2-40B4-BE49-F238E27FC236}">
+                  <a16:creationId xmlns:a16="http://schemas.microsoft.com/office/drawing/2014/main" id="{3BFC69E7-BE00-767F-86D2-029AE8215A8A}"/>
+                </a:ext>
+              </a:extLst>
+            </p:cNvPr>
+            <p:cNvPicPr>
+              <a:picLocks noChangeAspect="1"/>
+            </p:cNvPicPr>
+            <p:nvPr/>
+          </p:nvPicPr>
+          <p:blipFill>
+            <a:blip r:embed="rId3"/>
+            <a:stretch>
+              <a:fillRect/>
+            </a:stretch>
+          </p:blipFill>
+          <p:spPr>
+            <a:xfrm>
+              <a:off x="2199810" y="4679563"/>
+              <a:ext cx="2258598" cy="2042650"/>
+            </a:xfrm>
+            <a:prstGeom prst="rect">
+              <a:avLst/>
+            </a:prstGeom>
+          </p:spPr>
+        </p:pic>
+        <p:sp>
+          <p:nvSpPr>
+            <p:cNvPr id="14" name="Oval 13">
+              <a:extLst>
+                <a:ext uri="{FF2B5EF4-FFF2-40B4-BE49-F238E27FC236}">
+                  <a16:creationId xmlns:a16="http://schemas.microsoft.com/office/drawing/2014/main" id="{590DEE2D-D0F2-5A58-5EC5-E5E85E673C9A}"/>
+                </a:ext>
+              </a:extLst>
+            </p:cNvPr>
+            <p:cNvSpPr/>
+            <p:nvPr/>
+          </p:nvSpPr>
+          <p:spPr>
+            <a:xfrm>
+              <a:off x="3851920" y="4725480"/>
+              <a:ext cx="234924" cy="276606"/>
+            </a:xfrm>
+            <a:prstGeom prst="ellipse">
+              <a:avLst/>
+            </a:prstGeom>
+            <a:noFill/>
+            <a:ln>
+              <a:solidFill>
+                <a:srgbClr val="FF0000"/>
+              </a:solidFill>
+            </a:ln>
+          </p:spPr>
+          <p:style>
+            <a:lnRef idx="2">
+              <a:schemeClr val="accent1">
+                <a:shade val="50000"/>
+              </a:schemeClr>
+            </a:lnRef>
+            <a:fillRef idx="1">
+              <a:schemeClr val="accent1"/>
+            </a:fillRef>
+            <a:effectRef idx="0">
+              <a:schemeClr val="accent1"/>
+            </a:effectRef>
+            <a:fontRef idx="minor">
+              <a:schemeClr val="lt1"/>
+            </a:fontRef>
+          </p:style>
+          <p:txBody>
+            <a:bodyPr rtlCol="0" anchor="ctr"/>
+            <a:lstStyle/>
+            <a:p>
+              <a:pPr algn="ctr"/>
+              <a:r>
+                <a:rPr lang="en-US" dirty="0">
+                  <a:solidFill>
+                    <a:srgbClr val="FF0000"/>
+                  </a:solidFill>
+                </a:rPr>
+                <a:t>3</a:t>
+              </a:r>
+            </a:p>
+          </p:txBody>
+        </p:sp>
+      </p:grpSp>
+    </p:spTree>
+    <p:extLst>
+      <p:ext uri="{BB962C8B-B14F-4D97-AF65-F5344CB8AC3E}">
+        <p14:creationId xmlns:p14="http://schemas.microsoft.com/office/powerpoint/2010/main" val="2288363149"/>
+      </p:ext>
+    </p:extLst>
+  </p:cSld>
+  <p:clrMapOvr>
+    <a:masterClrMapping/>
+  </p:clrMapOvr>
+</p:sld>
+</file>
+
+<file path=ppt/slides/slide29.xml><?xml version="1.0" encoding="utf-8"?>
 <p:sld xmlns:a="http://schemas.openxmlformats.org/drawingml/2006/main" xmlns:r="http://schemas.openxmlformats.org/officeDocument/2006/relationships" xmlns:p="http://schemas.openxmlformats.org/presentationml/2006/main">
   <p:cSld>
     <p:spTree>
@@ -11322,7 +12121,7 @@
 </p:sld>
 </file>
 
-<file path=ppt/slides/slide28.xml><?xml version="1.0" encoding="utf-8"?>
+<file path=ppt/slides/slide3.xml><?xml version="1.0" encoding="utf-8"?>
 <p:sld xmlns:a="http://schemas.openxmlformats.org/drawingml/2006/main" xmlns:r="http://schemas.openxmlformats.org/officeDocument/2006/relationships" xmlns:p="http://schemas.openxmlformats.org/presentationml/2006/main">
   <p:cSld>
     <p:spTree>
@@ -11356,6 +12155,98 @@
           <a:p>
             <a:r>
               <a:rPr lang="en-US" dirty="0"/>
+              <a:t>Maven</a:t>
+            </a:r>
+          </a:p>
+        </p:txBody>
+      </p:sp>
+      <p:sp>
+        <p:nvSpPr>
+          <p:cNvPr id="3" name="Content Placeholder 2"/>
+          <p:cNvSpPr>
+            <a:spLocks noGrp="1"/>
+          </p:cNvSpPr>
+          <p:nvPr>
+            <p:ph idx="1"/>
+          </p:nvPr>
+        </p:nvSpPr>
+        <p:spPr/>
+        <p:txBody>
+          <a:bodyPr/>
+          <a:lstStyle/>
+          <a:p>
+            <a:r>
+              <a:rPr lang="en-US" dirty="0"/>
+              <a:t>What is Apache Maven?</a:t>
+            </a:r>
+          </a:p>
+          <a:p>
+            <a:pPr lvl="1"/>
+            <a:r>
+              <a:rPr lang="en-US" dirty="0"/>
+              <a:t>Apache Maven is a software management and comprehension tool for java development</a:t>
+            </a:r>
+          </a:p>
+          <a:p>
+            <a:pPr lvl="1"/>
+            <a:endParaRPr lang="en-US" dirty="0"/>
+          </a:p>
+          <a:p>
+            <a:endParaRPr lang="en-US" dirty="0"/>
+          </a:p>
+          <a:p>
+            <a:pPr lvl="1"/>
+            <a:endParaRPr lang="en-US" dirty="0"/>
+          </a:p>
+        </p:txBody>
+      </p:sp>
+    </p:spTree>
+    <p:extLst>
+      <p:ext uri="{BB962C8B-B14F-4D97-AF65-F5344CB8AC3E}">
+        <p14:creationId xmlns:p14="http://schemas.microsoft.com/office/powerpoint/2010/main" val="2048179443"/>
+      </p:ext>
+    </p:extLst>
+  </p:cSld>
+  <p:clrMapOvr>
+    <a:masterClrMapping/>
+  </p:clrMapOvr>
+</p:sld>
+</file>
+
+<file path=ppt/slides/slide30.xml><?xml version="1.0" encoding="utf-8"?>
+<p:sld xmlns:a="http://schemas.openxmlformats.org/drawingml/2006/main" xmlns:r="http://schemas.openxmlformats.org/officeDocument/2006/relationships" xmlns:p="http://schemas.openxmlformats.org/presentationml/2006/main">
+  <p:cSld>
+    <p:spTree>
+      <p:nvGrpSpPr>
+        <p:cNvPr id="1" name=""/>
+        <p:cNvGrpSpPr/>
+        <p:nvPr/>
+      </p:nvGrpSpPr>
+      <p:grpSpPr>
+        <a:xfrm>
+          <a:off x="0" y="0"/>
+          <a:ext cx="0" cy="0"/>
+          <a:chOff x="0" y="0"/>
+          <a:chExt cx="0" cy="0"/>
+        </a:xfrm>
+      </p:grpSpPr>
+      <p:sp>
+        <p:nvSpPr>
+          <p:cNvPr id="2" name="Title 1"/>
+          <p:cNvSpPr>
+            <a:spLocks noGrp="1"/>
+          </p:cNvSpPr>
+          <p:nvPr>
+            <p:ph type="title"/>
+          </p:nvPr>
+        </p:nvSpPr>
+        <p:spPr/>
+        <p:txBody>
+          <a:bodyPr/>
+          <a:lstStyle/>
+          <a:p>
+            <a:r>
+              <a:rPr lang="en-US" dirty="0"/>
               <a:t>Reference</a:t>
             </a:r>
           </a:p>
@@ -11473,7 +12364,7 @@
 </p:sld>
 </file>
 
-<file path=ppt/slides/slide29.xml><?xml version="1.0" encoding="utf-8"?>
+<file path=ppt/slides/slide31.xml><?xml version="1.0" encoding="utf-8"?>
 <p:sld xmlns:a="http://schemas.openxmlformats.org/drawingml/2006/main" xmlns:r="http://schemas.openxmlformats.org/officeDocument/2006/relationships" xmlns:p="http://schemas.openxmlformats.org/presentationml/2006/main">
   <p:cSld>
     <p:spTree>
@@ -11543,98 +12434,6 @@
         </p:txBody>
       </p:sp>
     </p:spTree>
-  </p:cSld>
-  <p:clrMapOvr>
-    <a:masterClrMapping/>
-  </p:clrMapOvr>
-</p:sld>
-</file>
-
-<file path=ppt/slides/slide3.xml><?xml version="1.0" encoding="utf-8"?>
-<p:sld xmlns:a="http://schemas.openxmlformats.org/drawingml/2006/main" xmlns:r="http://schemas.openxmlformats.org/officeDocument/2006/relationships" xmlns:p="http://schemas.openxmlformats.org/presentationml/2006/main">
-  <p:cSld>
-    <p:spTree>
-      <p:nvGrpSpPr>
-        <p:cNvPr id="1" name=""/>
-        <p:cNvGrpSpPr/>
-        <p:nvPr/>
-      </p:nvGrpSpPr>
-      <p:grpSpPr>
-        <a:xfrm>
-          <a:off x="0" y="0"/>
-          <a:ext cx="0" cy="0"/>
-          <a:chOff x="0" y="0"/>
-          <a:chExt cx="0" cy="0"/>
-        </a:xfrm>
-      </p:grpSpPr>
-      <p:sp>
-        <p:nvSpPr>
-          <p:cNvPr id="2" name="Title 1"/>
-          <p:cNvSpPr>
-            <a:spLocks noGrp="1"/>
-          </p:cNvSpPr>
-          <p:nvPr>
-            <p:ph type="title"/>
-          </p:nvPr>
-        </p:nvSpPr>
-        <p:spPr/>
-        <p:txBody>
-          <a:bodyPr/>
-          <a:lstStyle/>
-          <a:p>
-            <a:r>
-              <a:rPr lang="en-US" dirty="0"/>
-              <a:t>Maven</a:t>
-            </a:r>
-          </a:p>
-        </p:txBody>
-      </p:sp>
-      <p:sp>
-        <p:nvSpPr>
-          <p:cNvPr id="3" name="Content Placeholder 2"/>
-          <p:cNvSpPr>
-            <a:spLocks noGrp="1"/>
-          </p:cNvSpPr>
-          <p:nvPr>
-            <p:ph idx="1"/>
-          </p:nvPr>
-        </p:nvSpPr>
-        <p:spPr/>
-        <p:txBody>
-          <a:bodyPr/>
-          <a:lstStyle/>
-          <a:p>
-            <a:r>
-              <a:rPr lang="en-US" dirty="0"/>
-              <a:t>What is Apache Maven?</a:t>
-            </a:r>
-          </a:p>
-          <a:p>
-            <a:pPr lvl="1"/>
-            <a:r>
-              <a:rPr lang="en-US" dirty="0"/>
-              <a:t>Apache Maven is a software management and comprehension tool for java development</a:t>
-            </a:r>
-          </a:p>
-          <a:p>
-            <a:pPr lvl="1"/>
-            <a:endParaRPr lang="en-US" dirty="0"/>
-          </a:p>
-          <a:p>
-            <a:endParaRPr lang="en-US" dirty="0"/>
-          </a:p>
-          <a:p>
-            <a:pPr lvl="1"/>
-            <a:endParaRPr lang="en-US" dirty="0"/>
-          </a:p>
-        </p:txBody>
-      </p:sp>
-    </p:spTree>
-    <p:extLst>
-      <p:ext uri="{BB962C8B-B14F-4D97-AF65-F5344CB8AC3E}">
-        <p14:creationId xmlns:p14="http://schemas.microsoft.com/office/powerpoint/2010/main" val="2048179443"/>
-      </p:ext>
-    </p:extLst>
   </p:cSld>
   <p:clrMapOvr>
     <a:masterClrMapping/>

--- a/Introduction to Maven.pptx
+++ b/Introduction to Maven.pptx
@@ -5,7 +5,7 @@
     <p:sldMasterId id="2147483684" r:id="rId1"/>
   </p:sldMasterIdLst>
   <p:notesMasterIdLst>
-    <p:notesMasterId r:id="rId33"/>
+    <p:notesMasterId r:id="rId52"/>
   </p:notesMasterIdLst>
   <p:sldIdLst>
     <p:sldId id="256" r:id="rId2"/>
@@ -37,8 +37,27 @@
     <p:sldId id="471" r:id="rId28"/>
     <p:sldId id="474" r:id="rId29"/>
     <p:sldId id="472" r:id="rId30"/>
-    <p:sldId id="424" r:id="rId31"/>
-    <p:sldId id="367" r:id="rId32"/>
+    <p:sldId id="479" r:id="rId31"/>
+    <p:sldId id="480" r:id="rId32"/>
+    <p:sldId id="499" r:id="rId33"/>
+    <p:sldId id="482" r:id="rId34"/>
+    <p:sldId id="481" r:id="rId35"/>
+    <p:sldId id="483" r:id="rId36"/>
+    <p:sldId id="486" r:id="rId37"/>
+    <p:sldId id="485" r:id="rId38"/>
+    <p:sldId id="487" r:id="rId39"/>
+    <p:sldId id="489" r:id="rId40"/>
+    <p:sldId id="488" r:id="rId41"/>
+    <p:sldId id="492" r:id="rId42"/>
+    <p:sldId id="493" r:id="rId43"/>
+    <p:sldId id="494" r:id="rId44"/>
+    <p:sldId id="495" r:id="rId45"/>
+    <p:sldId id="496" r:id="rId46"/>
+    <p:sldId id="497" r:id="rId47"/>
+    <p:sldId id="498" r:id="rId48"/>
+    <p:sldId id="500" r:id="rId49"/>
+    <p:sldId id="490" r:id="rId50"/>
+    <p:sldId id="491" r:id="rId51"/>
   </p:sldIdLst>
   <p:sldSz cx="9144000" cy="6858000" type="screen4x3"/>
   <p:notesSz cx="6858000" cy="9144000"/>
@@ -239,7 +258,7 @@
             <a:fld id="{940CEE64-98CB-4226-A253-7BC1859BE751}" type="datetimeFigureOut">
               <a:rPr lang="en-US" smtClean="0"/>
               <a:pPr/>
-              <a:t>12/02/2023</a:t>
+              <a:t>01/03/2023</a:t>
             </a:fld>
             <a:endParaRPr lang="en-US"/>
           </a:p>
@@ -3062,7 +3081,7 @@
     </p:spTree>
     <p:extLst>
       <p:ext uri="{BB962C8B-B14F-4D97-AF65-F5344CB8AC3E}">
-        <p14:creationId xmlns:p14="http://schemas.microsoft.com/office/powerpoint/2010/main" val="629698199"/>
+        <p14:creationId xmlns:p14="http://schemas.microsoft.com/office/powerpoint/2010/main" val="2900410974"/>
       </p:ext>
     </p:extLst>
   </p:cSld>
@@ -3116,7 +3135,7 @@
           <a:bodyPr/>
           <a:lstStyle/>
           <a:p>
-            <a:endParaRPr lang="en-US"/>
+            <a:endParaRPr lang="en-US" dirty="0"/>
           </a:p>
         </p:txBody>
       </p:sp>
@@ -3147,7 +3166,687 @@
     </p:spTree>
     <p:extLst>
       <p:ext uri="{BB962C8B-B14F-4D97-AF65-F5344CB8AC3E}">
-        <p14:creationId xmlns:p14="http://schemas.microsoft.com/office/powerpoint/2010/main" val="79046378"/>
+        <p14:creationId xmlns:p14="http://schemas.microsoft.com/office/powerpoint/2010/main" val="245568308"/>
+      </p:ext>
+    </p:extLst>
+  </p:cSld>
+  <p:clrMapOvr>
+    <a:masterClrMapping/>
+  </p:clrMapOvr>
+</p:notes>
+</file>
+
+<file path=ppt/notesSlides/notesSlide32.xml><?xml version="1.0" encoding="utf-8"?>
+<p:notes xmlns:a="http://schemas.openxmlformats.org/drawingml/2006/main" xmlns:r="http://schemas.openxmlformats.org/officeDocument/2006/relationships" xmlns:p="http://schemas.openxmlformats.org/presentationml/2006/main">
+  <p:cSld>
+    <p:spTree>
+      <p:nvGrpSpPr>
+        <p:cNvPr id="1" name=""/>
+        <p:cNvGrpSpPr/>
+        <p:nvPr/>
+      </p:nvGrpSpPr>
+      <p:grpSpPr>
+        <a:xfrm>
+          <a:off x="0" y="0"/>
+          <a:ext cx="0" cy="0"/>
+          <a:chOff x="0" y="0"/>
+          <a:chExt cx="0" cy="0"/>
+        </a:xfrm>
+      </p:grpSpPr>
+      <p:sp>
+        <p:nvSpPr>
+          <p:cNvPr id="2" name="Slide Image Placeholder 1"/>
+          <p:cNvSpPr>
+            <a:spLocks noGrp="1" noRot="1" noChangeAspect="1"/>
+          </p:cNvSpPr>
+          <p:nvPr>
+            <p:ph type="sldImg"/>
+          </p:nvPr>
+        </p:nvSpPr>
+        <p:spPr/>
+      </p:sp>
+      <p:sp>
+        <p:nvSpPr>
+          <p:cNvPr id="3" name="Notes Placeholder 2"/>
+          <p:cNvSpPr>
+            <a:spLocks noGrp="1"/>
+          </p:cNvSpPr>
+          <p:nvPr>
+            <p:ph type="body" idx="1"/>
+          </p:nvPr>
+        </p:nvSpPr>
+        <p:spPr/>
+        <p:txBody>
+          <a:bodyPr/>
+          <a:lstStyle/>
+          <a:p>
+            <a:endParaRPr lang="en-US" dirty="0"/>
+          </a:p>
+        </p:txBody>
+      </p:sp>
+      <p:sp>
+        <p:nvSpPr>
+          <p:cNvPr id="4" name="Slide Number Placeholder 3"/>
+          <p:cNvSpPr>
+            <a:spLocks noGrp="1"/>
+          </p:cNvSpPr>
+          <p:nvPr>
+            <p:ph type="sldNum" sz="quarter" idx="5"/>
+          </p:nvPr>
+        </p:nvSpPr>
+        <p:spPr/>
+        <p:txBody>
+          <a:bodyPr/>
+          <a:lstStyle/>
+          <a:p>
+            <a:fld id="{2B6F42A7-B42A-4EFE-B8BF-3BC6AAD8E03A}" type="slidenum">
+              <a:rPr lang="en-US" smtClean="0"/>
+              <a:pPr/>
+              <a:t>32</a:t>
+            </a:fld>
+            <a:endParaRPr lang="en-US"/>
+          </a:p>
+        </p:txBody>
+      </p:sp>
+    </p:spTree>
+    <p:extLst>
+      <p:ext uri="{BB962C8B-B14F-4D97-AF65-F5344CB8AC3E}">
+        <p14:creationId xmlns:p14="http://schemas.microsoft.com/office/powerpoint/2010/main" val="1900157713"/>
+      </p:ext>
+    </p:extLst>
+  </p:cSld>
+  <p:clrMapOvr>
+    <a:masterClrMapping/>
+  </p:clrMapOvr>
+</p:notes>
+</file>
+
+<file path=ppt/notesSlides/notesSlide33.xml><?xml version="1.0" encoding="utf-8"?>
+<p:notes xmlns:a="http://schemas.openxmlformats.org/drawingml/2006/main" xmlns:r="http://schemas.openxmlformats.org/officeDocument/2006/relationships" xmlns:p="http://schemas.openxmlformats.org/presentationml/2006/main">
+  <p:cSld>
+    <p:spTree>
+      <p:nvGrpSpPr>
+        <p:cNvPr id="1" name=""/>
+        <p:cNvGrpSpPr/>
+        <p:nvPr/>
+      </p:nvGrpSpPr>
+      <p:grpSpPr>
+        <a:xfrm>
+          <a:off x="0" y="0"/>
+          <a:ext cx="0" cy="0"/>
+          <a:chOff x="0" y="0"/>
+          <a:chExt cx="0" cy="0"/>
+        </a:xfrm>
+      </p:grpSpPr>
+      <p:sp>
+        <p:nvSpPr>
+          <p:cNvPr id="2" name="Slide Image Placeholder 1"/>
+          <p:cNvSpPr>
+            <a:spLocks noGrp="1" noRot="1" noChangeAspect="1"/>
+          </p:cNvSpPr>
+          <p:nvPr>
+            <p:ph type="sldImg"/>
+          </p:nvPr>
+        </p:nvSpPr>
+        <p:spPr/>
+      </p:sp>
+      <p:sp>
+        <p:nvSpPr>
+          <p:cNvPr id="3" name="Notes Placeholder 2"/>
+          <p:cNvSpPr>
+            <a:spLocks noGrp="1"/>
+          </p:cNvSpPr>
+          <p:nvPr>
+            <p:ph type="body" idx="1"/>
+          </p:nvPr>
+        </p:nvSpPr>
+        <p:spPr/>
+        <p:txBody>
+          <a:bodyPr/>
+          <a:lstStyle/>
+          <a:p>
+            <a:endParaRPr lang="en-US" dirty="0"/>
+          </a:p>
+        </p:txBody>
+      </p:sp>
+      <p:sp>
+        <p:nvSpPr>
+          <p:cNvPr id="4" name="Slide Number Placeholder 3"/>
+          <p:cNvSpPr>
+            <a:spLocks noGrp="1"/>
+          </p:cNvSpPr>
+          <p:nvPr>
+            <p:ph type="sldNum" sz="quarter" idx="5"/>
+          </p:nvPr>
+        </p:nvSpPr>
+        <p:spPr/>
+        <p:txBody>
+          <a:bodyPr/>
+          <a:lstStyle/>
+          <a:p>
+            <a:fld id="{2B6F42A7-B42A-4EFE-B8BF-3BC6AAD8E03A}" type="slidenum">
+              <a:rPr lang="en-US" smtClean="0"/>
+              <a:pPr/>
+              <a:t>33</a:t>
+            </a:fld>
+            <a:endParaRPr lang="en-US"/>
+          </a:p>
+        </p:txBody>
+      </p:sp>
+    </p:spTree>
+    <p:extLst>
+      <p:ext uri="{BB962C8B-B14F-4D97-AF65-F5344CB8AC3E}">
+        <p14:creationId xmlns:p14="http://schemas.microsoft.com/office/powerpoint/2010/main" val="1007916006"/>
+      </p:ext>
+    </p:extLst>
+  </p:cSld>
+  <p:clrMapOvr>
+    <a:masterClrMapping/>
+  </p:clrMapOvr>
+</p:notes>
+</file>
+
+<file path=ppt/notesSlides/notesSlide34.xml><?xml version="1.0" encoding="utf-8"?>
+<p:notes xmlns:a="http://schemas.openxmlformats.org/drawingml/2006/main" xmlns:r="http://schemas.openxmlformats.org/officeDocument/2006/relationships" xmlns:p="http://schemas.openxmlformats.org/presentationml/2006/main">
+  <p:cSld>
+    <p:spTree>
+      <p:nvGrpSpPr>
+        <p:cNvPr id="1" name=""/>
+        <p:cNvGrpSpPr/>
+        <p:nvPr/>
+      </p:nvGrpSpPr>
+      <p:grpSpPr>
+        <a:xfrm>
+          <a:off x="0" y="0"/>
+          <a:ext cx="0" cy="0"/>
+          <a:chOff x="0" y="0"/>
+          <a:chExt cx="0" cy="0"/>
+        </a:xfrm>
+      </p:grpSpPr>
+      <p:sp>
+        <p:nvSpPr>
+          <p:cNvPr id="2" name="Slide Image Placeholder 1"/>
+          <p:cNvSpPr>
+            <a:spLocks noGrp="1" noRot="1" noChangeAspect="1"/>
+          </p:cNvSpPr>
+          <p:nvPr>
+            <p:ph type="sldImg"/>
+          </p:nvPr>
+        </p:nvSpPr>
+        <p:spPr/>
+      </p:sp>
+      <p:sp>
+        <p:nvSpPr>
+          <p:cNvPr id="3" name="Notes Placeholder 2"/>
+          <p:cNvSpPr>
+            <a:spLocks noGrp="1"/>
+          </p:cNvSpPr>
+          <p:nvPr>
+            <p:ph type="body" idx="1"/>
+          </p:nvPr>
+        </p:nvSpPr>
+        <p:spPr/>
+        <p:txBody>
+          <a:bodyPr/>
+          <a:lstStyle/>
+          <a:p>
+            <a:endParaRPr lang="en-US" dirty="0"/>
+          </a:p>
+        </p:txBody>
+      </p:sp>
+      <p:sp>
+        <p:nvSpPr>
+          <p:cNvPr id="4" name="Slide Number Placeholder 3"/>
+          <p:cNvSpPr>
+            <a:spLocks noGrp="1"/>
+          </p:cNvSpPr>
+          <p:nvPr>
+            <p:ph type="sldNum" sz="quarter" idx="5"/>
+          </p:nvPr>
+        </p:nvSpPr>
+        <p:spPr/>
+        <p:txBody>
+          <a:bodyPr/>
+          <a:lstStyle/>
+          <a:p>
+            <a:fld id="{2B6F42A7-B42A-4EFE-B8BF-3BC6AAD8E03A}" type="slidenum">
+              <a:rPr lang="en-US" smtClean="0"/>
+              <a:pPr/>
+              <a:t>34</a:t>
+            </a:fld>
+            <a:endParaRPr lang="en-US"/>
+          </a:p>
+        </p:txBody>
+      </p:sp>
+    </p:spTree>
+    <p:extLst>
+      <p:ext uri="{BB962C8B-B14F-4D97-AF65-F5344CB8AC3E}">
+        <p14:creationId xmlns:p14="http://schemas.microsoft.com/office/powerpoint/2010/main" val="126593467"/>
+      </p:ext>
+    </p:extLst>
+  </p:cSld>
+  <p:clrMapOvr>
+    <a:masterClrMapping/>
+  </p:clrMapOvr>
+</p:notes>
+</file>
+
+<file path=ppt/notesSlides/notesSlide35.xml><?xml version="1.0" encoding="utf-8"?>
+<p:notes xmlns:a="http://schemas.openxmlformats.org/drawingml/2006/main" xmlns:r="http://schemas.openxmlformats.org/officeDocument/2006/relationships" xmlns:p="http://schemas.openxmlformats.org/presentationml/2006/main">
+  <p:cSld>
+    <p:spTree>
+      <p:nvGrpSpPr>
+        <p:cNvPr id="1" name=""/>
+        <p:cNvGrpSpPr/>
+        <p:nvPr/>
+      </p:nvGrpSpPr>
+      <p:grpSpPr>
+        <a:xfrm>
+          <a:off x="0" y="0"/>
+          <a:ext cx="0" cy="0"/>
+          <a:chOff x="0" y="0"/>
+          <a:chExt cx="0" cy="0"/>
+        </a:xfrm>
+      </p:grpSpPr>
+      <p:sp>
+        <p:nvSpPr>
+          <p:cNvPr id="2" name="Slide Image Placeholder 1"/>
+          <p:cNvSpPr>
+            <a:spLocks noGrp="1" noRot="1" noChangeAspect="1"/>
+          </p:cNvSpPr>
+          <p:nvPr>
+            <p:ph type="sldImg"/>
+          </p:nvPr>
+        </p:nvSpPr>
+        <p:spPr/>
+      </p:sp>
+      <p:sp>
+        <p:nvSpPr>
+          <p:cNvPr id="3" name="Notes Placeholder 2"/>
+          <p:cNvSpPr>
+            <a:spLocks noGrp="1"/>
+          </p:cNvSpPr>
+          <p:nvPr>
+            <p:ph type="body" idx="1"/>
+          </p:nvPr>
+        </p:nvSpPr>
+        <p:spPr/>
+        <p:txBody>
+          <a:bodyPr/>
+          <a:lstStyle/>
+          <a:p>
+            <a:endParaRPr lang="en-US" dirty="0"/>
+          </a:p>
+        </p:txBody>
+      </p:sp>
+      <p:sp>
+        <p:nvSpPr>
+          <p:cNvPr id="4" name="Slide Number Placeholder 3"/>
+          <p:cNvSpPr>
+            <a:spLocks noGrp="1"/>
+          </p:cNvSpPr>
+          <p:nvPr>
+            <p:ph type="sldNum" sz="quarter" idx="5"/>
+          </p:nvPr>
+        </p:nvSpPr>
+        <p:spPr/>
+        <p:txBody>
+          <a:bodyPr/>
+          <a:lstStyle/>
+          <a:p>
+            <a:fld id="{2B6F42A7-B42A-4EFE-B8BF-3BC6AAD8E03A}" type="slidenum">
+              <a:rPr lang="en-US" smtClean="0"/>
+              <a:pPr/>
+              <a:t>35</a:t>
+            </a:fld>
+            <a:endParaRPr lang="en-US"/>
+          </a:p>
+        </p:txBody>
+      </p:sp>
+    </p:spTree>
+    <p:extLst>
+      <p:ext uri="{BB962C8B-B14F-4D97-AF65-F5344CB8AC3E}">
+        <p14:creationId xmlns:p14="http://schemas.microsoft.com/office/powerpoint/2010/main" val="2317965239"/>
+      </p:ext>
+    </p:extLst>
+  </p:cSld>
+  <p:clrMapOvr>
+    <a:masterClrMapping/>
+  </p:clrMapOvr>
+</p:notes>
+</file>
+
+<file path=ppt/notesSlides/notesSlide36.xml><?xml version="1.0" encoding="utf-8"?>
+<p:notes xmlns:a="http://schemas.openxmlformats.org/drawingml/2006/main" xmlns:r="http://schemas.openxmlformats.org/officeDocument/2006/relationships" xmlns:p="http://schemas.openxmlformats.org/presentationml/2006/main">
+  <p:cSld>
+    <p:spTree>
+      <p:nvGrpSpPr>
+        <p:cNvPr id="1" name=""/>
+        <p:cNvGrpSpPr/>
+        <p:nvPr/>
+      </p:nvGrpSpPr>
+      <p:grpSpPr>
+        <a:xfrm>
+          <a:off x="0" y="0"/>
+          <a:ext cx="0" cy="0"/>
+          <a:chOff x="0" y="0"/>
+          <a:chExt cx="0" cy="0"/>
+        </a:xfrm>
+      </p:grpSpPr>
+      <p:sp>
+        <p:nvSpPr>
+          <p:cNvPr id="2" name="Slide Image Placeholder 1"/>
+          <p:cNvSpPr>
+            <a:spLocks noGrp="1" noRot="1" noChangeAspect="1"/>
+          </p:cNvSpPr>
+          <p:nvPr>
+            <p:ph type="sldImg"/>
+          </p:nvPr>
+        </p:nvSpPr>
+        <p:spPr/>
+      </p:sp>
+      <p:sp>
+        <p:nvSpPr>
+          <p:cNvPr id="3" name="Notes Placeholder 2"/>
+          <p:cNvSpPr>
+            <a:spLocks noGrp="1"/>
+          </p:cNvSpPr>
+          <p:nvPr>
+            <p:ph type="body" idx="1"/>
+          </p:nvPr>
+        </p:nvSpPr>
+        <p:spPr/>
+        <p:txBody>
+          <a:bodyPr/>
+          <a:lstStyle/>
+          <a:p>
+            <a:endParaRPr lang="en-US" dirty="0"/>
+          </a:p>
+        </p:txBody>
+      </p:sp>
+      <p:sp>
+        <p:nvSpPr>
+          <p:cNvPr id="4" name="Slide Number Placeholder 3"/>
+          <p:cNvSpPr>
+            <a:spLocks noGrp="1"/>
+          </p:cNvSpPr>
+          <p:nvPr>
+            <p:ph type="sldNum" sz="quarter" idx="5"/>
+          </p:nvPr>
+        </p:nvSpPr>
+        <p:spPr/>
+        <p:txBody>
+          <a:bodyPr/>
+          <a:lstStyle/>
+          <a:p>
+            <a:fld id="{2B6F42A7-B42A-4EFE-B8BF-3BC6AAD8E03A}" type="slidenum">
+              <a:rPr lang="en-US" smtClean="0"/>
+              <a:pPr/>
+              <a:t>36</a:t>
+            </a:fld>
+            <a:endParaRPr lang="en-US"/>
+          </a:p>
+        </p:txBody>
+      </p:sp>
+    </p:spTree>
+    <p:extLst>
+      <p:ext uri="{BB962C8B-B14F-4D97-AF65-F5344CB8AC3E}">
+        <p14:creationId xmlns:p14="http://schemas.microsoft.com/office/powerpoint/2010/main" val="3369020305"/>
+      </p:ext>
+    </p:extLst>
+  </p:cSld>
+  <p:clrMapOvr>
+    <a:masterClrMapping/>
+  </p:clrMapOvr>
+</p:notes>
+</file>
+
+<file path=ppt/notesSlides/notesSlide37.xml><?xml version="1.0" encoding="utf-8"?>
+<p:notes xmlns:a="http://schemas.openxmlformats.org/drawingml/2006/main" xmlns:r="http://schemas.openxmlformats.org/officeDocument/2006/relationships" xmlns:p="http://schemas.openxmlformats.org/presentationml/2006/main">
+  <p:cSld>
+    <p:spTree>
+      <p:nvGrpSpPr>
+        <p:cNvPr id="1" name=""/>
+        <p:cNvGrpSpPr/>
+        <p:nvPr/>
+      </p:nvGrpSpPr>
+      <p:grpSpPr>
+        <a:xfrm>
+          <a:off x="0" y="0"/>
+          <a:ext cx="0" cy="0"/>
+          <a:chOff x="0" y="0"/>
+          <a:chExt cx="0" cy="0"/>
+        </a:xfrm>
+      </p:grpSpPr>
+      <p:sp>
+        <p:nvSpPr>
+          <p:cNvPr id="2" name="Slide Image Placeholder 1"/>
+          <p:cNvSpPr>
+            <a:spLocks noGrp="1" noRot="1" noChangeAspect="1"/>
+          </p:cNvSpPr>
+          <p:nvPr>
+            <p:ph type="sldImg"/>
+          </p:nvPr>
+        </p:nvSpPr>
+        <p:spPr/>
+      </p:sp>
+      <p:sp>
+        <p:nvSpPr>
+          <p:cNvPr id="3" name="Notes Placeholder 2"/>
+          <p:cNvSpPr>
+            <a:spLocks noGrp="1"/>
+          </p:cNvSpPr>
+          <p:nvPr>
+            <p:ph type="body" idx="1"/>
+          </p:nvPr>
+        </p:nvSpPr>
+        <p:spPr/>
+        <p:txBody>
+          <a:bodyPr/>
+          <a:lstStyle/>
+          <a:p>
+            <a:endParaRPr lang="en-US" dirty="0"/>
+          </a:p>
+        </p:txBody>
+      </p:sp>
+      <p:sp>
+        <p:nvSpPr>
+          <p:cNvPr id="4" name="Slide Number Placeholder 3"/>
+          <p:cNvSpPr>
+            <a:spLocks noGrp="1"/>
+          </p:cNvSpPr>
+          <p:nvPr>
+            <p:ph type="sldNum" sz="quarter" idx="5"/>
+          </p:nvPr>
+        </p:nvSpPr>
+        <p:spPr/>
+        <p:txBody>
+          <a:bodyPr/>
+          <a:lstStyle/>
+          <a:p>
+            <a:fld id="{2B6F42A7-B42A-4EFE-B8BF-3BC6AAD8E03A}" type="slidenum">
+              <a:rPr lang="en-US" smtClean="0"/>
+              <a:pPr/>
+              <a:t>37</a:t>
+            </a:fld>
+            <a:endParaRPr lang="en-US"/>
+          </a:p>
+        </p:txBody>
+      </p:sp>
+    </p:spTree>
+    <p:extLst>
+      <p:ext uri="{BB962C8B-B14F-4D97-AF65-F5344CB8AC3E}">
+        <p14:creationId xmlns:p14="http://schemas.microsoft.com/office/powerpoint/2010/main" val="640747543"/>
+      </p:ext>
+    </p:extLst>
+  </p:cSld>
+  <p:clrMapOvr>
+    <a:masterClrMapping/>
+  </p:clrMapOvr>
+</p:notes>
+</file>
+
+<file path=ppt/notesSlides/notesSlide38.xml><?xml version="1.0" encoding="utf-8"?>
+<p:notes xmlns:a="http://schemas.openxmlformats.org/drawingml/2006/main" xmlns:r="http://schemas.openxmlformats.org/officeDocument/2006/relationships" xmlns:p="http://schemas.openxmlformats.org/presentationml/2006/main">
+  <p:cSld>
+    <p:spTree>
+      <p:nvGrpSpPr>
+        <p:cNvPr id="1" name=""/>
+        <p:cNvGrpSpPr/>
+        <p:nvPr/>
+      </p:nvGrpSpPr>
+      <p:grpSpPr>
+        <a:xfrm>
+          <a:off x="0" y="0"/>
+          <a:ext cx="0" cy="0"/>
+          <a:chOff x="0" y="0"/>
+          <a:chExt cx="0" cy="0"/>
+        </a:xfrm>
+      </p:grpSpPr>
+      <p:sp>
+        <p:nvSpPr>
+          <p:cNvPr id="2" name="Slide Image Placeholder 1"/>
+          <p:cNvSpPr>
+            <a:spLocks noGrp="1" noRot="1" noChangeAspect="1"/>
+          </p:cNvSpPr>
+          <p:nvPr>
+            <p:ph type="sldImg"/>
+          </p:nvPr>
+        </p:nvSpPr>
+        <p:spPr/>
+      </p:sp>
+      <p:sp>
+        <p:nvSpPr>
+          <p:cNvPr id="3" name="Notes Placeholder 2"/>
+          <p:cNvSpPr>
+            <a:spLocks noGrp="1"/>
+          </p:cNvSpPr>
+          <p:nvPr>
+            <p:ph type="body" idx="1"/>
+          </p:nvPr>
+        </p:nvSpPr>
+        <p:spPr/>
+        <p:txBody>
+          <a:bodyPr/>
+          <a:lstStyle/>
+          <a:p>
+            <a:endParaRPr lang="en-US" dirty="0"/>
+          </a:p>
+        </p:txBody>
+      </p:sp>
+      <p:sp>
+        <p:nvSpPr>
+          <p:cNvPr id="4" name="Slide Number Placeholder 3"/>
+          <p:cNvSpPr>
+            <a:spLocks noGrp="1"/>
+          </p:cNvSpPr>
+          <p:nvPr>
+            <p:ph type="sldNum" sz="quarter" idx="5"/>
+          </p:nvPr>
+        </p:nvSpPr>
+        <p:spPr/>
+        <p:txBody>
+          <a:bodyPr/>
+          <a:lstStyle/>
+          <a:p>
+            <a:fld id="{2B6F42A7-B42A-4EFE-B8BF-3BC6AAD8E03A}" type="slidenum">
+              <a:rPr lang="en-US" smtClean="0"/>
+              <a:pPr/>
+              <a:t>38</a:t>
+            </a:fld>
+            <a:endParaRPr lang="en-US"/>
+          </a:p>
+        </p:txBody>
+      </p:sp>
+    </p:spTree>
+    <p:extLst>
+      <p:ext uri="{BB962C8B-B14F-4D97-AF65-F5344CB8AC3E}">
+        <p14:creationId xmlns:p14="http://schemas.microsoft.com/office/powerpoint/2010/main" val="3877188505"/>
+      </p:ext>
+    </p:extLst>
+  </p:cSld>
+  <p:clrMapOvr>
+    <a:masterClrMapping/>
+  </p:clrMapOvr>
+</p:notes>
+</file>
+
+<file path=ppt/notesSlides/notesSlide39.xml><?xml version="1.0" encoding="utf-8"?>
+<p:notes xmlns:a="http://schemas.openxmlformats.org/drawingml/2006/main" xmlns:r="http://schemas.openxmlformats.org/officeDocument/2006/relationships" xmlns:p="http://schemas.openxmlformats.org/presentationml/2006/main">
+  <p:cSld>
+    <p:spTree>
+      <p:nvGrpSpPr>
+        <p:cNvPr id="1" name=""/>
+        <p:cNvGrpSpPr/>
+        <p:nvPr/>
+      </p:nvGrpSpPr>
+      <p:grpSpPr>
+        <a:xfrm>
+          <a:off x="0" y="0"/>
+          <a:ext cx="0" cy="0"/>
+          <a:chOff x="0" y="0"/>
+          <a:chExt cx="0" cy="0"/>
+        </a:xfrm>
+      </p:grpSpPr>
+      <p:sp>
+        <p:nvSpPr>
+          <p:cNvPr id="2" name="Slide Image Placeholder 1"/>
+          <p:cNvSpPr>
+            <a:spLocks noGrp="1" noRot="1" noChangeAspect="1"/>
+          </p:cNvSpPr>
+          <p:nvPr>
+            <p:ph type="sldImg"/>
+          </p:nvPr>
+        </p:nvSpPr>
+        <p:spPr/>
+      </p:sp>
+      <p:sp>
+        <p:nvSpPr>
+          <p:cNvPr id="3" name="Notes Placeholder 2"/>
+          <p:cNvSpPr>
+            <a:spLocks noGrp="1"/>
+          </p:cNvSpPr>
+          <p:nvPr>
+            <p:ph type="body" idx="1"/>
+          </p:nvPr>
+        </p:nvSpPr>
+        <p:spPr/>
+        <p:txBody>
+          <a:bodyPr/>
+          <a:lstStyle/>
+          <a:p>
+            <a:endParaRPr lang="en-US" dirty="0"/>
+          </a:p>
+        </p:txBody>
+      </p:sp>
+      <p:sp>
+        <p:nvSpPr>
+          <p:cNvPr id="4" name="Slide Number Placeholder 3"/>
+          <p:cNvSpPr>
+            <a:spLocks noGrp="1"/>
+          </p:cNvSpPr>
+          <p:nvPr>
+            <p:ph type="sldNum" sz="quarter" idx="5"/>
+          </p:nvPr>
+        </p:nvSpPr>
+        <p:spPr/>
+        <p:txBody>
+          <a:bodyPr/>
+          <a:lstStyle/>
+          <a:p>
+            <a:fld id="{2B6F42A7-B42A-4EFE-B8BF-3BC6AAD8E03A}" type="slidenum">
+              <a:rPr lang="en-US" smtClean="0"/>
+              <a:pPr/>
+              <a:t>39</a:t>
+            </a:fld>
+            <a:endParaRPr lang="en-US"/>
+          </a:p>
+        </p:txBody>
+      </p:sp>
+    </p:spTree>
+    <p:extLst>
+      <p:ext uri="{BB962C8B-B14F-4D97-AF65-F5344CB8AC3E}">
+        <p14:creationId xmlns:p14="http://schemas.microsoft.com/office/powerpoint/2010/main" val="3385516613"/>
       </p:ext>
     </p:extLst>
   </p:cSld>
@@ -3261,6 +3960,885 @@
 </p:notes>
 </file>
 
+<file path=ppt/notesSlides/notesSlide40.xml><?xml version="1.0" encoding="utf-8"?>
+<p:notes xmlns:a="http://schemas.openxmlformats.org/drawingml/2006/main" xmlns:r="http://schemas.openxmlformats.org/officeDocument/2006/relationships" xmlns:p="http://schemas.openxmlformats.org/presentationml/2006/main">
+  <p:cSld>
+    <p:spTree>
+      <p:nvGrpSpPr>
+        <p:cNvPr id="1" name=""/>
+        <p:cNvGrpSpPr/>
+        <p:nvPr/>
+      </p:nvGrpSpPr>
+      <p:grpSpPr>
+        <a:xfrm>
+          <a:off x="0" y="0"/>
+          <a:ext cx="0" cy="0"/>
+          <a:chOff x="0" y="0"/>
+          <a:chExt cx="0" cy="0"/>
+        </a:xfrm>
+      </p:grpSpPr>
+      <p:sp>
+        <p:nvSpPr>
+          <p:cNvPr id="2" name="Slide Image Placeholder 1"/>
+          <p:cNvSpPr>
+            <a:spLocks noGrp="1" noRot="1" noChangeAspect="1"/>
+          </p:cNvSpPr>
+          <p:nvPr>
+            <p:ph type="sldImg"/>
+          </p:nvPr>
+        </p:nvSpPr>
+        <p:spPr/>
+      </p:sp>
+      <p:sp>
+        <p:nvSpPr>
+          <p:cNvPr id="3" name="Notes Placeholder 2"/>
+          <p:cNvSpPr>
+            <a:spLocks noGrp="1"/>
+          </p:cNvSpPr>
+          <p:nvPr>
+            <p:ph type="body" idx="1"/>
+          </p:nvPr>
+        </p:nvSpPr>
+        <p:spPr/>
+        <p:txBody>
+          <a:bodyPr/>
+          <a:lstStyle/>
+          <a:p>
+            <a:r>
+              <a:rPr lang="en-US" dirty="0" err="1"/>
+              <a:t>Passphase</a:t>
+            </a:r>
+            <a:r>
+              <a:rPr lang="en-US" dirty="0"/>
+              <a:t> from </a:t>
+            </a:r>
+            <a:r>
+              <a:rPr lang="en-US" dirty="0" err="1"/>
+              <a:t>gpg</a:t>
+            </a:r>
+            <a:r>
+              <a:rPr lang="en-US" dirty="0"/>
+              <a:t> or </a:t>
+            </a:r>
+            <a:r>
+              <a:rPr lang="en-US" dirty="0" err="1"/>
+              <a:t>keybase</a:t>
+            </a:r>
+            <a:endParaRPr lang="en-US" dirty="0"/>
+          </a:p>
+        </p:txBody>
+      </p:sp>
+      <p:sp>
+        <p:nvSpPr>
+          <p:cNvPr id="4" name="Slide Number Placeholder 3"/>
+          <p:cNvSpPr>
+            <a:spLocks noGrp="1"/>
+          </p:cNvSpPr>
+          <p:nvPr>
+            <p:ph type="sldNum" sz="quarter" idx="5"/>
+          </p:nvPr>
+        </p:nvSpPr>
+        <p:spPr/>
+        <p:txBody>
+          <a:bodyPr/>
+          <a:lstStyle/>
+          <a:p>
+            <a:fld id="{2B6F42A7-B42A-4EFE-B8BF-3BC6AAD8E03A}" type="slidenum">
+              <a:rPr lang="en-US" smtClean="0"/>
+              <a:pPr/>
+              <a:t>40</a:t>
+            </a:fld>
+            <a:endParaRPr lang="en-US"/>
+          </a:p>
+        </p:txBody>
+      </p:sp>
+    </p:spTree>
+    <p:extLst>
+      <p:ext uri="{BB962C8B-B14F-4D97-AF65-F5344CB8AC3E}">
+        <p14:creationId xmlns:p14="http://schemas.microsoft.com/office/powerpoint/2010/main" val="1378435163"/>
+      </p:ext>
+    </p:extLst>
+  </p:cSld>
+  <p:clrMapOvr>
+    <a:masterClrMapping/>
+  </p:clrMapOvr>
+</p:notes>
+</file>
+
+<file path=ppt/notesSlides/notesSlide41.xml><?xml version="1.0" encoding="utf-8"?>
+<p:notes xmlns:a="http://schemas.openxmlformats.org/drawingml/2006/main" xmlns:r="http://schemas.openxmlformats.org/officeDocument/2006/relationships" xmlns:p="http://schemas.openxmlformats.org/presentationml/2006/main">
+  <p:cSld>
+    <p:spTree>
+      <p:nvGrpSpPr>
+        <p:cNvPr id="1" name=""/>
+        <p:cNvGrpSpPr/>
+        <p:nvPr/>
+      </p:nvGrpSpPr>
+      <p:grpSpPr>
+        <a:xfrm>
+          <a:off x="0" y="0"/>
+          <a:ext cx="0" cy="0"/>
+          <a:chOff x="0" y="0"/>
+          <a:chExt cx="0" cy="0"/>
+        </a:xfrm>
+      </p:grpSpPr>
+      <p:sp>
+        <p:nvSpPr>
+          <p:cNvPr id="2" name="Slide Image Placeholder 1"/>
+          <p:cNvSpPr>
+            <a:spLocks noGrp="1" noRot="1" noChangeAspect="1"/>
+          </p:cNvSpPr>
+          <p:nvPr>
+            <p:ph type="sldImg"/>
+          </p:nvPr>
+        </p:nvSpPr>
+        <p:spPr/>
+      </p:sp>
+      <p:sp>
+        <p:nvSpPr>
+          <p:cNvPr id="3" name="Notes Placeholder 2"/>
+          <p:cNvSpPr>
+            <a:spLocks noGrp="1"/>
+          </p:cNvSpPr>
+          <p:nvPr>
+            <p:ph type="body" idx="1"/>
+          </p:nvPr>
+        </p:nvSpPr>
+        <p:spPr/>
+        <p:txBody>
+          <a:bodyPr/>
+          <a:lstStyle/>
+          <a:p>
+            <a:endParaRPr lang="en-US" dirty="0"/>
+          </a:p>
+        </p:txBody>
+      </p:sp>
+      <p:sp>
+        <p:nvSpPr>
+          <p:cNvPr id="4" name="Slide Number Placeholder 3"/>
+          <p:cNvSpPr>
+            <a:spLocks noGrp="1"/>
+          </p:cNvSpPr>
+          <p:nvPr>
+            <p:ph type="sldNum" sz="quarter" idx="5"/>
+          </p:nvPr>
+        </p:nvSpPr>
+        <p:spPr/>
+        <p:txBody>
+          <a:bodyPr/>
+          <a:lstStyle/>
+          <a:p>
+            <a:fld id="{2B6F42A7-B42A-4EFE-B8BF-3BC6AAD8E03A}" type="slidenum">
+              <a:rPr lang="en-US" smtClean="0"/>
+              <a:pPr/>
+              <a:t>41</a:t>
+            </a:fld>
+            <a:endParaRPr lang="en-US"/>
+          </a:p>
+        </p:txBody>
+      </p:sp>
+    </p:spTree>
+    <p:extLst>
+      <p:ext uri="{BB962C8B-B14F-4D97-AF65-F5344CB8AC3E}">
+        <p14:creationId xmlns:p14="http://schemas.microsoft.com/office/powerpoint/2010/main" val="762274757"/>
+      </p:ext>
+    </p:extLst>
+  </p:cSld>
+  <p:clrMapOvr>
+    <a:masterClrMapping/>
+  </p:clrMapOvr>
+</p:notes>
+</file>
+
+<file path=ppt/notesSlides/notesSlide42.xml><?xml version="1.0" encoding="utf-8"?>
+<p:notes xmlns:a="http://schemas.openxmlformats.org/drawingml/2006/main" xmlns:r="http://schemas.openxmlformats.org/officeDocument/2006/relationships" xmlns:p="http://schemas.openxmlformats.org/presentationml/2006/main">
+  <p:cSld>
+    <p:spTree>
+      <p:nvGrpSpPr>
+        <p:cNvPr id="1" name=""/>
+        <p:cNvGrpSpPr/>
+        <p:nvPr/>
+      </p:nvGrpSpPr>
+      <p:grpSpPr>
+        <a:xfrm>
+          <a:off x="0" y="0"/>
+          <a:ext cx="0" cy="0"/>
+          <a:chOff x="0" y="0"/>
+          <a:chExt cx="0" cy="0"/>
+        </a:xfrm>
+      </p:grpSpPr>
+      <p:sp>
+        <p:nvSpPr>
+          <p:cNvPr id="2" name="Slide Image Placeholder 1"/>
+          <p:cNvSpPr>
+            <a:spLocks noGrp="1" noRot="1" noChangeAspect="1"/>
+          </p:cNvSpPr>
+          <p:nvPr>
+            <p:ph type="sldImg"/>
+          </p:nvPr>
+        </p:nvSpPr>
+        <p:spPr/>
+      </p:sp>
+      <p:sp>
+        <p:nvSpPr>
+          <p:cNvPr id="3" name="Notes Placeholder 2"/>
+          <p:cNvSpPr>
+            <a:spLocks noGrp="1"/>
+          </p:cNvSpPr>
+          <p:nvPr>
+            <p:ph type="body" idx="1"/>
+          </p:nvPr>
+        </p:nvSpPr>
+        <p:spPr/>
+        <p:txBody>
+          <a:bodyPr/>
+          <a:lstStyle/>
+          <a:p>
+            <a:r>
+              <a:rPr lang="en-US" dirty="0"/>
+              <a:t>Go to Staging Repositories -&gt; Close staging -&gt; Release</a:t>
+            </a:r>
+          </a:p>
+        </p:txBody>
+      </p:sp>
+      <p:sp>
+        <p:nvSpPr>
+          <p:cNvPr id="4" name="Slide Number Placeholder 3"/>
+          <p:cNvSpPr>
+            <a:spLocks noGrp="1"/>
+          </p:cNvSpPr>
+          <p:nvPr>
+            <p:ph type="sldNum" sz="quarter" idx="5"/>
+          </p:nvPr>
+        </p:nvSpPr>
+        <p:spPr/>
+        <p:txBody>
+          <a:bodyPr/>
+          <a:lstStyle/>
+          <a:p>
+            <a:fld id="{2B6F42A7-B42A-4EFE-B8BF-3BC6AAD8E03A}" type="slidenum">
+              <a:rPr lang="en-US" smtClean="0"/>
+              <a:pPr/>
+              <a:t>42</a:t>
+            </a:fld>
+            <a:endParaRPr lang="en-US"/>
+          </a:p>
+        </p:txBody>
+      </p:sp>
+    </p:spTree>
+    <p:extLst>
+      <p:ext uri="{BB962C8B-B14F-4D97-AF65-F5344CB8AC3E}">
+        <p14:creationId xmlns:p14="http://schemas.microsoft.com/office/powerpoint/2010/main" val="2852577024"/>
+      </p:ext>
+    </p:extLst>
+  </p:cSld>
+  <p:clrMapOvr>
+    <a:masterClrMapping/>
+  </p:clrMapOvr>
+</p:notes>
+</file>
+
+<file path=ppt/notesSlides/notesSlide43.xml><?xml version="1.0" encoding="utf-8"?>
+<p:notes xmlns:a="http://schemas.openxmlformats.org/drawingml/2006/main" xmlns:r="http://schemas.openxmlformats.org/officeDocument/2006/relationships" xmlns:p="http://schemas.openxmlformats.org/presentationml/2006/main">
+  <p:cSld>
+    <p:spTree>
+      <p:nvGrpSpPr>
+        <p:cNvPr id="1" name=""/>
+        <p:cNvGrpSpPr/>
+        <p:nvPr/>
+      </p:nvGrpSpPr>
+      <p:grpSpPr>
+        <a:xfrm>
+          <a:off x="0" y="0"/>
+          <a:ext cx="0" cy="0"/>
+          <a:chOff x="0" y="0"/>
+          <a:chExt cx="0" cy="0"/>
+        </a:xfrm>
+      </p:grpSpPr>
+      <p:sp>
+        <p:nvSpPr>
+          <p:cNvPr id="2" name="Slide Image Placeholder 1"/>
+          <p:cNvSpPr>
+            <a:spLocks noGrp="1" noRot="1" noChangeAspect="1"/>
+          </p:cNvSpPr>
+          <p:nvPr>
+            <p:ph type="sldImg"/>
+          </p:nvPr>
+        </p:nvSpPr>
+        <p:spPr/>
+      </p:sp>
+      <p:sp>
+        <p:nvSpPr>
+          <p:cNvPr id="3" name="Notes Placeholder 2"/>
+          <p:cNvSpPr>
+            <a:spLocks noGrp="1"/>
+          </p:cNvSpPr>
+          <p:nvPr>
+            <p:ph type="body" idx="1"/>
+          </p:nvPr>
+        </p:nvSpPr>
+        <p:spPr/>
+        <p:txBody>
+          <a:bodyPr/>
+          <a:lstStyle/>
+          <a:p>
+            <a:r>
+              <a:rPr lang="en-US" dirty="0"/>
+              <a:t>Go to Staging Repositories -&gt; Close staging -&gt; Release</a:t>
+            </a:r>
+          </a:p>
+        </p:txBody>
+      </p:sp>
+      <p:sp>
+        <p:nvSpPr>
+          <p:cNvPr id="4" name="Slide Number Placeholder 3"/>
+          <p:cNvSpPr>
+            <a:spLocks noGrp="1"/>
+          </p:cNvSpPr>
+          <p:nvPr>
+            <p:ph type="sldNum" sz="quarter" idx="5"/>
+          </p:nvPr>
+        </p:nvSpPr>
+        <p:spPr/>
+        <p:txBody>
+          <a:bodyPr/>
+          <a:lstStyle/>
+          <a:p>
+            <a:fld id="{2B6F42A7-B42A-4EFE-B8BF-3BC6AAD8E03A}" type="slidenum">
+              <a:rPr lang="en-US" smtClean="0"/>
+              <a:pPr/>
+              <a:t>43</a:t>
+            </a:fld>
+            <a:endParaRPr lang="en-US"/>
+          </a:p>
+        </p:txBody>
+      </p:sp>
+    </p:spTree>
+    <p:extLst>
+      <p:ext uri="{BB962C8B-B14F-4D97-AF65-F5344CB8AC3E}">
+        <p14:creationId xmlns:p14="http://schemas.microsoft.com/office/powerpoint/2010/main" val="1396517246"/>
+      </p:ext>
+    </p:extLst>
+  </p:cSld>
+  <p:clrMapOvr>
+    <a:masterClrMapping/>
+  </p:clrMapOvr>
+</p:notes>
+</file>
+
+<file path=ppt/notesSlides/notesSlide44.xml><?xml version="1.0" encoding="utf-8"?>
+<p:notes xmlns:a="http://schemas.openxmlformats.org/drawingml/2006/main" xmlns:r="http://schemas.openxmlformats.org/officeDocument/2006/relationships" xmlns:p="http://schemas.openxmlformats.org/presentationml/2006/main">
+  <p:cSld>
+    <p:spTree>
+      <p:nvGrpSpPr>
+        <p:cNvPr id="1" name=""/>
+        <p:cNvGrpSpPr/>
+        <p:nvPr/>
+      </p:nvGrpSpPr>
+      <p:grpSpPr>
+        <a:xfrm>
+          <a:off x="0" y="0"/>
+          <a:ext cx="0" cy="0"/>
+          <a:chOff x="0" y="0"/>
+          <a:chExt cx="0" cy="0"/>
+        </a:xfrm>
+      </p:grpSpPr>
+      <p:sp>
+        <p:nvSpPr>
+          <p:cNvPr id="2" name="Slide Image Placeholder 1"/>
+          <p:cNvSpPr>
+            <a:spLocks noGrp="1" noRot="1" noChangeAspect="1"/>
+          </p:cNvSpPr>
+          <p:nvPr>
+            <p:ph type="sldImg"/>
+          </p:nvPr>
+        </p:nvSpPr>
+        <p:spPr/>
+      </p:sp>
+      <p:sp>
+        <p:nvSpPr>
+          <p:cNvPr id="3" name="Notes Placeholder 2"/>
+          <p:cNvSpPr>
+            <a:spLocks noGrp="1"/>
+          </p:cNvSpPr>
+          <p:nvPr>
+            <p:ph type="body" idx="1"/>
+          </p:nvPr>
+        </p:nvSpPr>
+        <p:spPr/>
+        <p:txBody>
+          <a:bodyPr/>
+          <a:lstStyle/>
+          <a:p>
+            <a:endParaRPr lang="en-US" dirty="0"/>
+          </a:p>
+        </p:txBody>
+      </p:sp>
+      <p:sp>
+        <p:nvSpPr>
+          <p:cNvPr id="4" name="Slide Number Placeholder 3"/>
+          <p:cNvSpPr>
+            <a:spLocks noGrp="1"/>
+          </p:cNvSpPr>
+          <p:nvPr>
+            <p:ph type="sldNum" sz="quarter" idx="5"/>
+          </p:nvPr>
+        </p:nvSpPr>
+        <p:spPr/>
+        <p:txBody>
+          <a:bodyPr/>
+          <a:lstStyle/>
+          <a:p>
+            <a:fld id="{2B6F42A7-B42A-4EFE-B8BF-3BC6AAD8E03A}" type="slidenum">
+              <a:rPr lang="en-US" smtClean="0"/>
+              <a:pPr/>
+              <a:t>44</a:t>
+            </a:fld>
+            <a:endParaRPr lang="en-US"/>
+          </a:p>
+        </p:txBody>
+      </p:sp>
+    </p:spTree>
+    <p:extLst>
+      <p:ext uri="{BB962C8B-B14F-4D97-AF65-F5344CB8AC3E}">
+        <p14:creationId xmlns:p14="http://schemas.microsoft.com/office/powerpoint/2010/main" val="2457459603"/>
+      </p:ext>
+    </p:extLst>
+  </p:cSld>
+  <p:clrMapOvr>
+    <a:masterClrMapping/>
+  </p:clrMapOvr>
+</p:notes>
+</file>
+
+<file path=ppt/notesSlides/notesSlide45.xml><?xml version="1.0" encoding="utf-8"?>
+<p:notes xmlns:a="http://schemas.openxmlformats.org/drawingml/2006/main" xmlns:r="http://schemas.openxmlformats.org/officeDocument/2006/relationships" xmlns:p="http://schemas.openxmlformats.org/presentationml/2006/main">
+  <p:cSld>
+    <p:spTree>
+      <p:nvGrpSpPr>
+        <p:cNvPr id="1" name=""/>
+        <p:cNvGrpSpPr/>
+        <p:nvPr/>
+      </p:nvGrpSpPr>
+      <p:grpSpPr>
+        <a:xfrm>
+          <a:off x="0" y="0"/>
+          <a:ext cx="0" cy="0"/>
+          <a:chOff x="0" y="0"/>
+          <a:chExt cx="0" cy="0"/>
+        </a:xfrm>
+      </p:grpSpPr>
+      <p:sp>
+        <p:nvSpPr>
+          <p:cNvPr id="2" name="Slide Image Placeholder 1"/>
+          <p:cNvSpPr>
+            <a:spLocks noGrp="1" noRot="1" noChangeAspect="1"/>
+          </p:cNvSpPr>
+          <p:nvPr>
+            <p:ph type="sldImg"/>
+          </p:nvPr>
+        </p:nvSpPr>
+        <p:spPr/>
+      </p:sp>
+      <p:sp>
+        <p:nvSpPr>
+          <p:cNvPr id="3" name="Notes Placeholder 2"/>
+          <p:cNvSpPr>
+            <a:spLocks noGrp="1"/>
+          </p:cNvSpPr>
+          <p:nvPr>
+            <p:ph type="body" idx="1"/>
+          </p:nvPr>
+        </p:nvSpPr>
+        <p:spPr/>
+        <p:txBody>
+          <a:bodyPr/>
+          <a:lstStyle/>
+          <a:p>
+            <a:r>
+              <a:rPr lang="en-US" dirty="0"/>
+              <a:t>Go to Staging Repositories -&gt; Close staging -&gt; Release</a:t>
+            </a:r>
+          </a:p>
+        </p:txBody>
+      </p:sp>
+      <p:sp>
+        <p:nvSpPr>
+          <p:cNvPr id="4" name="Slide Number Placeholder 3"/>
+          <p:cNvSpPr>
+            <a:spLocks noGrp="1"/>
+          </p:cNvSpPr>
+          <p:nvPr>
+            <p:ph type="sldNum" sz="quarter" idx="5"/>
+          </p:nvPr>
+        </p:nvSpPr>
+        <p:spPr/>
+        <p:txBody>
+          <a:bodyPr/>
+          <a:lstStyle/>
+          <a:p>
+            <a:fld id="{2B6F42A7-B42A-4EFE-B8BF-3BC6AAD8E03A}" type="slidenum">
+              <a:rPr lang="en-US" smtClean="0"/>
+              <a:pPr/>
+              <a:t>45</a:t>
+            </a:fld>
+            <a:endParaRPr lang="en-US"/>
+          </a:p>
+        </p:txBody>
+      </p:sp>
+    </p:spTree>
+    <p:extLst>
+      <p:ext uri="{BB962C8B-B14F-4D97-AF65-F5344CB8AC3E}">
+        <p14:creationId xmlns:p14="http://schemas.microsoft.com/office/powerpoint/2010/main" val="2469117668"/>
+      </p:ext>
+    </p:extLst>
+  </p:cSld>
+  <p:clrMapOvr>
+    <a:masterClrMapping/>
+  </p:clrMapOvr>
+</p:notes>
+</file>
+
+<file path=ppt/notesSlides/notesSlide46.xml><?xml version="1.0" encoding="utf-8"?>
+<p:notes xmlns:a="http://schemas.openxmlformats.org/drawingml/2006/main" xmlns:r="http://schemas.openxmlformats.org/officeDocument/2006/relationships" xmlns:p="http://schemas.openxmlformats.org/presentationml/2006/main">
+  <p:cSld>
+    <p:spTree>
+      <p:nvGrpSpPr>
+        <p:cNvPr id="1" name=""/>
+        <p:cNvGrpSpPr/>
+        <p:nvPr/>
+      </p:nvGrpSpPr>
+      <p:grpSpPr>
+        <a:xfrm>
+          <a:off x="0" y="0"/>
+          <a:ext cx="0" cy="0"/>
+          <a:chOff x="0" y="0"/>
+          <a:chExt cx="0" cy="0"/>
+        </a:xfrm>
+      </p:grpSpPr>
+      <p:sp>
+        <p:nvSpPr>
+          <p:cNvPr id="2" name="Slide Image Placeholder 1"/>
+          <p:cNvSpPr>
+            <a:spLocks noGrp="1" noRot="1" noChangeAspect="1"/>
+          </p:cNvSpPr>
+          <p:nvPr>
+            <p:ph type="sldImg"/>
+          </p:nvPr>
+        </p:nvSpPr>
+        <p:spPr/>
+      </p:sp>
+      <p:sp>
+        <p:nvSpPr>
+          <p:cNvPr id="3" name="Notes Placeholder 2"/>
+          <p:cNvSpPr>
+            <a:spLocks noGrp="1"/>
+          </p:cNvSpPr>
+          <p:nvPr>
+            <p:ph type="body" idx="1"/>
+          </p:nvPr>
+        </p:nvSpPr>
+        <p:spPr/>
+        <p:txBody>
+          <a:bodyPr/>
+          <a:lstStyle/>
+          <a:p>
+            <a:endParaRPr lang="en-US" dirty="0"/>
+          </a:p>
+        </p:txBody>
+      </p:sp>
+      <p:sp>
+        <p:nvSpPr>
+          <p:cNvPr id="4" name="Slide Number Placeholder 3"/>
+          <p:cNvSpPr>
+            <a:spLocks noGrp="1"/>
+          </p:cNvSpPr>
+          <p:nvPr>
+            <p:ph type="sldNum" sz="quarter" idx="5"/>
+          </p:nvPr>
+        </p:nvSpPr>
+        <p:spPr/>
+        <p:txBody>
+          <a:bodyPr/>
+          <a:lstStyle/>
+          <a:p>
+            <a:fld id="{2B6F42A7-B42A-4EFE-B8BF-3BC6AAD8E03A}" type="slidenum">
+              <a:rPr lang="en-US" smtClean="0"/>
+              <a:pPr/>
+              <a:t>46</a:t>
+            </a:fld>
+            <a:endParaRPr lang="en-US"/>
+          </a:p>
+        </p:txBody>
+      </p:sp>
+    </p:spTree>
+    <p:extLst>
+      <p:ext uri="{BB962C8B-B14F-4D97-AF65-F5344CB8AC3E}">
+        <p14:creationId xmlns:p14="http://schemas.microsoft.com/office/powerpoint/2010/main" val="2206924575"/>
+      </p:ext>
+    </p:extLst>
+  </p:cSld>
+  <p:clrMapOvr>
+    <a:masterClrMapping/>
+  </p:clrMapOvr>
+</p:notes>
+</file>
+
+<file path=ppt/notesSlides/notesSlide47.xml><?xml version="1.0" encoding="utf-8"?>
+<p:notes xmlns:a="http://schemas.openxmlformats.org/drawingml/2006/main" xmlns:r="http://schemas.openxmlformats.org/officeDocument/2006/relationships" xmlns:p="http://schemas.openxmlformats.org/presentationml/2006/main">
+  <p:cSld>
+    <p:spTree>
+      <p:nvGrpSpPr>
+        <p:cNvPr id="1" name=""/>
+        <p:cNvGrpSpPr/>
+        <p:nvPr/>
+      </p:nvGrpSpPr>
+      <p:grpSpPr>
+        <a:xfrm>
+          <a:off x="0" y="0"/>
+          <a:ext cx="0" cy="0"/>
+          <a:chOff x="0" y="0"/>
+          <a:chExt cx="0" cy="0"/>
+        </a:xfrm>
+      </p:grpSpPr>
+      <p:sp>
+        <p:nvSpPr>
+          <p:cNvPr id="2" name="Slide Image Placeholder 1"/>
+          <p:cNvSpPr>
+            <a:spLocks noGrp="1" noRot="1" noChangeAspect="1"/>
+          </p:cNvSpPr>
+          <p:nvPr>
+            <p:ph type="sldImg"/>
+          </p:nvPr>
+        </p:nvSpPr>
+        <p:spPr/>
+      </p:sp>
+      <p:sp>
+        <p:nvSpPr>
+          <p:cNvPr id="3" name="Notes Placeholder 2"/>
+          <p:cNvSpPr>
+            <a:spLocks noGrp="1"/>
+          </p:cNvSpPr>
+          <p:nvPr>
+            <p:ph type="body" idx="1"/>
+          </p:nvPr>
+        </p:nvSpPr>
+        <p:spPr/>
+        <p:txBody>
+          <a:bodyPr/>
+          <a:lstStyle/>
+          <a:p>
+            <a:endParaRPr lang="en-US" dirty="0"/>
+          </a:p>
+        </p:txBody>
+      </p:sp>
+      <p:sp>
+        <p:nvSpPr>
+          <p:cNvPr id="4" name="Slide Number Placeholder 3"/>
+          <p:cNvSpPr>
+            <a:spLocks noGrp="1"/>
+          </p:cNvSpPr>
+          <p:nvPr>
+            <p:ph type="sldNum" sz="quarter" idx="5"/>
+          </p:nvPr>
+        </p:nvSpPr>
+        <p:spPr/>
+        <p:txBody>
+          <a:bodyPr/>
+          <a:lstStyle/>
+          <a:p>
+            <a:fld id="{2B6F42A7-B42A-4EFE-B8BF-3BC6AAD8E03A}" type="slidenum">
+              <a:rPr lang="en-US" smtClean="0"/>
+              <a:pPr/>
+              <a:t>47</a:t>
+            </a:fld>
+            <a:endParaRPr lang="en-US"/>
+          </a:p>
+        </p:txBody>
+      </p:sp>
+    </p:spTree>
+    <p:extLst>
+      <p:ext uri="{BB962C8B-B14F-4D97-AF65-F5344CB8AC3E}">
+        <p14:creationId xmlns:p14="http://schemas.microsoft.com/office/powerpoint/2010/main" val="46277803"/>
+      </p:ext>
+    </p:extLst>
+  </p:cSld>
+  <p:clrMapOvr>
+    <a:masterClrMapping/>
+  </p:clrMapOvr>
+</p:notes>
+</file>
+
+<file path=ppt/notesSlides/notesSlide48.xml><?xml version="1.0" encoding="utf-8"?>
+<p:notes xmlns:a="http://schemas.openxmlformats.org/drawingml/2006/main" xmlns:r="http://schemas.openxmlformats.org/officeDocument/2006/relationships" xmlns:p="http://schemas.openxmlformats.org/presentationml/2006/main">
+  <p:cSld>
+    <p:spTree>
+      <p:nvGrpSpPr>
+        <p:cNvPr id="1" name=""/>
+        <p:cNvGrpSpPr/>
+        <p:nvPr/>
+      </p:nvGrpSpPr>
+      <p:grpSpPr>
+        <a:xfrm>
+          <a:off x="0" y="0"/>
+          <a:ext cx="0" cy="0"/>
+          <a:chOff x="0" y="0"/>
+          <a:chExt cx="0" cy="0"/>
+        </a:xfrm>
+      </p:grpSpPr>
+      <p:sp>
+        <p:nvSpPr>
+          <p:cNvPr id="2" name="Slide Image Placeholder 1"/>
+          <p:cNvSpPr>
+            <a:spLocks noGrp="1" noRot="1" noChangeAspect="1"/>
+          </p:cNvSpPr>
+          <p:nvPr>
+            <p:ph type="sldImg"/>
+          </p:nvPr>
+        </p:nvSpPr>
+        <p:spPr/>
+      </p:sp>
+      <p:sp>
+        <p:nvSpPr>
+          <p:cNvPr id="3" name="Notes Placeholder 2"/>
+          <p:cNvSpPr>
+            <a:spLocks noGrp="1"/>
+          </p:cNvSpPr>
+          <p:nvPr>
+            <p:ph type="body" idx="1"/>
+          </p:nvPr>
+        </p:nvSpPr>
+        <p:spPr/>
+        <p:txBody>
+          <a:bodyPr/>
+          <a:lstStyle/>
+          <a:p>
+            <a:endParaRPr lang="en-US" dirty="0"/>
+          </a:p>
+        </p:txBody>
+      </p:sp>
+      <p:sp>
+        <p:nvSpPr>
+          <p:cNvPr id="4" name="Slide Number Placeholder 3"/>
+          <p:cNvSpPr>
+            <a:spLocks noGrp="1"/>
+          </p:cNvSpPr>
+          <p:nvPr>
+            <p:ph type="sldNum" sz="quarter" idx="5"/>
+          </p:nvPr>
+        </p:nvSpPr>
+        <p:spPr/>
+        <p:txBody>
+          <a:bodyPr/>
+          <a:lstStyle/>
+          <a:p>
+            <a:fld id="{2B6F42A7-B42A-4EFE-B8BF-3BC6AAD8E03A}" type="slidenum">
+              <a:rPr lang="en-US" smtClean="0"/>
+              <a:pPr/>
+              <a:t>48</a:t>
+            </a:fld>
+            <a:endParaRPr lang="en-US"/>
+          </a:p>
+        </p:txBody>
+      </p:sp>
+    </p:spTree>
+    <p:extLst>
+      <p:ext uri="{BB962C8B-B14F-4D97-AF65-F5344CB8AC3E}">
+        <p14:creationId xmlns:p14="http://schemas.microsoft.com/office/powerpoint/2010/main" val="3139079464"/>
+      </p:ext>
+    </p:extLst>
+  </p:cSld>
+  <p:clrMapOvr>
+    <a:masterClrMapping/>
+  </p:clrMapOvr>
+</p:notes>
+</file>
+
+<file path=ppt/notesSlides/notesSlide49.xml><?xml version="1.0" encoding="utf-8"?>
+<p:notes xmlns:a="http://schemas.openxmlformats.org/drawingml/2006/main" xmlns:r="http://schemas.openxmlformats.org/officeDocument/2006/relationships" xmlns:p="http://schemas.openxmlformats.org/presentationml/2006/main">
+  <p:cSld>
+    <p:spTree>
+      <p:nvGrpSpPr>
+        <p:cNvPr id="1" name=""/>
+        <p:cNvGrpSpPr/>
+        <p:nvPr/>
+      </p:nvGrpSpPr>
+      <p:grpSpPr>
+        <a:xfrm>
+          <a:off x="0" y="0"/>
+          <a:ext cx="0" cy="0"/>
+          <a:chOff x="0" y="0"/>
+          <a:chExt cx="0" cy="0"/>
+        </a:xfrm>
+      </p:grpSpPr>
+      <p:sp>
+        <p:nvSpPr>
+          <p:cNvPr id="2" name="Slide Image Placeholder 1"/>
+          <p:cNvSpPr>
+            <a:spLocks noGrp="1" noRot="1" noChangeAspect="1"/>
+          </p:cNvSpPr>
+          <p:nvPr>
+            <p:ph type="sldImg"/>
+          </p:nvPr>
+        </p:nvSpPr>
+        <p:spPr/>
+      </p:sp>
+      <p:sp>
+        <p:nvSpPr>
+          <p:cNvPr id="3" name="Notes Placeholder 2"/>
+          <p:cNvSpPr>
+            <a:spLocks noGrp="1"/>
+          </p:cNvSpPr>
+          <p:nvPr>
+            <p:ph type="body" idx="1"/>
+          </p:nvPr>
+        </p:nvSpPr>
+        <p:spPr/>
+        <p:txBody>
+          <a:bodyPr/>
+          <a:lstStyle/>
+          <a:p>
+            <a:endParaRPr lang="en-US" dirty="0"/>
+          </a:p>
+        </p:txBody>
+      </p:sp>
+      <p:sp>
+        <p:nvSpPr>
+          <p:cNvPr id="4" name="Slide Number Placeholder 3"/>
+          <p:cNvSpPr>
+            <a:spLocks noGrp="1"/>
+          </p:cNvSpPr>
+          <p:nvPr>
+            <p:ph type="sldNum" sz="quarter" idx="5"/>
+          </p:nvPr>
+        </p:nvSpPr>
+        <p:spPr/>
+        <p:txBody>
+          <a:bodyPr/>
+          <a:lstStyle/>
+          <a:p>
+            <a:fld id="{2B6F42A7-B42A-4EFE-B8BF-3BC6AAD8E03A}" type="slidenum">
+              <a:rPr lang="en-US" smtClean="0"/>
+              <a:pPr/>
+              <a:t>49</a:t>
+            </a:fld>
+            <a:endParaRPr lang="en-US"/>
+          </a:p>
+        </p:txBody>
+      </p:sp>
+    </p:spTree>
+    <p:extLst>
+      <p:ext uri="{BB962C8B-B14F-4D97-AF65-F5344CB8AC3E}">
+        <p14:creationId xmlns:p14="http://schemas.microsoft.com/office/powerpoint/2010/main" val="690920757"/>
+      </p:ext>
+    </p:extLst>
+  </p:cSld>
+  <p:clrMapOvr>
+    <a:masterClrMapping/>
+  </p:clrMapOvr>
+</p:notes>
+</file>
+
 <file path=ppt/notesSlides/notesSlide5.xml><?xml version="1.0" encoding="utf-8"?>
 <p:notes xmlns:a="http://schemas.openxmlformats.org/drawingml/2006/main" xmlns:r="http://schemas.openxmlformats.org/officeDocument/2006/relationships" xmlns:p="http://schemas.openxmlformats.org/presentationml/2006/main">
   <p:cSld>
@@ -3406,6 +4984,91 @@
     <p:extLst>
       <p:ext uri="{BB962C8B-B14F-4D97-AF65-F5344CB8AC3E}">
         <p14:creationId xmlns:p14="http://schemas.microsoft.com/office/powerpoint/2010/main" val="661245106"/>
+      </p:ext>
+    </p:extLst>
+  </p:cSld>
+  <p:clrMapOvr>
+    <a:masterClrMapping/>
+  </p:clrMapOvr>
+</p:notes>
+</file>
+
+<file path=ppt/notesSlides/notesSlide50.xml><?xml version="1.0" encoding="utf-8"?>
+<p:notes xmlns:a="http://schemas.openxmlformats.org/drawingml/2006/main" xmlns:r="http://schemas.openxmlformats.org/officeDocument/2006/relationships" xmlns:p="http://schemas.openxmlformats.org/presentationml/2006/main">
+  <p:cSld>
+    <p:spTree>
+      <p:nvGrpSpPr>
+        <p:cNvPr id="1" name=""/>
+        <p:cNvGrpSpPr/>
+        <p:nvPr/>
+      </p:nvGrpSpPr>
+      <p:grpSpPr>
+        <a:xfrm>
+          <a:off x="0" y="0"/>
+          <a:ext cx="0" cy="0"/>
+          <a:chOff x="0" y="0"/>
+          <a:chExt cx="0" cy="0"/>
+        </a:xfrm>
+      </p:grpSpPr>
+      <p:sp>
+        <p:nvSpPr>
+          <p:cNvPr id="2" name="Slide Image Placeholder 1"/>
+          <p:cNvSpPr>
+            <a:spLocks noGrp="1" noRot="1" noChangeAspect="1"/>
+          </p:cNvSpPr>
+          <p:nvPr>
+            <p:ph type="sldImg"/>
+          </p:nvPr>
+        </p:nvSpPr>
+        <p:spPr/>
+      </p:sp>
+      <p:sp>
+        <p:nvSpPr>
+          <p:cNvPr id="3" name="Notes Placeholder 2"/>
+          <p:cNvSpPr>
+            <a:spLocks noGrp="1"/>
+          </p:cNvSpPr>
+          <p:nvPr>
+            <p:ph type="body" idx="1"/>
+          </p:nvPr>
+        </p:nvSpPr>
+        <p:spPr/>
+        <p:txBody>
+          <a:bodyPr/>
+          <a:lstStyle/>
+          <a:p>
+            <a:endParaRPr lang="en-US"/>
+          </a:p>
+        </p:txBody>
+      </p:sp>
+      <p:sp>
+        <p:nvSpPr>
+          <p:cNvPr id="4" name="Slide Number Placeholder 3"/>
+          <p:cNvSpPr>
+            <a:spLocks noGrp="1"/>
+          </p:cNvSpPr>
+          <p:nvPr>
+            <p:ph type="sldNum" sz="quarter" idx="5"/>
+          </p:nvPr>
+        </p:nvSpPr>
+        <p:spPr/>
+        <p:txBody>
+          <a:bodyPr/>
+          <a:lstStyle/>
+          <a:p>
+            <a:fld id="{2B6F42A7-B42A-4EFE-B8BF-3BC6AAD8E03A}" type="slidenum">
+              <a:rPr lang="en-US" smtClean="0"/>
+              <a:pPr/>
+              <a:t>50</a:t>
+            </a:fld>
+            <a:endParaRPr lang="en-US"/>
+          </a:p>
+        </p:txBody>
+      </p:sp>
+    </p:spTree>
+    <p:extLst>
+      <p:ext uri="{BB962C8B-B14F-4D97-AF65-F5344CB8AC3E}">
+        <p14:creationId xmlns:p14="http://schemas.microsoft.com/office/powerpoint/2010/main" val="2844561475"/>
       </p:ext>
     </p:extLst>
   </p:cSld>
@@ -3962,7 +5625,7 @@
             <a:fld id="{31E92B8E-6087-4A13-9F20-23C7A62C6D17}" type="datetimeFigureOut">
               <a:rPr lang="en-US" smtClean="0"/>
               <a:pPr/>
-              <a:t>12/02/2023</a:t>
+              <a:t>01/03/2023</a:t>
             </a:fld>
             <a:endParaRPr lang="en-US"/>
           </a:p>
@@ -4262,7 +5925,7 @@
             <a:fld id="{31E92B8E-6087-4A13-9F20-23C7A62C6D17}" type="datetimeFigureOut">
               <a:rPr lang="en-US" smtClean="0"/>
               <a:pPr/>
-              <a:t>12/02/2023</a:t>
+              <a:t>01/03/2023</a:t>
             </a:fld>
             <a:endParaRPr lang="en-US"/>
           </a:p>
@@ -4438,7 +6101,7 @@
             <a:fld id="{31E92B8E-6087-4A13-9F20-23C7A62C6D17}" type="datetimeFigureOut">
               <a:rPr lang="en-US" smtClean="0"/>
               <a:pPr/>
-              <a:t>12/02/2023</a:t>
+              <a:t>01/03/2023</a:t>
             </a:fld>
             <a:endParaRPr lang="en-US"/>
           </a:p>
@@ -4604,7 +6267,7 @@
             <a:fld id="{31E92B8E-6087-4A13-9F20-23C7A62C6D17}" type="datetimeFigureOut">
               <a:rPr lang="en-US" smtClean="0"/>
               <a:pPr/>
-              <a:t>12/02/2023</a:t>
+              <a:t>01/03/2023</a:t>
             </a:fld>
             <a:endParaRPr lang="en-US"/>
           </a:p>
@@ -4865,7 +6528,7 @@
             <a:fld id="{31E92B8E-6087-4A13-9F20-23C7A62C6D17}" type="datetimeFigureOut">
               <a:rPr lang="en-US" smtClean="0"/>
               <a:pPr/>
-              <a:t>12/02/2023</a:t>
+              <a:t>01/03/2023</a:t>
             </a:fld>
             <a:endParaRPr lang="en-US"/>
           </a:p>
@@ -5320,7 +6983,7 @@
             <a:fld id="{31E92B8E-6087-4A13-9F20-23C7A62C6D17}" type="datetimeFigureOut">
               <a:rPr lang="en-US" smtClean="0"/>
               <a:pPr/>
-              <a:t>12/02/2023</a:t>
+              <a:t>01/03/2023</a:t>
             </a:fld>
             <a:endParaRPr lang="en-US"/>
           </a:p>
@@ -5804,7 +7467,7 @@
             <a:fld id="{31E92B8E-6087-4A13-9F20-23C7A62C6D17}" type="datetimeFigureOut">
               <a:rPr lang="en-US" smtClean="0"/>
               <a:pPr/>
-              <a:t>12/02/2023</a:t>
+              <a:t>01/03/2023</a:t>
             </a:fld>
             <a:endParaRPr lang="en-US"/>
           </a:p>
@@ -5923,7 +7586,7 @@
             <a:fld id="{31E92B8E-6087-4A13-9F20-23C7A62C6D17}" type="datetimeFigureOut">
               <a:rPr lang="en-US" smtClean="0"/>
               <a:pPr/>
-              <a:t>12/02/2023</a:t>
+              <a:t>01/03/2023</a:t>
             </a:fld>
             <a:endParaRPr lang="en-US"/>
           </a:p>
@@ -6061,7 +7724,7 @@
             <a:fld id="{31E92B8E-6087-4A13-9F20-23C7A62C6D17}" type="datetimeFigureOut">
               <a:rPr lang="en-US" smtClean="0"/>
               <a:pPr/>
-              <a:t>12/02/2023</a:t>
+              <a:t>01/03/2023</a:t>
             </a:fld>
             <a:endParaRPr lang="en-US"/>
           </a:p>
@@ -6376,7 +8039,7 @@
             <a:fld id="{31E92B8E-6087-4A13-9F20-23C7A62C6D17}" type="datetimeFigureOut">
               <a:rPr lang="en-US" smtClean="0"/>
               <a:pPr/>
-              <a:t>12/02/2023</a:t>
+              <a:t>01/03/2023</a:t>
             </a:fld>
             <a:endParaRPr lang="en-US"/>
           </a:p>
@@ -6505,7 +8168,7 @@
             <a:fld id="{31E92B8E-6087-4A13-9F20-23C7A62C6D17}" type="datetimeFigureOut">
               <a:rPr lang="en-US" smtClean="0"/>
               <a:pPr/>
-              <a:t>12/02/2023</a:t>
+              <a:t>01/03/2023</a:t>
             </a:fld>
             <a:endParaRPr lang="en-US"/>
           </a:p>
@@ -7264,7 +8927,7 @@
             <a:fld id="{31E92B8E-6087-4A13-9F20-23C7A62C6D17}" type="datetimeFigureOut">
               <a:rPr lang="en-US" smtClean="0"/>
               <a:pPr/>
-              <a:t>12/02/2023</a:t>
+              <a:t>01/03/2023</a:t>
             </a:fld>
             <a:endParaRPr lang="en-US"/>
           </a:p>
@@ -9889,6 +11552,48 @@
               <a:rPr lang="en-US" dirty="0"/>
               <a:t>Apache Maven</a:t>
             </a:r>
+          </a:p>
+          <a:p>
+            <a:r>
+              <a:rPr lang="en-US" dirty="0"/>
+              <a:t>Objectives</a:t>
+            </a:r>
+          </a:p>
+          <a:p>
+            <a:r>
+              <a:rPr lang="en-US" dirty="0"/>
+              <a:t>Repository</a:t>
+            </a:r>
+          </a:p>
+          <a:p>
+            <a:r>
+              <a:rPr lang="en-US" dirty="0"/>
+              <a:t>How to Maven</a:t>
+            </a:r>
+          </a:p>
+          <a:p>
+            <a:r>
+              <a:rPr lang="en-US" dirty="0"/>
+              <a:t>Project Object Model</a:t>
+            </a:r>
+          </a:p>
+          <a:p>
+            <a:r>
+              <a:rPr lang="en-US" dirty="0"/>
+              <a:t>Command Line</a:t>
+            </a:r>
+          </a:p>
+          <a:p>
+            <a:r>
+              <a:rPr lang="en-US" dirty="0"/>
+              <a:t>Maven Central</a:t>
+            </a:r>
+          </a:p>
+          <a:p>
+            <a:endParaRPr lang="en-US" dirty="0"/>
+          </a:p>
+          <a:p>
+            <a:endParaRPr lang="en-US" dirty="0"/>
           </a:p>
           <a:p>
             <a:endParaRPr lang="en-US" dirty="0"/>
@@ -12247,7 +13952,7 @@
           <a:p>
             <a:r>
               <a:rPr lang="en-US" dirty="0"/>
-              <a:t>Reference</a:t>
+              <a:t>Maven</a:t>
             </a:r>
           </a:p>
         </p:txBody>
@@ -12270,39 +13975,26 @@
           <a:lstStyle/>
           <a:p>
             <a:r>
+              <a:rPr lang="en-US" dirty="0"/>
+              <a:t>Maven Central</a:t>
+            </a:r>
+          </a:p>
+          <a:p>
+            <a:pPr lvl="1"/>
+            <a:r>
+              <a:rPr lang="en-US" dirty="0"/>
+              <a:t>Go to </a:t>
+            </a:r>
+            <a:r>
               <a:rPr lang="en-US" dirty="0">
                 <a:hlinkClick r:id="rId3"/>
               </a:rPr>
-              <a:t>https://maven.apache.org</a:t>
-            </a:r>
-            <a:endParaRPr lang="en-US" dirty="0"/>
-          </a:p>
-          <a:p>
-            <a:r>
-              <a:rPr lang="en-US" dirty="0">
-                <a:hlinkClick r:id="rId4"/>
-              </a:rPr>
-              <a:t>https://www.jittagornp.me/blog/what-is-apache-maven/</a:t>
-            </a:r>
-            <a:endParaRPr lang="en-US" dirty="0"/>
-          </a:p>
-          <a:p>
-            <a:r>
-              <a:rPr lang="en-US" dirty="0">
-                <a:hlinkClick r:id="rId5"/>
-              </a:rPr>
-              <a:t>https://www.jittagornp.me/blog/basic-maven-command-line/</a:t>
-            </a:r>
-            <a:endParaRPr lang="en-US" dirty="0"/>
-          </a:p>
-          <a:p>
-            <a:r>
-              <a:rPr lang="en-US" dirty="0">
-                <a:hlinkClick r:id="rId6"/>
-              </a:rPr>
-              <a:t>https://www.baeldung.com/maven-archetype</a:t>
-            </a:r>
-            <a:endParaRPr lang="en-US" dirty="0"/>
+              <a:t>https://issues.sonatype.org</a:t>
+            </a:r>
+            <a:r>
+              <a:rPr lang="en-US" dirty="0"/>
+              <a:t> try to register </a:t>
+            </a:r>
           </a:p>
           <a:p>
             <a:endParaRPr lang="en-US" dirty="0"/>
@@ -12351,10 +14043,40 @@
           </a:p>
         </p:txBody>
       </p:sp>
+      <p:pic>
+        <p:nvPicPr>
+          <p:cNvPr id="4" name="Picture 3">
+            <a:extLst>
+              <a:ext uri="{FF2B5EF4-FFF2-40B4-BE49-F238E27FC236}">
+                <a16:creationId xmlns:a16="http://schemas.microsoft.com/office/drawing/2014/main" id="{66F63061-42E8-30AA-5976-E76541B3FCA3}"/>
+              </a:ext>
+            </a:extLst>
+          </p:cNvPr>
+          <p:cNvPicPr>
+            <a:picLocks noChangeAspect="1"/>
+          </p:cNvPicPr>
+          <p:nvPr/>
+        </p:nvPicPr>
+        <p:blipFill>
+          <a:blip r:embed="rId4"/>
+          <a:stretch>
+            <a:fillRect/>
+          </a:stretch>
+        </p:blipFill>
+        <p:spPr>
+          <a:xfrm>
+            <a:off x="2195736" y="2996952"/>
+            <a:ext cx="5904656" cy="3679648"/>
+          </a:xfrm>
+          <a:prstGeom prst="rect">
+            <a:avLst/>
+          </a:prstGeom>
+        </p:spPr>
+      </p:pic>
     </p:spTree>
     <p:extLst>
       <p:ext uri="{BB962C8B-B14F-4D97-AF65-F5344CB8AC3E}">
-        <p14:creationId xmlns:p14="http://schemas.microsoft.com/office/powerpoint/2010/main" val="2811347385"/>
+        <p14:creationId xmlns:p14="http://schemas.microsoft.com/office/powerpoint/2010/main" val="1898644835"/>
       </p:ext>
     </p:extLst>
   </p:cSld>
@@ -12383,57 +14105,2902 @@
       </p:grpSpPr>
       <p:sp>
         <p:nvSpPr>
-          <p:cNvPr id="4" name="Rectangle 3"/>
-          <p:cNvSpPr/>
+          <p:cNvPr id="2" name="Title 1"/>
+          <p:cNvSpPr>
+            <a:spLocks noGrp="1"/>
+          </p:cNvSpPr>
+          <p:nvPr>
+            <p:ph type="title"/>
+          </p:nvPr>
+        </p:nvSpPr>
+        <p:spPr/>
+        <p:txBody>
+          <a:bodyPr/>
+          <a:lstStyle/>
+          <a:p>
+            <a:r>
+              <a:rPr lang="en-US" dirty="0"/>
+              <a:t>Maven</a:t>
+            </a:r>
+          </a:p>
+        </p:txBody>
+      </p:sp>
+      <p:sp>
+        <p:nvSpPr>
+          <p:cNvPr id="3" name="Content Placeholder 2"/>
+          <p:cNvSpPr>
+            <a:spLocks noGrp="1"/>
+          </p:cNvSpPr>
+          <p:nvPr>
+            <p:ph idx="1"/>
+          </p:nvPr>
+        </p:nvSpPr>
+        <p:spPr/>
+        <p:txBody>
+          <a:bodyPr>
+            <a:normAutofit/>
+          </a:bodyPr>
+          <a:lstStyle/>
+          <a:p>
+            <a:r>
+              <a:rPr lang="en-US" dirty="0"/>
+              <a:t>Maven Central</a:t>
+            </a:r>
+          </a:p>
+          <a:p>
+            <a:pPr lvl="1"/>
+            <a:r>
+              <a:rPr lang="en-US" dirty="0"/>
+              <a:t>Create issue to request</a:t>
+            </a:r>
+          </a:p>
+          <a:p>
+            <a:endParaRPr lang="en-US" dirty="0"/>
+          </a:p>
+          <a:p>
+            <a:endParaRPr lang="en-US" dirty="0"/>
+          </a:p>
+          <a:p>
+            <a:endParaRPr lang="en-US" dirty="0"/>
+          </a:p>
+          <a:p>
+            <a:endParaRPr lang="en-US" dirty="0"/>
+          </a:p>
+          <a:p>
+            <a:endParaRPr lang="en-US" dirty="0"/>
+          </a:p>
+          <a:p>
+            <a:endParaRPr lang="en-US" dirty="0"/>
+          </a:p>
+          <a:p>
+            <a:endParaRPr lang="en-US" dirty="0"/>
+          </a:p>
+          <a:p>
+            <a:endParaRPr lang="en-US" dirty="0"/>
+          </a:p>
+          <a:p>
+            <a:endParaRPr lang="en-US" dirty="0"/>
+          </a:p>
+          <a:p>
+            <a:endParaRPr lang="en-US" dirty="0"/>
+          </a:p>
+          <a:p>
+            <a:endParaRPr lang="en-US" dirty="0"/>
+          </a:p>
+          <a:p>
+            <a:pPr lvl="1"/>
+            <a:endParaRPr lang="en-US" dirty="0"/>
+          </a:p>
+          <a:p>
+            <a:pPr lvl="1"/>
+            <a:endParaRPr lang="en-US" dirty="0"/>
+          </a:p>
+          <a:p>
+            <a:pPr lvl="1"/>
+            <a:endParaRPr lang="en-US" dirty="0"/>
+          </a:p>
+        </p:txBody>
+      </p:sp>
+      <p:pic>
+        <p:nvPicPr>
+          <p:cNvPr id="5" name="Picture 4">
+            <a:extLst>
+              <a:ext uri="{FF2B5EF4-FFF2-40B4-BE49-F238E27FC236}">
+                <a16:creationId xmlns:a16="http://schemas.microsoft.com/office/drawing/2014/main" id="{4BB46DFA-D5C2-03F4-0599-675D11A9828C}"/>
+              </a:ext>
+            </a:extLst>
+          </p:cNvPr>
+          <p:cNvPicPr>
+            <a:picLocks noChangeAspect="1"/>
+          </p:cNvPicPr>
           <p:nvPr/>
-        </p:nvSpPr>
+        </p:nvPicPr>
+        <p:blipFill>
+          <a:blip r:embed="rId3"/>
+          <a:stretch>
+            <a:fillRect/>
+          </a:stretch>
+        </p:blipFill>
         <p:spPr>
           <a:xfrm>
-            <a:off x="3692290" y="2967335"/>
-            <a:ext cx="2165594" cy="923330"/>
+            <a:off x="1979712" y="2653681"/>
+            <a:ext cx="5843048" cy="3641255"/>
+          </a:xfrm>
+          <a:prstGeom prst="rect">
+            <a:avLst/>
+          </a:prstGeom>
+        </p:spPr>
+      </p:pic>
+    </p:spTree>
+    <p:extLst>
+      <p:ext uri="{BB962C8B-B14F-4D97-AF65-F5344CB8AC3E}">
+        <p14:creationId xmlns:p14="http://schemas.microsoft.com/office/powerpoint/2010/main" val="3465759919"/>
+      </p:ext>
+    </p:extLst>
+  </p:cSld>
+  <p:clrMapOvr>
+    <a:masterClrMapping/>
+  </p:clrMapOvr>
+</p:sld>
+</file>
+
+<file path=ppt/slides/slide32.xml><?xml version="1.0" encoding="utf-8"?>
+<p:sld xmlns:a="http://schemas.openxmlformats.org/drawingml/2006/main" xmlns:r="http://schemas.openxmlformats.org/officeDocument/2006/relationships" xmlns:p="http://schemas.openxmlformats.org/presentationml/2006/main">
+  <p:cSld>
+    <p:spTree>
+      <p:nvGrpSpPr>
+        <p:cNvPr id="1" name=""/>
+        <p:cNvGrpSpPr/>
+        <p:nvPr/>
+      </p:nvGrpSpPr>
+      <p:grpSpPr>
+        <a:xfrm>
+          <a:off x="0" y="0"/>
+          <a:ext cx="0" cy="0"/>
+          <a:chOff x="0" y="0"/>
+          <a:chExt cx="0" cy="0"/>
+        </a:xfrm>
+      </p:grpSpPr>
+      <p:sp>
+        <p:nvSpPr>
+          <p:cNvPr id="2" name="Title 1"/>
+          <p:cNvSpPr>
+            <a:spLocks noGrp="1"/>
+          </p:cNvSpPr>
+          <p:nvPr>
+            <p:ph type="title"/>
+          </p:nvPr>
+        </p:nvSpPr>
+        <p:spPr/>
+        <p:txBody>
+          <a:bodyPr/>
+          <a:lstStyle/>
+          <a:p>
+            <a:r>
+              <a:rPr lang="en-US" dirty="0"/>
+              <a:t>Maven</a:t>
+            </a:r>
+          </a:p>
+        </p:txBody>
+      </p:sp>
+      <p:sp>
+        <p:nvSpPr>
+          <p:cNvPr id="3" name="Content Placeholder 2"/>
+          <p:cNvSpPr>
+            <a:spLocks noGrp="1"/>
+          </p:cNvSpPr>
+          <p:nvPr>
+            <p:ph idx="1"/>
+          </p:nvPr>
+        </p:nvSpPr>
+        <p:spPr/>
+        <p:txBody>
+          <a:bodyPr>
+            <a:normAutofit/>
+          </a:bodyPr>
+          <a:lstStyle/>
+          <a:p>
+            <a:r>
+              <a:rPr lang="en-US" dirty="0"/>
+              <a:t>Maven Central</a:t>
+            </a:r>
+          </a:p>
+          <a:p>
+            <a:pPr lvl="1"/>
+            <a:r>
+              <a:rPr lang="en-US" dirty="0"/>
+              <a:t>Create issue to request</a:t>
+            </a:r>
+          </a:p>
+          <a:p>
+            <a:pPr lvl="2"/>
+            <a:r>
+              <a:rPr lang="en-US" dirty="0"/>
+              <a:t>Project: Community Support - Open Source Project Repository Hosting</a:t>
+            </a:r>
+          </a:p>
+          <a:p>
+            <a:pPr lvl="2"/>
+            <a:r>
+              <a:rPr lang="en-US" dirty="0"/>
+              <a:t>Issue Type: New Project</a:t>
+            </a:r>
+          </a:p>
+          <a:p>
+            <a:pPr lvl="2"/>
+            <a:r>
+              <a:rPr lang="en-US" dirty="0"/>
+              <a:t>Summary:  Description of your library</a:t>
+            </a:r>
+          </a:p>
+          <a:p>
+            <a:pPr lvl="2"/>
+            <a:r>
+              <a:rPr lang="en-US" dirty="0"/>
+              <a:t>Group Id:  Your GROUP_ID</a:t>
+            </a:r>
+          </a:p>
+          <a:p>
+            <a:pPr lvl="2"/>
+            <a:r>
+              <a:rPr lang="en-US" dirty="0"/>
+              <a:t>Project URL: URL of your library</a:t>
+            </a:r>
+          </a:p>
+          <a:p>
+            <a:pPr lvl="2"/>
+            <a:r>
+              <a:rPr lang="en-US" dirty="0"/>
+              <a:t>SCM URL: URL of your</a:t>
+            </a:r>
+            <a:r>
+              <a:rPr lang="th-TH" dirty="0"/>
+              <a:t> </a:t>
+            </a:r>
+            <a:r>
+              <a:rPr lang="en-US" dirty="0"/>
+              <a:t>Source Control</a:t>
+            </a:r>
+          </a:p>
+          <a:p>
+            <a:endParaRPr lang="en-US" dirty="0"/>
+          </a:p>
+          <a:p>
+            <a:endParaRPr lang="en-US" dirty="0"/>
+          </a:p>
+          <a:p>
+            <a:endParaRPr lang="en-US" dirty="0"/>
+          </a:p>
+          <a:p>
+            <a:endParaRPr lang="en-US" dirty="0"/>
+          </a:p>
+          <a:p>
+            <a:endParaRPr lang="en-US" dirty="0"/>
+          </a:p>
+          <a:p>
+            <a:endParaRPr lang="en-US" dirty="0"/>
+          </a:p>
+          <a:p>
+            <a:endParaRPr lang="en-US" dirty="0"/>
+          </a:p>
+          <a:p>
+            <a:endParaRPr lang="en-US" dirty="0"/>
+          </a:p>
+          <a:p>
+            <a:endParaRPr lang="en-US" dirty="0"/>
+          </a:p>
+          <a:p>
+            <a:endParaRPr lang="en-US" dirty="0"/>
+          </a:p>
+          <a:p>
+            <a:endParaRPr lang="en-US" dirty="0"/>
+          </a:p>
+          <a:p>
+            <a:pPr lvl="1"/>
+            <a:endParaRPr lang="en-US" dirty="0"/>
+          </a:p>
+          <a:p>
+            <a:pPr lvl="1"/>
+            <a:endParaRPr lang="en-US" dirty="0"/>
+          </a:p>
+          <a:p>
+            <a:pPr lvl="1"/>
+            <a:endParaRPr lang="en-US" dirty="0"/>
+          </a:p>
+        </p:txBody>
+      </p:sp>
+    </p:spTree>
+    <p:extLst>
+      <p:ext uri="{BB962C8B-B14F-4D97-AF65-F5344CB8AC3E}">
+        <p14:creationId xmlns:p14="http://schemas.microsoft.com/office/powerpoint/2010/main" val="3821616277"/>
+      </p:ext>
+    </p:extLst>
+  </p:cSld>
+  <p:clrMapOvr>
+    <a:masterClrMapping/>
+  </p:clrMapOvr>
+</p:sld>
+</file>
+
+<file path=ppt/slides/slide33.xml><?xml version="1.0" encoding="utf-8"?>
+<p:sld xmlns:a="http://schemas.openxmlformats.org/drawingml/2006/main" xmlns:r="http://schemas.openxmlformats.org/officeDocument/2006/relationships" xmlns:p="http://schemas.openxmlformats.org/presentationml/2006/main">
+  <p:cSld>
+    <p:spTree>
+      <p:nvGrpSpPr>
+        <p:cNvPr id="1" name=""/>
+        <p:cNvGrpSpPr/>
+        <p:nvPr/>
+      </p:nvGrpSpPr>
+      <p:grpSpPr>
+        <a:xfrm>
+          <a:off x="0" y="0"/>
+          <a:ext cx="0" cy="0"/>
+          <a:chOff x="0" y="0"/>
+          <a:chExt cx="0" cy="0"/>
+        </a:xfrm>
+      </p:grpSpPr>
+      <p:sp>
+        <p:nvSpPr>
+          <p:cNvPr id="2" name="Title 1"/>
+          <p:cNvSpPr>
+            <a:spLocks noGrp="1"/>
+          </p:cNvSpPr>
+          <p:nvPr>
+            <p:ph type="title"/>
+          </p:nvPr>
+        </p:nvSpPr>
+        <p:spPr/>
+        <p:txBody>
+          <a:bodyPr/>
+          <a:lstStyle/>
+          <a:p>
+            <a:r>
+              <a:rPr lang="en-US" dirty="0"/>
+              <a:t>Maven</a:t>
+            </a:r>
+          </a:p>
+        </p:txBody>
+      </p:sp>
+      <p:sp>
+        <p:nvSpPr>
+          <p:cNvPr id="3" name="Content Placeholder 2"/>
+          <p:cNvSpPr>
+            <a:spLocks noGrp="1"/>
+          </p:cNvSpPr>
+          <p:nvPr>
+            <p:ph idx="1"/>
+          </p:nvPr>
+        </p:nvSpPr>
+        <p:spPr/>
+        <p:txBody>
+          <a:bodyPr>
+            <a:normAutofit/>
+          </a:bodyPr>
+          <a:lstStyle/>
+          <a:p>
+            <a:r>
+              <a:rPr lang="en-US" dirty="0"/>
+              <a:t>Maven Central</a:t>
+            </a:r>
+          </a:p>
+          <a:p>
+            <a:pPr lvl="1"/>
+            <a:r>
+              <a:rPr lang="en-US" dirty="0"/>
+              <a:t>Create issue to request </a:t>
+            </a:r>
+          </a:p>
+          <a:p>
+            <a:endParaRPr lang="en-US" dirty="0"/>
+          </a:p>
+          <a:p>
+            <a:endParaRPr lang="en-US" dirty="0"/>
+          </a:p>
+          <a:p>
+            <a:endParaRPr lang="en-US" dirty="0"/>
+          </a:p>
+          <a:p>
+            <a:endParaRPr lang="en-US" dirty="0"/>
+          </a:p>
+          <a:p>
+            <a:endParaRPr lang="en-US" dirty="0"/>
+          </a:p>
+          <a:p>
+            <a:endParaRPr lang="en-US" dirty="0"/>
+          </a:p>
+          <a:p>
+            <a:endParaRPr lang="en-US" dirty="0"/>
+          </a:p>
+          <a:p>
+            <a:endParaRPr lang="en-US" dirty="0"/>
+          </a:p>
+          <a:p>
+            <a:endParaRPr lang="en-US" dirty="0"/>
+          </a:p>
+          <a:p>
+            <a:endParaRPr lang="en-US" dirty="0"/>
+          </a:p>
+          <a:p>
+            <a:endParaRPr lang="en-US" dirty="0"/>
+          </a:p>
+          <a:p>
+            <a:pPr lvl="1"/>
+            <a:endParaRPr lang="en-US" dirty="0"/>
+          </a:p>
+          <a:p>
+            <a:pPr lvl="1"/>
+            <a:endParaRPr lang="en-US" dirty="0"/>
+          </a:p>
+          <a:p>
+            <a:pPr lvl="1"/>
+            <a:endParaRPr lang="en-US" dirty="0"/>
+          </a:p>
+        </p:txBody>
+      </p:sp>
+      <p:pic>
+        <p:nvPicPr>
+          <p:cNvPr id="4" name="Picture 3">
+            <a:extLst>
+              <a:ext uri="{FF2B5EF4-FFF2-40B4-BE49-F238E27FC236}">
+                <a16:creationId xmlns:a16="http://schemas.microsoft.com/office/drawing/2014/main" id="{19ACA33A-9D59-BB28-B743-EE2C607232AA}"/>
+              </a:ext>
+            </a:extLst>
+          </p:cNvPr>
+          <p:cNvPicPr>
+            <a:picLocks noChangeAspect="1"/>
+          </p:cNvPicPr>
+          <p:nvPr/>
+        </p:nvPicPr>
+        <p:blipFill>
+          <a:blip r:embed="rId3"/>
+          <a:stretch>
+            <a:fillRect/>
+          </a:stretch>
+        </p:blipFill>
+        <p:spPr>
+          <a:xfrm>
+            <a:off x="2195736" y="2586708"/>
+            <a:ext cx="4969525" cy="4007681"/>
+          </a:xfrm>
+          <a:prstGeom prst="rect">
+            <a:avLst/>
+          </a:prstGeom>
+        </p:spPr>
+      </p:pic>
+    </p:spTree>
+    <p:extLst>
+      <p:ext uri="{BB962C8B-B14F-4D97-AF65-F5344CB8AC3E}">
+        <p14:creationId xmlns:p14="http://schemas.microsoft.com/office/powerpoint/2010/main" val="2920157965"/>
+      </p:ext>
+    </p:extLst>
+  </p:cSld>
+  <p:clrMapOvr>
+    <a:masterClrMapping/>
+  </p:clrMapOvr>
+</p:sld>
+</file>
+
+<file path=ppt/slides/slide34.xml><?xml version="1.0" encoding="utf-8"?>
+<p:sld xmlns:a="http://schemas.openxmlformats.org/drawingml/2006/main" xmlns:r="http://schemas.openxmlformats.org/officeDocument/2006/relationships" xmlns:p="http://schemas.openxmlformats.org/presentationml/2006/main">
+  <p:cSld>
+    <p:spTree>
+      <p:nvGrpSpPr>
+        <p:cNvPr id="1" name=""/>
+        <p:cNvGrpSpPr/>
+        <p:nvPr/>
+      </p:nvGrpSpPr>
+      <p:grpSpPr>
+        <a:xfrm>
+          <a:off x="0" y="0"/>
+          <a:ext cx="0" cy="0"/>
+          <a:chOff x="0" y="0"/>
+          <a:chExt cx="0" cy="0"/>
+        </a:xfrm>
+      </p:grpSpPr>
+      <p:sp>
+        <p:nvSpPr>
+          <p:cNvPr id="2" name="Title 1"/>
+          <p:cNvSpPr>
+            <a:spLocks noGrp="1"/>
+          </p:cNvSpPr>
+          <p:nvPr>
+            <p:ph type="title"/>
+          </p:nvPr>
+        </p:nvSpPr>
+        <p:spPr/>
+        <p:txBody>
+          <a:bodyPr/>
+          <a:lstStyle/>
+          <a:p>
+            <a:r>
+              <a:rPr lang="en-US" dirty="0"/>
+              <a:t>Maven</a:t>
+            </a:r>
+          </a:p>
+        </p:txBody>
+      </p:sp>
+      <p:sp>
+        <p:nvSpPr>
+          <p:cNvPr id="3" name="Content Placeholder 2"/>
+          <p:cNvSpPr>
+            <a:spLocks noGrp="1"/>
+          </p:cNvSpPr>
+          <p:nvPr>
+            <p:ph idx="1"/>
+          </p:nvPr>
+        </p:nvSpPr>
+        <p:spPr/>
+        <p:txBody>
+          <a:bodyPr>
+            <a:normAutofit/>
+          </a:bodyPr>
+          <a:lstStyle/>
+          <a:p>
+            <a:r>
+              <a:rPr lang="en-US" dirty="0"/>
+              <a:t>Maven Central</a:t>
+            </a:r>
+          </a:p>
+          <a:p>
+            <a:pPr lvl="1"/>
+            <a:r>
+              <a:rPr lang="en-US" dirty="0"/>
+              <a:t>Create issue to request</a:t>
+            </a:r>
+          </a:p>
+          <a:p>
+            <a:pPr lvl="2"/>
+            <a:r>
+              <a:rPr lang="en-US" dirty="0"/>
+              <a:t>About Group ID </a:t>
+            </a:r>
+          </a:p>
+          <a:p>
+            <a:endParaRPr lang="en-US" dirty="0"/>
+          </a:p>
+          <a:p>
+            <a:endParaRPr lang="en-US" dirty="0"/>
+          </a:p>
+          <a:p>
+            <a:endParaRPr lang="en-US" dirty="0"/>
+          </a:p>
+          <a:p>
+            <a:endParaRPr lang="en-US" dirty="0"/>
+          </a:p>
+          <a:p>
+            <a:endParaRPr lang="en-US" dirty="0"/>
+          </a:p>
+          <a:p>
+            <a:endParaRPr lang="en-US" dirty="0"/>
+          </a:p>
+          <a:p>
+            <a:endParaRPr lang="en-US" dirty="0"/>
+          </a:p>
+          <a:p>
+            <a:endParaRPr lang="en-US" dirty="0"/>
+          </a:p>
+          <a:p>
+            <a:endParaRPr lang="en-US" dirty="0"/>
+          </a:p>
+          <a:p>
+            <a:endParaRPr lang="en-US" dirty="0"/>
+          </a:p>
+          <a:p>
+            <a:endParaRPr lang="en-US" dirty="0"/>
+          </a:p>
+          <a:p>
+            <a:pPr lvl="1"/>
+            <a:endParaRPr lang="en-US" dirty="0"/>
+          </a:p>
+          <a:p>
+            <a:pPr lvl="1"/>
+            <a:endParaRPr lang="en-US" dirty="0"/>
+          </a:p>
+          <a:p>
+            <a:pPr lvl="1"/>
+            <a:endParaRPr lang="en-US" dirty="0"/>
+          </a:p>
+        </p:txBody>
+      </p:sp>
+      <p:graphicFrame>
+        <p:nvGraphicFramePr>
+          <p:cNvPr id="7" name="Table 6">
+            <a:extLst>
+              <a:ext uri="{FF2B5EF4-FFF2-40B4-BE49-F238E27FC236}">
+                <a16:creationId xmlns:a16="http://schemas.microsoft.com/office/drawing/2014/main" id="{930126EC-3773-E6C0-9382-35C909DB1B87}"/>
+              </a:ext>
+            </a:extLst>
+          </p:cNvPr>
+          <p:cNvGraphicFramePr>
+            <a:graphicFrameLocks noGrp="1"/>
+          </p:cNvGraphicFramePr>
+          <p:nvPr>
+            <p:extLst>
+              <p:ext uri="{D42A27DB-BD31-4B8C-83A1-F6EECF244321}">
+                <p14:modId xmlns:p14="http://schemas.microsoft.com/office/powerpoint/2010/main" val="4212858256"/>
+              </p:ext>
+            </p:extLst>
+          </p:nvPr>
+        </p:nvGraphicFramePr>
+        <p:xfrm>
+          <a:off x="2483768" y="3212977"/>
+          <a:ext cx="5330666" cy="2883294"/>
+        </p:xfrm>
+        <a:graphic>
+          <a:graphicData uri="http://schemas.openxmlformats.org/drawingml/2006/table">
+            <a:tbl>
+              <a:tblPr>
+                <a:tableStyleId>{5940675A-B579-460E-94D1-54222C63F5DA}</a:tableStyleId>
+              </a:tblPr>
+              <a:tblGrid>
+                <a:gridCol w="2090306">
+                  <a:extLst>
+                    <a:ext uri="{9D8B030D-6E8A-4147-A177-3AD203B41FA5}">
+                      <a16:colId xmlns:a16="http://schemas.microsoft.com/office/drawing/2014/main" val="518397699"/>
+                    </a:ext>
+                  </a:extLst>
+                </a:gridCol>
+                <a:gridCol w="3240360">
+                  <a:extLst>
+                    <a:ext uri="{9D8B030D-6E8A-4147-A177-3AD203B41FA5}">
+                      <a16:colId xmlns:a16="http://schemas.microsoft.com/office/drawing/2014/main" val="4223205637"/>
+                    </a:ext>
+                  </a:extLst>
+                </a:gridCol>
+              </a:tblGrid>
+              <a:tr h="406204">
+                <a:tc>
+                  <a:txBody>
+                    <a:bodyPr/>
+                    <a:lstStyle/>
+                    <a:p>
+                      <a:pPr algn="l" fontAlgn="t"/>
+                      <a:r>
+                        <a:rPr lang="en-US" sz="1600" b="1" dirty="0">
+                          <a:effectLst/>
+                        </a:rPr>
+                        <a:t>Service</a:t>
+                      </a:r>
+                    </a:p>
+                  </a:txBody>
+                  <a:tcPr marL="80010" marR="80010" marT="40005" marB="40005">
+                    <a:solidFill>
+                      <a:schemeClr val="accent2"/>
+                    </a:solidFill>
+                  </a:tcPr>
+                </a:tc>
+                <a:tc>
+                  <a:txBody>
+                    <a:bodyPr/>
+                    <a:lstStyle/>
+                    <a:p>
+                      <a:pPr algn="l" fontAlgn="t"/>
+                      <a:r>
+                        <a:rPr lang="en-US" sz="1600" b="1" dirty="0">
+                          <a:effectLst/>
+                        </a:rPr>
+                        <a:t>Example </a:t>
+                      </a:r>
+                      <a:r>
+                        <a:rPr lang="en-US" sz="1600" b="1" dirty="0" err="1">
+                          <a:effectLst/>
+                        </a:rPr>
+                        <a:t>groupId</a:t>
+                      </a:r>
+                      <a:endParaRPr lang="en-US" sz="1600" b="1" dirty="0">
+                        <a:effectLst/>
+                      </a:endParaRPr>
+                    </a:p>
+                  </a:txBody>
+                  <a:tcPr marL="80010" marR="80010" marT="40005" marB="40005">
+                    <a:solidFill>
+                      <a:schemeClr val="accent2"/>
+                    </a:solidFill>
+                  </a:tcPr>
+                </a:tc>
+                <a:extLst>
+                  <a:ext uri="{0D108BD9-81ED-4DB2-BD59-A6C34878D82A}">
+                    <a16:rowId xmlns:a16="http://schemas.microsoft.com/office/drawing/2014/main" val="682205329"/>
+                  </a:ext>
+                </a:extLst>
+              </a:tr>
+              <a:tr h="457891">
+                <a:tc>
+                  <a:txBody>
+                    <a:bodyPr/>
+                    <a:lstStyle/>
+                    <a:p>
+                      <a:pPr algn="l" fontAlgn="t"/>
+                      <a:r>
+                        <a:rPr lang="en-US" sz="1600" b="1" dirty="0">
+                          <a:effectLst/>
+                        </a:rPr>
+                        <a:t>GitHub</a:t>
+                      </a:r>
+                      <a:endParaRPr lang="en-US" sz="1600" b="0" dirty="0">
+                        <a:effectLst/>
+                      </a:endParaRPr>
+                    </a:p>
+                  </a:txBody>
+                  <a:tcPr marL="80010" marR="80010" marT="40005" marB="40005"/>
+                </a:tc>
+                <a:tc>
+                  <a:txBody>
+                    <a:bodyPr/>
+                    <a:lstStyle/>
+                    <a:p>
+                      <a:pPr algn="l" fontAlgn="t"/>
+                      <a:r>
+                        <a:rPr lang="en-US" sz="1600" b="0" dirty="0" err="1">
+                          <a:effectLst/>
+                        </a:rPr>
+                        <a:t>io.github.myusername</a:t>
+                      </a:r>
+                      <a:endParaRPr lang="en-US" sz="1600" b="0" dirty="0">
+                        <a:effectLst/>
+                      </a:endParaRPr>
+                    </a:p>
+                  </a:txBody>
+                  <a:tcPr marL="80010" marR="80010" marT="40005" marB="40005"/>
+                </a:tc>
+                <a:extLst>
+                  <a:ext uri="{0D108BD9-81ED-4DB2-BD59-A6C34878D82A}">
+                    <a16:rowId xmlns:a16="http://schemas.microsoft.com/office/drawing/2014/main" val="2145687184"/>
+                  </a:ext>
+                </a:extLst>
+              </a:tr>
+              <a:tr h="504056">
+                <a:tc>
+                  <a:txBody>
+                    <a:bodyPr/>
+                    <a:lstStyle/>
+                    <a:p>
+                      <a:pPr algn="l" fontAlgn="t"/>
+                      <a:r>
+                        <a:rPr lang="en-US" sz="1600" b="1" dirty="0">
+                          <a:effectLst/>
+                        </a:rPr>
+                        <a:t>GitLab</a:t>
+                      </a:r>
+                      <a:endParaRPr lang="en-US" sz="1600" b="0" dirty="0">
+                        <a:effectLst/>
+                      </a:endParaRPr>
+                    </a:p>
+                  </a:txBody>
+                  <a:tcPr marL="80010" marR="80010" marT="40005" marB="40005"/>
+                </a:tc>
+                <a:tc>
+                  <a:txBody>
+                    <a:bodyPr/>
+                    <a:lstStyle/>
+                    <a:p>
+                      <a:pPr algn="l" fontAlgn="t"/>
+                      <a:r>
+                        <a:rPr lang="en-US" sz="1600" b="0" dirty="0" err="1">
+                          <a:effectLst/>
+                        </a:rPr>
+                        <a:t>io.gitlab.myusername</a:t>
+                      </a:r>
+                      <a:endParaRPr lang="en-US" sz="1600" b="0" dirty="0">
+                        <a:effectLst/>
+                      </a:endParaRPr>
+                    </a:p>
+                  </a:txBody>
+                  <a:tcPr marL="80010" marR="80010" marT="40005" marB="40005"/>
+                </a:tc>
+                <a:extLst>
+                  <a:ext uri="{0D108BD9-81ED-4DB2-BD59-A6C34878D82A}">
+                    <a16:rowId xmlns:a16="http://schemas.microsoft.com/office/drawing/2014/main" val="3369831310"/>
+                  </a:ext>
+                </a:extLst>
+              </a:tr>
+              <a:tr h="419198">
+                <a:tc>
+                  <a:txBody>
+                    <a:bodyPr/>
+                    <a:lstStyle/>
+                    <a:p>
+                      <a:pPr algn="l" fontAlgn="t"/>
+                      <a:r>
+                        <a:rPr lang="en-US" sz="1600" b="1" dirty="0" err="1">
+                          <a:effectLst/>
+                        </a:rPr>
+                        <a:t>Gitee</a:t>
+                      </a:r>
+                      <a:endParaRPr lang="en-US" sz="1600" b="0" dirty="0">
+                        <a:effectLst/>
+                      </a:endParaRPr>
+                    </a:p>
+                  </a:txBody>
+                  <a:tcPr marL="80010" marR="80010" marT="40005" marB="40005"/>
+                </a:tc>
+                <a:tc>
+                  <a:txBody>
+                    <a:bodyPr/>
+                    <a:lstStyle/>
+                    <a:p>
+                      <a:pPr algn="l" fontAlgn="t"/>
+                      <a:r>
+                        <a:rPr lang="en-US" sz="1600" b="0" dirty="0" err="1">
+                          <a:effectLst/>
+                        </a:rPr>
+                        <a:t>io.gitee.myusername</a:t>
+                      </a:r>
+                      <a:endParaRPr lang="en-US" sz="1600" b="0" dirty="0">
+                        <a:effectLst/>
+                      </a:endParaRPr>
+                    </a:p>
+                  </a:txBody>
+                  <a:tcPr marL="80010" marR="80010" marT="40005" marB="40005"/>
+                </a:tc>
+                <a:extLst>
+                  <a:ext uri="{0D108BD9-81ED-4DB2-BD59-A6C34878D82A}">
+                    <a16:rowId xmlns:a16="http://schemas.microsoft.com/office/drawing/2014/main" val="2040477722"/>
+                  </a:ext>
+                </a:extLst>
+              </a:tr>
+              <a:tr h="517347">
+                <a:tc>
+                  <a:txBody>
+                    <a:bodyPr/>
+                    <a:lstStyle/>
+                    <a:p>
+                      <a:pPr algn="l" fontAlgn="t"/>
+                      <a:r>
+                        <a:rPr lang="en-US" sz="1600" b="1" dirty="0">
+                          <a:effectLst/>
+                        </a:rPr>
+                        <a:t>Bitbucket</a:t>
+                      </a:r>
+                      <a:endParaRPr lang="en-US" sz="1600" b="0" dirty="0">
+                        <a:effectLst/>
+                      </a:endParaRPr>
+                    </a:p>
+                  </a:txBody>
+                  <a:tcPr marL="80010" marR="80010" marT="40005" marB="40005"/>
+                </a:tc>
+                <a:tc>
+                  <a:txBody>
+                    <a:bodyPr/>
+                    <a:lstStyle/>
+                    <a:p>
+                      <a:pPr algn="l" fontAlgn="t"/>
+                      <a:r>
+                        <a:rPr lang="en-US" sz="1600" b="0" dirty="0" err="1">
+                          <a:effectLst/>
+                        </a:rPr>
+                        <a:t>io.bitbucket.myusername</a:t>
+                      </a:r>
+                      <a:endParaRPr lang="en-US" sz="1600" b="0" dirty="0">
+                        <a:effectLst/>
+                      </a:endParaRPr>
+                    </a:p>
+                    <a:p>
+                      <a:pPr algn="l" fontAlgn="t"/>
+                      <a:endParaRPr lang="en-US" sz="1600" b="0" dirty="0">
+                        <a:effectLst/>
+                      </a:endParaRPr>
+                    </a:p>
+                  </a:txBody>
+                  <a:tcPr marL="80010" marR="80010" marT="40005" marB="40005"/>
+                </a:tc>
+                <a:extLst>
+                  <a:ext uri="{0D108BD9-81ED-4DB2-BD59-A6C34878D82A}">
+                    <a16:rowId xmlns:a16="http://schemas.microsoft.com/office/drawing/2014/main" val="1992929458"/>
+                  </a:ext>
+                </a:extLst>
+              </a:tr>
+              <a:tr h="528255">
+                <a:tc>
+                  <a:txBody>
+                    <a:bodyPr/>
+                    <a:lstStyle/>
+                    <a:p>
+                      <a:pPr algn="l" fontAlgn="t"/>
+                      <a:r>
+                        <a:rPr lang="en-US" sz="1600" b="1" dirty="0" err="1">
+                          <a:effectLst/>
+                        </a:rPr>
+                        <a:t>SourceForge</a:t>
+                      </a:r>
+                      <a:endParaRPr lang="en-US" sz="1600" b="0" dirty="0">
+                        <a:effectLst/>
+                      </a:endParaRPr>
+                    </a:p>
+                  </a:txBody>
+                  <a:tcPr marL="80010" marR="80010" marT="40005" marB="40005"/>
+                </a:tc>
+                <a:tc>
+                  <a:txBody>
+                    <a:bodyPr/>
+                    <a:lstStyle/>
+                    <a:p>
+                      <a:pPr algn="l" fontAlgn="t"/>
+                      <a:r>
+                        <a:rPr lang="en-US" sz="1600" b="0" dirty="0" err="1">
+                          <a:effectLst/>
+                        </a:rPr>
+                        <a:t>io.sourceforge.myusername</a:t>
+                      </a:r>
+                      <a:endParaRPr lang="en-US" sz="1600" b="0" dirty="0">
+                        <a:effectLst/>
+                      </a:endParaRPr>
+                    </a:p>
+                  </a:txBody>
+                  <a:tcPr marL="80010" marR="80010" marT="40005" marB="40005"/>
+                </a:tc>
+                <a:extLst>
+                  <a:ext uri="{0D108BD9-81ED-4DB2-BD59-A6C34878D82A}">
+                    <a16:rowId xmlns:a16="http://schemas.microsoft.com/office/drawing/2014/main" val="2304428765"/>
+                  </a:ext>
+                </a:extLst>
+              </a:tr>
+            </a:tbl>
+          </a:graphicData>
+        </a:graphic>
+      </p:graphicFrame>
+    </p:spTree>
+    <p:extLst>
+      <p:ext uri="{BB962C8B-B14F-4D97-AF65-F5344CB8AC3E}">
+        <p14:creationId xmlns:p14="http://schemas.microsoft.com/office/powerpoint/2010/main" val="1385497796"/>
+      </p:ext>
+    </p:extLst>
+  </p:cSld>
+  <p:clrMapOvr>
+    <a:masterClrMapping/>
+  </p:clrMapOvr>
+</p:sld>
+</file>
+
+<file path=ppt/slides/slide35.xml><?xml version="1.0" encoding="utf-8"?>
+<p:sld xmlns:a="http://schemas.openxmlformats.org/drawingml/2006/main" xmlns:r="http://schemas.openxmlformats.org/officeDocument/2006/relationships" xmlns:p="http://schemas.openxmlformats.org/presentationml/2006/main">
+  <p:cSld>
+    <p:spTree>
+      <p:nvGrpSpPr>
+        <p:cNvPr id="1" name=""/>
+        <p:cNvGrpSpPr/>
+        <p:nvPr/>
+      </p:nvGrpSpPr>
+      <p:grpSpPr>
+        <a:xfrm>
+          <a:off x="0" y="0"/>
+          <a:ext cx="0" cy="0"/>
+          <a:chOff x="0" y="0"/>
+          <a:chExt cx="0" cy="0"/>
+        </a:xfrm>
+      </p:grpSpPr>
+      <p:sp>
+        <p:nvSpPr>
+          <p:cNvPr id="2" name="Title 1"/>
+          <p:cNvSpPr>
+            <a:spLocks noGrp="1"/>
+          </p:cNvSpPr>
+          <p:nvPr>
+            <p:ph type="title"/>
+          </p:nvPr>
+        </p:nvSpPr>
+        <p:spPr/>
+        <p:txBody>
+          <a:bodyPr/>
+          <a:lstStyle/>
+          <a:p>
+            <a:r>
+              <a:rPr lang="en-US" dirty="0"/>
+              <a:t>Maven</a:t>
+            </a:r>
+          </a:p>
+        </p:txBody>
+      </p:sp>
+      <p:sp>
+        <p:nvSpPr>
+          <p:cNvPr id="3" name="Content Placeholder 2"/>
+          <p:cNvSpPr>
+            <a:spLocks noGrp="1"/>
+          </p:cNvSpPr>
+          <p:nvPr>
+            <p:ph idx="1"/>
+          </p:nvPr>
+        </p:nvSpPr>
+        <p:spPr/>
+        <p:txBody>
+          <a:bodyPr>
+            <a:normAutofit/>
+          </a:bodyPr>
+          <a:lstStyle/>
+          <a:p>
+            <a:r>
+              <a:rPr lang="en-US" dirty="0"/>
+              <a:t>Maven Central</a:t>
+            </a:r>
+          </a:p>
+          <a:p>
+            <a:pPr lvl="1"/>
+            <a:r>
+              <a:rPr lang="en-US" dirty="0"/>
+              <a:t>Edit pom.xml - license, developer and SCM</a:t>
+            </a:r>
+          </a:p>
+          <a:p>
+            <a:endParaRPr lang="en-US" dirty="0"/>
+          </a:p>
+          <a:p>
+            <a:endParaRPr lang="en-US" dirty="0"/>
+          </a:p>
+          <a:p>
+            <a:endParaRPr lang="en-US" dirty="0"/>
+          </a:p>
+          <a:p>
+            <a:endParaRPr lang="en-US" dirty="0"/>
+          </a:p>
+          <a:p>
+            <a:endParaRPr lang="en-US" dirty="0"/>
+          </a:p>
+          <a:p>
+            <a:endParaRPr lang="en-US" dirty="0"/>
+          </a:p>
+          <a:p>
+            <a:endParaRPr lang="en-US" dirty="0"/>
+          </a:p>
+          <a:p>
+            <a:endParaRPr lang="en-US" dirty="0"/>
+          </a:p>
+          <a:p>
+            <a:endParaRPr lang="en-US" dirty="0"/>
+          </a:p>
+          <a:p>
+            <a:endParaRPr lang="en-US" dirty="0"/>
+          </a:p>
+          <a:p>
+            <a:pPr lvl="1"/>
+            <a:endParaRPr lang="en-US" dirty="0"/>
+          </a:p>
+          <a:p>
+            <a:pPr lvl="1"/>
+            <a:endParaRPr lang="en-US" dirty="0"/>
+          </a:p>
+          <a:p>
+            <a:pPr lvl="1"/>
+            <a:endParaRPr lang="en-US" dirty="0"/>
+          </a:p>
+        </p:txBody>
+      </p:sp>
+      <p:sp>
+        <p:nvSpPr>
+          <p:cNvPr id="4" name="TextBox 3">
+            <a:extLst>
+              <a:ext uri="{FF2B5EF4-FFF2-40B4-BE49-F238E27FC236}">
+                <a16:creationId xmlns:a16="http://schemas.microsoft.com/office/drawing/2014/main" id="{87AD0D5A-433E-6B8D-635E-7C7E333C2A33}"/>
+              </a:ext>
+            </a:extLst>
+          </p:cNvPr>
+          <p:cNvSpPr txBox="1"/>
+          <p:nvPr/>
+        </p:nvSpPr>
+        <p:spPr>
+          <a:xfrm>
+            <a:off x="1619672" y="2780928"/>
+            <a:ext cx="7380312" cy="3416320"/>
           </a:xfrm>
           <a:prstGeom prst="rect">
             <a:avLst/>
           </a:prstGeom>
           <a:noFill/>
+          <a:ln w="25400">
+            <a:solidFill>
+              <a:schemeClr val="accent1"/>
+            </a:solidFill>
+          </a:ln>
         </p:spPr>
         <p:txBody>
-          <a:bodyPr wrap="none" lIns="91440" tIns="45720" rIns="91440" bIns="45720">
+          <a:bodyPr wrap="square" rtlCol="0">
             <a:spAutoFit/>
           </a:bodyPr>
           <a:lstStyle/>
           <a:p>
-            <a:pPr algn="ctr"/>
-            <a:r>
-              <a:rPr lang="en-US" sz="5400" b="1" cap="none" spc="0" dirty="0">
-                <a:ln w="12700">
-                  <a:solidFill>
-                    <a:schemeClr val="tx2">
-                      <a:satMod val="155000"/>
-                    </a:schemeClr>
-                  </a:solidFill>
-                  <a:prstDash val="solid"/>
-                </a:ln>
+            <a:r>
+              <a:rPr lang="en-US" sz="1200" dirty="0"/>
+              <a:t> &lt;licenses&gt;</a:t>
+            </a:r>
+          </a:p>
+          <a:p>
+            <a:r>
+              <a:rPr lang="en-US" sz="1200" dirty="0"/>
+              <a:t>		&lt;license&gt;</a:t>
+            </a:r>
+          </a:p>
+          <a:p>
+            <a:r>
+              <a:rPr lang="en-US" sz="1200" dirty="0"/>
+              <a:t>			&lt;name&gt;The Apache License, Version 2.0&lt;/name&gt;</a:t>
+            </a:r>
+          </a:p>
+          <a:p>
+            <a:r>
+              <a:rPr lang="en-US" sz="1200" dirty="0"/>
+              <a:t>			&lt;</a:t>
+            </a:r>
+            <a:r>
+              <a:rPr lang="en-US" sz="1200" dirty="0" err="1"/>
+              <a:t>url</a:t>
+            </a:r>
+            <a:r>
+              <a:rPr lang="en-US" sz="1200" dirty="0"/>
+              <a:t>&gt;http://www.apache.org/licenses/LICENSE-2.0.txt&lt;/url&gt;</a:t>
+            </a:r>
+          </a:p>
+          <a:p>
+            <a:r>
+              <a:rPr lang="en-US" sz="1200" dirty="0"/>
+              <a:t>		&lt;/license&gt;</a:t>
+            </a:r>
+          </a:p>
+          <a:p>
+            <a:r>
+              <a:rPr lang="en-US" sz="1200" dirty="0"/>
+              <a:t>  &lt;/licenses&gt;</a:t>
+            </a:r>
+          </a:p>
+          <a:p>
+            <a:r>
+              <a:rPr lang="en-US" sz="1200" dirty="0"/>
+              <a:t>  &lt;developers&gt;</a:t>
+            </a:r>
+          </a:p>
+          <a:p>
+            <a:r>
+              <a:rPr lang="en-US" sz="1200" dirty="0"/>
+              <a:t>	&lt;developer&gt;</a:t>
+            </a:r>
+          </a:p>
+          <a:p>
+            <a:r>
+              <a:rPr lang="en-US" sz="1200" dirty="0"/>
+              <a:t>		&lt;id&gt;</a:t>
+            </a:r>
+            <a:r>
+              <a:rPr lang="en-US" sz="1200" dirty="0" err="1"/>
+              <a:t>tassun</a:t>
+            </a:r>
+            <a:r>
+              <a:rPr lang="en-US" sz="1200" dirty="0"/>
+              <a:t>&lt;/id&gt;</a:t>
+            </a:r>
+          </a:p>
+          <a:p>
+            <a:r>
+              <a:rPr lang="en-US" sz="1200" dirty="0"/>
+              <a:t>		&lt;name&gt;Tassun Oros&lt;/name&gt;</a:t>
+            </a:r>
+          </a:p>
+          <a:p>
+            <a:r>
+              <a:rPr lang="en-US" sz="1200" dirty="0"/>
+              <a:t>		&lt;email&gt;tassun_oro@hotmail.com&lt;/email&gt;</a:t>
+            </a:r>
+          </a:p>
+          <a:p>
+            <a:r>
+              <a:rPr lang="en-US" sz="1200" dirty="0"/>
+              <a:t>	&lt;/developer&gt;</a:t>
+            </a:r>
+          </a:p>
+          <a:p>
+            <a:r>
+              <a:rPr lang="en-US" sz="1200" dirty="0"/>
+              <a:t>  &lt;/developers&gt;</a:t>
+            </a:r>
+          </a:p>
+          <a:p>
+            <a:r>
+              <a:rPr lang="en-US" sz="1200" dirty="0"/>
+              <a:t>  &lt;</a:t>
+            </a:r>
+            <a:r>
+              <a:rPr lang="en-US" sz="1200" dirty="0" err="1"/>
+              <a:t>scm</a:t>
+            </a:r>
+            <a:r>
+              <a:rPr lang="en-US" sz="1200" dirty="0"/>
+              <a:t>&gt;</a:t>
+            </a:r>
+          </a:p>
+          <a:p>
+            <a:r>
+              <a:rPr lang="en-US" sz="1200" dirty="0"/>
+              <a:t>	&lt;connection&gt;</a:t>
+            </a:r>
+            <a:r>
+              <a:rPr lang="en-US" sz="1200" dirty="0" err="1"/>
+              <a:t>scm:git:git@github.com:tassun</a:t>
+            </a:r>
+            <a:r>
+              <a:rPr lang="en-US" sz="1200" dirty="0"/>
+              <a:t>/commons-</a:t>
+            </a:r>
+            <a:r>
+              <a:rPr lang="en-US" sz="1200" dirty="0" err="1"/>
+              <a:t>utils.git</a:t>
+            </a:r>
+            <a:r>
+              <a:rPr lang="en-US" sz="1200" dirty="0"/>
+              <a:t>&lt;/connection&gt;</a:t>
+            </a:r>
+          </a:p>
+          <a:p>
+            <a:r>
+              <a:rPr lang="en-US" sz="1200" dirty="0"/>
+              <a:t>	&lt;</a:t>
+            </a:r>
+            <a:r>
+              <a:rPr lang="en-US" sz="1200" dirty="0" err="1"/>
+              <a:t>developerConnection</a:t>
+            </a:r>
+            <a:r>
+              <a:rPr lang="en-US" sz="1200" dirty="0"/>
+              <a:t>&gt;</a:t>
+            </a:r>
+            <a:r>
+              <a:rPr lang="en-US" sz="1200" dirty="0" err="1"/>
+              <a:t>scm:git:ssh</a:t>
+            </a:r>
+            <a:r>
+              <a:rPr lang="en-US" sz="1200" dirty="0"/>
+              <a:t>://</a:t>
+            </a:r>
+            <a:r>
+              <a:rPr lang="en-US" sz="1200" dirty="0" err="1"/>
+              <a:t>github.com:tassun</a:t>
+            </a:r>
+            <a:r>
+              <a:rPr lang="en-US" sz="1200" dirty="0"/>
+              <a:t>/commons-</a:t>
+            </a:r>
+            <a:r>
+              <a:rPr lang="en-US" sz="1200" dirty="0" err="1"/>
+              <a:t>utils.git</a:t>
+            </a:r>
+            <a:r>
+              <a:rPr lang="en-US" sz="1200" dirty="0"/>
+              <a:t>&lt;/</a:t>
+            </a:r>
+            <a:r>
+              <a:rPr lang="en-US" sz="1200" dirty="0" err="1"/>
+              <a:t>developerConnection</a:t>
+            </a:r>
+            <a:r>
+              <a:rPr lang="en-US" sz="1200" dirty="0"/>
+              <a:t>&gt;</a:t>
+            </a:r>
+          </a:p>
+          <a:p>
+            <a:r>
+              <a:rPr lang="en-US" sz="1200" dirty="0"/>
+              <a:t>	&lt;</a:t>
+            </a:r>
+            <a:r>
+              <a:rPr lang="en-US" sz="1200" dirty="0" err="1"/>
+              <a:t>url</a:t>
+            </a:r>
+            <a:r>
+              <a:rPr lang="en-US" sz="1200" dirty="0"/>
+              <a:t>&gt;https://github.com/tassun/commons-utils/tree/master&lt;/url&gt;</a:t>
+            </a:r>
+          </a:p>
+          <a:p>
+            <a:r>
+              <a:rPr lang="en-US" sz="1200" dirty="0"/>
+              <a:t>  &lt;/</a:t>
+            </a:r>
+            <a:r>
+              <a:rPr lang="en-US" sz="1200" dirty="0" err="1"/>
+              <a:t>scm</a:t>
+            </a:r>
+            <a:r>
+              <a:rPr lang="en-US" sz="1200" dirty="0"/>
+              <a:t>&gt;</a:t>
+            </a:r>
+          </a:p>
+        </p:txBody>
+      </p:sp>
+    </p:spTree>
+    <p:extLst>
+      <p:ext uri="{BB962C8B-B14F-4D97-AF65-F5344CB8AC3E}">
+        <p14:creationId xmlns:p14="http://schemas.microsoft.com/office/powerpoint/2010/main" val="2272082214"/>
+      </p:ext>
+    </p:extLst>
+  </p:cSld>
+  <p:clrMapOvr>
+    <a:masterClrMapping/>
+  </p:clrMapOvr>
+</p:sld>
+</file>
+
+<file path=ppt/slides/slide36.xml><?xml version="1.0" encoding="utf-8"?>
+<p:sld xmlns:a="http://schemas.openxmlformats.org/drawingml/2006/main" xmlns:r="http://schemas.openxmlformats.org/officeDocument/2006/relationships" xmlns:p="http://schemas.openxmlformats.org/presentationml/2006/main">
+  <p:cSld>
+    <p:spTree>
+      <p:nvGrpSpPr>
+        <p:cNvPr id="1" name=""/>
+        <p:cNvGrpSpPr/>
+        <p:nvPr/>
+      </p:nvGrpSpPr>
+      <p:grpSpPr>
+        <a:xfrm>
+          <a:off x="0" y="0"/>
+          <a:ext cx="0" cy="0"/>
+          <a:chOff x="0" y="0"/>
+          <a:chExt cx="0" cy="0"/>
+        </a:xfrm>
+      </p:grpSpPr>
+      <p:sp>
+        <p:nvSpPr>
+          <p:cNvPr id="2" name="Title 1"/>
+          <p:cNvSpPr>
+            <a:spLocks noGrp="1"/>
+          </p:cNvSpPr>
+          <p:nvPr>
+            <p:ph type="title"/>
+          </p:nvPr>
+        </p:nvSpPr>
+        <p:spPr/>
+        <p:txBody>
+          <a:bodyPr/>
+          <a:lstStyle/>
+          <a:p>
+            <a:r>
+              <a:rPr lang="en-US" dirty="0"/>
+              <a:t>Maven</a:t>
+            </a:r>
+          </a:p>
+        </p:txBody>
+      </p:sp>
+      <p:sp>
+        <p:nvSpPr>
+          <p:cNvPr id="3" name="Content Placeholder 2"/>
+          <p:cNvSpPr>
+            <a:spLocks noGrp="1"/>
+          </p:cNvSpPr>
+          <p:nvPr>
+            <p:ph idx="1"/>
+          </p:nvPr>
+        </p:nvSpPr>
+        <p:spPr/>
+        <p:txBody>
+          <a:bodyPr>
+            <a:normAutofit/>
+          </a:bodyPr>
+          <a:lstStyle/>
+          <a:p>
+            <a:r>
+              <a:rPr lang="en-US" dirty="0"/>
+              <a:t>Maven Central</a:t>
+            </a:r>
+          </a:p>
+          <a:p>
+            <a:pPr lvl="1"/>
+            <a:r>
+              <a:rPr lang="en-US" dirty="0"/>
+              <a:t>Edit pom.xml - repository setup</a:t>
+            </a:r>
+          </a:p>
+          <a:p>
+            <a:endParaRPr lang="en-US" dirty="0"/>
+          </a:p>
+          <a:p>
+            <a:endParaRPr lang="en-US" dirty="0"/>
+          </a:p>
+          <a:p>
+            <a:endParaRPr lang="en-US" dirty="0"/>
+          </a:p>
+          <a:p>
+            <a:endParaRPr lang="en-US" dirty="0"/>
+          </a:p>
+          <a:p>
+            <a:endParaRPr lang="en-US" dirty="0"/>
+          </a:p>
+          <a:p>
+            <a:endParaRPr lang="en-US" dirty="0"/>
+          </a:p>
+          <a:p>
+            <a:endParaRPr lang="en-US" dirty="0"/>
+          </a:p>
+          <a:p>
+            <a:endParaRPr lang="en-US" dirty="0"/>
+          </a:p>
+          <a:p>
+            <a:endParaRPr lang="en-US" dirty="0"/>
+          </a:p>
+          <a:p>
+            <a:endParaRPr lang="en-US" dirty="0"/>
+          </a:p>
+          <a:p>
+            <a:endParaRPr lang="en-US" dirty="0"/>
+          </a:p>
+          <a:p>
+            <a:pPr lvl="1"/>
+            <a:endParaRPr lang="en-US" dirty="0"/>
+          </a:p>
+          <a:p>
+            <a:pPr lvl="1"/>
+            <a:endParaRPr lang="en-US" dirty="0"/>
+          </a:p>
+          <a:p>
+            <a:pPr lvl="1"/>
+            <a:endParaRPr lang="en-US" dirty="0"/>
+          </a:p>
+        </p:txBody>
+      </p:sp>
+      <p:sp>
+        <p:nvSpPr>
+          <p:cNvPr id="4" name="TextBox 3">
+            <a:extLst>
+              <a:ext uri="{FF2B5EF4-FFF2-40B4-BE49-F238E27FC236}">
+                <a16:creationId xmlns:a16="http://schemas.microsoft.com/office/drawing/2014/main" id="{87AD0D5A-433E-6B8D-635E-7C7E333C2A33}"/>
+              </a:ext>
+            </a:extLst>
+          </p:cNvPr>
+          <p:cNvSpPr txBox="1"/>
+          <p:nvPr/>
+        </p:nvSpPr>
+        <p:spPr>
+          <a:xfrm>
+            <a:off x="1619672" y="2852936"/>
+            <a:ext cx="7380312" cy="1938992"/>
+          </a:xfrm>
+          <a:prstGeom prst="rect">
+            <a:avLst/>
+          </a:prstGeom>
+          <a:noFill/>
+          <a:ln w="25400">
+            <a:solidFill>
+              <a:schemeClr val="accent1"/>
+            </a:solidFill>
+          </a:ln>
+        </p:spPr>
+        <p:txBody>
+          <a:bodyPr wrap="square" rtlCol="0">
+            <a:spAutoFit/>
+          </a:bodyPr>
+          <a:lstStyle/>
+          <a:p>
+            <a:r>
+              <a:rPr lang="fr-FR" sz="1200" dirty="0"/>
+              <a:t> &lt;</a:t>
+            </a:r>
+            <a:r>
+              <a:rPr lang="fr-FR" sz="1200" dirty="0" err="1"/>
+              <a:t>distributionManagement</a:t>
+            </a:r>
+            <a:r>
+              <a:rPr lang="fr-FR" sz="1200" dirty="0"/>
+              <a:t>&gt;</a:t>
+            </a:r>
+          </a:p>
+          <a:p>
+            <a:r>
+              <a:rPr lang="fr-FR" sz="1200" dirty="0"/>
+              <a:t>	&lt;</a:t>
+            </a:r>
+            <a:r>
+              <a:rPr lang="fr-FR" sz="1200" dirty="0" err="1"/>
+              <a:t>snapshotRepository</a:t>
+            </a:r>
+            <a:r>
+              <a:rPr lang="fr-FR" sz="1200" dirty="0"/>
+              <a:t>&gt;</a:t>
+            </a:r>
+          </a:p>
+          <a:p>
+            <a:r>
+              <a:rPr lang="fr-FR" sz="1200" dirty="0"/>
+              <a:t>		&lt;id&gt;</a:t>
+            </a:r>
+            <a:r>
+              <a:rPr lang="fr-FR" sz="1200" dirty="0" err="1"/>
+              <a:t>ossrh</a:t>
+            </a:r>
+            <a:r>
+              <a:rPr lang="fr-FR" sz="1200" dirty="0"/>
+              <a:t>&lt;/id&gt;</a:t>
+            </a:r>
+          </a:p>
+          <a:p>
+            <a:r>
+              <a:rPr lang="fr-FR" sz="1200" dirty="0"/>
+              <a:t>		&lt;url&gt;https://s01.oss.sonatype.org/content/repositories/snapshots&lt;/url&gt;</a:t>
+            </a:r>
+          </a:p>
+          <a:p>
+            <a:r>
+              <a:rPr lang="fr-FR" sz="1200" dirty="0"/>
+              <a:t>	&lt;/</a:t>
+            </a:r>
+            <a:r>
+              <a:rPr lang="fr-FR" sz="1200" dirty="0" err="1"/>
+              <a:t>snapshotRepository</a:t>
+            </a:r>
+            <a:r>
+              <a:rPr lang="fr-FR" sz="1200" dirty="0"/>
+              <a:t>&gt;</a:t>
+            </a:r>
+          </a:p>
+          <a:p>
+            <a:r>
+              <a:rPr lang="fr-FR" sz="1200" dirty="0"/>
+              <a:t>	&lt;repository&gt;</a:t>
+            </a:r>
+          </a:p>
+          <a:p>
+            <a:r>
+              <a:rPr lang="fr-FR" sz="1200" dirty="0"/>
+              <a:t>		&lt;id&gt;</a:t>
+            </a:r>
+            <a:r>
+              <a:rPr lang="fr-FR" sz="1200" dirty="0" err="1"/>
+              <a:t>ossrh</a:t>
+            </a:r>
+            <a:r>
+              <a:rPr lang="fr-FR" sz="1200" dirty="0"/>
+              <a:t>&lt;/id&gt;</a:t>
+            </a:r>
+          </a:p>
+          <a:p>
+            <a:r>
+              <a:rPr lang="fr-FR" sz="1200" dirty="0"/>
+              <a:t>		&lt;url&gt;https://s01.oss.sonatype.org/service/local/staging/deploy/maven2/&lt;/url&gt;</a:t>
+            </a:r>
+          </a:p>
+          <a:p>
+            <a:r>
+              <a:rPr lang="fr-FR" sz="1200" dirty="0"/>
+              <a:t>	&lt;/repository&gt;</a:t>
+            </a:r>
+          </a:p>
+          <a:p>
+            <a:r>
+              <a:rPr lang="fr-FR" sz="1200" dirty="0"/>
+              <a:t>  &lt;/</a:t>
+            </a:r>
+            <a:r>
+              <a:rPr lang="fr-FR" sz="1200" dirty="0" err="1"/>
+              <a:t>distributionManagement</a:t>
+            </a:r>
+            <a:r>
+              <a:rPr lang="fr-FR" sz="1200" dirty="0"/>
+              <a:t>&gt;</a:t>
+            </a:r>
+            <a:endParaRPr lang="en-US" sz="1200" dirty="0"/>
+          </a:p>
+        </p:txBody>
+      </p:sp>
+    </p:spTree>
+    <p:extLst>
+      <p:ext uri="{BB962C8B-B14F-4D97-AF65-F5344CB8AC3E}">
+        <p14:creationId xmlns:p14="http://schemas.microsoft.com/office/powerpoint/2010/main" val="766407466"/>
+      </p:ext>
+    </p:extLst>
+  </p:cSld>
+  <p:clrMapOvr>
+    <a:masterClrMapping/>
+  </p:clrMapOvr>
+</p:sld>
+</file>
+
+<file path=ppt/slides/slide37.xml><?xml version="1.0" encoding="utf-8"?>
+<p:sld xmlns:a="http://schemas.openxmlformats.org/drawingml/2006/main" xmlns:r="http://schemas.openxmlformats.org/officeDocument/2006/relationships" xmlns:p="http://schemas.openxmlformats.org/presentationml/2006/main">
+  <p:cSld>
+    <p:spTree>
+      <p:nvGrpSpPr>
+        <p:cNvPr id="1" name=""/>
+        <p:cNvGrpSpPr/>
+        <p:nvPr/>
+      </p:nvGrpSpPr>
+      <p:grpSpPr>
+        <a:xfrm>
+          <a:off x="0" y="0"/>
+          <a:ext cx="0" cy="0"/>
+          <a:chOff x="0" y="0"/>
+          <a:chExt cx="0" cy="0"/>
+        </a:xfrm>
+      </p:grpSpPr>
+      <p:sp>
+        <p:nvSpPr>
+          <p:cNvPr id="2" name="Title 1"/>
+          <p:cNvSpPr>
+            <a:spLocks noGrp="1"/>
+          </p:cNvSpPr>
+          <p:nvPr>
+            <p:ph type="title"/>
+          </p:nvPr>
+        </p:nvSpPr>
+        <p:spPr/>
+        <p:txBody>
+          <a:bodyPr/>
+          <a:lstStyle/>
+          <a:p>
+            <a:r>
+              <a:rPr lang="en-US" dirty="0"/>
+              <a:t>Maven</a:t>
+            </a:r>
+          </a:p>
+        </p:txBody>
+      </p:sp>
+      <p:sp>
+        <p:nvSpPr>
+          <p:cNvPr id="3" name="Content Placeholder 2"/>
+          <p:cNvSpPr>
+            <a:spLocks noGrp="1"/>
+          </p:cNvSpPr>
+          <p:nvPr>
+            <p:ph idx="1"/>
+          </p:nvPr>
+        </p:nvSpPr>
+        <p:spPr/>
+        <p:txBody>
+          <a:bodyPr>
+            <a:normAutofit/>
+          </a:bodyPr>
+          <a:lstStyle/>
+          <a:p>
+            <a:r>
+              <a:rPr lang="en-US" dirty="0"/>
+              <a:t>Maven Central</a:t>
+            </a:r>
+          </a:p>
+          <a:p>
+            <a:pPr lvl="1"/>
+            <a:r>
+              <a:rPr lang="en-US" dirty="0"/>
+              <a:t>Edit pom.xml - plugin</a:t>
+            </a:r>
+          </a:p>
+          <a:p>
+            <a:endParaRPr lang="en-US" dirty="0"/>
+          </a:p>
+          <a:p>
+            <a:endParaRPr lang="en-US" dirty="0"/>
+          </a:p>
+          <a:p>
+            <a:endParaRPr lang="en-US" dirty="0"/>
+          </a:p>
+          <a:p>
+            <a:endParaRPr lang="en-US" dirty="0"/>
+          </a:p>
+          <a:p>
+            <a:endParaRPr lang="en-US" dirty="0"/>
+          </a:p>
+          <a:p>
+            <a:endParaRPr lang="en-US" dirty="0"/>
+          </a:p>
+          <a:p>
+            <a:endParaRPr lang="en-US" dirty="0"/>
+          </a:p>
+          <a:p>
+            <a:endParaRPr lang="en-US" dirty="0"/>
+          </a:p>
+          <a:p>
+            <a:endParaRPr lang="en-US" dirty="0"/>
+          </a:p>
+          <a:p>
+            <a:endParaRPr lang="en-US" dirty="0"/>
+          </a:p>
+          <a:p>
+            <a:endParaRPr lang="en-US" dirty="0"/>
+          </a:p>
+          <a:p>
+            <a:pPr lvl="1"/>
+            <a:endParaRPr lang="en-US" dirty="0"/>
+          </a:p>
+          <a:p>
+            <a:pPr lvl="1"/>
+            <a:endParaRPr lang="en-US" dirty="0"/>
+          </a:p>
+          <a:p>
+            <a:pPr lvl="1"/>
+            <a:endParaRPr lang="en-US" dirty="0"/>
+          </a:p>
+        </p:txBody>
+      </p:sp>
+      <p:sp>
+        <p:nvSpPr>
+          <p:cNvPr id="4" name="TextBox 3">
+            <a:extLst>
+              <a:ext uri="{FF2B5EF4-FFF2-40B4-BE49-F238E27FC236}">
+                <a16:creationId xmlns:a16="http://schemas.microsoft.com/office/drawing/2014/main" id="{87AD0D5A-433E-6B8D-635E-7C7E333C2A33}"/>
+              </a:ext>
+            </a:extLst>
+          </p:cNvPr>
+          <p:cNvSpPr txBox="1"/>
+          <p:nvPr/>
+        </p:nvSpPr>
+        <p:spPr>
+          <a:xfrm>
+            <a:off x="1115616" y="2676976"/>
+            <a:ext cx="3816424" cy="2492990"/>
+          </a:xfrm>
+          <a:prstGeom prst="rect">
+            <a:avLst/>
+          </a:prstGeom>
+          <a:noFill/>
+          <a:ln w="25400">
+            <a:solidFill>
+              <a:schemeClr val="accent1"/>
+            </a:solidFill>
+          </a:ln>
+        </p:spPr>
+        <p:txBody>
+          <a:bodyPr wrap="square" rtlCol="0">
+            <a:spAutoFit/>
+          </a:bodyPr>
+          <a:lstStyle/>
+          <a:p>
+            <a:r>
+              <a:rPr lang="en-US" sz="1200" dirty="0"/>
+              <a:t>           &lt;plugin&gt;</a:t>
+            </a:r>
+          </a:p>
+          <a:p>
+            <a:r>
+              <a:rPr lang="en-US" sz="1200" dirty="0"/>
+              <a:t>                &lt;</a:t>
+            </a:r>
+            <a:r>
+              <a:rPr lang="en-US" sz="1200" dirty="0" err="1"/>
+              <a:t>groupId</a:t>
+            </a:r>
+            <a:r>
+              <a:rPr lang="en-US" sz="1200" dirty="0"/>
+              <a:t>&gt;</a:t>
+            </a:r>
+            <a:r>
+              <a:rPr lang="en-US" sz="1200" dirty="0" err="1"/>
+              <a:t>org.apache.maven.plugins</a:t>
+            </a:r>
+            <a:r>
+              <a:rPr lang="en-US" sz="1200" dirty="0"/>
+              <a:t>&lt;/</a:t>
+            </a:r>
+            <a:r>
+              <a:rPr lang="en-US" sz="1200" dirty="0" err="1"/>
+              <a:t>groupId</a:t>
+            </a:r>
+            <a:r>
+              <a:rPr lang="en-US" sz="1200" dirty="0"/>
+              <a:t>&gt;</a:t>
+            </a:r>
+          </a:p>
+          <a:p>
+            <a:r>
+              <a:rPr lang="en-US" sz="1200" dirty="0"/>
+              <a:t>                &lt;</a:t>
+            </a:r>
+            <a:r>
+              <a:rPr lang="en-US" sz="1200" dirty="0" err="1"/>
+              <a:t>artifactId</a:t>
+            </a:r>
+            <a:r>
+              <a:rPr lang="en-US" sz="1200" dirty="0"/>
+              <a:t>&gt;maven-source-plugin&lt;/</a:t>
+            </a:r>
+            <a:r>
+              <a:rPr lang="en-US" sz="1200" dirty="0" err="1"/>
+              <a:t>artifactId</a:t>
+            </a:r>
+            <a:r>
+              <a:rPr lang="en-US" sz="1200" dirty="0"/>
+              <a:t>&gt;</a:t>
+            </a:r>
+          </a:p>
+          <a:p>
+            <a:r>
+              <a:rPr lang="en-US" sz="1200" dirty="0"/>
+              <a:t>                &lt;version&gt;3.2.1&lt;/version&gt;</a:t>
+            </a:r>
+          </a:p>
+          <a:p>
+            <a:r>
+              <a:rPr lang="en-US" sz="1200" dirty="0"/>
+              <a:t>                &lt;executions&gt;</a:t>
+            </a:r>
+          </a:p>
+          <a:p>
+            <a:r>
+              <a:rPr lang="en-US" sz="1200" dirty="0"/>
+              <a:t>                    &lt;execution&gt;</a:t>
+            </a:r>
+          </a:p>
+          <a:p>
+            <a:r>
+              <a:rPr lang="en-US" sz="1200" dirty="0"/>
+              <a:t>                        &lt;id&gt;attach-sources&lt;/id&gt;</a:t>
+            </a:r>
+          </a:p>
+          <a:p>
+            <a:r>
+              <a:rPr lang="en-US" sz="1200" dirty="0"/>
+              <a:t>                        &lt;goals&gt;</a:t>
+            </a:r>
+          </a:p>
+          <a:p>
+            <a:r>
+              <a:rPr lang="en-US" sz="1200" dirty="0"/>
+              <a:t>                            &lt;goal&gt;jar-no-fork&lt;/goal&gt;</a:t>
+            </a:r>
+          </a:p>
+          <a:p>
+            <a:r>
+              <a:rPr lang="en-US" sz="1200" dirty="0"/>
+              <a:t>                        &lt;/goals&gt;</a:t>
+            </a:r>
+          </a:p>
+          <a:p>
+            <a:r>
+              <a:rPr lang="en-US" sz="1200" dirty="0"/>
+              <a:t>                    &lt;/execution&gt;</a:t>
+            </a:r>
+          </a:p>
+          <a:p>
+            <a:r>
+              <a:rPr lang="en-US" sz="1200" dirty="0"/>
+              <a:t>                &lt;/executions&gt;</a:t>
+            </a:r>
+          </a:p>
+          <a:p>
+            <a:r>
+              <a:rPr lang="en-US" sz="1200" dirty="0"/>
+              <a:t>            &lt;/plugin&gt;</a:t>
+            </a:r>
+          </a:p>
+        </p:txBody>
+      </p:sp>
+      <p:sp>
+        <p:nvSpPr>
+          <p:cNvPr id="5" name="TextBox 4">
+            <a:extLst>
+              <a:ext uri="{FF2B5EF4-FFF2-40B4-BE49-F238E27FC236}">
+                <a16:creationId xmlns:a16="http://schemas.microsoft.com/office/drawing/2014/main" id="{3FA1AF95-507B-0694-28EA-6E647D8DD8F9}"/>
+              </a:ext>
+            </a:extLst>
+          </p:cNvPr>
+          <p:cNvSpPr txBox="1"/>
+          <p:nvPr/>
+        </p:nvSpPr>
+        <p:spPr>
+          <a:xfrm>
+            <a:off x="5076056" y="2676976"/>
+            <a:ext cx="3888432" cy="3416320"/>
+          </a:xfrm>
+          <a:prstGeom prst="rect">
+            <a:avLst/>
+          </a:prstGeom>
+          <a:noFill/>
+          <a:ln w="25400">
+            <a:solidFill>
+              <a:schemeClr val="accent1"/>
+            </a:solidFill>
+          </a:ln>
+        </p:spPr>
+        <p:txBody>
+          <a:bodyPr wrap="square" rtlCol="0">
+            <a:spAutoFit/>
+          </a:bodyPr>
+          <a:lstStyle/>
+          <a:p>
+            <a:r>
+              <a:rPr lang="en-US" sz="1200" dirty="0"/>
+              <a:t>         &lt;plugin&gt;</a:t>
+            </a:r>
+          </a:p>
+          <a:p>
+            <a:r>
+              <a:rPr lang="en-US" sz="1200" dirty="0"/>
+              <a:t>                &lt;</a:t>
+            </a:r>
+            <a:r>
+              <a:rPr lang="en-US" sz="1200" dirty="0" err="1"/>
+              <a:t>groupId</a:t>
+            </a:r>
+            <a:r>
+              <a:rPr lang="en-US" sz="1200" dirty="0"/>
+              <a:t>&gt;</a:t>
+            </a:r>
+            <a:r>
+              <a:rPr lang="en-US" sz="1200" dirty="0" err="1"/>
+              <a:t>org.apache.maven.plugins</a:t>
+            </a:r>
+            <a:r>
+              <a:rPr lang="en-US" sz="1200" dirty="0"/>
+              <a:t>&lt;/</a:t>
+            </a:r>
+            <a:r>
+              <a:rPr lang="en-US" sz="1200" dirty="0" err="1"/>
+              <a:t>groupId</a:t>
+            </a:r>
+            <a:r>
+              <a:rPr lang="en-US" sz="1200" dirty="0"/>
+              <a:t>&gt;</a:t>
+            </a:r>
+          </a:p>
+          <a:p>
+            <a:r>
+              <a:rPr lang="en-US" sz="1200" dirty="0"/>
+              <a:t>                &lt;</a:t>
+            </a:r>
+            <a:r>
+              <a:rPr lang="en-US" sz="1200" dirty="0" err="1"/>
+              <a:t>artifactId</a:t>
+            </a:r>
+            <a:r>
+              <a:rPr lang="en-US" sz="1200" dirty="0"/>
+              <a:t>&gt;maven-</a:t>
+            </a:r>
+            <a:r>
+              <a:rPr lang="en-US" sz="1200" dirty="0" err="1"/>
+              <a:t>javadoc</a:t>
+            </a:r>
+            <a:r>
+              <a:rPr lang="en-US" sz="1200" dirty="0"/>
+              <a:t>-plugin&lt;/</a:t>
+            </a:r>
+            <a:r>
+              <a:rPr lang="en-US" sz="1200" dirty="0" err="1"/>
+              <a:t>artifactId</a:t>
+            </a:r>
+            <a:r>
+              <a:rPr lang="en-US" sz="1200" dirty="0"/>
+              <a:t>&gt;</a:t>
+            </a:r>
+          </a:p>
+          <a:p>
+            <a:r>
+              <a:rPr lang="en-US" sz="1200" dirty="0"/>
+              <a:t>                &lt;version&gt;3.2.0&lt;/version&gt;</a:t>
+            </a:r>
+          </a:p>
+          <a:p>
+            <a:r>
+              <a:rPr lang="en-US" sz="1200" dirty="0"/>
+              <a:t>                &lt;executions&gt;</a:t>
+            </a:r>
+          </a:p>
+          <a:p>
+            <a:r>
+              <a:rPr lang="en-US" sz="1200" dirty="0"/>
+              <a:t>                    &lt;execution&gt;</a:t>
+            </a:r>
+          </a:p>
+          <a:p>
+            <a:r>
+              <a:rPr lang="en-US" sz="1200" dirty="0"/>
+              <a:t>                        &lt;id&gt;attach-</a:t>
+            </a:r>
+            <a:r>
+              <a:rPr lang="en-US" sz="1200" dirty="0" err="1"/>
+              <a:t>javadocs</a:t>
+            </a:r>
+            <a:r>
+              <a:rPr lang="en-US" sz="1200" dirty="0"/>
+              <a:t>&lt;/id&gt;</a:t>
+            </a:r>
+          </a:p>
+          <a:p>
+            <a:r>
+              <a:rPr lang="en-US" sz="1200" dirty="0"/>
+              <a:t>                        &lt;goals&gt;</a:t>
+            </a:r>
+          </a:p>
+          <a:p>
+            <a:r>
+              <a:rPr lang="en-US" sz="1200" dirty="0"/>
+              <a:t>                            &lt;goal&gt;jar&lt;/goal&gt;</a:t>
+            </a:r>
+          </a:p>
+          <a:p>
+            <a:r>
+              <a:rPr lang="en-US" sz="1200" dirty="0"/>
+              <a:t>                        &lt;/goals&gt;</a:t>
+            </a:r>
+          </a:p>
+          <a:p>
+            <a:r>
+              <a:rPr lang="en-US" sz="1200" dirty="0"/>
+              <a:t>                    &lt;/execution&gt;</a:t>
+            </a:r>
+          </a:p>
+          <a:p>
+            <a:r>
+              <a:rPr lang="en-US" sz="1200" dirty="0"/>
+              <a:t>                &lt;/executions&gt;</a:t>
+            </a:r>
+          </a:p>
+          <a:p>
+            <a:r>
+              <a:rPr lang="en-US" sz="1200" dirty="0"/>
+              <a:t>            &lt;/plugin&gt;</a:t>
+            </a:r>
+          </a:p>
+          <a:p>
+            <a:r>
+              <a:rPr lang="en-US" sz="1200" dirty="0"/>
+              <a:t>            &lt;plugin&gt;</a:t>
+            </a:r>
+          </a:p>
+          <a:p>
+            <a:r>
+              <a:rPr lang="en-US" sz="1200" dirty="0"/>
+              <a:t>                &lt;</a:t>
+            </a:r>
+            <a:r>
+              <a:rPr lang="en-US" sz="1200" dirty="0" err="1"/>
+              <a:t>groupId</a:t>
+            </a:r>
+            <a:r>
+              <a:rPr lang="en-US" sz="1200" dirty="0"/>
+              <a:t>&gt;</a:t>
+            </a:r>
+            <a:r>
+              <a:rPr lang="en-US" sz="1200" dirty="0" err="1"/>
+              <a:t>org.apache.maven.plugins</a:t>
+            </a:r>
+            <a:r>
+              <a:rPr lang="en-US" sz="1200" dirty="0"/>
+              <a:t>&lt;/</a:t>
+            </a:r>
+            <a:r>
+              <a:rPr lang="en-US" sz="1200" dirty="0" err="1"/>
+              <a:t>groupId</a:t>
+            </a:r>
+            <a:r>
+              <a:rPr lang="en-US" sz="1200" dirty="0"/>
+              <a:t>&gt;</a:t>
+            </a:r>
+          </a:p>
+          <a:p>
+            <a:r>
+              <a:rPr lang="en-US" sz="1200" dirty="0"/>
+              <a:t>                &lt;</a:t>
+            </a:r>
+            <a:r>
+              <a:rPr lang="en-US" sz="1200" dirty="0" err="1"/>
+              <a:t>artifactId</a:t>
+            </a:r>
+            <a:r>
+              <a:rPr lang="en-US" sz="1200" dirty="0"/>
+              <a:t>&gt;maven-surefire-plugin&lt;/</a:t>
+            </a:r>
+            <a:r>
+              <a:rPr lang="en-US" sz="1200" dirty="0" err="1"/>
+              <a:t>artifactId</a:t>
+            </a:r>
+            <a:r>
+              <a:rPr lang="en-US" sz="1200" dirty="0"/>
+              <a:t>&gt;</a:t>
+            </a:r>
+          </a:p>
+          <a:p>
+            <a:r>
+              <a:rPr lang="en-US" sz="1200" dirty="0"/>
+              <a:t>                &lt;version&gt;2.22.2&lt;/version&gt;</a:t>
+            </a:r>
+          </a:p>
+          <a:p>
+            <a:r>
+              <a:rPr lang="en-US" sz="1200" dirty="0"/>
+              <a:t>            &lt;/plugin&gt;</a:t>
+            </a:r>
+          </a:p>
+        </p:txBody>
+      </p:sp>
+    </p:spTree>
+    <p:extLst>
+      <p:ext uri="{BB962C8B-B14F-4D97-AF65-F5344CB8AC3E}">
+        <p14:creationId xmlns:p14="http://schemas.microsoft.com/office/powerpoint/2010/main" val="2470309468"/>
+      </p:ext>
+    </p:extLst>
+  </p:cSld>
+  <p:clrMapOvr>
+    <a:masterClrMapping/>
+  </p:clrMapOvr>
+</p:sld>
+</file>
+
+<file path=ppt/slides/slide38.xml><?xml version="1.0" encoding="utf-8"?>
+<p:sld xmlns:a="http://schemas.openxmlformats.org/drawingml/2006/main" xmlns:r="http://schemas.openxmlformats.org/officeDocument/2006/relationships" xmlns:p="http://schemas.openxmlformats.org/presentationml/2006/main">
+  <p:cSld>
+    <p:spTree>
+      <p:nvGrpSpPr>
+        <p:cNvPr id="1" name=""/>
+        <p:cNvGrpSpPr/>
+        <p:nvPr/>
+      </p:nvGrpSpPr>
+      <p:grpSpPr>
+        <a:xfrm>
+          <a:off x="0" y="0"/>
+          <a:ext cx="0" cy="0"/>
+          <a:chOff x="0" y="0"/>
+          <a:chExt cx="0" cy="0"/>
+        </a:xfrm>
+      </p:grpSpPr>
+      <p:sp>
+        <p:nvSpPr>
+          <p:cNvPr id="2" name="Title 1"/>
+          <p:cNvSpPr>
+            <a:spLocks noGrp="1"/>
+          </p:cNvSpPr>
+          <p:nvPr>
+            <p:ph type="title"/>
+          </p:nvPr>
+        </p:nvSpPr>
+        <p:spPr/>
+        <p:txBody>
+          <a:bodyPr/>
+          <a:lstStyle/>
+          <a:p>
+            <a:r>
+              <a:rPr lang="en-US" dirty="0"/>
+              <a:t>Maven</a:t>
+            </a:r>
+          </a:p>
+        </p:txBody>
+      </p:sp>
+      <p:sp>
+        <p:nvSpPr>
+          <p:cNvPr id="3" name="Content Placeholder 2"/>
+          <p:cNvSpPr>
+            <a:spLocks noGrp="1"/>
+          </p:cNvSpPr>
+          <p:nvPr>
+            <p:ph idx="1"/>
+          </p:nvPr>
+        </p:nvSpPr>
+        <p:spPr/>
+        <p:txBody>
+          <a:bodyPr>
+            <a:normAutofit/>
+          </a:bodyPr>
+          <a:lstStyle/>
+          <a:p>
+            <a:r>
+              <a:rPr lang="en-US" dirty="0"/>
+              <a:t>Maven Central</a:t>
+            </a:r>
+          </a:p>
+          <a:p>
+            <a:pPr lvl="1"/>
+            <a:r>
+              <a:rPr lang="en-US" dirty="0"/>
+              <a:t>Edit pom.xml - profile</a:t>
+            </a:r>
+          </a:p>
+          <a:p>
+            <a:endParaRPr lang="en-US" dirty="0"/>
+          </a:p>
+          <a:p>
+            <a:endParaRPr lang="en-US" dirty="0"/>
+          </a:p>
+          <a:p>
+            <a:endParaRPr lang="en-US" dirty="0"/>
+          </a:p>
+          <a:p>
+            <a:endParaRPr lang="en-US" dirty="0"/>
+          </a:p>
+          <a:p>
+            <a:endParaRPr lang="en-US" dirty="0"/>
+          </a:p>
+          <a:p>
+            <a:endParaRPr lang="en-US" dirty="0"/>
+          </a:p>
+          <a:p>
+            <a:endParaRPr lang="en-US" dirty="0"/>
+          </a:p>
+          <a:p>
+            <a:endParaRPr lang="en-US" dirty="0"/>
+          </a:p>
+          <a:p>
+            <a:endParaRPr lang="en-US" dirty="0"/>
+          </a:p>
+          <a:p>
+            <a:endParaRPr lang="en-US" dirty="0"/>
+          </a:p>
+          <a:p>
+            <a:endParaRPr lang="en-US" dirty="0"/>
+          </a:p>
+          <a:p>
+            <a:pPr lvl="1"/>
+            <a:endParaRPr lang="en-US" dirty="0"/>
+          </a:p>
+          <a:p>
+            <a:pPr lvl="1"/>
+            <a:endParaRPr lang="en-US" dirty="0"/>
+          </a:p>
+          <a:p>
+            <a:pPr lvl="1"/>
+            <a:endParaRPr lang="en-US" dirty="0"/>
+          </a:p>
+        </p:txBody>
+      </p:sp>
+      <p:sp>
+        <p:nvSpPr>
+          <p:cNvPr id="4" name="TextBox 3">
+            <a:extLst>
+              <a:ext uri="{FF2B5EF4-FFF2-40B4-BE49-F238E27FC236}">
+                <a16:creationId xmlns:a16="http://schemas.microsoft.com/office/drawing/2014/main" id="{87AD0D5A-433E-6B8D-635E-7C7E333C2A33}"/>
+              </a:ext>
+            </a:extLst>
+          </p:cNvPr>
+          <p:cNvSpPr txBox="1"/>
+          <p:nvPr/>
+        </p:nvSpPr>
+        <p:spPr>
+          <a:xfrm>
+            <a:off x="2195736" y="2564904"/>
+            <a:ext cx="4392488" cy="4108817"/>
+          </a:xfrm>
+          <a:prstGeom prst="rect">
+            <a:avLst/>
+          </a:prstGeom>
+          <a:noFill/>
+          <a:ln w="25400">
+            <a:solidFill>
+              <a:schemeClr val="accent1"/>
+            </a:solidFill>
+          </a:ln>
+        </p:spPr>
+        <p:txBody>
+          <a:bodyPr wrap="square" rtlCol="0">
+            <a:spAutoFit/>
+          </a:bodyPr>
+          <a:lstStyle/>
+          <a:p>
+            <a:r>
+              <a:rPr lang="en-US" sz="900" dirty="0">
+                <a:cs typeface="Arial" panose="020B0604020202020204" pitchFamily="34" charset="0"/>
+              </a:rPr>
+              <a:t>&lt;profiles&gt;</a:t>
+            </a:r>
+          </a:p>
+          <a:p>
+            <a:r>
+              <a:rPr lang="en-US" sz="900" dirty="0">
+                <a:cs typeface="Arial" panose="020B0604020202020204" pitchFamily="34" charset="0"/>
+              </a:rPr>
+              <a:t>        &lt;profile&gt;</a:t>
+            </a:r>
+          </a:p>
+          <a:p>
+            <a:r>
+              <a:rPr lang="en-US" sz="900" dirty="0">
+                <a:cs typeface="Arial" panose="020B0604020202020204" pitchFamily="34" charset="0"/>
+              </a:rPr>
+              <a:t>            &lt;id&gt;ci-cd&lt;/id&gt;</a:t>
+            </a:r>
+          </a:p>
+          <a:p>
+            <a:r>
+              <a:rPr lang="en-US" sz="900" dirty="0">
+                <a:cs typeface="Arial" panose="020B0604020202020204" pitchFamily="34" charset="0"/>
+              </a:rPr>
+              <a:t>            &lt;build&gt;</a:t>
+            </a:r>
+          </a:p>
+          <a:p>
+            <a:r>
+              <a:rPr lang="en-US" sz="900" dirty="0">
+                <a:cs typeface="Arial" panose="020B0604020202020204" pitchFamily="34" charset="0"/>
+              </a:rPr>
+              <a:t>                &lt;plugins&gt;</a:t>
+            </a:r>
+          </a:p>
+          <a:p>
+            <a:r>
+              <a:rPr lang="en-US" sz="900" dirty="0">
+                <a:cs typeface="Arial" panose="020B0604020202020204" pitchFamily="34" charset="0"/>
+              </a:rPr>
+              <a:t>                    &lt;plugin&gt;</a:t>
+            </a:r>
+          </a:p>
+          <a:p>
+            <a:r>
+              <a:rPr lang="en-US" sz="900" dirty="0">
+                <a:cs typeface="Arial" panose="020B0604020202020204" pitchFamily="34" charset="0"/>
+              </a:rPr>
+              <a:t>                        &lt;</a:t>
+            </a:r>
+            <a:r>
+              <a:rPr lang="en-US" sz="900" dirty="0" err="1">
+                <a:cs typeface="Arial" panose="020B0604020202020204" pitchFamily="34" charset="0"/>
+              </a:rPr>
+              <a:t>groupId</a:t>
+            </a:r>
+            <a:r>
+              <a:rPr lang="en-US" sz="900" dirty="0">
+                <a:cs typeface="Arial" panose="020B0604020202020204" pitchFamily="34" charset="0"/>
+              </a:rPr>
+              <a:t>&gt;</a:t>
+            </a:r>
+            <a:r>
+              <a:rPr lang="en-US" sz="900" dirty="0" err="1">
+                <a:cs typeface="Arial" panose="020B0604020202020204" pitchFamily="34" charset="0"/>
+              </a:rPr>
+              <a:t>org.apache.maven.plugins</a:t>
+            </a:r>
+            <a:r>
+              <a:rPr lang="en-US" sz="900" dirty="0">
+                <a:cs typeface="Arial" panose="020B0604020202020204" pitchFamily="34" charset="0"/>
+              </a:rPr>
+              <a:t>&lt;/</a:t>
+            </a:r>
+            <a:r>
+              <a:rPr lang="en-US" sz="900" dirty="0" err="1">
+                <a:cs typeface="Arial" panose="020B0604020202020204" pitchFamily="34" charset="0"/>
+              </a:rPr>
+              <a:t>groupId</a:t>
+            </a:r>
+            <a:r>
+              <a:rPr lang="en-US" sz="900" dirty="0">
+                <a:cs typeface="Arial" panose="020B0604020202020204" pitchFamily="34" charset="0"/>
+              </a:rPr>
+              <a:t>&gt;</a:t>
+            </a:r>
+          </a:p>
+          <a:p>
+            <a:r>
+              <a:rPr lang="en-US" sz="900" dirty="0">
+                <a:cs typeface="Arial" panose="020B0604020202020204" pitchFamily="34" charset="0"/>
+              </a:rPr>
+              <a:t>                        &lt;</a:t>
+            </a:r>
+            <a:r>
+              <a:rPr lang="en-US" sz="900" dirty="0" err="1">
+                <a:cs typeface="Arial" panose="020B0604020202020204" pitchFamily="34" charset="0"/>
+              </a:rPr>
+              <a:t>artifactId</a:t>
+            </a:r>
+            <a:r>
+              <a:rPr lang="en-US" sz="900" dirty="0">
+                <a:cs typeface="Arial" panose="020B0604020202020204" pitchFamily="34" charset="0"/>
+              </a:rPr>
+              <a:t>&gt;maven-</a:t>
+            </a:r>
+            <a:r>
+              <a:rPr lang="en-US" sz="900" dirty="0" err="1">
+                <a:cs typeface="Arial" panose="020B0604020202020204" pitchFamily="34" charset="0"/>
+              </a:rPr>
+              <a:t>gpg</a:t>
+            </a:r>
+            <a:r>
+              <a:rPr lang="en-US" sz="900" dirty="0">
+                <a:cs typeface="Arial" panose="020B0604020202020204" pitchFamily="34" charset="0"/>
+              </a:rPr>
+              <a:t>-plugin&lt;/</a:t>
+            </a:r>
+            <a:r>
+              <a:rPr lang="en-US" sz="900" dirty="0" err="1">
+                <a:cs typeface="Arial" panose="020B0604020202020204" pitchFamily="34" charset="0"/>
+              </a:rPr>
+              <a:t>artifactId</a:t>
+            </a:r>
+            <a:r>
+              <a:rPr lang="en-US" sz="900" dirty="0">
+                <a:cs typeface="Arial" panose="020B0604020202020204" pitchFamily="34" charset="0"/>
+              </a:rPr>
+              <a:t>&gt;</a:t>
+            </a:r>
+          </a:p>
+          <a:p>
+            <a:r>
+              <a:rPr lang="en-US" sz="900" dirty="0">
+                <a:cs typeface="Arial" panose="020B0604020202020204" pitchFamily="34" charset="0"/>
+              </a:rPr>
+              <a:t>                        &lt;version&gt;1.6&lt;/version&gt;</a:t>
+            </a:r>
+          </a:p>
+          <a:p>
+            <a:r>
+              <a:rPr lang="en-US" sz="900" dirty="0">
+                <a:cs typeface="Arial" panose="020B0604020202020204" pitchFamily="34" charset="0"/>
+              </a:rPr>
+              <a:t>                        &lt;executions&gt;</a:t>
+            </a:r>
+          </a:p>
+          <a:p>
+            <a:r>
+              <a:rPr lang="en-US" sz="900" dirty="0">
+                <a:cs typeface="Arial" panose="020B0604020202020204" pitchFamily="34" charset="0"/>
+              </a:rPr>
+              <a:t>                            &lt;execution&gt;</a:t>
+            </a:r>
+          </a:p>
+          <a:p>
+            <a:r>
+              <a:rPr lang="en-US" sz="900" dirty="0">
+                <a:cs typeface="Arial" panose="020B0604020202020204" pitchFamily="34" charset="0"/>
+              </a:rPr>
+              <a:t>                                &lt;id&gt;sign-artifacts&lt;/id&gt;</a:t>
+            </a:r>
+          </a:p>
+          <a:p>
+            <a:r>
+              <a:rPr lang="en-US" sz="900" dirty="0">
+                <a:cs typeface="Arial" panose="020B0604020202020204" pitchFamily="34" charset="0"/>
+              </a:rPr>
+              <a:t>                                &lt;phase&gt;verify&lt;/phase&gt;</a:t>
+            </a:r>
+          </a:p>
+          <a:p>
+            <a:r>
+              <a:rPr lang="en-US" sz="900" dirty="0">
+                <a:cs typeface="Arial" panose="020B0604020202020204" pitchFamily="34" charset="0"/>
+              </a:rPr>
+              <a:t>                                &lt;goals&gt;</a:t>
+            </a:r>
+          </a:p>
+          <a:p>
+            <a:r>
+              <a:rPr lang="en-US" sz="900" dirty="0">
+                <a:cs typeface="Arial" panose="020B0604020202020204" pitchFamily="34" charset="0"/>
+              </a:rPr>
+              <a:t>                                    &lt;goal&gt;sign&lt;/goal&gt;</a:t>
+            </a:r>
+          </a:p>
+          <a:p>
+            <a:r>
+              <a:rPr lang="en-US" sz="900" dirty="0">
+                <a:cs typeface="Arial" panose="020B0604020202020204" pitchFamily="34" charset="0"/>
+              </a:rPr>
+              <a:t>                                &lt;/goals&gt;</a:t>
+            </a:r>
+          </a:p>
+          <a:p>
+            <a:r>
+              <a:rPr lang="en-US" sz="900" dirty="0">
+                <a:cs typeface="Arial" panose="020B0604020202020204" pitchFamily="34" charset="0"/>
+              </a:rPr>
+              <a:t>                                &lt;configuration&gt;</a:t>
+            </a:r>
+          </a:p>
+          <a:p>
+            <a:r>
+              <a:rPr lang="en-US" sz="900" dirty="0">
+                <a:cs typeface="Arial" panose="020B0604020202020204" pitchFamily="34" charset="0"/>
+              </a:rPr>
+              <a:t>                                    &lt;</a:t>
+            </a:r>
+            <a:r>
+              <a:rPr lang="en-US" sz="900" dirty="0" err="1">
+                <a:cs typeface="Arial" panose="020B0604020202020204" pitchFamily="34" charset="0"/>
+              </a:rPr>
+              <a:t>gpgArguments</a:t>
+            </a:r>
+            <a:r>
+              <a:rPr lang="en-US" sz="900" dirty="0">
+                <a:cs typeface="Arial" panose="020B0604020202020204" pitchFamily="34" charset="0"/>
+              </a:rPr>
+              <a:t>&gt;</a:t>
+            </a:r>
+          </a:p>
+          <a:p>
+            <a:r>
+              <a:rPr lang="en-US" sz="900" dirty="0">
+                <a:cs typeface="Arial" panose="020B0604020202020204" pitchFamily="34" charset="0"/>
+              </a:rPr>
+              <a:t>                                        &lt;</a:t>
+            </a:r>
+            <a:r>
+              <a:rPr lang="en-US" sz="900" dirty="0" err="1">
+                <a:cs typeface="Arial" panose="020B0604020202020204" pitchFamily="34" charset="0"/>
+              </a:rPr>
+              <a:t>arg</a:t>
+            </a:r>
+            <a:r>
+              <a:rPr lang="en-US" sz="900" dirty="0">
+                <a:cs typeface="Arial" panose="020B0604020202020204" pitchFamily="34" charset="0"/>
+              </a:rPr>
+              <a:t>&gt;--</a:t>
+            </a:r>
+            <a:r>
+              <a:rPr lang="en-US" sz="900" dirty="0" err="1">
+                <a:cs typeface="Arial" panose="020B0604020202020204" pitchFamily="34" charset="0"/>
+              </a:rPr>
+              <a:t>pinentry</a:t>
+            </a:r>
+            <a:r>
+              <a:rPr lang="en-US" sz="900" dirty="0">
+                <a:cs typeface="Arial" panose="020B0604020202020204" pitchFamily="34" charset="0"/>
+              </a:rPr>
+              <a:t>-mode&lt;/</a:t>
+            </a:r>
+            <a:r>
+              <a:rPr lang="en-US" sz="900" dirty="0" err="1">
+                <a:cs typeface="Arial" panose="020B0604020202020204" pitchFamily="34" charset="0"/>
+              </a:rPr>
+              <a:t>arg</a:t>
+            </a:r>
+            <a:r>
+              <a:rPr lang="en-US" sz="900" dirty="0">
+                <a:cs typeface="Arial" panose="020B0604020202020204" pitchFamily="34" charset="0"/>
+              </a:rPr>
+              <a:t>&gt;</a:t>
+            </a:r>
+          </a:p>
+          <a:p>
+            <a:r>
+              <a:rPr lang="en-US" sz="900" dirty="0">
+                <a:cs typeface="Arial" panose="020B0604020202020204" pitchFamily="34" charset="0"/>
+              </a:rPr>
+              <a:t>                                        &lt;</a:t>
+            </a:r>
+            <a:r>
+              <a:rPr lang="en-US" sz="900" dirty="0" err="1">
+                <a:cs typeface="Arial" panose="020B0604020202020204" pitchFamily="34" charset="0"/>
+              </a:rPr>
+              <a:t>arg</a:t>
+            </a:r>
+            <a:r>
+              <a:rPr lang="en-US" sz="900" dirty="0">
+                <a:cs typeface="Arial" panose="020B0604020202020204" pitchFamily="34" charset="0"/>
+              </a:rPr>
+              <a:t>&gt;loopback&lt;/</a:t>
+            </a:r>
+            <a:r>
+              <a:rPr lang="en-US" sz="900" dirty="0" err="1">
+                <a:cs typeface="Arial" panose="020B0604020202020204" pitchFamily="34" charset="0"/>
+              </a:rPr>
+              <a:t>arg</a:t>
+            </a:r>
+            <a:r>
+              <a:rPr lang="en-US" sz="900" dirty="0">
+                <a:cs typeface="Arial" panose="020B0604020202020204" pitchFamily="34" charset="0"/>
+              </a:rPr>
+              <a:t>&gt;</a:t>
+            </a:r>
+          </a:p>
+          <a:p>
+            <a:r>
+              <a:rPr lang="en-US" sz="900" dirty="0">
+                <a:cs typeface="Arial" panose="020B0604020202020204" pitchFamily="34" charset="0"/>
+              </a:rPr>
+              <a:t>                                    &lt;/</a:t>
+            </a:r>
+            <a:r>
+              <a:rPr lang="en-US" sz="900" dirty="0" err="1">
+                <a:cs typeface="Arial" panose="020B0604020202020204" pitchFamily="34" charset="0"/>
+              </a:rPr>
+              <a:t>gpgArguments</a:t>
+            </a:r>
+            <a:r>
+              <a:rPr lang="en-US" sz="900" dirty="0">
+                <a:cs typeface="Arial" panose="020B0604020202020204" pitchFamily="34" charset="0"/>
+              </a:rPr>
+              <a:t>&gt;</a:t>
+            </a:r>
+          </a:p>
+          <a:p>
+            <a:r>
+              <a:rPr lang="en-US" sz="900" dirty="0">
+                <a:cs typeface="Arial" panose="020B0604020202020204" pitchFamily="34" charset="0"/>
+              </a:rPr>
+              <a:t>                                &lt;/configuration&gt;</a:t>
+            </a:r>
+          </a:p>
+          <a:p>
+            <a:r>
+              <a:rPr lang="en-US" sz="900" dirty="0">
+                <a:cs typeface="Arial" panose="020B0604020202020204" pitchFamily="34" charset="0"/>
+              </a:rPr>
+              <a:t>                            &lt;/execution&gt;</a:t>
+            </a:r>
+          </a:p>
+          <a:p>
+            <a:r>
+              <a:rPr lang="en-US" sz="900" dirty="0">
+                <a:cs typeface="Arial" panose="020B0604020202020204" pitchFamily="34" charset="0"/>
+              </a:rPr>
+              <a:t>                        &lt;/executions&gt;</a:t>
+            </a:r>
+          </a:p>
+          <a:p>
+            <a:r>
+              <a:rPr lang="en-US" sz="900" dirty="0">
+                <a:cs typeface="Arial" panose="020B0604020202020204" pitchFamily="34" charset="0"/>
+              </a:rPr>
+              <a:t>                    &lt;/plugin&gt;</a:t>
+            </a:r>
+          </a:p>
+          <a:p>
+            <a:r>
+              <a:rPr lang="en-US" sz="900" dirty="0">
+                <a:cs typeface="Arial" panose="020B0604020202020204" pitchFamily="34" charset="0"/>
+              </a:rPr>
+              <a:t>                &lt;/plugins&gt;</a:t>
+            </a:r>
+          </a:p>
+          <a:p>
+            <a:r>
+              <a:rPr lang="en-US" sz="900" dirty="0">
+                <a:cs typeface="Arial" panose="020B0604020202020204" pitchFamily="34" charset="0"/>
+              </a:rPr>
+              <a:t>            &lt;/build&gt;</a:t>
+            </a:r>
+          </a:p>
+          <a:p>
+            <a:r>
+              <a:rPr lang="en-US" sz="900" dirty="0">
+                <a:cs typeface="Arial" panose="020B0604020202020204" pitchFamily="34" charset="0"/>
+              </a:rPr>
+              <a:t>        &lt;/profile&gt;</a:t>
+            </a:r>
+          </a:p>
+          <a:p>
+            <a:r>
+              <a:rPr lang="en-US" sz="900" dirty="0">
+                <a:cs typeface="Arial" panose="020B0604020202020204" pitchFamily="34" charset="0"/>
+              </a:rPr>
+              <a:t>    &lt;/profiles&gt;</a:t>
+            </a:r>
+          </a:p>
+        </p:txBody>
+      </p:sp>
+    </p:spTree>
+    <p:extLst>
+      <p:ext uri="{BB962C8B-B14F-4D97-AF65-F5344CB8AC3E}">
+        <p14:creationId xmlns:p14="http://schemas.microsoft.com/office/powerpoint/2010/main" val="166891792"/>
+      </p:ext>
+    </p:extLst>
+  </p:cSld>
+  <p:clrMapOvr>
+    <a:masterClrMapping/>
+  </p:clrMapOvr>
+</p:sld>
+</file>
+
+<file path=ppt/slides/slide39.xml><?xml version="1.0" encoding="utf-8"?>
+<p:sld xmlns:a="http://schemas.openxmlformats.org/drawingml/2006/main" xmlns:r="http://schemas.openxmlformats.org/officeDocument/2006/relationships" xmlns:p="http://schemas.openxmlformats.org/presentationml/2006/main">
+  <p:cSld>
+    <p:spTree>
+      <p:nvGrpSpPr>
+        <p:cNvPr id="1" name=""/>
+        <p:cNvGrpSpPr/>
+        <p:nvPr/>
+      </p:nvGrpSpPr>
+      <p:grpSpPr>
+        <a:xfrm>
+          <a:off x="0" y="0"/>
+          <a:ext cx="0" cy="0"/>
+          <a:chOff x="0" y="0"/>
+          <a:chExt cx="0" cy="0"/>
+        </a:xfrm>
+      </p:grpSpPr>
+      <p:sp>
+        <p:nvSpPr>
+          <p:cNvPr id="2" name="Title 1"/>
+          <p:cNvSpPr>
+            <a:spLocks noGrp="1"/>
+          </p:cNvSpPr>
+          <p:nvPr>
+            <p:ph type="title"/>
+          </p:nvPr>
+        </p:nvSpPr>
+        <p:spPr/>
+        <p:txBody>
+          <a:bodyPr/>
+          <a:lstStyle/>
+          <a:p>
+            <a:r>
+              <a:rPr lang="en-US" dirty="0"/>
+              <a:t>Maven</a:t>
+            </a:r>
+          </a:p>
+        </p:txBody>
+      </p:sp>
+      <p:sp>
+        <p:nvSpPr>
+          <p:cNvPr id="3" name="Content Placeholder 2"/>
+          <p:cNvSpPr>
+            <a:spLocks noGrp="1"/>
+          </p:cNvSpPr>
+          <p:nvPr>
+            <p:ph idx="1"/>
+          </p:nvPr>
+        </p:nvSpPr>
+        <p:spPr/>
+        <p:txBody>
+          <a:bodyPr>
+            <a:normAutofit/>
+          </a:bodyPr>
+          <a:lstStyle/>
+          <a:p>
+            <a:r>
+              <a:rPr lang="en-US" dirty="0"/>
+              <a:t>Maven Central</a:t>
+            </a:r>
+          </a:p>
+          <a:p>
+            <a:pPr lvl="1"/>
+            <a:r>
+              <a:rPr lang="en-US" dirty="0"/>
+              <a:t>repository config</a:t>
+            </a:r>
+          </a:p>
+          <a:p>
+            <a:pPr lvl="2"/>
+            <a:r>
+              <a:rPr lang="en-US" b="0" i="0" dirty="0">
                 <a:solidFill>
-                  <a:schemeClr val="bg2">
-                    <a:tint val="85000"/>
-                    <a:satMod val="155000"/>
-                  </a:schemeClr>
+                  <a:srgbClr val="C7254E"/>
                 </a:solidFill>
-                <a:effectLst>
-                  <a:outerShdw blurRad="41275" dist="20320" dir="1800000" algn="tl" rotWithShape="0">
-                    <a:srgbClr val="000000">
-                      <a:alpha val="40000"/>
-                    </a:srgbClr>
-                  </a:outerShdw>
-                </a:effectLst>
+                <a:effectLst/>
+                <a:latin typeface="Menlo"/>
               </a:rPr>
-              <a:t>Q &amp; A</a:t>
+              <a:t>~/.m2/settings.xml</a:t>
+            </a:r>
+            <a:endParaRPr lang="en-US" dirty="0"/>
+          </a:p>
+          <a:p>
+            <a:endParaRPr lang="en-US" dirty="0"/>
+          </a:p>
+          <a:p>
+            <a:endParaRPr lang="en-US" dirty="0"/>
+          </a:p>
+          <a:p>
+            <a:endParaRPr lang="en-US" dirty="0"/>
+          </a:p>
+          <a:p>
+            <a:endParaRPr lang="en-US" dirty="0"/>
+          </a:p>
+          <a:p>
+            <a:endParaRPr lang="en-US" dirty="0"/>
+          </a:p>
+          <a:p>
+            <a:endParaRPr lang="en-US" dirty="0"/>
+          </a:p>
+          <a:p>
+            <a:endParaRPr lang="en-US" dirty="0"/>
+          </a:p>
+          <a:p>
+            <a:endParaRPr lang="en-US" dirty="0"/>
+          </a:p>
+          <a:p>
+            <a:endParaRPr lang="en-US" dirty="0"/>
+          </a:p>
+          <a:p>
+            <a:endParaRPr lang="en-US" dirty="0"/>
+          </a:p>
+          <a:p>
+            <a:endParaRPr lang="en-US" dirty="0"/>
+          </a:p>
+          <a:p>
+            <a:pPr lvl="1"/>
+            <a:endParaRPr lang="en-US" dirty="0"/>
+          </a:p>
+          <a:p>
+            <a:pPr lvl="1"/>
+            <a:endParaRPr lang="en-US" dirty="0"/>
+          </a:p>
+          <a:p>
+            <a:pPr lvl="1"/>
+            <a:endParaRPr lang="en-US" dirty="0"/>
+          </a:p>
+        </p:txBody>
+      </p:sp>
+      <p:sp>
+        <p:nvSpPr>
+          <p:cNvPr id="5" name="TextBox 4">
+            <a:extLst>
+              <a:ext uri="{FF2B5EF4-FFF2-40B4-BE49-F238E27FC236}">
+                <a16:creationId xmlns:a16="http://schemas.microsoft.com/office/drawing/2014/main" id="{621AEDA0-A464-69C0-CFA3-01713FC5A230}"/>
+              </a:ext>
+            </a:extLst>
+          </p:cNvPr>
+          <p:cNvSpPr txBox="1"/>
+          <p:nvPr/>
+        </p:nvSpPr>
+        <p:spPr>
+          <a:xfrm>
+            <a:off x="2267744" y="3284984"/>
+            <a:ext cx="6172715" cy="2585323"/>
+          </a:xfrm>
+          <a:prstGeom prst="rect">
+            <a:avLst/>
+          </a:prstGeom>
+          <a:noFill/>
+          <a:ln w="25400">
+            <a:solidFill>
+              <a:schemeClr val="accent1"/>
+            </a:solidFill>
+          </a:ln>
+        </p:spPr>
+        <p:txBody>
+          <a:bodyPr wrap="none" rtlCol="0">
+            <a:spAutoFit/>
+          </a:bodyPr>
+          <a:lstStyle/>
+          <a:p>
+            <a:r>
+              <a:rPr lang="en-US" dirty="0"/>
+              <a:t>&lt;settings&gt;</a:t>
+            </a:r>
+          </a:p>
+          <a:p>
+            <a:r>
+              <a:rPr lang="en-US" dirty="0"/>
+              <a:t>	&lt;servers&gt;</a:t>
+            </a:r>
+          </a:p>
+          <a:p>
+            <a:r>
+              <a:rPr lang="en-US" dirty="0"/>
+              <a:t>		&lt;server&gt;</a:t>
+            </a:r>
+          </a:p>
+          <a:p>
+            <a:r>
+              <a:rPr lang="en-US" dirty="0"/>
+              <a:t>		  &lt;id&gt;</a:t>
+            </a:r>
+            <a:r>
+              <a:rPr lang="en-US" dirty="0" err="1"/>
+              <a:t>ossrh</a:t>
+            </a:r>
+            <a:r>
+              <a:rPr lang="en-US" dirty="0"/>
+              <a:t>&lt;/id&gt;</a:t>
+            </a:r>
+          </a:p>
+          <a:p>
+            <a:r>
+              <a:rPr lang="en-US" dirty="0"/>
+              <a:t>		  &lt;username&gt;</a:t>
+            </a:r>
+            <a:r>
+              <a:rPr lang="en-US" dirty="0" err="1"/>
+              <a:t>sonartypeUser</a:t>
+            </a:r>
+            <a:r>
+              <a:rPr lang="en-US" dirty="0"/>
+              <a:t>&lt;/username&gt;</a:t>
+            </a:r>
+          </a:p>
+          <a:p>
+            <a:r>
+              <a:rPr lang="en-US" dirty="0"/>
+              <a:t>		  &lt;password&gt;</a:t>
+            </a:r>
+            <a:r>
+              <a:rPr lang="en-US" dirty="0" err="1"/>
+              <a:t>secretPassword</a:t>
+            </a:r>
+            <a:r>
+              <a:rPr lang="en-US" dirty="0"/>
+              <a:t>&lt;/password&gt;</a:t>
+            </a:r>
+          </a:p>
+          <a:p>
+            <a:r>
+              <a:rPr lang="en-US" dirty="0"/>
+              <a:t>		&lt;/server&gt;</a:t>
+            </a:r>
+          </a:p>
+          <a:p>
+            <a:r>
+              <a:rPr lang="en-US" dirty="0"/>
+              <a:t>	&lt;/servers&gt;</a:t>
+            </a:r>
+          </a:p>
+          <a:p>
+            <a:r>
+              <a:rPr lang="en-US" dirty="0"/>
+              <a:t>&lt;/settings&gt;</a:t>
             </a:r>
           </a:p>
         </p:txBody>
       </p:sp>
     </p:spTree>
+    <p:extLst>
+      <p:ext uri="{BB962C8B-B14F-4D97-AF65-F5344CB8AC3E}">
+        <p14:creationId xmlns:p14="http://schemas.microsoft.com/office/powerpoint/2010/main" val="100846571"/>
+      </p:ext>
+    </p:extLst>
   </p:cSld>
   <p:clrMapOvr>
     <a:masterClrMapping/>
@@ -12548,6 +17115,1887 @@
     <p:extLst>
       <p:ext uri="{BB962C8B-B14F-4D97-AF65-F5344CB8AC3E}">
         <p14:creationId xmlns:p14="http://schemas.microsoft.com/office/powerpoint/2010/main" val="1533418673"/>
+      </p:ext>
+    </p:extLst>
+  </p:cSld>
+  <p:clrMapOvr>
+    <a:masterClrMapping/>
+  </p:clrMapOvr>
+</p:sld>
+</file>
+
+<file path=ppt/slides/slide40.xml><?xml version="1.0" encoding="utf-8"?>
+<p:sld xmlns:a="http://schemas.openxmlformats.org/drawingml/2006/main" xmlns:r="http://schemas.openxmlformats.org/officeDocument/2006/relationships" xmlns:p="http://schemas.openxmlformats.org/presentationml/2006/main">
+  <p:cSld>
+    <p:spTree>
+      <p:nvGrpSpPr>
+        <p:cNvPr id="1" name=""/>
+        <p:cNvGrpSpPr/>
+        <p:nvPr/>
+      </p:nvGrpSpPr>
+      <p:grpSpPr>
+        <a:xfrm>
+          <a:off x="0" y="0"/>
+          <a:ext cx="0" cy="0"/>
+          <a:chOff x="0" y="0"/>
+          <a:chExt cx="0" cy="0"/>
+        </a:xfrm>
+      </p:grpSpPr>
+      <p:sp>
+        <p:nvSpPr>
+          <p:cNvPr id="2" name="Title 1"/>
+          <p:cNvSpPr>
+            <a:spLocks noGrp="1"/>
+          </p:cNvSpPr>
+          <p:nvPr>
+            <p:ph type="title"/>
+          </p:nvPr>
+        </p:nvSpPr>
+        <p:spPr/>
+        <p:txBody>
+          <a:bodyPr/>
+          <a:lstStyle/>
+          <a:p>
+            <a:r>
+              <a:rPr lang="en-US" dirty="0"/>
+              <a:t>Maven</a:t>
+            </a:r>
+          </a:p>
+        </p:txBody>
+      </p:sp>
+      <p:sp>
+        <p:nvSpPr>
+          <p:cNvPr id="3" name="Content Placeholder 2"/>
+          <p:cNvSpPr>
+            <a:spLocks noGrp="1"/>
+          </p:cNvSpPr>
+          <p:nvPr>
+            <p:ph idx="1"/>
+          </p:nvPr>
+        </p:nvSpPr>
+        <p:spPr/>
+        <p:txBody>
+          <a:bodyPr>
+            <a:normAutofit/>
+          </a:bodyPr>
+          <a:lstStyle/>
+          <a:p>
+            <a:r>
+              <a:rPr lang="en-US" dirty="0"/>
+              <a:t>Maven Central</a:t>
+            </a:r>
+          </a:p>
+          <a:p>
+            <a:pPr lvl="1"/>
+            <a:r>
+              <a:rPr lang="en-US" dirty="0"/>
+              <a:t>GPG Setup</a:t>
+            </a:r>
+          </a:p>
+          <a:p>
+            <a:pPr lvl="1"/>
+            <a:r>
+              <a:rPr lang="en-US" dirty="0"/>
+              <a:t>Deploy</a:t>
+            </a:r>
+          </a:p>
+          <a:p>
+            <a:pPr lvl="2"/>
+            <a:endParaRPr lang="en-US" dirty="0"/>
+          </a:p>
+          <a:p>
+            <a:pPr lvl="1"/>
+            <a:endParaRPr lang="en-US" dirty="0"/>
+          </a:p>
+          <a:p>
+            <a:endParaRPr lang="en-US" dirty="0"/>
+          </a:p>
+          <a:p>
+            <a:endParaRPr lang="en-US" dirty="0"/>
+          </a:p>
+          <a:p>
+            <a:endParaRPr lang="en-US" dirty="0"/>
+          </a:p>
+          <a:p>
+            <a:endParaRPr lang="en-US" dirty="0"/>
+          </a:p>
+          <a:p>
+            <a:endParaRPr lang="en-US" dirty="0"/>
+          </a:p>
+          <a:p>
+            <a:endParaRPr lang="en-US" dirty="0"/>
+          </a:p>
+          <a:p>
+            <a:endParaRPr lang="en-US" dirty="0"/>
+          </a:p>
+          <a:p>
+            <a:endParaRPr lang="en-US" dirty="0"/>
+          </a:p>
+          <a:p>
+            <a:endParaRPr lang="en-US" dirty="0"/>
+          </a:p>
+          <a:p>
+            <a:endParaRPr lang="en-US" dirty="0"/>
+          </a:p>
+          <a:p>
+            <a:endParaRPr lang="en-US" dirty="0"/>
+          </a:p>
+          <a:p>
+            <a:pPr lvl="1"/>
+            <a:endParaRPr lang="en-US" dirty="0"/>
+          </a:p>
+          <a:p>
+            <a:pPr lvl="1"/>
+            <a:endParaRPr lang="en-US" dirty="0"/>
+          </a:p>
+          <a:p>
+            <a:pPr lvl="1"/>
+            <a:endParaRPr lang="en-US" dirty="0"/>
+          </a:p>
+        </p:txBody>
+      </p:sp>
+      <p:sp>
+        <p:nvSpPr>
+          <p:cNvPr id="5" name="TextBox 4">
+            <a:extLst>
+              <a:ext uri="{FF2B5EF4-FFF2-40B4-BE49-F238E27FC236}">
+                <a16:creationId xmlns:a16="http://schemas.microsoft.com/office/drawing/2014/main" id="{BFFE1C58-D254-4DD1-6A01-80A2A9A89B5A}"/>
+              </a:ext>
+            </a:extLst>
+          </p:cNvPr>
+          <p:cNvSpPr txBox="1"/>
+          <p:nvPr/>
+        </p:nvSpPr>
+        <p:spPr>
+          <a:xfrm>
+            <a:off x="2195736" y="3388930"/>
+            <a:ext cx="6394956" cy="400110"/>
+          </a:xfrm>
+          <a:prstGeom prst="rect">
+            <a:avLst/>
+          </a:prstGeom>
+          <a:noFill/>
+        </p:spPr>
+        <p:txBody>
+          <a:bodyPr wrap="none" rtlCol="0">
+            <a:spAutoFit/>
+          </a:bodyPr>
+          <a:lstStyle/>
+          <a:p>
+            <a:r>
+              <a:rPr lang="en-US" sz="2000" dirty="0" err="1"/>
+              <a:t>mvn</a:t>
+            </a:r>
+            <a:r>
+              <a:rPr lang="en-US" sz="2000" dirty="0"/>
+              <a:t> clean deploy -</a:t>
+            </a:r>
+            <a:r>
+              <a:rPr lang="en-US" sz="2000" dirty="0" err="1"/>
+              <a:t>Dgpg.passphrase</a:t>
+            </a:r>
+            <a:r>
+              <a:rPr lang="en-US" sz="2000" dirty="0"/>
+              <a:t>="</a:t>
+            </a:r>
+            <a:r>
+              <a:rPr lang="en-US" sz="2000" dirty="0" err="1"/>
+              <a:t>myPassphrase</a:t>
+            </a:r>
+            <a:r>
+              <a:rPr lang="en-US" sz="2000" dirty="0"/>
+              <a:t>" -</a:t>
+            </a:r>
+            <a:r>
+              <a:rPr lang="en-US" sz="2000" dirty="0" err="1"/>
+              <a:t>Pci</a:t>
+            </a:r>
+            <a:r>
+              <a:rPr lang="en-US" sz="2000" dirty="0"/>
+              <a:t>-cd</a:t>
+            </a:r>
+          </a:p>
+        </p:txBody>
+      </p:sp>
+    </p:spTree>
+    <p:extLst>
+      <p:ext uri="{BB962C8B-B14F-4D97-AF65-F5344CB8AC3E}">
+        <p14:creationId xmlns:p14="http://schemas.microsoft.com/office/powerpoint/2010/main" val="1709940363"/>
+      </p:ext>
+    </p:extLst>
+  </p:cSld>
+  <p:clrMapOvr>
+    <a:masterClrMapping/>
+  </p:clrMapOvr>
+</p:sld>
+</file>
+
+<file path=ppt/slides/slide41.xml><?xml version="1.0" encoding="utf-8"?>
+<p:sld xmlns:a="http://schemas.openxmlformats.org/drawingml/2006/main" xmlns:r="http://schemas.openxmlformats.org/officeDocument/2006/relationships" xmlns:p="http://schemas.openxmlformats.org/presentationml/2006/main">
+  <p:cSld>
+    <p:spTree>
+      <p:nvGrpSpPr>
+        <p:cNvPr id="1" name=""/>
+        <p:cNvGrpSpPr/>
+        <p:nvPr/>
+      </p:nvGrpSpPr>
+      <p:grpSpPr>
+        <a:xfrm>
+          <a:off x="0" y="0"/>
+          <a:ext cx="0" cy="0"/>
+          <a:chOff x="0" y="0"/>
+          <a:chExt cx="0" cy="0"/>
+        </a:xfrm>
+      </p:grpSpPr>
+      <p:sp>
+        <p:nvSpPr>
+          <p:cNvPr id="2" name="Title 1"/>
+          <p:cNvSpPr>
+            <a:spLocks noGrp="1"/>
+          </p:cNvSpPr>
+          <p:nvPr>
+            <p:ph type="title"/>
+          </p:nvPr>
+        </p:nvSpPr>
+        <p:spPr/>
+        <p:txBody>
+          <a:bodyPr/>
+          <a:lstStyle/>
+          <a:p>
+            <a:r>
+              <a:rPr lang="en-US" dirty="0"/>
+              <a:t>Maven</a:t>
+            </a:r>
+          </a:p>
+        </p:txBody>
+      </p:sp>
+      <p:sp>
+        <p:nvSpPr>
+          <p:cNvPr id="3" name="Content Placeholder 2"/>
+          <p:cNvSpPr>
+            <a:spLocks noGrp="1"/>
+          </p:cNvSpPr>
+          <p:nvPr>
+            <p:ph idx="1"/>
+          </p:nvPr>
+        </p:nvSpPr>
+        <p:spPr/>
+        <p:txBody>
+          <a:bodyPr>
+            <a:normAutofit/>
+          </a:bodyPr>
+          <a:lstStyle/>
+          <a:p>
+            <a:r>
+              <a:rPr lang="en-US" dirty="0"/>
+              <a:t>Maven Central</a:t>
+            </a:r>
+          </a:p>
+          <a:p>
+            <a:pPr lvl="1"/>
+            <a:r>
+              <a:rPr lang="en-US" dirty="0"/>
+              <a:t>Deploy</a:t>
+            </a:r>
+          </a:p>
+          <a:p>
+            <a:pPr lvl="2"/>
+            <a:endParaRPr lang="en-US" dirty="0"/>
+          </a:p>
+          <a:p>
+            <a:pPr lvl="1"/>
+            <a:endParaRPr lang="en-US" dirty="0"/>
+          </a:p>
+          <a:p>
+            <a:endParaRPr lang="en-US" dirty="0"/>
+          </a:p>
+          <a:p>
+            <a:endParaRPr lang="en-US" dirty="0"/>
+          </a:p>
+          <a:p>
+            <a:endParaRPr lang="en-US" dirty="0"/>
+          </a:p>
+          <a:p>
+            <a:endParaRPr lang="en-US" dirty="0"/>
+          </a:p>
+          <a:p>
+            <a:endParaRPr lang="en-US" dirty="0"/>
+          </a:p>
+          <a:p>
+            <a:endParaRPr lang="en-US" dirty="0"/>
+          </a:p>
+          <a:p>
+            <a:endParaRPr lang="en-US" dirty="0"/>
+          </a:p>
+          <a:p>
+            <a:endParaRPr lang="en-US" dirty="0"/>
+          </a:p>
+          <a:p>
+            <a:endParaRPr lang="en-US" dirty="0"/>
+          </a:p>
+          <a:p>
+            <a:endParaRPr lang="en-US" dirty="0"/>
+          </a:p>
+          <a:p>
+            <a:endParaRPr lang="en-US" dirty="0"/>
+          </a:p>
+          <a:p>
+            <a:pPr lvl="1"/>
+            <a:endParaRPr lang="en-US" dirty="0"/>
+          </a:p>
+          <a:p>
+            <a:pPr lvl="1"/>
+            <a:endParaRPr lang="en-US" dirty="0"/>
+          </a:p>
+          <a:p>
+            <a:pPr lvl="1"/>
+            <a:endParaRPr lang="en-US" dirty="0"/>
+          </a:p>
+        </p:txBody>
+      </p:sp>
+      <p:pic>
+        <p:nvPicPr>
+          <p:cNvPr id="8" name="Picture 7">
+            <a:extLst>
+              <a:ext uri="{FF2B5EF4-FFF2-40B4-BE49-F238E27FC236}">
+                <a16:creationId xmlns:a16="http://schemas.microsoft.com/office/drawing/2014/main" id="{D859DF53-76FC-5B91-328E-AF17CB7DA76B}"/>
+              </a:ext>
+            </a:extLst>
+          </p:cNvPr>
+          <p:cNvPicPr>
+            <a:picLocks noChangeAspect="1"/>
+          </p:cNvPicPr>
+          <p:nvPr/>
+        </p:nvPicPr>
+        <p:blipFill>
+          <a:blip r:embed="rId3"/>
+          <a:stretch>
+            <a:fillRect/>
+          </a:stretch>
+        </p:blipFill>
+        <p:spPr>
+          <a:xfrm>
+            <a:off x="1835696" y="2630827"/>
+            <a:ext cx="7150037" cy="3631478"/>
+          </a:xfrm>
+          <a:prstGeom prst="rect">
+            <a:avLst/>
+          </a:prstGeom>
+        </p:spPr>
+      </p:pic>
+    </p:spTree>
+    <p:extLst>
+      <p:ext uri="{BB962C8B-B14F-4D97-AF65-F5344CB8AC3E}">
+        <p14:creationId xmlns:p14="http://schemas.microsoft.com/office/powerpoint/2010/main" val="3983770046"/>
+      </p:ext>
+    </p:extLst>
+  </p:cSld>
+  <p:clrMapOvr>
+    <a:masterClrMapping/>
+  </p:clrMapOvr>
+</p:sld>
+</file>
+
+<file path=ppt/slides/slide42.xml><?xml version="1.0" encoding="utf-8"?>
+<p:sld xmlns:a="http://schemas.openxmlformats.org/drawingml/2006/main" xmlns:r="http://schemas.openxmlformats.org/officeDocument/2006/relationships" xmlns:p="http://schemas.openxmlformats.org/presentationml/2006/main">
+  <p:cSld>
+    <p:spTree>
+      <p:nvGrpSpPr>
+        <p:cNvPr id="1" name=""/>
+        <p:cNvGrpSpPr/>
+        <p:nvPr/>
+      </p:nvGrpSpPr>
+      <p:grpSpPr>
+        <a:xfrm>
+          <a:off x="0" y="0"/>
+          <a:ext cx="0" cy="0"/>
+          <a:chOff x="0" y="0"/>
+          <a:chExt cx="0" cy="0"/>
+        </a:xfrm>
+      </p:grpSpPr>
+      <p:sp>
+        <p:nvSpPr>
+          <p:cNvPr id="2" name="Title 1"/>
+          <p:cNvSpPr>
+            <a:spLocks noGrp="1"/>
+          </p:cNvSpPr>
+          <p:nvPr>
+            <p:ph type="title"/>
+          </p:nvPr>
+        </p:nvSpPr>
+        <p:spPr/>
+        <p:txBody>
+          <a:bodyPr/>
+          <a:lstStyle/>
+          <a:p>
+            <a:r>
+              <a:rPr lang="en-US" dirty="0"/>
+              <a:t>Maven</a:t>
+            </a:r>
+          </a:p>
+        </p:txBody>
+      </p:sp>
+      <p:sp>
+        <p:nvSpPr>
+          <p:cNvPr id="3" name="Content Placeholder 2"/>
+          <p:cNvSpPr>
+            <a:spLocks noGrp="1"/>
+          </p:cNvSpPr>
+          <p:nvPr>
+            <p:ph idx="1"/>
+          </p:nvPr>
+        </p:nvSpPr>
+        <p:spPr/>
+        <p:txBody>
+          <a:bodyPr>
+            <a:normAutofit/>
+          </a:bodyPr>
+          <a:lstStyle/>
+          <a:p>
+            <a:r>
+              <a:rPr lang="en-US" dirty="0"/>
+              <a:t>Maven Central</a:t>
+            </a:r>
+          </a:p>
+          <a:p>
+            <a:pPr lvl="1"/>
+            <a:r>
+              <a:rPr lang="en-US" dirty="0"/>
+              <a:t>Release – close -&gt; release</a:t>
+            </a:r>
+          </a:p>
+          <a:p>
+            <a:pPr lvl="2"/>
+            <a:endParaRPr lang="en-US" dirty="0"/>
+          </a:p>
+          <a:p>
+            <a:pPr lvl="1"/>
+            <a:endParaRPr lang="en-US" dirty="0"/>
+          </a:p>
+          <a:p>
+            <a:endParaRPr lang="en-US" dirty="0"/>
+          </a:p>
+          <a:p>
+            <a:endParaRPr lang="en-US" dirty="0"/>
+          </a:p>
+          <a:p>
+            <a:endParaRPr lang="en-US" dirty="0"/>
+          </a:p>
+          <a:p>
+            <a:endParaRPr lang="en-US" dirty="0"/>
+          </a:p>
+          <a:p>
+            <a:endParaRPr lang="en-US" dirty="0"/>
+          </a:p>
+          <a:p>
+            <a:endParaRPr lang="en-US" dirty="0"/>
+          </a:p>
+          <a:p>
+            <a:endParaRPr lang="en-US" dirty="0"/>
+          </a:p>
+          <a:p>
+            <a:endParaRPr lang="en-US" dirty="0"/>
+          </a:p>
+          <a:p>
+            <a:endParaRPr lang="en-US" dirty="0"/>
+          </a:p>
+          <a:p>
+            <a:endParaRPr lang="en-US" dirty="0"/>
+          </a:p>
+          <a:p>
+            <a:endParaRPr lang="en-US" dirty="0"/>
+          </a:p>
+          <a:p>
+            <a:pPr lvl="1"/>
+            <a:endParaRPr lang="en-US" dirty="0"/>
+          </a:p>
+          <a:p>
+            <a:pPr lvl="1"/>
+            <a:endParaRPr lang="en-US" dirty="0"/>
+          </a:p>
+          <a:p>
+            <a:pPr lvl="1"/>
+            <a:endParaRPr lang="en-US" dirty="0"/>
+          </a:p>
+        </p:txBody>
+      </p:sp>
+      <p:pic>
+        <p:nvPicPr>
+          <p:cNvPr id="6" name="Picture 5">
+            <a:extLst>
+              <a:ext uri="{FF2B5EF4-FFF2-40B4-BE49-F238E27FC236}">
+                <a16:creationId xmlns:a16="http://schemas.microsoft.com/office/drawing/2014/main" id="{A6641198-4567-17C3-9CBB-2E12723A36AE}"/>
+              </a:ext>
+            </a:extLst>
+          </p:cNvPr>
+          <p:cNvPicPr>
+            <a:picLocks noChangeAspect="1"/>
+          </p:cNvPicPr>
+          <p:nvPr/>
+        </p:nvPicPr>
+        <p:blipFill>
+          <a:blip r:embed="rId3"/>
+          <a:stretch>
+            <a:fillRect/>
+          </a:stretch>
+        </p:blipFill>
+        <p:spPr>
+          <a:xfrm>
+            <a:off x="2195735" y="2564904"/>
+            <a:ext cx="4702665" cy="4176464"/>
+          </a:xfrm>
+          <a:prstGeom prst="rect">
+            <a:avLst/>
+          </a:prstGeom>
+        </p:spPr>
+      </p:pic>
+      <p:sp>
+        <p:nvSpPr>
+          <p:cNvPr id="4" name="Oval 3">
+            <a:extLst>
+              <a:ext uri="{FF2B5EF4-FFF2-40B4-BE49-F238E27FC236}">
+                <a16:creationId xmlns:a16="http://schemas.microsoft.com/office/drawing/2014/main" id="{EC670F93-685F-DCBF-8480-5EC2E3B0CCF6}"/>
+              </a:ext>
+            </a:extLst>
+          </p:cNvPr>
+          <p:cNvSpPr/>
+          <p:nvPr/>
+        </p:nvSpPr>
+        <p:spPr>
+          <a:xfrm>
+            <a:off x="3491880" y="3429000"/>
+            <a:ext cx="504056" cy="216024"/>
+          </a:xfrm>
+          <a:prstGeom prst="ellipse">
+            <a:avLst/>
+          </a:prstGeom>
+          <a:noFill/>
+          <a:ln>
+            <a:solidFill>
+              <a:srgbClr val="FF0000"/>
+            </a:solidFill>
+          </a:ln>
+        </p:spPr>
+        <p:style>
+          <a:lnRef idx="2">
+            <a:schemeClr val="accent1">
+              <a:shade val="50000"/>
+            </a:schemeClr>
+          </a:lnRef>
+          <a:fillRef idx="1">
+            <a:schemeClr val="accent1"/>
+          </a:fillRef>
+          <a:effectRef idx="0">
+            <a:schemeClr val="accent1"/>
+          </a:effectRef>
+          <a:fontRef idx="minor">
+            <a:schemeClr val="lt1"/>
+          </a:fontRef>
+        </p:style>
+        <p:txBody>
+          <a:bodyPr rtlCol="0" anchor="ctr"/>
+          <a:lstStyle/>
+          <a:p>
+            <a:pPr algn="ctr"/>
+            <a:endParaRPr lang="en-US"/>
+          </a:p>
+        </p:txBody>
+      </p:sp>
+    </p:spTree>
+    <p:extLst>
+      <p:ext uri="{BB962C8B-B14F-4D97-AF65-F5344CB8AC3E}">
+        <p14:creationId xmlns:p14="http://schemas.microsoft.com/office/powerpoint/2010/main" val="3320551465"/>
+      </p:ext>
+    </p:extLst>
+  </p:cSld>
+  <p:clrMapOvr>
+    <a:masterClrMapping/>
+  </p:clrMapOvr>
+</p:sld>
+</file>
+
+<file path=ppt/slides/slide43.xml><?xml version="1.0" encoding="utf-8"?>
+<p:sld xmlns:a="http://schemas.openxmlformats.org/drawingml/2006/main" xmlns:r="http://schemas.openxmlformats.org/officeDocument/2006/relationships" xmlns:p="http://schemas.openxmlformats.org/presentationml/2006/main">
+  <p:cSld>
+    <p:spTree>
+      <p:nvGrpSpPr>
+        <p:cNvPr id="1" name=""/>
+        <p:cNvGrpSpPr/>
+        <p:nvPr/>
+      </p:nvGrpSpPr>
+      <p:grpSpPr>
+        <a:xfrm>
+          <a:off x="0" y="0"/>
+          <a:ext cx="0" cy="0"/>
+          <a:chOff x="0" y="0"/>
+          <a:chExt cx="0" cy="0"/>
+        </a:xfrm>
+      </p:grpSpPr>
+      <p:sp>
+        <p:nvSpPr>
+          <p:cNvPr id="2" name="Title 1"/>
+          <p:cNvSpPr>
+            <a:spLocks noGrp="1"/>
+          </p:cNvSpPr>
+          <p:nvPr>
+            <p:ph type="title"/>
+          </p:nvPr>
+        </p:nvSpPr>
+        <p:spPr/>
+        <p:txBody>
+          <a:bodyPr/>
+          <a:lstStyle/>
+          <a:p>
+            <a:r>
+              <a:rPr lang="en-US" dirty="0"/>
+              <a:t>Maven</a:t>
+            </a:r>
+          </a:p>
+        </p:txBody>
+      </p:sp>
+      <p:sp>
+        <p:nvSpPr>
+          <p:cNvPr id="3" name="Content Placeholder 2"/>
+          <p:cNvSpPr>
+            <a:spLocks noGrp="1"/>
+          </p:cNvSpPr>
+          <p:nvPr>
+            <p:ph idx="1"/>
+          </p:nvPr>
+        </p:nvSpPr>
+        <p:spPr/>
+        <p:txBody>
+          <a:bodyPr>
+            <a:normAutofit/>
+          </a:bodyPr>
+          <a:lstStyle/>
+          <a:p>
+            <a:r>
+              <a:rPr lang="en-US" dirty="0"/>
+              <a:t>Maven Central</a:t>
+            </a:r>
+          </a:p>
+          <a:p>
+            <a:pPr lvl="1"/>
+            <a:r>
+              <a:rPr lang="en-US" dirty="0"/>
+              <a:t>Release - close -&gt; release</a:t>
+            </a:r>
+          </a:p>
+          <a:p>
+            <a:pPr lvl="2"/>
+            <a:endParaRPr lang="en-US" dirty="0"/>
+          </a:p>
+          <a:p>
+            <a:pPr lvl="1"/>
+            <a:endParaRPr lang="en-US" dirty="0"/>
+          </a:p>
+          <a:p>
+            <a:endParaRPr lang="en-US" dirty="0"/>
+          </a:p>
+          <a:p>
+            <a:endParaRPr lang="en-US" dirty="0"/>
+          </a:p>
+          <a:p>
+            <a:endParaRPr lang="en-US" dirty="0"/>
+          </a:p>
+          <a:p>
+            <a:endParaRPr lang="en-US" dirty="0"/>
+          </a:p>
+          <a:p>
+            <a:endParaRPr lang="en-US" dirty="0"/>
+          </a:p>
+          <a:p>
+            <a:endParaRPr lang="en-US" dirty="0"/>
+          </a:p>
+          <a:p>
+            <a:endParaRPr lang="en-US" dirty="0"/>
+          </a:p>
+          <a:p>
+            <a:endParaRPr lang="en-US" dirty="0"/>
+          </a:p>
+          <a:p>
+            <a:endParaRPr lang="en-US" dirty="0"/>
+          </a:p>
+          <a:p>
+            <a:endParaRPr lang="en-US" dirty="0"/>
+          </a:p>
+          <a:p>
+            <a:endParaRPr lang="en-US" dirty="0"/>
+          </a:p>
+          <a:p>
+            <a:pPr lvl="1"/>
+            <a:endParaRPr lang="en-US" dirty="0"/>
+          </a:p>
+          <a:p>
+            <a:pPr lvl="1"/>
+            <a:endParaRPr lang="en-US" dirty="0"/>
+          </a:p>
+          <a:p>
+            <a:pPr lvl="1"/>
+            <a:endParaRPr lang="en-US" dirty="0"/>
+          </a:p>
+        </p:txBody>
+      </p:sp>
+      <p:pic>
+        <p:nvPicPr>
+          <p:cNvPr id="5" name="Picture 4">
+            <a:extLst>
+              <a:ext uri="{FF2B5EF4-FFF2-40B4-BE49-F238E27FC236}">
+                <a16:creationId xmlns:a16="http://schemas.microsoft.com/office/drawing/2014/main" id="{A7EA2385-0756-8FBD-6F65-2F13CAE3F29A}"/>
+              </a:ext>
+            </a:extLst>
+          </p:cNvPr>
+          <p:cNvPicPr>
+            <a:picLocks noChangeAspect="1"/>
+          </p:cNvPicPr>
+          <p:nvPr/>
+        </p:nvPicPr>
+        <p:blipFill>
+          <a:blip r:embed="rId3"/>
+          <a:stretch>
+            <a:fillRect/>
+          </a:stretch>
+        </p:blipFill>
+        <p:spPr>
+          <a:xfrm>
+            <a:off x="2195736" y="2597994"/>
+            <a:ext cx="5832648" cy="4098145"/>
+          </a:xfrm>
+          <a:prstGeom prst="rect">
+            <a:avLst/>
+          </a:prstGeom>
+        </p:spPr>
+      </p:pic>
+    </p:spTree>
+    <p:extLst>
+      <p:ext uri="{BB962C8B-B14F-4D97-AF65-F5344CB8AC3E}">
+        <p14:creationId xmlns:p14="http://schemas.microsoft.com/office/powerpoint/2010/main" val="3545429258"/>
+      </p:ext>
+    </p:extLst>
+  </p:cSld>
+  <p:clrMapOvr>
+    <a:masterClrMapping/>
+  </p:clrMapOvr>
+</p:sld>
+</file>
+
+<file path=ppt/slides/slide44.xml><?xml version="1.0" encoding="utf-8"?>
+<p:sld xmlns:a="http://schemas.openxmlformats.org/drawingml/2006/main" xmlns:r="http://schemas.openxmlformats.org/officeDocument/2006/relationships" xmlns:p="http://schemas.openxmlformats.org/presentationml/2006/main">
+  <p:cSld>
+    <p:spTree>
+      <p:nvGrpSpPr>
+        <p:cNvPr id="1" name=""/>
+        <p:cNvGrpSpPr/>
+        <p:nvPr/>
+      </p:nvGrpSpPr>
+      <p:grpSpPr>
+        <a:xfrm>
+          <a:off x="0" y="0"/>
+          <a:ext cx="0" cy="0"/>
+          <a:chOff x="0" y="0"/>
+          <a:chExt cx="0" cy="0"/>
+        </a:xfrm>
+      </p:grpSpPr>
+      <p:sp>
+        <p:nvSpPr>
+          <p:cNvPr id="2" name="Title 1"/>
+          <p:cNvSpPr>
+            <a:spLocks noGrp="1"/>
+          </p:cNvSpPr>
+          <p:nvPr>
+            <p:ph type="title"/>
+          </p:nvPr>
+        </p:nvSpPr>
+        <p:spPr/>
+        <p:txBody>
+          <a:bodyPr/>
+          <a:lstStyle/>
+          <a:p>
+            <a:r>
+              <a:rPr lang="en-US" dirty="0"/>
+              <a:t>Maven</a:t>
+            </a:r>
+          </a:p>
+        </p:txBody>
+      </p:sp>
+      <p:sp>
+        <p:nvSpPr>
+          <p:cNvPr id="3" name="Content Placeholder 2"/>
+          <p:cNvSpPr>
+            <a:spLocks noGrp="1"/>
+          </p:cNvSpPr>
+          <p:nvPr>
+            <p:ph idx="1"/>
+          </p:nvPr>
+        </p:nvSpPr>
+        <p:spPr/>
+        <p:txBody>
+          <a:bodyPr>
+            <a:normAutofit/>
+          </a:bodyPr>
+          <a:lstStyle/>
+          <a:p>
+            <a:r>
+              <a:rPr lang="en-US" dirty="0"/>
+              <a:t>Maven Central</a:t>
+            </a:r>
+          </a:p>
+          <a:p>
+            <a:pPr lvl="1"/>
+            <a:r>
+              <a:rPr lang="en-US" dirty="0"/>
+              <a:t>Release - send key</a:t>
+            </a:r>
+          </a:p>
+          <a:p>
+            <a:pPr lvl="1"/>
+            <a:endParaRPr lang="en-US" dirty="0"/>
+          </a:p>
+          <a:p>
+            <a:pPr lvl="2"/>
+            <a:endParaRPr lang="en-US" dirty="0"/>
+          </a:p>
+          <a:p>
+            <a:pPr lvl="1"/>
+            <a:endParaRPr lang="en-US" dirty="0"/>
+          </a:p>
+          <a:p>
+            <a:endParaRPr lang="en-US" dirty="0"/>
+          </a:p>
+          <a:p>
+            <a:endParaRPr lang="en-US" dirty="0"/>
+          </a:p>
+          <a:p>
+            <a:endParaRPr lang="en-US" dirty="0"/>
+          </a:p>
+          <a:p>
+            <a:endParaRPr lang="en-US" dirty="0"/>
+          </a:p>
+          <a:p>
+            <a:endParaRPr lang="en-US" dirty="0"/>
+          </a:p>
+          <a:p>
+            <a:endParaRPr lang="en-US" dirty="0"/>
+          </a:p>
+          <a:p>
+            <a:endParaRPr lang="en-US" dirty="0"/>
+          </a:p>
+          <a:p>
+            <a:endParaRPr lang="en-US" dirty="0"/>
+          </a:p>
+          <a:p>
+            <a:endParaRPr lang="en-US" dirty="0"/>
+          </a:p>
+          <a:p>
+            <a:endParaRPr lang="en-US" dirty="0"/>
+          </a:p>
+          <a:p>
+            <a:endParaRPr lang="en-US" dirty="0"/>
+          </a:p>
+          <a:p>
+            <a:pPr lvl="1"/>
+            <a:endParaRPr lang="en-US" dirty="0"/>
+          </a:p>
+          <a:p>
+            <a:pPr lvl="1"/>
+            <a:endParaRPr lang="en-US" dirty="0"/>
+          </a:p>
+          <a:p>
+            <a:pPr lvl="1"/>
+            <a:endParaRPr lang="en-US" dirty="0"/>
+          </a:p>
+        </p:txBody>
+      </p:sp>
+      <p:sp>
+        <p:nvSpPr>
+          <p:cNvPr id="6" name="TextBox 5">
+            <a:extLst>
+              <a:ext uri="{FF2B5EF4-FFF2-40B4-BE49-F238E27FC236}">
+                <a16:creationId xmlns:a16="http://schemas.microsoft.com/office/drawing/2014/main" id="{B53A65CE-E8E3-976C-30F3-4592B1C232B9}"/>
+              </a:ext>
+            </a:extLst>
+          </p:cNvPr>
+          <p:cNvSpPr txBox="1"/>
+          <p:nvPr/>
+        </p:nvSpPr>
+        <p:spPr>
+          <a:xfrm>
+            <a:off x="2051720" y="2564904"/>
+            <a:ext cx="5896294" cy="369332"/>
+          </a:xfrm>
+          <a:prstGeom prst="rect">
+            <a:avLst/>
+          </a:prstGeom>
+          <a:noFill/>
+        </p:spPr>
+        <p:txBody>
+          <a:bodyPr wrap="none" rtlCol="0">
+            <a:spAutoFit/>
+          </a:bodyPr>
+          <a:lstStyle/>
+          <a:p>
+            <a:r>
+              <a:rPr lang="en-US" dirty="0" err="1"/>
+              <a:t>gpg</a:t>
+            </a:r>
+            <a:r>
+              <a:rPr lang="en-US" dirty="0"/>
+              <a:t> --</a:t>
+            </a:r>
+            <a:r>
+              <a:rPr lang="en-US" dirty="0" err="1"/>
+              <a:t>keyserver</a:t>
+            </a:r>
+            <a:r>
+              <a:rPr lang="en-US" dirty="0"/>
+              <a:t> http://keyserver.ubuntu.com --send-keys </a:t>
+            </a:r>
+            <a:r>
+              <a:rPr lang="en-US" dirty="0" err="1"/>
+              <a:t>xxxx</a:t>
+            </a:r>
+            <a:endParaRPr lang="en-US" dirty="0"/>
+          </a:p>
+        </p:txBody>
+      </p:sp>
+      <p:pic>
+        <p:nvPicPr>
+          <p:cNvPr id="10" name="Picture 9">
+            <a:extLst>
+              <a:ext uri="{FF2B5EF4-FFF2-40B4-BE49-F238E27FC236}">
+                <a16:creationId xmlns:a16="http://schemas.microsoft.com/office/drawing/2014/main" id="{496B7CE2-840F-314B-66E3-79C94A82A15D}"/>
+              </a:ext>
+            </a:extLst>
+          </p:cNvPr>
+          <p:cNvPicPr>
+            <a:picLocks noChangeAspect="1"/>
+          </p:cNvPicPr>
+          <p:nvPr/>
+        </p:nvPicPr>
+        <p:blipFill>
+          <a:blip r:embed="rId3"/>
+          <a:stretch>
+            <a:fillRect/>
+          </a:stretch>
+        </p:blipFill>
+        <p:spPr>
+          <a:xfrm>
+            <a:off x="2123728" y="3068960"/>
+            <a:ext cx="6811412" cy="3384376"/>
+          </a:xfrm>
+          <a:prstGeom prst="rect">
+            <a:avLst/>
+          </a:prstGeom>
+        </p:spPr>
+      </p:pic>
+    </p:spTree>
+    <p:extLst>
+      <p:ext uri="{BB962C8B-B14F-4D97-AF65-F5344CB8AC3E}">
+        <p14:creationId xmlns:p14="http://schemas.microsoft.com/office/powerpoint/2010/main" val="1252982025"/>
+      </p:ext>
+    </p:extLst>
+  </p:cSld>
+  <p:clrMapOvr>
+    <a:masterClrMapping/>
+  </p:clrMapOvr>
+</p:sld>
+</file>
+
+<file path=ppt/slides/slide45.xml><?xml version="1.0" encoding="utf-8"?>
+<p:sld xmlns:a="http://schemas.openxmlformats.org/drawingml/2006/main" xmlns:r="http://schemas.openxmlformats.org/officeDocument/2006/relationships" xmlns:p="http://schemas.openxmlformats.org/presentationml/2006/main">
+  <p:cSld>
+    <p:spTree>
+      <p:nvGrpSpPr>
+        <p:cNvPr id="1" name=""/>
+        <p:cNvGrpSpPr/>
+        <p:nvPr/>
+      </p:nvGrpSpPr>
+      <p:grpSpPr>
+        <a:xfrm>
+          <a:off x="0" y="0"/>
+          <a:ext cx="0" cy="0"/>
+          <a:chOff x="0" y="0"/>
+          <a:chExt cx="0" cy="0"/>
+        </a:xfrm>
+      </p:grpSpPr>
+      <p:sp>
+        <p:nvSpPr>
+          <p:cNvPr id="2" name="Title 1"/>
+          <p:cNvSpPr>
+            <a:spLocks noGrp="1"/>
+          </p:cNvSpPr>
+          <p:nvPr>
+            <p:ph type="title"/>
+          </p:nvPr>
+        </p:nvSpPr>
+        <p:spPr/>
+        <p:txBody>
+          <a:bodyPr/>
+          <a:lstStyle/>
+          <a:p>
+            <a:r>
+              <a:rPr lang="en-US" dirty="0"/>
+              <a:t>Maven</a:t>
+            </a:r>
+          </a:p>
+        </p:txBody>
+      </p:sp>
+      <p:sp>
+        <p:nvSpPr>
+          <p:cNvPr id="3" name="Content Placeholder 2"/>
+          <p:cNvSpPr>
+            <a:spLocks noGrp="1"/>
+          </p:cNvSpPr>
+          <p:nvPr>
+            <p:ph idx="1"/>
+          </p:nvPr>
+        </p:nvSpPr>
+        <p:spPr/>
+        <p:txBody>
+          <a:bodyPr>
+            <a:normAutofit/>
+          </a:bodyPr>
+          <a:lstStyle/>
+          <a:p>
+            <a:r>
+              <a:rPr lang="en-US" dirty="0"/>
+              <a:t>Maven Central</a:t>
+            </a:r>
+          </a:p>
+          <a:p>
+            <a:pPr lvl="1"/>
+            <a:r>
+              <a:rPr lang="en-US" dirty="0"/>
+              <a:t>Release - close -&gt; release</a:t>
+            </a:r>
+          </a:p>
+          <a:p>
+            <a:pPr lvl="2"/>
+            <a:endParaRPr lang="en-US" dirty="0"/>
+          </a:p>
+          <a:p>
+            <a:pPr lvl="1"/>
+            <a:endParaRPr lang="en-US" dirty="0"/>
+          </a:p>
+          <a:p>
+            <a:endParaRPr lang="en-US" dirty="0"/>
+          </a:p>
+          <a:p>
+            <a:endParaRPr lang="en-US" dirty="0"/>
+          </a:p>
+          <a:p>
+            <a:endParaRPr lang="en-US" dirty="0"/>
+          </a:p>
+          <a:p>
+            <a:endParaRPr lang="en-US" dirty="0"/>
+          </a:p>
+          <a:p>
+            <a:endParaRPr lang="en-US" dirty="0"/>
+          </a:p>
+          <a:p>
+            <a:endParaRPr lang="en-US" dirty="0"/>
+          </a:p>
+          <a:p>
+            <a:endParaRPr lang="en-US" dirty="0"/>
+          </a:p>
+          <a:p>
+            <a:endParaRPr lang="en-US" dirty="0"/>
+          </a:p>
+          <a:p>
+            <a:endParaRPr lang="en-US" dirty="0"/>
+          </a:p>
+          <a:p>
+            <a:endParaRPr lang="en-US" dirty="0"/>
+          </a:p>
+          <a:p>
+            <a:endParaRPr lang="en-US" dirty="0"/>
+          </a:p>
+          <a:p>
+            <a:pPr lvl="1"/>
+            <a:endParaRPr lang="en-US" dirty="0"/>
+          </a:p>
+          <a:p>
+            <a:pPr lvl="1"/>
+            <a:endParaRPr lang="en-US" dirty="0"/>
+          </a:p>
+          <a:p>
+            <a:pPr lvl="1"/>
+            <a:endParaRPr lang="en-US" dirty="0"/>
+          </a:p>
+        </p:txBody>
+      </p:sp>
+      <p:pic>
+        <p:nvPicPr>
+          <p:cNvPr id="6" name="Picture 5">
+            <a:extLst>
+              <a:ext uri="{FF2B5EF4-FFF2-40B4-BE49-F238E27FC236}">
+                <a16:creationId xmlns:a16="http://schemas.microsoft.com/office/drawing/2014/main" id="{251A3D6B-44B0-FFFB-400A-0970B6D303DB}"/>
+              </a:ext>
+            </a:extLst>
+          </p:cNvPr>
+          <p:cNvPicPr>
+            <a:picLocks noChangeAspect="1"/>
+          </p:cNvPicPr>
+          <p:nvPr/>
+        </p:nvPicPr>
+        <p:blipFill>
+          <a:blip r:embed="rId3"/>
+          <a:stretch>
+            <a:fillRect/>
+          </a:stretch>
+        </p:blipFill>
+        <p:spPr>
+          <a:xfrm>
+            <a:off x="2195736" y="2564904"/>
+            <a:ext cx="4464496" cy="4159121"/>
+          </a:xfrm>
+          <a:prstGeom prst="rect">
+            <a:avLst/>
+          </a:prstGeom>
+        </p:spPr>
+      </p:pic>
+      <p:sp>
+        <p:nvSpPr>
+          <p:cNvPr id="7" name="Oval 6">
+            <a:extLst>
+              <a:ext uri="{FF2B5EF4-FFF2-40B4-BE49-F238E27FC236}">
+                <a16:creationId xmlns:a16="http://schemas.microsoft.com/office/drawing/2014/main" id="{9D54A7FB-56AB-8AA8-38CA-5DE1430CBEA9}"/>
+              </a:ext>
+            </a:extLst>
+          </p:cNvPr>
+          <p:cNvSpPr/>
+          <p:nvPr/>
+        </p:nvSpPr>
+        <p:spPr>
+          <a:xfrm>
+            <a:off x="4139952" y="3450020"/>
+            <a:ext cx="504056" cy="216024"/>
+          </a:xfrm>
+          <a:prstGeom prst="ellipse">
+            <a:avLst/>
+          </a:prstGeom>
+          <a:noFill/>
+          <a:ln>
+            <a:solidFill>
+              <a:srgbClr val="FF0000"/>
+            </a:solidFill>
+          </a:ln>
+        </p:spPr>
+        <p:style>
+          <a:lnRef idx="2">
+            <a:schemeClr val="accent1">
+              <a:shade val="50000"/>
+            </a:schemeClr>
+          </a:lnRef>
+          <a:fillRef idx="1">
+            <a:schemeClr val="accent1"/>
+          </a:fillRef>
+          <a:effectRef idx="0">
+            <a:schemeClr val="accent1"/>
+          </a:effectRef>
+          <a:fontRef idx="minor">
+            <a:schemeClr val="lt1"/>
+          </a:fontRef>
+        </p:style>
+        <p:txBody>
+          <a:bodyPr rtlCol="0" anchor="ctr"/>
+          <a:lstStyle/>
+          <a:p>
+            <a:pPr algn="ctr"/>
+            <a:endParaRPr lang="en-US"/>
+          </a:p>
+        </p:txBody>
+      </p:sp>
+    </p:spTree>
+    <p:extLst>
+      <p:ext uri="{BB962C8B-B14F-4D97-AF65-F5344CB8AC3E}">
+        <p14:creationId xmlns:p14="http://schemas.microsoft.com/office/powerpoint/2010/main" val="3392275072"/>
+      </p:ext>
+    </p:extLst>
+  </p:cSld>
+  <p:clrMapOvr>
+    <a:masterClrMapping/>
+  </p:clrMapOvr>
+</p:sld>
+</file>
+
+<file path=ppt/slides/slide46.xml><?xml version="1.0" encoding="utf-8"?>
+<p:sld xmlns:a="http://schemas.openxmlformats.org/drawingml/2006/main" xmlns:r="http://schemas.openxmlformats.org/officeDocument/2006/relationships" xmlns:p="http://schemas.openxmlformats.org/presentationml/2006/main">
+  <p:cSld>
+    <p:spTree>
+      <p:nvGrpSpPr>
+        <p:cNvPr id="1" name=""/>
+        <p:cNvGrpSpPr/>
+        <p:nvPr/>
+      </p:nvGrpSpPr>
+      <p:grpSpPr>
+        <a:xfrm>
+          <a:off x="0" y="0"/>
+          <a:ext cx="0" cy="0"/>
+          <a:chOff x="0" y="0"/>
+          <a:chExt cx="0" cy="0"/>
+        </a:xfrm>
+      </p:grpSpPr>
+      <p:sp>
+        <p:nvSpPr>
+          <p:cNvPr id="2" name="Title 1"/>
+          <p:cNvSpPr>
+            <a:spLocks noGrp="1"/>
+          </p:cNvSpPr>
+          <p:nvPr>
+            <p:ph type="title"/>
+          </p:nvPr>
+        </p:nvSpPr>
+        <p:spPr/>
+        <p:txBody>
+          <a:bodyPr/>
+          <a:lstStyle/>
+          <a:p>
+            <a:r>
+              <a:rPr lang="en-US" dirty="0"/>
+              <a:t>Maven</a:t>
+            </a:r>
+          </a:p>
+        </p:txBody>
+      </p:sp>
+      <p:sp>
+        <p:nvSpPr>
+          <p:cNvPr id="3" name="Content Placeholder 2"/>
+          <p:cNvSpPr>
+            <a:spLocks noGrp="1"/>
+          </p:cNvSpPr>
+          <p:nvPr>
+            <p:ph idx="1"/>
+          </p:nvPr>
+        </p:nvSpPr>
+        <p:spPr/>
+        <p:txBody>
+          <a:bodyPr>
+            <a:normAutofit/>
+          </a:bodyPr>
+          <a:lstStyle/>
+          <a:p>
+            <a:r>
+              <a:rPr lang="en-US" dirty="0"/>
+              <a:t>Maven Central</a:t>
+            </a:r>
+          </a:p>
+          <a:p>
+            <a:pPr lvl="1"/>
+            <a:r>
+              <a:rPr lang="en-US" dirty="0"/>
+              <a:t>Release</a:t>
+            </a:r>
+          </a:p>
+          <a:p>
+            <a:pPr lvl="2"/>
+            <a:r>
+              <a:rPr lang="en-US" dirty="0"/>
+              <a:t>wait for Maven Central to synchronize (take up to 30 minutes)</a:t>
+            </a:r>
+          </a:p>
+          <a:p>
+            <a:pPr lvl="2"/>
+            <a:r>
+              <a:rPr lang="en-US" dirty="0"/>
+              <a:t>whereas </a:t>
+            </a:r>
+            <a:r>
+              <a:rPr lang="en-US" dirty="0">
+                <a:hlinkClick r:id="rId3"/>
+              </a:rPr>
+              <a:t>https://search.maven.org/</a:t>
+            </a:r>
+            <a:r>
+              <a:rPr lang="en-US" dirty="0"/>
+              <a:t> can take up to 4 hours to show your newly deployed artifact</a:t>
+            </a:r>
+          </a:p>
+          <a:p>
+            <a:pPr lvl="2"/>
+            <a:endParaRPr lang="en-US" dirty="0"/>
+          </a:p>
+          <a:p>
+            <a:pPr lvl="2"/>
+            <a:endParaRPr lang="en-US" dirty="0"/>
+          </a:p>
+          <a:p>
+            <a:pPr lvl="1"/>
+            <a:endParaRPr lang="en-US" dirty="0"/>
+          </a:p>
+          <a:p>
+            <a:endParaRPr lang="en-US" dirty="0"/>
+          </a:p>
+          <a:p>
+            <a:endParaRPr lang="en-US" dirty="0"/>
+          </a:p>
+          <a:p>
+            <a:endParaRPr lang="en-US" dirty="0"/>
+          </a:p>
+          <a:p>
+            <a:endParaRPr lang="en-US" dirty="0"/>
+          </a:p>
+          <a:p>
+            <a:endParaRPr lang="en-US" dirty="0"/>
+          </a:p>
+          <a:p>
+            <a:endParaRPr lang="en-US" dirty="0"/>
+          </a:p>
+          <a:p>
+            <a:endParaRPr lang="en-US" dirty="0"/>
+          </a:p>
+          <a:p>
+            <a:endParaRPr lang="en-US" dirty="0"/>
+          </a:p>
+          <a:p>
+            <a:endParaRPr lang="en-US" dirty="0"/>
+          </a:p>
+          <a:p>
+            <a:endParaRPr lang="en-US" dirty="0"/>
+          </a:p>
+          <a:p>
+            <a:endParaRPr lang="en-US" dirty="0"/>
+          </a:p>
+          <a:p>
+            <a:pPr lvl="1"/>
+            <a:endParaRPr lang="en-US" dirty="0"/>
+          </a:p>
+          <a:p>
+            <a:pPr lvl="1"/>
+            <a:endParaRPr lang="en-US" dirty="0"/>
+          </a:p>
+          <a:p>
+            <a:pPr lvl="1"/>
+            <a:endParaRPr lang="en-US" dirty="0"/>
+          </a:p>
+        </p:txBody>
+      </p:sp>
+    </p:spTree>
+    <p:extLst>
+      <p:ext uri="{BB962C8B-B14F-4D97-AF65-F5344CB8AC3E}">
+        <p14:creationId xmlns:p14="http://schemas.microsoft.com/office/powerpoint/2010/main" val="3015230907"/>
+      </p:ext>
+    </p:extLst>
+  </p:cSld>
+  <p:clrMapOvr>
+    <a:masterClrMapping/>
+  </p:clrMapOvr>
+</p:sld>
+</file>
+
+<file path=ppt/slides/slide47.xml><?xml version="1.0" encoding="utf-8"?>
+<p:sld xmlns:a="http://schemas.openxmlformats.org/drawingml/2006/main" xmlns:r="http://schemas.openxmlformats.org/officeDocument/2006/relationships" xmlns:p="http://schemas.openxmlformats.org/presentationml/2006/main">
+  <p:cSld>
+    <p:spTree>
+      <p:nvGrpSpPr>
+        <p:cNvPr id="1" name=""/>
+        <p:cNvGrpSpPr/>
+        <p:nvPr/>
+      </p:nvGrpSpPr>
+      <p:grpSpPr>
+        <a:xfrm>
+          <a:off x="0" y="0"/>
+          <a:ext cx="0" cy="0"/>
+          <a:chOff x="0" y="0"/>
+          <a:chExt cx="0" cy="0"/>
+        </a:xfrm>
+      </p:grpSpPr>
+      <p:sp>
+        <p:nvSpPr>
+          <p:cNvPr id="2" name="Title 1"/>
+          <p:cNvSpPr>
+            <a:spLocks noGrp="1"/>
+          </p:cNvSpPr>
+          <p:nvPr>
+            <p:ph type="title"/>
+          </p:nvPr>
+        </p:nvSpPr>
+        <p:spPr/>
+        <p:txBody>
+          <a:bodyPr/>
+          <a:lstStyle/>
+          <a:p>
+            <a:r>
+              <a:rPr lang="en-US" dirty="0"/>
+              <a:t>Maven</a:t>
+            </a:r>
+          </a:p>
+        </p:txBody>
+      </p:sp>
+      <p:sp>
+        <p:nvSpPr>
+          <p:cNvPr id="3" name="Content Placeholder 2"/>
+          <p:cNvSpPr>
+            <a:spLocks noGrp="1"/>
+          </p:cNvSpPr>
+          <p:nvPr>
+            <p:ph idx="1"/>
+          </p:nvPr>
+        </p:nvSpPr>
+        <p:spPr/>
+        <p:txBody>
+          <a:bodyPr>
+            <a:normAutofit/>
+          </a:bodyPr>
+          <a:lstStyle/>
+          <a:p>
+            <a:r>
+              <a:rPr lang="en-US" dirty="0"/>
+              <a:t>Maven Central</a:t>
+            </a:r>
+          </a:p>
+          <a:p>
+            <a:pPr lvl="1"/>
+            <a:r>
+              <a:rPr lang="en-US" dirty="0"/>
+              <a:t>Release</a:t>
+            </a:r>
+          </a:p>
+          <a:p>
+            <a:pPr lvl="1"/>
+            <a:endParaRPr lang="en-US" dirty="0"/>
+          </a:p>
+          <a:p>
+            <a:pPr lvl="2"/>
+            <a:endParaRPr lang="en-US" dirty="0"/>
+          </a:p>
+          <a:p>
+            <a:pPr lvl="1"/>
+            <a:endParaRPr lang="en-US" dirty="0"/>
+          </a:p>
+          <a:p>
+            <a:endParaRPr lang="en-US" dirty="0"/>
+          </a:p>
+          <a:p>
+            <a:endParaRPr lang="en-US" dirty="0"/>
+          </a:p>
+          <a:p>
+            <a:endParaRPr lang="en-US" dirty="0"/>
+          </a:p>
+          <a:p>
+            <a:endParaRPr lang="en-US" dirty="0"/>
+          </a:p>
+          <a:p>
+            <a:endParaRPr lang="en-US" dirty="0"/>
+          </a:p>
+          <a:p>
+            <a:endParaRPr lang="en-US" dirty="0"/>
+          </a:p>
+          <a:p>
+            <a:endParaRPr lang="en-US" dirty="0"/>
+          </a:p>
+          <a:p>
+            <a:endParaRPr lang="en-US" dirty="0"/>
+          </a:p>
+          <a:p>
+            <a:endParaRPr lang="en-US" dirty="0"/>
+          </a:p>
+          <a:p>
+            <a:endParaRPr lang="en-US" dirty="0"/>
+          </a:p>
+          <a:p>
+            <a:endParaRPr lang="en-US" dirty="0"/>
+          </a:p>
+          <a:p>
+            <a:pPr lvl="1"/>
+            <a:endParaRPr lang="en-US" dirty="0"/>
+          </a:p>
+          <a:p>
+            <a:pPr lvl="1"/>
+            <a:endParaRPr lang="en-US" dirty="0"/>
+          </a:p>
+          <a:p>
+            <a:pPr lvl="1"/>
+            <a:endParaRPr lang="en-US" dirty="0"/>
+          </a:p>
+        </p:txBody>
+      </p:sp>
+      <p:pic>
+        <p:nvPicPr>
+          <p:cNvPr id="5" name="Picture 4">
+            <a:extLst>
+              <a:ext uri="{FF2B5EF4-FFF2-40B4-BE49-F238E27FC236}">
+                <a16:creationId xmlns:a16="http://schemas.microsoft.com/office/drawing/2014/main" id="{CDF19989-3D23-F140-FB8D-6E9F99C7DAEF}"/>
+              </a:ext>
+            </a:extLst>
+          </p:cNvPr>
+          <p:cNvPicPr>
+            <a:picLocks noChangeAspect="1"/>
+          </p:cNvPicPr>
+          <p:nvPr/>
+        </p:nvPicPr>
+        <p:blipFill>
+          <a:blip r:embed="rId3"/>
+          <a:stretch>
+            <a:fillRect/>
+          </a:stretch>
+        </p:blipFill>
+        <p:spPr>
+          <a:xfrm>
+            <a:off x="2153283" y="2607492"/>
+            <a:ext cx="5659077" cy="4061868"/>
+          </a:xfrm>
+          <a:prstGeom prst="rect">
+            <a:avLst/>
+          </a:prstGeom>
+        </p:spPr>
+      </p:pic>
+    </p:spTree>
+    <p:extLst>
+      <p:ext uri="{BB962C8B-B14F-4D97-AF65-F5344CB8AC3E}">
+        <p14:creationId xmlns:p14="http://schemas.microsoft.com/office/powerpoint/2010/main" val="2050384059"/>
+      </p:ext>
+    </p:extLst>
+  </p:cSld>
+  <p:clrMapOvr>
+    <a:masterClrMapping/>
+  </p:clrMapOvr>
+</p:sld>
+</file>
+
+<file path=ppt/slides/slide48.xml><?xml version="1.0" encoding="utf-8"?>
+<p:sld xmlns:a="http://schemas.openxmlformats.org/drawingml/2006/main" xmlns:r="http://schemas.openxmlformats.org/officeDocument/2006/relationships" xmlns:p="http://schemas.openxmlformats.org/presentationml/2006/main">
+  <p:cSld>
+    <p:spTree>
+      <p:nvGrpSpPr>
+        <p:cNvPr id="1" name=""/>
+        <p:cNvGrpSpPr/>
+        <p:nvPr/>
+      </p:nvGrpSpPr>
+      <p:grpSpPr>
+        <a:xfrm>
+          <a:off x="0" y="0"/>
+          <a:ext cx="0" cy="0"/>
+          <a:chOff x="0" y="0"/>
+          <a:chExt cx="0" cy="0"/>
+        </a:xfrm>
+      </p:grpSpPr>
+      <p:sp>
+        <p:nvSpPr>
+          <p:cNvPr id="2" name="Title 1"/>
+          <p:cNvSpPr>
+            <a:spLocks noGrp="1"/>
+          </p:cNvSpPr>
+          <p:nvPr>
+            <p:ph type="title"/>
+          </p:nvPr>
+        </p:nvSpPr>
+        <p:spPr/>
+        <p:txBody>
+          <a:bodyPr/>
+          <a:lstStyle/>
+          <a:p>
+            <a:r>
+              <a:rPr lang="en-US" dirty="0"/>
+              <a:t>Maven</a:t>
+            </a:r>
+          </a:p>
+        </p:txBody>
+      </p:sp>
+      <p:sp>
+        <p:nvSpPr>
+          <p:cNvPr id="3" name="Content Placeholder 2"/>
+          <p:cNvSpPr>
+            <a:spLocks noGrp="1"/>
+          </p:cNvSpPr>
+          <p:nvPr>
+            <p:ph idx="1"/>
+          </p:nvPr>
+        </p:nvSpPr>
+        <p:spPr/>
+        <p:txBody>
+          <a:bodyPr>
+            <a:normAutofit/>
+          </a:bodyPr>
+          <a:lstStyle/>
+          <a:p>
+            <a:r>
+              <a:rPr lang="en-US" dirty="0"/>
+              <a:t>Maven Central</a:t>
+            </a:r>
+          </a:p>
+          <a:p>
+            <a:pPr lvl="1"/>
+            <a:r>
+              <a:rPr lang="en-US" dirty="0"/>
+              <a:t>Release</a:t>
+            </a:r>
+          </a:p>
+          <a:p>
+            <a:pPr lvl="1"/>
+            <a:endParaRPr lang="en-US" dirty="0"/>
+          </a:p>
+          <a:p>
+            <a:pPr lvl="2"/>
+            <a:endParaRPr lang="en-US" dirty="0"/>
+          </a:p>
+          <a:p>
+            <a:pPr lvl="1"/>
+            <a:endParaRPr lang="en-US" dirty="0"/>
+          </a:p>
+          <a:p>
+            <a:endParaRPr lang="en-US" dirty="0"/>
+          </a:p>
+          <a:p>
+            <a:endParaRPr lang="en-US" dirty="0"/>
+          </a:p>
+          <a:p>
+            <a:endParaRPr lang="en-US" dirty="0"/>
+          </a:p>
+          <a:p>
+            <a:endParaRPr lang="en-US" dirty="0"/>
+          </a:p>
+          <a:p>
+            <a:endParaRPr lang="en-US" dirty="0"/>
+          </a:p>
+          <a:p>
+            <a:endParaRPr lang="en-US" dirty="0"/>
+          </a:p>
+          <a:p>
+            <a:endParaRPr lang="en-US" dirty="0"/>
+          </a:p>
+          <a:p>
+            <a:endParaRPr lang="en-US" dirty="0"/>
+          </a:p>
+          <a:p>
+            <a:endParaRPr lang="en-US" dirty="0"/>
+          </a:p>
+          <a:p>
+            <a:endParaRPr lang="en-US" dirty="0"/>
+          </a:p>
+          <a:p>
+            <a:endParaRPr lang="en-US" dirty="0"/>
+          </a:p>
+          <a:p>
+            <a:pPr lvl="1"/>
+            <a:endParaRPr lang="en-US" dirty="0"/>
+          </a:p>
+          <a:p>
+            <a:pPr lvl="1"/>
+            <a:endParaRPr lang="en-US" dirty="0"/>
+          </a:p>
+          <a:p>
+            <a:pPr lvl="1"/>
+            <a:endParaRPr lang="en-US" dirty="0"/>
+          </a:p>
+        </p:txBody>
+      </p:sp>
+      <p:pic>
+        <p:nvPicPr>
+          <p:cNvPr id="6" name="Picture 5">
+            <a:extLst>
+              <a:ext uri="{FF2B5EF4-FFF2-40B4-BE49-F238E27FC236}">
+                <a16:creationId xmlns:a16="http://schemas.microsoft.com/office/drawing/2014/main" id="{4C9D0D63-2022-FD1F-E79E-F9E77FD945B1}"/>
+              </a:ext>
+            </a:extLst>
+          </p:cNvPr>
+          <p:cNvPicPr>
+            <a:picLocks noChangeAspect="1"/>
+          </p:cNvPicPr>
+          <p:nvPr/>
+        </p:nvPicPr>
+        <p:blipFill>
+          <a:blip r:embed="rId3"/>
+          <a:stretch>
+            <a:fillRect/>
+          </a:stretch>
+        </p:blipFill>
+        <p:spPr>
+          <a:xfrm>
+            <a:off x="2123728" y="2628963"/>
+            <a:ext cx="6480720" cy="3948395"/>
+          </a:xfrm>
+          <a:prstGeom prst="rect">
+            <a:avLst/>
+          </a:prstGeom>
+        </p:spPr>
+      </p:pic>
+    </p:spTree>
+    <p:extLst>
+      <p:ext uri="{BB962C8B-B14F-4D97-AF65-F5344CB8AC3E}">
+        <p14:creationId xmlns:p14="http://schemas.microsoft.com/office/powerpoint/2010/main" val="829572542"/>
+      </p:ext>
+    </p:extLst>
+  </p:cSld>
+  <p:clrMapOvr>
+    <a:masterClrMapping/>
+  </p:clrMapOvr>
+</p:sld>
+</file>
+
+<file path=ppt/slides/slide49.xml><?xml version="1.0" encoding="utf-8"?>
+<p:sld xmlns:a="http://schemas.openxmlformats.org/drawingml/2006/main" xmlns:r="http://schemas.openxmlformats.org/officeDocument/2006/relationships" xmlns:p="http://schemas.openxmlformats.org/presentationml/2006/main">
+  <p:cSld>
+    <p:spTree>
+      <p:nvGrpSpPr>
+        <p:cNvPr id="1" name=""/>
+        <p:cNvGrpSpPr/>
+        <p:nvPr/>
+      </p:nvGrpSpPr>
+      <p:grpSpPr>
+        <a:xfrm>
+          <a:off x="0" y="0"/>
+          <a:ext cx="0" cy="0"/>
+          <a:chOff x="0" y="0"/>
+          <a:chExt cx="0" cy="0"/>
+        </a:xfrm>
+      </p:grpSpPr>
+      <p:sp>
+        <p:nvSpPr>
+          <p:cNvPr id="2" name="Title 1"/>
+          <p:cNvSpPr>
+            <a:spLocks noGrp="1"/>
+          </p:cNvSpPr>
+          <p:nvPr>
+            <p:ph type="title"/>
+          </p:nvPr>
+        </p:nvSpPr>
+        <p:spPr/>
+        <p:txBody>
+          <a:bodyPr/>
+          <a:lstStyle/>
+          <a:p>
+            <a:r>
+              <a:rPr lang="en-US" dirty="0"/>
+              <a:t>Reference</a:t>
+            </a:r>
+          </a:p>
+        </p:txBody>
+      </p:sp>
+      <p:sp>
+        <p:nvSpPr>
+          <p:cNvPr id="3" name="Content Placeholder 2"/>
+          <p:cNvSpPr>
+            <a:spLocks noGrp="1"/>
+          </p:cNvSpPr>
+          <p:nvPr>
+            <p:ph idx="1"/>
+          </p:nvPr>
+        </p:nvSpPr>
+        <p:spPr/>
+        <p:txBody>
+          <a:bodyPr>
+            <a:normAutofit fontScale="70000" lnSpcReduction="20000"/>
+          </a:bodyPr>
+          <a:lstStyle/>
+          <a:p>
+            <a:r>
+              <a:rPr lang="en-US" dirty="0">
+                <a:hlinkClick r:id="rId3"/>
+              </a:rPr>
+              <a:t>https://maven.apache.org</a:t>
+            </a:r>
+            <a:endParaRPr lang="en-US" dirty="0"/>
+          </a:p>
+          <a:p>
+            <a:r>
+              <a:rPr lang="en-US" dirty="0">
+                <a:hlinkClick r:id="rId4"/>
+              </a:rPr>
+              <a:t>https://www.jittagornp.me/blog/what-is-apache-maven/</a:t>
+            </a:r>
+            <a:endParaRPr lang="en-US" dirty="0"/>
+          </a:p>
+          <a:p>
+            <a:r>
+              <a:rPr lang="en-US" dirty="0">
+                <a:hlinkClick r:id="rId5"/>
+              </a:rPr>
+              <a:t>https://www.jittagornp.me/blog/basic-maven-command-line/</a:t>
+            </a:r>
+            <a:endParaRPr lang="en-US" dirty="0"/>
+          </a:p>
+          <a:p>
+            <a:r>
+              <a:rPr lang="en-US" dirty="0">
+                <a:hlinkClick r:id="rId6"/>
+              </a:rPr>
+              <a:t>https://www.baeldung.com/maven-archetype</a:t>
+            </a:r>
+            <a:endParaRPr lang="en-US" dirty="0"/>
+          </a:p>
+          <a:p>
+            <a:r>
+              <a:rPr lang="en-US" dirty="0">
+                <a:hlinkClick r:id="rId7"/>
+              </a:rPr>
+              <a:t>https://dzone.com/articles/how-to-publish-artifacts-to-maven-central</a:t>
+            </a:r>
+            <a:endParaRPr lang="en-US" dirty="0"/>
+          </a:p>
+          <a:p>
+            <a:r>
+              <a:rPr lang="en-US" dirty="0">
+                <a:hlinkClick r:id="rId8"/>
+              </a:rPr>
+              <a:t>https://inthecheesefactory.com/blog/how-to-upload-library-to-jcenter-maven-central-as-dependency/th</a:t>
+            </a:r>
+            <a:endParaRPr lang="en-US" dirty="0"/>
+          </a:p>
+          <a:p>
+            <a:r>
+              <a:rPr lang="en-US" dirty="0">
+                <a:hlinkClick r:id="rId9"/>
+              </a:rPr>
+              <a:t>https://central.sonatype.org/publish/requirements/coordinates/#supported-code-hosting-services-for-personal-groupid</a:t>
+            </a:r>
+            <a:endParaRPr lang="en-US" dirty="0"/>
+          </a:p>
+          <a:p>
+            <a:r>
+              <a:rPr lang="en-US" dirty="0">
+                <a:hlinkClick r:id="rId10"/>
+              </a:rPr>
+              <a:t>https://central.sonatype.org/publish/publish-guide/</a:t>
+            </a:r>
+            <a:endParaRPr lang="en-US" dirty="0"/>
+          </a:p>
+          <a:p>
+            <a:r>
+              <a:rPr lang="en-US" dirty="0">
+                <a:hlinkClick r:id="rId11"/>
+              </a:rPr>
+              <a:t>https://central.sonatype.org/publish/publish-maven/</a:t>
+            </a:r>
+            <a:endParaRPr lang="en-US" dirty="0"/>
+          </a:p>
+          <a:p>
+            <a:endParaRPr lang="en-US" dirty="0"/>
+          </a:p>
+          <a:p>
+            <a:endParaRPr lang="en-US" dirty="0"/>
+          </a:p>
+          <a:p>
+            <a:endParaRPr lang="en-US" dirty="0"/>
+          </a:p>
+          <a:p>
+            <a:endParaRPr lang="en-US" dirty="0"/>
+          </a:p>
+          <a:p>
+            <a:endParaRPr lang="en-US" dirty="0"/>
+          </a:p>
+          <a:p>
+            <a:endParaRPr lang="en-US" dirty="0"/>
+          </a:p>
+          <a:p>
+            <a:pPr lvl="1"/>
+            <a:endParaRPr lang="en-US" dirty="0"/>
+          </a:p>
+          <a:p>
+            <a:pPr lvl="1"/>
+            <a:endParaRPr lang="en-US" dirty="0"/>
+          </a:p>
+          <a:p>
+            <a:pPr lvl="1"/>
+            <a:endParaRPr lang="en-US" dirty="0"/>
+          </a:p>
+        </p:txBody>
+      </p:sp>
+    </p:spTree>
+    <p:extLst>
+      <p:ext uri="{BB962C8B-B14F-4D97-AF65-F5344CB8AC3E}">
+        <p14:creationId xmlns:p14="http://schemas.microsoft.com/office/powerpoint/2010/main" val="4209440074"/>
       </p:ext>
     </p:extLst>
   </p:cSld>
@@ -12668,6 +19116,88 @@
     <p:extLst>
       <p:ext uri="{BB962C8B-B14F-4D97-AF65-F5344CB8AC3E}">
         <p14:creationId xmlns:p14="http://schemas.microsoft.com/office/powerpoint/2010/main" val="4050743212"/>
+      </p:ext>
+    </p:extLst>
+  </p:cSld>
+  <p:clrMapOvr>
+    <a:masterClrMapping/>
+  </p:clrMapOvr>
+</p:sld>
+</file>
+
+<file path=ppt/slides/slide50.xml><?xml version="1.0" encoding="utf-8"?>
+<p:sld xmlns:a="http://schemas.openxmlformats.org/drawingml/2006/main" xmlns:r="http://schemas.openxmlformats.org/officeDocument/2006/relationships" xmlns:p="http://schemas.openxmlformats.org/presentationml/2006/main">
+  <p:cSld>
+    <p:spTree>
+      <p:nvGrpSpPr>
+        <p:cNvPr id="1" name=""/>
+        <p:cNvGrpSpPr/>
+        <p:nvPr/>
+      </p:nvGrpSpPr>
+      <p:grpSpPr>
+        <a:xfrm>
+          <a:off x="0" y="0"/>
+          <a:ext cx="0" cy="0"/>
+          <a:chOff x="0" y="0"/>
+          <a:chExt cx="0" cy="0"/>
+        </a:xfrm>
+      </p:grpSpPr>
+      <p:sp>
+        <p:nvSpPr>
+          <p:cNvPr id="4" name="Rectangle 3"/>
+          <p:cNvSpPr/>
+          <p:nvPr/>
+        </p:nvSpPr>
+        <p:spPr>
+          <a:xfrm>
+            <a:off x="3692290" y="2967335"/>
+            <a:ext cx="2165594" cy="923330"/>
+          </a:xfrm>
+          <a:prstGeom prst="rect">
+            <a:avLst/>
+          </a:prstGeom>
+          <a:noFill/>
+        </p:spPr>
+        <p:txBody>
+          <a:bodyPr wrap="none" lIns="91440" tIns="45720" rIns="91440" bIns="45720">
+            <a:spAutoFit/>
+          </a:bodyPr>
+          <a:lstStyle/>
+          <a:p>
+            <a:pPr algn="ctr"/>
+            <a:r>
+              <a:rPr lang="en-US" sz="5400" b="1" cap="none" spc="0" dirty="0">
+                <a:ln w="12700">
+                  <a:solidFill>
+                    <a:schemeClr val="tx2">
+                      <a:satMod val="155000"/>
+                    </a:schemeClr>
+                  </a:solidFill>
+                  <a:prstDash val="solid"/>
+                </a:ln>
+                <a:solidFill>
+                  <a:schemeClr val="bg2">
+                    <a:tint val="85000"/>
+                    <a:satMod val="155000"/>
+                  </a:schemeClr>
+                </a:solidFill>
+                <a:effectLst>
+                  <a:outerShdw blurRad="41275" dist="20320" dir="1800000" algn="tl" rotWithShape="0">
+                    <a:srgbClr val="000000">
+                      <a:alpha val="40000"/>
+                    </a:srgbClr>
+                  </a:outerShdw>
+                </a:effectLst>
+              </a:rPr>
+              <a:t>Q &amp; A</a:t>
+            </a:r>
+          </a:p>
+        </p:txBody>
+      </p:sp>
+    </p:spTree>
+    <p:extLst>
+      <p:ext uri="{BB962C8B-B14F-4D97-AF65-F5344CB8AC3E}">
+        <p14:creationId xmlns:p14="http://schemas.microsoft.com/office/powerpoint/2010/main" val="3035217709"/>
       </p:ext>
     </p:extLst>
   </p:cSld>

--- a/Introduction to Maven.pptx
+++ b/Introduction to Maven.pptx
@@ -5,7 +5,7 @@
     <p:sldMasterId id="2147483684" r:id="rId1"/>
   </p:sldMasterIdLst>
   <p:notesMasterIdLst>
-    <p:notesMasterId r:id="rId52"/>
+    <p:notesMasterId r:id="rId56"/>
   </p:notesMasterIdLst>
   <p:sldIdLst>
     <p:sldId id="256" r:id="rId2"/>
@@ -25,39 +25,43 @@
     <p:sldId id="461" r:id="rId16"/>
     <p:sldId id="456" r:id="rId17"/>
     <p:sldId id="470" r:id="rId18"/>
-    <p:sldId id="457" r:id="rId19"/>
-    <p:sldId id="463" r:id="rId20"/>
-    <p:sldId id="464" r:id="rId21"/>
-    <p:sldId id="465" r:id="rId22"/>
-    <p:sldId id="466" r:id="rId23"/>
-    <p:sldId id="467" r:id="rId24"/>
-    <p:sldId id="473" r:id="rId25"/>
-    <p:sldId id="469" r:id="rId26"/>
-    <p:sldId id="468" r:id="rId27"/>
-    <p:sldId id="471" r:id="rId28"/>
-    <p:sldId id="474" r:id="rId29"/>
-    <p:sldId id="472" r:id="rId30"/>
-    <p:sldId id="479" r:id="rId31"/>
-    <p:sldId id="480" r:id="rId32"/>
-    <p:sldId id="499" r:id="rId33"/>
-    <p:sldId id="482" r:id="rId34"/>
-    <p:sldId id="481" r:id="rId35"/>
-    <p:sldId id="483" r:id="rId36"/>
-    <p:sldId id="486" r:id="rId37"/>
-    <p:sldId id="485" r:id="rId38"/>
-    <p:sldId id="487" r:id="rId39"/>
-    <p:sldId id="489" r:id="rId40"/>
-    <p:sldId id="488" r:id="rId41"/>
-    <p:sldId id="492" r:id="rId42"/>
-    <p:sldId id="493" r:id="rId43"/>
-    <p:sldId id="494" r:id="rId44"/>
-    <p:sldId id="495" r:id="rId45"/>
-    <p:sldId id="496" r:id="rId46"/>
-    <p:sldId id="497" r:id="rId47"/>
-    <p:sldId id="498" r:id="rId48"/>
-    <p:sldId id="500" r:id="rId49"/>
-    <p:sldId id="490" r:id="rId50"/>
-    <p:sldId id="491" r:id="rId51"/>
+    <p:sldId id="502" r:id="rId19"/>
+    <p:sldId id="503" r:id="rId20"/>
+    <p:sldId id="504" r:id="rId21"/>
+    <p:sldId id="457" r:id="rId22"/>
+    <p:sldId id="463" r:id="rId23"/>
+    <p:sldId id="464" r:id="rId24"/>
+    <p:sldId id="465" r:id="rId25"/>
+    <p:sldId id="466" r:id="rId26"/>
+    <p:sldId id="501" r:id="rId27"/>
+    <p:sldId id="467" r:id="rId28"/>
+    <p:sldId id="473" r:id="rId29"/>
+    <p:sldId id="469" r:id="rId30"/>
+    <p:sldId id="468" r:id="rId31"/>
+    <p:sldId id="471" r:id="rId32"/>
+    <p:sldId id="474" r:id="rId33"/>
+    <p:sldId id="472" r:id="rId34"/>
+    <p:sldId id="479" r:id="rId35"/>
+    <p:sldId id="480" r:id="rId36"/>
+    <p:sldId id="499" r:id="rId37"/>
+    <p:sldId id="482" r:id="rId38"/>
+    <p:sldId id="481" r:id="rId39"/>
+    <p:sldId id="483" r:id="rId40"/>
+    <p:sldId id="486" r:id="rId41"/>
+    <p:sldId id="485" r:id="rId42"/>
+    <p:sldId id="487" r:id="rId43"/>
+    <p:sldId id="489" r:id="rId44"/>
+    <p:sldId id="488" r:id="rId45"/>
+    <p:sldId id="492" r:id="rId46"/>
+    <p:sldId id="493" r:id="rId47"/>
+    <p:sldId id="494" r:id="rId48"/>
+    <p:sldId id="495" r:id="rId49"/>
+    <p:sldId id="496" r:id="rId50"/>
+    <p:sldId id="497" r:id="rId51"/>
+    <p:sldId id="498" r:id="rId52"/>
+    <p:sldId id="500" r:id="rId53"/>
+    <p:sldId id="490" r:id="rId54"/>
+    <p:sldId id="491" r:id="rId55"/>
   </p:sldIdLst>
   <p:sldSz cx="9144000" cy="6858000" type="screen4x3"/>
   <p:notesSz cx="6858000" cy="9144000"/>
@@ -258,7 +262,7 @@
             <a:fld id="{940CEE64-98CB-4226-A253-7BC1859BE751}" type="datetimeFigureOut">
               <a:rPr lang="en-US" smtClean="0"/>
               <a:pPr/>
-              <a:t>01/03/2023</a:t>
+              <a:t>18/03/2023</a:t>
             </a:fld>
             <a:endParaRPr lang="en-US"/>
           </a:p>
@@ -1644,7 +1648,7 @@
     </p:spTree>
     <p:extLst>
       <p:ext uri="{BB962C8B-B14F-4D97-AF65-F5344CB8AC3E}">
-        <p14:creationId xmlns:p14="http://schemas.microsoft.com/office/powerpoint/2010/main" val="2580647966"/>
+        <p14:creationId xmlns:p14="http://schemas.microsoft.com/office/powerpoint/2010/main" val="4181478469"/>
       </p:ext>
     </p:extLst>
   </p:cSld>
@@ -1748,7 +1752,7 @@
     </p:spTree>
     <p:extLst>
       <p:ext uri="{BB962C8B-B14F-4D97-AF65-F5344CB8AC3E}">
-        <p14:creationId xmlns:p14="http://schemas.microsoft.com/office/powerpoint/2010/main" val="3434931623"/>
+        <p14:creationId xmlns:p14="http://schemas.microsoft.com/office/powerpoint/2010/main" val="42386931"/>
       </p:ext>
     </p:extLst>
   </p:cSld>
@@ -1956,7 +1960,7 @@
     </p:spTree>
     <p:extLst>
       <p:ext uri="{BB962C8B-B14F-4D97-AF65-F5344CB8AC3E}">
-        <p14:creationId xmlns:p14="http://schemas.microsoft.com/office/powerpoint/2010/main" val="66788098"/>
+        <p14:creationId xmlns:p14="http://schemas.microsoft.com/office/powerpoint/2010/main" val="3777463321"/>
       </p:ext>
     </p:extLst>
   </p:cSld>
@@ -2060,7 +2064,7 @@
     </p:spTree>
     <p:extLst>
       <p:ext uri="{BB962C8B-B14F-4D97-AF65-F5344CB8AC3E}">
-        <p14:creationId xmlns:p14="http://schemas.microsoft.com/office/powerpoint/2010/main" val="1197829330"/>
+        <p14:creationId xmlns:p14="http://schemas.microsoft.com/office/powerpoint/2010/main" val="2580647966"/>
       </p:ext>
     </p:extLst>
   </p:cSld>
@@ -2164,7 +2168,7 @@
     </p:spTree>
     <p:extLst>
       <p:ext uri="{BB962C8B-B14F-4D97-AF65-F5344CB8AC3E}">
-        <p14:creationId xmlns:p14="http://schemas.microsoft.com/office/powerpoint/2010/main" val="2980526582"/>
+        <p14:creationId xmlns:p14="http://schemas.microsoft.com/office/powerpoint/2010/main" val="3434931623"/>
       </p:ext>
     </p:extLst>
   </p:cSld>
@@ -2268,7 +2272,7 @@
     </p:spTree>
     <p:extLst>
       <p:ext uri="{BB962C8B-B14F-4D97-AF65-F5344CB8AC3E}">
-        <p14:creationId xmlns:p14="http://schemas.microsoft.com/office/powerpoint/2010/main" val="2890518594"/>
+        <p14:creationId xmlns:p14="http://schemas.microsoft.com/office/powerpoint/2010/main" val="66788098"/>
       </p:ext>
     </p:extLst>
   </p:cSld>
@@ -2372,7 +2376,7 @@
     </p:spTree>
     <p:extLst>
       <p:ext uri="{BB962C8B-B14F-4D97-AF65-F5344CB8AC3E}">
-        <p14:creationId xmlns:p14="http://schemas.microsoft.com/office/powerpoint/2010/main" val="2689014646"/>
+        <p14:creationId xmlns:p14="http://schemas.microsoft.com/office/powerpoint/2010/main" val="1197829330"/>
       </p:ext>
     </p:extLst>
   </p:cSld>
@@ -2476,7 +2480,7 @@
     </p:spTree>
     <p:extLst>
       <p:ext uri="{BB962C8B-B14F-4D97-AF65-F5344CB8AC3E}">
-        <p14:creationId xmlns:p14="http://schemas.microsoft.com/office/powerpoint/2010/main" val="1079838779"/>
+        <p14:creationId xmlns:p14="http://schemas.microsoft.com/office/powerpoint/2010/main" val="2980526582"/>
       </p:ext>
     </p:extLst>
   </p:cSld>
@@ -2580,7 +2584,7 @@
     </p:spTree>
     <p:extLst>
       <p:ext uri="{BB962C8B-B14F-4D97-AF65-F5344CB8AC3E}">
-        <p14:creationId xmlns:p14="http://schemas.microsoft.com/office/powerpoint/2010/main" val="1105152277"/>
+        <p14:creationId xmlns:p14="http://schemas.microsoft.com/office/powerpoint/2010/main" val="224006692"/>
       </p:ext>
     </p:extLst>
   </p:cSld>
@@ -2684,7 +2688,7 @@
     </p:spTree>
     <p:extLst>
       <p:ext uri="{BB962C8B-B14F-4D97-AF65-F5344CB8AC3E}">
-        <p14:creationId xmlns:p14="http://schemas.microsoft.com/office/powerpoint/2010/main" val="1982416632"/>
+        <p14:creationId xmlns:p14="http://schemas.microsoft.com/office/powerpoint/2010/main" val="2890518594"/>
       </p:ext>
     </p:extLst>
   </p:cSld>
@@ -2788,7 +2792,7 @@
     </p:spTree>
     <p:extLst>
       <p:ext uri="{BB962C8B-B14F-4D97-AF65-F5344CB8AC3E}">
-        <p14:creationId xmlns:p14="http://schemas.microsoft.com/office/powerpoint/2010/main" val="2779326536"/>
+        <p14:creationId xmlns:p14="http://schemas.microsoft.com/office/powerpoint/2010/main" val="2689014646"/>
       </p:ext>
     </p:extLst>
   </p:cSld>
@@ -2892,7 +2896,7 @@
     </p:spTree>
     <p:extLst>
       <p:ext uri="{BB962C8B-B14F-4D97-AF65-F5344CB8AC3E}">
-        <p14:creationId xmlns:p14="http://schemas.microsoft.com/office/powerpoint/2010/main" val="3987490079"/>
+        <p14:creationId xmlns:p14="http://schemas.microsoft.com/office/powerpoint/2010/main" val="1079838779"/>
       </p:ext>
     </p:extLst>
   </p:cSld>
@@ -3047,9 +3051,28 @@
         </p:nvSpPr>
         <p:spPr/>
         <p:txBody>
-          <a:bodyPr/>
-          <a:lstStyle/>
-          <a:p>
+          <a:bodyPr>
+            <a:normAutofit/>
+          </a:bodyPr>
+          <a:lstStyle/>
+          <a:p>
+            <a:pPr marL="0" marR="0" lvl="0" indent="0" algn="l" defTabSz="914400" rtl="0" eaLnBrk="1" fontAlgn="auto" latinLnBrk="0" hangingPunct="1">
+              <a:lnSpc>
+                <a:spcPct val="100000"/>
+              </a:lnSpc>
+              <a:spcBef>
+                <a:spcPts val="0"/>
+              </a:spcBef>
+              <a:spcAft>
+                <a:spcPts val="0"/>
+              </a:spcAft>
+              <a:buClrTx/>
+              <a:buSzTx/>
+              <a:buFontTx/>
+              <a:buNone/>
+              <a:tabLst/>
+              <a:defRPr/>
+            </a:pPr>
             <a:endParaRPr lang="en-US" dirty="0"/>
           </a:p>
         </p:txBody>
@@ -3061,7 +3084,7 @@
             <a:spLocks noGrp="1"/>
           </p:cNvSpPr>
           <p:nvPr>
-            <p:ph type="sldNum" sz="quarter" idx="5"/>
+            <p:ph type="sldNum" sz="quarter" idx="10"/>
           </p:nvPr>
         </p:nvSpPr>
         <p:spPr/>
@@ -3081,7 +3104,7 @@
     </p:spTree>
     <p:extLst>
       <p:ext uri="{BB962C8B-B14F-4D97-AF65-F5344CB8AC3E}">
-        <p14:creationId xmlns:p14="http://schemas.microsoft.com/office/powerpoint/2010/main" val="2900410974"/>
+        <p14:creationId xmlns:p14="http://schemas.microsoft.com/office/powerpoint/2010/main" val="1105152277"/>
       </p:ext>
     </p:extLst>
   </p:cSld>
@@ -3132,9 +3155,28 @@
         </p:nvSpPr>
         <p:spPr/>
         <p:txBody>
-          <a:bodyPr/>
-          <a:lstStyle/>
-          <a:p>
+          <a:bodyPr>
+            <a:normAutofit/>
+          </a:bodyPr>
+          <a:lstStyle/>
+          <a:p>
+            <a:pPr marL="0" marR="0" lvl="0" indent="0" algn="l" defTabSz="914400" rtl="0" eaLnBrk="1" fontAlgn="auto" latinLnBrk="0" hangingPunct="1">
+              <a:lnSpc>
+                <a:spcPct val="100000"/>
+              </a:lnSpc>
+              <a:spcBef>
+                <a:spcPts val="0"/>
+              </a:spcBef>
+              <a:spcAft>
+                <a:spcPts val="0"/>
+              </a:spcAft>
+              <a:buClrTx/>
+              <a:buSzTx/>
+              <a:buFontTx/>
+              <a:buNone/>
+              <a:tabLst/>
+              <a:defRPr/>
+            </a:pPr>
             <a:endParaRPr lang="en-US" dirty="0"/>
           </a:p>
         </p:txBody>
@@ -3146,7 +3188,7 @@
             <a:spLocks noGrp="1"/>
           </p:cNvSpPr>
           <p:nvPr>
-            <p:ph type="sldNum" sz="quarter" idx="5"/>
+            <p:ph type="sldNum" sz="quarter" idx="10"/>
           </p:nvPr>
         </p:nvSpPr>
         <p:spPr/>
@@ -3166,7 +3208,7 @@
     </p:spTree>
     <p:extLst>
       <p:ext uri="{BB962C8B-B14F-4D97-AF65-F5344CB8AC3E}">
-        <p14:creationId xmlns:p14="http://schemas.microsoft.com/office/powerpoint/2010/main" val="245568308"/>
+        <p14:creationId xmlns:p14="http://schemas.microsoft.com/office/powerpoint/2010/main" val="1982416632"/>
       </p:ext>
     </p:extLst>
   </p:cSld>
@@ -3217,9 +3259,28 @@
         </p:nvSpPr>
         <p:spPr/>
         <p:txBody>
-          <a:bodyPr/>
-          <a:lstStyle/>
-          <a:p>
+          <a:bodyPr>
+            <a:normAutofit/>
+          </a:bodyPr>
+          <a:lstStyle/>
+          <a:p>
+            <a:pPr marL="0" marR="0" lvl="0" indent="0" algn="l" defTabSz="914400" rtl="0" eaLnBrk="1" fontAlgn="auto" latinLnBrk="0" hangingPunct="1">
+              <a:lnSpc>
+                <a:spcPct val="100000"/>
+              </a:lnSpc>
+              <a:spcBef>
+                <a:spcPts val="0"/>
+              </a:spcBef>
+              <a:spcAft>
+                <a:spcPts val="0"/>
+              </a:spcAft>
+              <a:buClrTx/>
+              <a:buSzTx/>
+              <a:buFontTx/>
+              <a:buNone/>
+              <a:tabLst/>
+              <a:defRPr/>
+            </a:pPr>
             <a:endParaRPr lang="en-US" dirty="0"/>
           </a:p>
         </p:txBody>
@@ -3231,7 +3292,7 @@
             <a:spLocks noGrp="1"/>
           </p:cNvSpPr>
           <p:nvPr>
-            <p:ph type="sldNum" sz="quarter" idx="5"/>
+            <p:ph type="sldNum" sz="quarter" idx="10"/>
           </p:nvPr>
         </p:nvSpPr>
         <p:spPr/>
@@ -3251,7 +3312,7 @@
     </p:spTree>
     <p:extLst>
       <p:ext uri="{BB962C8B-B14F-4D97-AF65-F5344CB8AC3E}">
-        <p14:creationId xmlns:p14="http://schemas.microsoft.com/office/powerpoint/2010/main" val="1900157713"/>
+        <p14:creationId xmlns:p14="http://schemas.microsoft.com/office/powerpoint/2010/main" val="2779326536"/>
       </p:ext>
     </p:extLst>
   </p:cSld>
@@ -3302,9 +3363,28 @@
         </p:nvSpPr>
         <p:spPr/>
         <p:txBody>
-          <a:bodyPr/>
-          <a:lstStyle/>
-          <a:p>
+          <a:bodyPr>
+            <a:normAutofit/>
+          </a:bodyPr>
+          <a:lstStyle/>
+          <a:p>
+            <a:pPr marL="0" marR="0" lvl="0" indent="0" algn="l" defTabSz="914400" rtl="0" eaLnBrk="1" fontAlgn="auto" latinLnBrk="0" hangingPunct="1">
+              <a:lnSpc>
+                <a:spcPct val="100000"/>
+              </a:lnSpc>
+              <a:spcBef>
+                <a:spcPts val="0"/>
+              </a:spcBef>
+              <a:spcAft>
+                <a:spcPts val="0"/>
+              </a:spcAft>
+              <a:buClrTx/>
+              <a:buSzTx/>
+              <a:buFontTx/>
+              <a:buNone/>
+              <a:tabLst/>
+              <a:defRPr/>
+            </a:pPr>
             <a:endParaRPr lang="en-US" dirty="0"/>
           </a:p>
         </p:txBody>
@@ -3316,7 +3396,7 @@
             <a:spLocks noGrp="1"/>
           </p:cNvSpPr>
           <p:nvPr>
-            <p:ph type="sldNum" sz="quarter" idx="5"/>
+            <p:ph type="sldNum" sz="quarter" idx="10"/>
           </p:nvPr>
         </p:nvSpPr>
         <p:spPr/>
@@ -3336,7 +3416,7 @@
     </p:spTree>
     <p:extLst>
       <p:ext uri="{BB962C8B-B14F-4D97-AF65-F5344CB8AC3E}">
-        <p14:creationId xmlns:p14="http://schemas.microsoft.com/office/powerpoint/2010/main" val="1007916006"/>
+        <p14:creationId xmlns:p14="http://schemas.microsoft.com/office/powerpoint/2010/main" val="3987490079"/>
       </p:ext>
     </p:extLst>
   </p:cSld>
@@ -3421,7 +3501,7 @@
     </p:spTree>
     <p:extLst>
       <p:ext uri="{BB962C8B-B14F-4D97-AF65-F5344CB8AC3E}">
-        <p14:creationId xmlns:p14="http://schemas.microsoft.com/office/powerpoint/2010/main" val="126593467"/>
+        <p14:creationId xmlns:p14="http://schemas.microsoft.com/office/powerpoint/2010/main" val="2900410974"/>
       </p:ext>
     </p:extLst>
   </p:cSld>
@@ -3506,7 +3586,7 @@
     </p:spTree>
     <p:extLst>
       <p:ext uri="{BB962C8B-B14F-4D97-AF65-F5344CB8AC3E}">
-        <p14:creationId xmlns:p14="http://schemas.microsoft.com/office/powerpoint/2010/main" val="2317965239"/>
+        <p14:creationId xmlns:p14="http://schemas.microsoft.com/office/powerpoint/2010/main" val="245568308"/>
       </p:ext>
     </p:extLst>
   </p:cSld>
@@ -3591,7 +3671,7 @@
     </p:spTree>
     <p:extLst>
       <p:ext uri="{BB962C8B-B14F-4D97-AF65-F5344CB8AC3E}">
-        <p14:creationId xmlns:p14="http://schemas.microsoft.com/office/powerpoint/2010/main" val="3369020305"/>
+        <p14:creationId xmlns:p14="http://schemas.microsoft.com/office/powerpoint/2010/main" val="1900157713"/>
       </p:ext>
     </p:extLst>
   </p:cSld>
@@ -3676,7 +3756,7 @@
     </p:spTree>
     <p:extLst>
       <p:ext uri="{BB962C8B-B14F-4D97-AF65-F5344CB8AC3E}">
-        <p14:creationId xmlns:p14="http://schemas.microsoft.com/office/powerpoint/2010/main" val="640747543"/>
+        <p14:creationId xmlns:p14="http://schemas.microsoft.com/office/powerpoint/2010/main" val="1007916006"/>
       </p:ext>
     </p:extLst>
   </p:cSld>
@@ -3761,7 +3841,7 @@
     </p:spTree>
     <p:extLst>
       <p:ext uri="{BB962C8B-B14F-4D97-AF65-F5344CB8AC3E}">
-        <p14:creationId xmlns:p14="http://schemas.microsoft.com/office/powerpoint/2010/main" val="3877188505"/>
+        <p14:creationId xmlns:p14="http://schemas.microsoft.com/office/powerpoint/2010/main" val="126593467"/>
       </p:ext>
     </p:extLst>
   </p:cSld>
@@ -3846,7 +3926,7 @@
     </p:spTree>
     <p:extLst>
       <p:ext uri="{BB962C8B-B14F-4D97-AF65-F5344CB8AC3E}">
-        <p14:creationId xmlns:p14="http://schemas.microsoft.com/office/powerpoint/2010/main" val="3385516613"/>
+        <p14:creationId xmlns:p14="http://schemas.microsoft.com/office/powerpoint/2010/main" val="2317965239"/>
       </p:ext>
     </p:extLst>
   </p:cSld>
@@ -4004,26 +4084,6 @@
           <a:bodyPr/>
           <a:lstStyle/>
           <a:p>
-            <a:r>
-              <a:rPr lang="en-US" dirty="0" err="1"/>
-              <a:t>Passphase</a:t>
-            </a:r>
-            <a:r>
-              <a:rPr lang="en-US" dirty="0"/>
-              <a:t> from </a:t>
-            </a:r>
-            <a:r>
-              <a:rPr lang="en-US" dirty="0" err="1"/>
-              <a:t>gpg</a:t>
-            </a:r>
-            <a:r>
-              <a:rPr lang="en-US" dirty="0"/>
-              <a:t> or </a:t>
-            </a:r>
-            <a:r>
-              <a:rPr lang="en-US" dirty="0" err="1"/>
-              <a:t>keybase</a:t>
-            </a:r>
             <a:endParaRPr lang="en-US" dirty="0"/>
           </a:p>
         </p:txBody>
@@ -4055,7 +4115,7 @@
     </p:spTree>
     <p:extLst>
       <p:ext uri="{BB962C8B-B14F-4D97-AF65-F5344CB8AC3E}">
-        <p14:creationId xmlns:p14="http://schemas.microsoft.com/office/powerpoint/2010/main" val="1378435163"/>
+        <p14:creationId xmlns:p14="http://schemas.microsoft.com/office/powerpoint/2010/main" val="3369020305"/>
       </p:ext>
     </p:extLst>
   </p:cSld>
@@ -4140,7 +4200,7 @@
     </p:spTree>
     <p:extLst>
       <p:ext uri="{BB962C8B-B14F-4D97-AF65-F5344CB8AC3E}">
-        <p14:creationId xmlns:p14="http://schemas.microsoft.com/office/powerpoint/2010/main" val="762274757"/>
+        <p14:creationId xmlns:p14="http://schemas.microsoft.com/office/powerpoint/2010/main" val="640747543"/>
       </p:ext>
     </p:extLst>
   </p:cSld>
@@ -4194,10 +4254,7 @@
           <a:bodyPr/>
           <a:lstStyle/>
           <a:p>
-            <a:r>
-              <a:rPr lang="en-US" dirty="0"/>
-              <a:t>Go to Staging Repositories -&gt; Close staging -&gt; Release</a:t>
-            </a:r>
+            <a:endParaRPr lang="en-US" dirty="0"/>
           </a:p>
         </p:txBody>
       </p:sp>
@@ -4228,7 +4285,7 @@
     </p:spTree>
     <p:extLst>
       <p:ext uri="{BB962C8B-B14F-4D97-AF65-F5344CB8AC3E}">
-        <p14:creationId xmlns:p14="http://schemas.microsoft.com/office/powerpoint/2010/main" val="2852577024"/>
+        <p14:creationId xmlns:p14="http://schemas.microsoft.com/office/powerpoint/2010/main" val="3877188505"/>
       </p:ext>
     </p:extLst>
   </p:cSld>
@@ -4282,10 +4339,7 @@
           <a:bodyPr/>
           <a:lstStyle/>
           <a:p>
-            <a:r>
-              <a:rPr lang="en-US" dirty="0"/>
-              <a:t>Go to Staging Repositories -&gt; Close staging -&gt; Release</a:t>
-            </a:r>
+            <a:endParaRPr lang="en-US" dirty="0"/>
           </a:p>
         </p:txBody>
       </p:sp>
@@ -4316,7 +4370,7 @@
     </p:spTree>
     <p:extLst>
       <p:ext uri="{BB962C8B-B14F-4D97-AF65-F5344CB8AC3E}">
-        <p14:creationId xmlns:p14="http://schemas.microsoft.com/office/powerpoint/2010/main" val="1396517246"/>
+        <p14:creationId xmlns:p14="http://schemas.microsoft.com/office/powerpoint/2010/main" val="3385516613"/>
       </p:ext>
     </p:extLst>
   </p:cSld>
@@ -4370,6 +4424,26 @@
           <a:bodyPr/>
           <a:lstStyle/>
           <a:p>
+            <a:r>
+              <a:rPr lang="en-US" dirty="0" err="1"/>
+              <a:t>Passphase</a:t>
+            </a:r>
+            <a:r>
+              <a:rPr lang="en-US" dirty="0"/>
+              <a:t> from </a:t>
+            </a:r>
+            <a:r>
+              <a:rPr lang="en-US" dirty="0" err="1"/>
+              <a:t>gpg</a:t>
+            </a:r>
+            <a:r>
+              <a:rPr lang="en-US" dirty="0"/>
+              <a:t> or </a:t>
+            </a:r>
+            <a:r>
+              <a:rPr lang="en-US" dirty="0" err="1"/>
+              <a:t>keybase</a:t>
+            </a:r>
             <a:endParaRPr lang="en-US" dirty="0"/>
           </a:p>
         </p:txBody>
@@ -4401,7 +4475,7 @@
     </p:spTree>
     <p:extLst>
       <p:ext uri="{BB962C8B-B14F-4D97-AF65-F5344CB8AC3E}">
-        <p14:creationId xmlns:p14="http://schemas.microsoft.com/office/powerpoint/2010/main" val="2457459603"/>
+        <p14:creationId xmlns:p14="http://schemas.microsoft.com/office/powerpoint/2010/main" val="1378435163"/>
       </p:ext>
     </p:extLst>
   </p:cSld>
@@ -4455,10 +4529,7 @@
           <a:bodyPr/>
           <a:lstStyle/>
           <a:p>
-            <a:r>
-              <a:rPr lang="en-US" dirty="0"/>
-              <a:t>Go to Staging Repositories -&gt; Close staging -&gt; Release</a:t>
-            </a:r>
+            <a:endParaRPr lang="en-US" dirty="0"/>
           </a:p>
         </p:txBody>
       </p:sp>
@@ -4489,7 +4560,7 @@
     </p:spTree>
     <p:extLst>
       <p:ext uri="{BB962C8B-B14F-4D97-AF65-F5344CB8AC3E}">
-        <p14:creationId xmlns:p14="http://schemas.microsoft.com/office/powerpoint/2010/main" val="2469117668"/>
+        <p14:creationId xmlns:p14="http://schemas.microsoft.com/office/powerpoint/2010/main" val="762274757"/>
       </p:ext>
     </p:extLst>
   </p:cSld>
@@ -4543,7 +4614,10 @@
           <a:bodyPr/>
           <a:lstStyle/>
           <a:p>
-            <a:endParaRPr lang="en-US" dirty="0"/>
+            <a:r>
+              <a:rPr lang="en-US" dirty="0"/>
+              <a:t>Go to Staging Repositories -&gt; Close staging -&gt; Release</a:t>
+            </a:r>
           </a:p>
         </p:txBody>
       </p:sp>
@@ -4574,7 +4648,7 @@
     </p:spTree>
     <p:extLst>
       <p:ext uri="{BB962C8B-B14F-4D97-AF65-F5344CB8AC3E}">
-        <p14:creationId xmlns:p14="http://schemas.microsoft.com/office/powerpoint/2010/main" val="2206924575"/>
+        <p14:creationId xmlns:p14="http://schemas.microsoft.com/office/powerpoint/2010/main" val="2852577024"/>
       </p:ext>
     </p:extLst>
   </p:cSld>
@@ -4628,7 +4702,10 @@
           <a:bodyPr/>
           <a:lstStyle/>
           <a:p>
-            <a:endParaRPr lang="en-US" dirty="0"/>
+            <a:r>
+              <a:rPr lang="en-US" dirty="0"/>
+              <a:t>Go to Staging Repositories -&gt; Close staging -&gt; Release</a:t>
+            </a:r>
           </a:p>
         </p:txBody>
       </p:sp>
@@ -4659,7 +4736,7 @@
     </p:spTree>
     <p:extLst>
       <p:ext uri="{BB962C8B-B14F-4D97-AF65-F5344CB8AC3E}">
-        <p14:creationId xmlns:p14="http://schemas.microsoft.com/office/powerpoint/2010/main" val="46277803"/>
+        <p14:creationId xmlns:p14="http://schemas.microsoft.com/office/powerpoint/2010/main" val="1396517246"/>
       </p:ext>
     </p:extLst>
   </p:cSld>
@@ -4744,7 +4821,7 @@
     </p:spTree>
     <p:extLst>
       <p:ext uri="{BB962C8B-B14F-4D97-AF65-F5344CB8AC3E}">
-        <p14:creationId xmlns:p14="http://schemas.microsoft.com/office/powerpoint/2010/main" val="3139079464"/>
+        <p14:creationId xmlns:p14="http://schemas.microsoft.com/office/powerpoint/2010/main" val="2457459603"/>
       </p:ext>
     </p:extLst>
   </p:cSld>
@@ -4798,7 +4875,10 @@
           <a:bodyPr/>
           <a:lstStyle/>
           <a:p>
-            <a:endParaRPr lang="en-US" dirty="0"/>
+            <a:r>
+              <a:rPr lang="en-US" dirty="0"/>
+              <a:t>Go to Staging Repositories -&gt; Close staging -&gt; Release</a:t>
+            </a:r>
           </a:p>
         </p:txBody>
       </p:sp>
@@ -4829,7 +4909,7 @@
     </p:spTree>
     <p:extLst>
       <p:ext uri="{BB962C8B-B14F-4D97-AF65-F5344CB8AC3E}">
-        <p14:creationId xmlns:p14="http://schemas.microsoft.com/office/powerpoint/2010/main" val="690920757"/>
+        <p14:creationId xmlns:p14="http://schemas.microsoft.com/office/powerpoint/2010/main" val="2469117668"/>
       </p:ext>
     </p:extLst>
   </p:cSld>
@@ -5037,7 +5117,7 @@
           <a:bodyPr/>
           <a:lstStyle/>
           <a:p>
-            <a:endParaRPr lang="en-US"/>
+            <a:endParaRPr lang="en-US" dirty="0"/>
           </a:p>
         </p:txBody>
       </p:sp>
@@ -5060,6 +5140,346 @@
               <a:rPr lang="en-US" smtClean="0"/>
               <a:pPr/>
               <a:t>50</a:t>
+            </a:fld>
+            <a:endParaRPr lang="en-US"/>
+          </a:p>
+        </p:txBody>
+      </p:sp>
+    </p:spTree>
+    <p:extLst>
+      <p:ext uri="{BB962C8B-B14F-4D97-AF65-F5344CB8AC3E}">
+        <p14:creationId xmlns:p14="http://schemas.microsoft.com/office/powerpoint/2010/main" val="2206924575"/>
+      </p:ext>
+    </p:extLst>
+  </p:cSld>
+  <p:clrMapOvr>
+    <a:masterClrMapping/>
+  </p:clrMapOvr>
+</p:notes>
+</file>
+
+<file path=ppt/notesSlides/notesSlide51.xml><?xml version="1.0" encoding="utf-8"?>
+<p:notes xmlns:a="http://schemas.openxmlformats.org/drawingml/2006/main" xmlns:r="http://schemas.openxmlformats.org/officeDocument/2006/relationships" xmlns:p="http://schemas.openxmlformats.org/presentationml/2006/main">
+  <p:cSld>
+    <p:spTree>
+      <p:nvGrpSpPr>
+        <p:cNvPr id="1" name=""/>
+        <p:cNvGrpSpPr/>
+        <p:nvPr/>
+      </p:nvGrpSpPr>
+      <p:grpSpPr>
+        <a:xfrm>
+          <a:off x="0" y="0"/>
+          <a:ext cx="0" cy="0"/>
+          <a:chOff x="0" y="0"/>
+          <a:chExt cx="0" cy="0"/>
+        </a:xfrm>
+      </p:grpSpPr>
+      <p:sp>
+        <p:nvSpPr>
+          <p:cNvPr id="2" name="Slide Image Placeholder 1"/>
+          <p:cNvSpPr>
+            <a:spLocks noGrp="1" noRot="1" noChangeAspect="1"/>
+          </p:cNvSpPr>
+          <p:nvPr>
+            <p:ph type="sldImg"/>
+          </p:nvPr>
+        </p:nvSpPr>
+        <p:spPr/>
+      </p:sp>
+      <p:sp>
+        <p:nvSpPr>
+          <p:cNvPr id="3" name="Notes Placeholder 2"/>
+          <p:cNvSpPr>
+            <a:spLocks noGrp="1"/>
+          </p:cNvSpPr>
+          <p:nvPr>
+            <p:ph type="body" idx="1"/>
+          </p:nvPr>
+        </p:nvSpPr>
+        <p:spPr/>
+        <p:txBody>
+          <a:bodyPr/>
+          <a:lstStyle/>
+          <a:p>
+            <a:endParaRPr lang="en-US" dirty="0"/>
+          </a:p>
+        </p:txBody>
+      </p:sp>
+      <p:sp>
+        <p:nvSpPr>
+          <p:cNvPr id="4" name="Slide Number Placeholder 3"/>
+          <p:cNvSpPr>
+            <a:spLocks noGrp="1"/>
+          </p:cNvSpPr>
+          <p:nvPr>
+            <p:ph type="sldNum" sz="quarter" idx="5"/>
+          </p:nvPr>
+        </p:nvSpPr>
+        <p:spPr/>
+        <p:txBody>
+          <a:bodyPr/>
+          <a:lstStyle/>
+          <a:p>
+            <a:fld id="{2B6F42A7-B42A-4EFE-B8BF-3BC6AAD8E03A}" type="slidenum">
+              <a:rPr lang="en-US" smtClean="0"/>
+              <a:pPr/>
+              <a:t>51</a:t>
+            </a:fld>
+            <a:endParaRPr lang="en-US"/>
+          </a:p>
+        </p:txBody>
+      </p:sp>
+    </p:spTree>
+    <p:extLst>
+      <p:ext uri="{BB962C8B-B14F-4D97-AF65-F5344CB8AC3E}">
+        <p14:creationId xmlns:p14="http://schemas.microsoft.com/office/powerpoint/2010/main" val="46277803"/>
+      </p:ext>
+    </p:extLst>
+  </p:cSld>
+  <p:clrMapOvr>
+    <a:masterClrMapping/>
+  </p:clrMapOvr>
+</p:notes>
+</file>
+
+<file path=ppt/notesSlides/notesSlide52.xml><?xml version="1.0" encoding="utf-8"?>
+<p:notes xmlns:a="http://schemas.openxmlformats.org/drawingml/2006/main" xmlns:r="http://schemas.openxmlformats.org/officeDocument/2006/relationships" xmlns:p="http://schemas.openxmlformats.org/presentationml/2006/main">
+  <p:cSld>
+    <p:spTree>
+      <p:nvGrpSpPr>
+        <p:cNvPr id="1" name=""/>
+        <p:cNvGrpSpPr/>
+        <p:nvPr/>
+      </p:nvGrpSpPr>
+      <p:grpSpPr>
+        <a:xfrm>
+          <a:off x="0" y="0"/>
+          <a:ext cx="0" cy="0"/>
+          <a:chOff x="0" y="0"/>
+          <a:chExt cx="0" cy="0"/>
+        </a:xfrm>
+      </p:grpSpPr>
+      <p:sp>
+        <p:nvSpPr>
+          <p:cNvPr id="2" name="Slide Image Placeholder 1"/>
+          <p:cNvSpPr>
+            <a:spLocks noGrp="1" noRot="1" noChangeAspect="1"/>
+          </p:cNvSpPr>
+          <p:nvPr>
+            <p:ph type="sldImg"/>
+          </p:nvPr>
+        </p:nvSpPr>
+        <p:spPr/>
+      </p:sp>
+      <p:sp>
+        <p:nvSpPr>
+          <p:cNvPr id="3" name="Notes Placeholder 2"/>
+          <p:cNvSpPr>
+            <a:spLocks noGrp="1"/>
+          </p:cNvSpPr>
+          <p:nvPr>
+            <p:ph type="body" idx="1"/>
+          </p:nvPr>
+        </p:nvSpPr>
+        <p:spPr/>
+        <p:txBody>
+          <a:bodyPr/>
+          <a:lstStyle/>
+          <a:p>
+            <a:endParaRPr lang="en-US" dirty="0"/>
+          </a:p>
+        </p:txBody>
+      </p:sp>
+      <p:sp>
+        <p:nvSpPr>
+          <p:cNvPr id="4" name="Slide Number Placeholder 3"/>
+          <p:cNvSpPr>
+            <a:spLocks noGrp="1"/>
+          </p:cNvSpPr>
+          <p:nvPr>
+            <p:ph type="sldNum" sz="quarter" idx="5"/>
+          </p:nvPr>
+        </p:nvSpPr>
+        <p:spPr/>
+        <p:txBody>
+          <a:bodyPr/>
+          <a:lstStyle/>
+          <a:p>
+            <a:fld id="{2B6F42A7-B42A-4EFE-B8BF-3BC6AAD8E03A}" type="slidenum">
+              <a:rPr lang="en-US" smtClean="0"/>
+              <a:pPr/>
+              <a:t>52</a:t>
+            </a:fld>
+            <a:endParaRPr lang="en-US"/>
+          </a:p>
+        </p:txBody>
+      </p:sp>
+    </p:spTree>
+    <p:extLst>
+      <p:ext uri="{BB962C8B-B14F-4D97-AF65-F5344CB8AC3E}">
+        <p14:creationId xmlns:p14="http://schemas.microsoft.com/office/powerpoint/2010/main" val="3139079464"/>
+      </p:ext>
+    </p:extLst>
+  </p:cSld>
+  <p:clrMapOvr>
+    <a:masterClrMapping/>
+  </p:clrMapOvr>
+</p:notes>
+</file>
+
+<file path=ppt/notesSlides/notesSlide53.xml><?xml version="1.0" encoding="utf-8"?>
+<p:notes xmlns:a="http://schemas.openxmlformats.org/drawingml/2006/main" xmlns:r="http://schemas.openxmlformats.org/officeDocument/2006/relationships" xmlns:p="http://schemas.openxmlformats.org/presentationml/2006/main">
+  <p:cSld>
+    <p:spTree>
+      <p:nvGrpSpPr>
+        <p:cNvPr id="1" name=""/>
+        <p:cNvGrpSpPr/>
+        <p:nvPr/>
+      </p:nvGrpSpPr>
+      <p:grpSpPr>
+        <a:xfrm>
+          <a:off x="0" y="0"/>
+          <a:ext cx="0" cy="0"/>
+          <a:chOff x="0" y="0"/>
+          <a:chExt cx="0" cy="0"/>
+        </a:xfrm>
+      </p:grpSpPr>
+      <p:sp>
+        <p:nvSpPr>
+          <p:cNvPr id="2" name="Slide Image Placeholder 1"/>
+          <p:cNvSpPr>
+            <a:spLocks noGrp="1" noRot="1" noChangeAspect="1"/>
+          </p:cNvSpPr>
+          <p:nvPr>
+            <p:ph type="sldImg"/>
+          </p:nvPr>
+        </p:nvSpPr>
+        <p:spPr/>
+      </p:sp>
+      <p:sp>
+        <p:nvSpPr>
+          <p:cNvPr id="3" name="Notes Placeholder 2"/>
+          <p:cNvSpPr>
+            <a:spLocks noGrp="1"/>
+          </p:cNvSpPr>
+          <p:nvPr>
+            <p:ph type="body" idx="1"/>
+          </p:nvPr>
+        </p:nvSpPr>
+        <p:spPr/>
+        <p:txBody>
+          <a:bodyPr/>
+          <a:lstStyle/>
+          <a:p>
+            <a:endParaRPr lang="en-US" dirty="0"/>
+          </a:p>
+        </p:txBody>
+      </p:sp>
+      <p:sp>
+        <p:nvSpPr>
+          <p:cNvPr id="4" name="Slide Number Placeholder 3"/>
+          <p:cNvSpPr>
+            <a:spLocks noGrp="1"/>
+          </p:cNvSpPr>
+          <p:nvPr>
+            <p:ph type="sldNum" sz="quarter" idx="5"/>
+          </p:nvPr>
+        </p:nvSpPr>
+        <p:spPr/>
+        <p:txBody>
+          <a:bodyPr/>
+          <a:lstStyle/>
+          <a:p>
+            <a:fld id="{2B6F42A7-B42A-4EFE-B8BF-3BC6AAD8E03A}" type="slidenum">
+              <a:rPr lang="en-US" smtClean="0"/>
+              <a:pPr/>
+              <a:t>53</a:t>
+            </a:fld>
+            <a:endParaRPr lang="en-US"/>
+          </a:p>
+        </p:txBody>
+      </p:sp>
+    </p:spTree>
+    <p:extLst>
+      <p:ext uri="{BB962C8B-B14F-4D97-AF65-F5344CB8AC3E}">
+        <p14:creationId xmlns:p14="http://schemas.microsoft.com/office/powerpoint/2010/main" val="690920757"/>
+      </p:ext>
+    </p:extLst>
+  </p:cSld>
+  <p:clrMapOvr>
+    <a:masterClrMapping/>
+  </p:clrMapOvr>
+</p:notes>
+</file>
+
+<file path=ppt/notesSlides/notesSlide54.xml><?xml version="1.0" encoding="utf-8"?>
+<p:notes xmlns:a="http://schemas.openxmlformats.org/drawingml/2006/main" xmlns:r="http://schemas.openxmlformats.org/officeDocument/2006/relationships" xmlns:p="http://schemas.openxmlformats.org/presentationml/2006/main">
+  <p:cSld>
+    <p:spTree>
+      <p:nvGrpSpPr>
+        <p:cNvPr id="1" name=""/>
+        <p:cNvGrpSpPr/>
+        <p:nvPr/>
+      </p:nvGrpSpPr>
+      <p:grpSpPr>
+        <a:xfrm>
+          <a:off x="0" y="0"/>
+          <a:ext cx="0" cy="0"/>
+          <a:chOff x="0" y="0"/>
+          <a:chExt cx="0" cy="0"/>
+        </a:xfrm>
+      </p:grpSpPr>
+      <p:sp>
+        <p:nvSpPr>
+          <p:cNvPr id="2" name="Slide Image Placeholder 1"/>
+          <p:cNvSpPr>
+            <a:spLocks noGrp="1" noRot="1" noChangeAspect="1"/>
+          </p:cNvSpPr>
+          <p:nvPr>
+            <p:ph type="sldImg"/>
+          </p:nvPr>
+        </p:nvSpPr>
+        <p:spPr/>
+      </p:sp>
+      <p:sp>
+        <p:nvSpPr>
+          <p:cNvPr id="3" name="Notes Placeholder 2"/>
+          <p:cNvSpPr>
+            <a:spLocks noGrp="1"/>
+          </p:cNvSpPr>
+          <p:nvPr>
+            <p:ph type="body" idx="1"/>
+          </p:nvPr>
+        </p:nvSpPr>
+        <p:spPr/>
+        <p:txBody>
+          <a:bodyPr/>
+          <a:lstStyle/>
+          <a:p>
+            <a:endParaRPr lang="en-US"/>
+          </a:p>
+        </p:txBody>
+      </p:sp>
+      <p:sp>
+        <p:nvSpPr>
+          <p:cNvPr id="4" name="Slide Number Placeholder 3"/>
+          <p:cNvSpPr>
+            <a:spLocks noGrp="1"/>
+          </p:cNvSpPr>
+          <p:nvPr>
+            <p:ph type="sldNum" sz="quarter" idx="5"/>
+          </p:nvPr>
+        </p:nvSpPr>
+        <p:spPr/>
+        <p:txBody>
+          <a:bodyPr/>
+          <a:lstStyle/>
+          <a:p>
+            <a:fld id="{2B6F42A7-B42A-4EFE-B8BF-3BC6AAD8E03A}" type="slidenum">
+              <a:rPr lang="en-US" smtClean="0"/>
+              <a:pPr/>
+              <a:t>54</a:t>
             </a:fld>
             <a:endParaRPr lang="en-US"/>
           </a:p>
@@ -5625,7 +6045,7 @@
             <a:fld id="{31E92B8E-6087-4A13-9F20-23C7A62C6D17}" type="datetimeFigureOut">
               <a:rPr lang="en-US" smtClean="0"/>
               <a:pPr/>
-              <a:t>01/03/2023</a:t>
+              <a:t>18/03/2023</a:t>
             </a:fld>
             <a:endParaRPr lang="en-US"/>
           </a:p>
@@ -5925,7 +6345,7 @@
             <a:fld id="{31E92B8E-6087-4A13-9F20-23C7A62C6D17}" type="datetimeFigureOut">
               <a:rPr lang="en-US" smtClean="0"/>
               <a:pPr/>
-              <a:t>01/03/2023</a:t>
+              <a:t>18/03/2023</a:t>
             </a:fld>
             <a:endParaRPr lang="en-US"/>
           </a:p>
@@ -6101,7 +6521,7 @@
             <a:fld id="{31E92B8E-6087-4A13-9F20-23C7A62C6D17}" type="datetimeFigureOut">
               <a:rPr lang="en-US" smtClean="0"/>
               <a:pPr/>
-              <a:t>01/03/2023</a:t>
+              <a:t>18/03/2023</a:t>
             </a:fld>
             <a:endParaRPr lang="en-US"/>
           </a:p>
@@ -6267,7 +6687,7 @@
             <a:fld id="{31E92B8E-6087-4A13-9F20-23C7A62C6D17}" type="datetimeFigureOut">
               <a:rPr lang="en-US" smtClean="0"/>
               <a:pPr/>
-              <a:t>01/03/2023</a:t>
+              <a:t>18/03/2023</a:t>
             </a:fld>
             <a:endParaRPr lang="en-US"/>
           </a:p>
@@ -6528,7 +6948,7 @@
             <a:fld id="{31E92B8E-6087-4A13-9F20-23C7A62C6D17}" type="datetimeFigureOut">
               <a:rPr lang="en-US" smtClean="0"/>
               <a:pPr/>
-              <a:t>01/03/2023</a:t>
+              <a:t>18/03/2023</a:t>
             </a:fld>
             <a:endParaRPr lang="en-US"/>
           </a:p>
@@ -6983,7 +7403,7 @@
             <a:fld id="{31E92B8E-6087-4A13-9F20-23C7A62C6D17}" type="datetimeFigureOut">
               <a:rPr lang="en-US" smtClean="0"/>
               <a:pPr/>
-              <a:t>01/03/2023</a:t>
+              <a:t>18/03/2023</a:t>
             </a:fld>
             <a:endParaRPr lang="en-US"/>
           </a:p>
@@ -7467,7 +7887,7 @@
             <a:fld id="{31E92B8E-6087-4A13-9F20-23C7A62C6D17}" type="datetimeFigureOut">
               <a:rPr lang="en-US" smtClean="0"/>
               <a:pPr/>
-              <a:t>01/03/2023</a:t>
+              <a:t>18/03/2023</a:t>
             </a:fld>
             <a:endParaRPr lang="en-US"/>
           </a:p>
@@ -7586,7 +8006,7 @@
             <a:fld id="{31E92B8E-6087-4A13-9F20-23C7A62C6D17}" type="datetimeFigureOut">
               <a:rPr lang="en-US" smtClean="0"/>
               <a:pPr/>
-              <a:t>01/03/2023</a:t>
+              <a:t>18/03/2023</a:t>
             </a:fld>
             <a:endParaRPr lang="en-US"/>
           </a:p>
@@ -7724,7 +8144,7 @@
             <a:fld id="{31E92B8E-6087-4A13-9F20-23C7A62C6D17}" type="datetimeFigureOut">
               <a:rPr lang="en-US" smtClean="0"/>
               <a:pPr/>
-              <a:t>01/03/2023</a:t>
+              <a:t>18/03/2023</a:t>
             </a:fld>
             <a:endParaRPr lang="en-US"/>
           </a:p>
@@ -8039,7 +8459,7 @@
             <a:fld id="{31E92B8E-6087-4A13-9F20-23C7A62C6D17}" type="datetimeFigureOut">
               <a:rPr lang="en-US" smtClean="0"/>
               <a:pPr/>
-              <a:t>01/03/2023</a:t>
+              <a:t>18/03/2023</a:t>
             </a:fld>
             <a:endParaRPr lang="en-US"/>
           </a:p>
@@ -8168,7 +8588,7 @@
             <a:fld id="{31E92B8E-6087-4A13-9F20-23C7A62C6D17}" type="datetimeFigureOut">
               <a:rPr lang="en-US" smtClean="0"/>
               <a:pPr/>
-              <a:t>01/03/2023</a:t>
+              <a:t>18/03/2023</a:t>
             </a:fld>
             <a:endParaRPr lang="en-US"/>
           </a:p>
@@ -8927,7 +9347,7 @@
             <a:fld id="{31E92B8E-6087-4A13-9F20-23C7A62C6D17}" type="datetimeFigureOut">
               <a:rPr lang="en-US" smtClean="0"/>
               <a:pPr/>
-              <a:t>01/03/2023</a:t>
+              <a:t>18/03/2023</a:t>
             </a:fld>
             <a:endParaRPr lang="en-US"/>
           </a:p>
@@ -10684,14 +11104,14 @@
           <p:nvPr>
             <p:extLst>
               <p:ext uri="{D42A27DB-BD31-4B8C-83A1-F6EECF244321}">
-                <p14:modId xmlns:p14="http://schemas.microsoft.com/office/powerpoint/2010/main" val="2008638887"/>
+                <p14:modId xmlns:p14="http://schemas.microsoft.com/office/powerpoint/2010/main" val="3384039387"/>
               </p:ext>
             </p:extLst>
           </p:nvPr>
         </p:nvGraphicFramePr>
         <p:xfrm>
           <a:off x="1979712" y="2348880"/>
-          <a:ext cx="6696744" cy="2865120"/>
+          <a:ext cx="6696744" cy="3235960"/>
         </p:xfrm>
         <a:graphic>
           <a:graphicData uri="http://schemas.openxmlformats.org/drawingml/2006/table">
@@ -10977,6 +11397,48 @@
                   </a:ext>
                 </a:extLst>
               </a:tr>
+              <a:tr h="370840">
+                <a:tc>
+                  <a:txBody>
+                    <a:bodyPr/>
+                    <a:lstStyle/>
+                    <a:p>
+                      <a:r>
+                        <a:rPr lang="en-US" dirty="0" err="1"/>
+                        <a:t>mvn</a:t>
+                      </a:r>
+                      <a:r>
+                        <a:rPr lang="en-US" dirty="0"/>
+                        <a:t> </a:t>
+                      </a:r>
+                      <a:r>
+                        <a:rPr lang="en-US" dirty="0" err="1"/>
+                        <a:t>exec:java</a:t>
+                      </a:r>
+                      <a:endParaRPr lang="en-US" dirty="0"/>
+                    </a:p>
+                  </a:txBody>
+                  <a:tcPr/>
+                </a:tc>
+                <a:tc>
+                  <a:txBody>
+                    <a:bodyPr/>
+                    <a:lstStyle/>
+                    <a:p>
+                      <a:r>
+                        <a:rPr lang="en-US" dirty="0"/>
+                        <a:t>Run main class</a:t>
+                      </a:r>
+                    </a:p>
+                  </a:txBody>
+                  <a:tcPr/>
+                </a:tc>
+                <a:extLst>
+                  <a:ext uri="{0D108BD9-81ED-4DB2-BD59-A6C34878D82A}">
+                    <a16:rowId xmlns:a16="http://schemas.microsoft.com/office/drawing/2014/main" val="569675172"/>
+                  </a:ext>
+                </a:extLst>
+              </a:tr>
             </a:tbl>
           </a:graphicData>
         </a:graphic>
@@ -11323,6 +11785,716 @@
             </a:r>
             <a:r>
               <a:rPr lang="en-US" dirty="0"/>
+              <a:t> </a:t>
+            </a:r>
+            <a:r>
+              <a:rPr lang="en-US" dirty="0" err="1"/>
+              <a:t>archetype:generate</a:t>
+            </a:r>
+            <a:endParaRPr lang="en-US" dirty="0"/>
+          </a:p>
+          <a:p>
+            <a:pPr lvl="2"/>
+            <a:r>
+              <a:rPr lang="en-US" dirty="0"/>
+              <a:t>jar package</a:t>
+            </a:r>
+          </a:p>
+          <a:p>
+            <a:pPr lvl="2"/>
+            <a:endParaRPr lang="en-US" dirty="0"/>
+          </a:p>
+          <a:p>
+            <a:pPr lvl="2"/>
+            <a:endParaRPr lang="en-US" dirty="0"/>
+          </a:p>
+          <a:p>
+            <a:pPr lvl="2"/>
+            <a:r>
+              <a:rPr lang="en-US" dirty="0"/>
+              <a:t>war package</a:t>
+            </a:r>
+          </a:p>
+          <a:p>
+            <a:pPr lvl="2"/>
+            <a:endParaRPr lang="en-US" dirty="0"/>
+          </a:p>
+          <a:p>
+            <a:pPr lvl="1"/>
+            <a:endParaRPr lang="en-US" dirty="0"/>
+          </a:p>
+        </p:txBody>
+      </p:sp>
+      <p:sp>
+        <p:nvSpPr>
+          <p:cNvPr id="4" name="TextBox 3">
+            <a:extLst>
+              <a:ext uri="{FF2B5EF4-FFF2-40B4-BE49-F238E27FC236}">
+                <a16:creationId xmlns:a16="http://schemas.microsoft.com/office/drawing/2014/main" id="{2254D407-4138-D5CD-5F90-0E8097B88FE5}"/>
+              </a:ext>
+            </a:extLst>
+          </p:cNvPr>
+          <p:cNvSpPr txBox="1"/>
+          <p:nvPr/>
+        </p:nvSpPr>
+        <p:spPr>
+          <a:xfrm>
+            <a:off x="2351074" y="3132257"/>
+            <a:ext cx="6613414" cy="584775"/>
+          </a:xfrm>
+          <a:prstGeom prst="rect">
+            <a:avLst/>
+          </a:prstGeom>
+          <a:noFill/>
+          <a:ln w="25400">
+            <a:solidFill>
+              <a:schemeClr val="accent1"/>
+            </a:solidFill>
+          </a:ln>
+        </p:spPr>
+        <p:txBody>
+          <a:bodyPr wrap="none" rtlCol="0">
+            <a:spAutoFit/>
+          </a:bodyPr>
+          <a:lstStyle/>
+          <a:p>
+            <a:r>
+              <a:rPr lang="en-US" sz="1600" dirty="0" err="1"/>
+              <a:t>mvn</a:t>
+            </a:r>
+            <a:r>
+              <a:rPr lang="en-US" sz="1600" dirty="0"/>
+              <a:t> </a:t>
+            </a:r>
+            <a:r>
+              <a:rPr lang="en-US" sz="1600" dirty="0" err="1"/>
+              <a:t>archetype:generate</a:t>
+            </a:r>
+            <a:r>
+              <a:rPr lang="en-US" sz="1600" dirty="0"/>
+              <a:t> -</a:t>
+            </a:r>
+            <a:r>
+              <a:rPr lang="en-US" sz="1600" dirty="0" err="1"/>
+              <a:t>DarchetypeGroupId</a:t>
+            </a:r>
+            <a:r>
+              <a:rPr lang="en-US" sz="1600" dirty="0"/>
+              <a:t>=</a:t>
+            </a:r>
+            <a:r>
+              <a:rPr lang="en-US" sz="1600" dirty="0" err="1"/>
+              <a:t>org.apache.maven.archetypes</a:t>
+            </a:r>
+            <a:r>
+              <a:rPr lang="en-US" sz="1600" dirty="0"/>
+              <a:t> \</a:t>
+            </a:r>
+          </a:p>
+          <a:p>
+            <a:r>
+              <a:rPr lang="en-US" sz="1600" dirty="0"/>
+              <a:t>-</a:t>
+            </a:r>
+            <a:r>
+              <a:rPr lang="en-US" sz="1600" dirty="0" err="1"/>
+              <a:t>DarchetypeArtifactId</a:t>
+            </a:r>
+            <a:r>
+              <a:rPr lang="en-US" sz="1600" dirty="0"/>
+              <a:t>=maven-archetype-</a:t>
+            </a:r>
+            <a:r>
+              <a:rPr lang="en-US" sz="1600" dirty="0" err="1"/>
+              <a:t>quickstart</a:t>
+            </a:r>
+            <a:r>
+              <a:rPr lang="en-US" sz="1600" dirty="0"/>
+              <a:t> -</a:t>
+            </a:r>
+            <a:r>
+              <a:rPr lang="en-US" sz="1600" dirty="0" err="1"/>
+              <a:t>DarchetypeVersion</a:t>
+            </a:r>
+            <a:r>
+              <a:rPr lang="en-US" sz="1600" dirty="0"/>
+              <a:t>=1.4</a:t>
+            </a:r>
+          </a:p>
+        </p:txBody>
+      </p:sp>
+      <p:sp>
+        <p:nvSpPr>
+          <p:cNvPr id="6" name="TextBox 5">
+            <a:extLst>
+              <a:ext uri="{FF2B5EF4-FFF2-40B4-BE49-F238E27FC236}">
+                <a16:creationId xmlns:a16="http://schemas.microsoft.com/office/drawing/2014/main" id="{C0003940-5704-BFAA-E76C-A118F7317F5B}"/>
+              </a:ext>
+            </a:extLst>
+          </p:cNvPr>
+          <p:cNvSpPr txBox="1"/>
+          <p:nvPr/>
+        </p:nvSpPr>
+        <p:spPr>
+          <a:xfrm>
+            <a:off x="2339752" y="4437112"/>
+            <a:ext cx="6613414" cy="584775"/>
+          </a:xfrm>
+          <a:prstGeom prst="rect">
+            <a:avLst/>
+          </a:prstGeom>
+          <a:noFill/>
+          <a:ln w="25400">
+            <a:solidFill>
+              <a:schemeClr val="accent1"/>
+            </a:solidFill>
+          </a:ln>
+        </p:spPr>
+        <p:txBody>
+          <a:bodyPr wrap="none" rtlCol="0">
+            <a:spAutoFit/>
+          </a:bodyPr>
+          <a:lstStyle/>
+          <a:p>
+            <a:r>
+              <a:rPr lang="en-US" sz="1600" dirty="0" err="1"/>
+              <a:t>mvn</a:t>
+            </a:r>
+            <a:r>
+              <a:rPr lang="en-US" sz="1600" dirty="0"/>
+              <a:t> </a:t>
+            </a:r>
+            <a:r>
+              <a:rPr lang="en-US" sz="1600" dirty="0" err="1"/>
+              <a:t>archetype:generate</a:t>
+            </a:r>
+            <a:r>
+              <a:rPr lang="en-US" sz="1600" dirty="0"/>
+              <a:t> -</a:t>
+            </a:r>
+            <a:r>
+              <a:rPr lang="en-US" sz="1600" dirty="0" err="1"/>
+              <a:t>DarchetypeGroupId</a:t>
+            </a:r>
+            <a:r>
+              <a:rPr lang="en-US" sz="1600" dirty="0"/>
+              <a:t>=</a:t>
+            </a:r>
+            <a:r>
+              <a:rPr lang="en-US" sz="1600" dirty="0" err="1"/>
+              <a:t>org.apache.maven.archetypes</a:t>
+            </a:r>
+            <a:r>
+              <a:rPr lang="en-US" sz="1600" dirty="0"/>
+              <a:t> \</a:t>
+            </a:r>
+          </a:p>
+          <a:p>
+            <a:r>
+              <a:rPr lang="en-US" sz="1600" dirty="0"/>
+              <a:t>-</a:t>
+            </a:r>
+            <a:r>
+              <a:rPr lang="en-US" sz="1600" dirty="0" err="1"/>
+              <a:t>DarchetypeArtifactId</a:t>
+            </a:r>
+            <a:r>
+              <a:rPr lang="en-US" sz="1600" dirty="0"/>
+              <a:t>=maven-archetype-webapp -</a:t>
+            </a:r>
+            <a:r>
+              <a:rPr lang="en-US" sz="1600" dirty="0" err="1"/>
+              <a:t>DarchetypeVersion</a:t>
+            </a:r>
+            <a:r>
+              <a:rPr lang="en-US" sz="1600" dirty="0"/>
+              <a:t>=1.4</a:t>
+            </a:r>
+          </a:p>
+        </p:txBody>
+      </p:sp>
+    </p:spTree>
+    <p:extLst>
+      <p:ext uri="{BB962C8B-B14F-4D97-AF65-F5344CB8AC3E}">
+        <p14:creationId xmlns:p14="http://schemas.microsoft.com/office/powerpoint/2010/main" val="1504333202"/>
+      </p:ext>
+    </p:extLst>
+  </p:cSld>
+  <p:clrMapOvr>
+    <a:masterClrMapping/>
+  </p:clrMapOvr>
+</p:sld>
+</file>
+
+<file path=ppt/slides/slide19.xml><?xml version="1.0" encoding="utf-8"?>
+<p:sld xmlns:a="http://schemas.openxmlformats.org/drawingml/2006/main" xmlns:r="http://schemas.openxmlformats.org/officeDocument/2006/relationships" xmlns:p="http://schemas.openxmlformats.org/presentationml/2006/main">
+  <p:cSld>
+    <p:spTree>
+      <p:nvGrpSpPr>
+        <p:cNvPr id="1" name=""/>
+        <p:cNvGrpSpPr/>
+        <p:nvPr/>
+      </p:nvGrpSpPr>
+      <p:grpSpPr>
+        <a:xfrm>
+          <a:off x="0" y="0"/>
+          <a:ext cx="0" cy="0"/>
+          <a:chOff x="0" y="0"/>
+          <a:chExt cx="0" cy="0"/>
+        </a:xfrm>
+      </p:grpSpPr>
+      <p:sp>
+        <p:nvSpPr>
+          <p:cNvPr id="2" name="Title 1"/>
+          <p:cNvSpPr>
+            <a:spLocks noGrp="1"/>
+          </p:cNvSpPr>
+          <p:nvPr>
+            <p:ph type="title"/>
+          </p:nvPr>
+        </p:nvSpPr>
+        <p:spPr/>
+        <p:txBody>
+          <a:bodyPr/>
+          <a:lstStyle/>
+          <a:p>
+            <a:r>
+              <a:rPr lang="en-US" dirty="0"/>
+              <a:t>Maven</a:t>
+            </a:r>
+          </a:p>
+        </p:txBody>
+      </p:sp>
+      <p:sp>
+        <p:nvSpPr>
+          <p:cNvPr id="3" name="Content Placeholder 2"/>
+          <p:cNvSpPr>
+            <a:spLocks noGrp="1"/>
+          </p:cNvSpPr>
+          <p:nvPr>
+            <p:ph idx="1"/>
+          </p:nvPr>
+        </p:nvSpPr>
+        <p:spPr/>
+        <p:txBody>
+          <a:bodyPr/>
+          <a:lstStyle/>
+          <a:p>
+            <a:r>
+              <a:rPr lang="en-US" dirty="0"/>
+              <a:t>Command Line</a:t>
+            </a:r>
+          </a:p>
+          <a:p>
+            <a:pPr lvl="1"/>
+            <a:r>
+              <a:rPr lang="en-US" dirty="0" err="1"/>
+              <a:t>mvn</a:t>
+            </a:r>
+            <a:r>
+              <a:rPr lang="en-US" dirty="0"/>
+              <a:t> </a:t>
+            </a:r>
+            <a:r>
+              <a:rPr lang="en-US" dirty="0" err="1"/>
+              <a:t>archetype:generate</a:t>
+            </a:r>
+            <a:endParaRPr lang="en-US" dirty="0"/>
+          </a:p>
+          <a:p>
+            <a:pPr lvl="2"/>
+            <a:r>
+              <a:rPr lang="en-US" dirty="0"/>
+              <a:t>jar package</a:t>
+            </a:r>
+          </a:p>
+          <a:p>
+            <a:pPr lvl="2"/>
+            <a:endParaRPr lang="en-US" dirty="0"/>
+          </a:p>
+          <a:p>
+            <a:pPr lvl="1"/>
+            <a:endParaRPr lang="en-US" dirty="0"/>
+          </a:p>
+        </p:txBody>
+      </p:sp>
+      <p:pic>
+        <p:nvPicPr>
+          <p:cNvPr id="5" name="Picture 4">
+            <a:extLst>
+              <a:ext uri="{FF2B5EF4-FFF2-40B4-BE49-F238E27FC236}">
+                <a16:creationId xmlns:a16="http://schemas.microsoft.com/office/drawing/2014/main" id="{A06701A2-C006-BA65-7E24-1748CED1E5CE}"/>
+              </a:ext>
+            </a:extLst>
+          </p:cNvPr>
+          <p:cNvPicPr>
+            <a:picLocks noChangeAspect="1"/>
+          </p:cNvPicPr>
+          <p:nvPr/>
+        </p:nvPicPr>
+        <p:blipFill>
+          <a:blip r:embed="rId3"/>
+          <a:stretch>
+            <a:fillRect/>
+          </a:stretch>
+        </p:blipFill>
+        <p:spPr>
+          <a:xfrm>
+            <a:off x="1979712" y="3099718"/>
+            <a:ext cx="7041132" cy="3569642"/>
+          </a:xfrm>
+          <a:prstGeom prst="rect">
+            <a:avLst/>
+          </a:prstGeom>
+        </p:spPr>
+      </p:pic>
+    </p:spTree>
+    <p:extLst>
+      <p:ext uri="{BB962C8B-B14F-4D97-AF65-F5344CB8AC3E}">
+        <p14:creationId xmlns:p14="http://schemas.microsoft.com/office/powerpoint/2010/main" val="606292097"/>
+      </p:ext>
+    </p:extLst>
+  </p:cSld>
+  <p:clrMapOvr>
+    <a:masterClrMapping/>
+  </p:clrMapOvr>
+</p:sld>
+</file>
+
+<file path=ppt/slides/slide2.xml><?xml version="1.0" encoding="utf-8"?>
+<p:sld xmlns:a="http://schemas.openxmlformats.org/drawingml/2006/main" xmlns:r="http://schemas.openxmlformats.org/officeDocument/2006/relationships" xmlns:p="http://schemas.openxmlformats.org/presentationml/2006/main">
+  <p:cSld>
+    <p:spTree>
+      <p:nvGrpSpPr>
+        <p:cNvPr id="1" name=""/>
+        <p:cNvGrpSpPr/>
+        <p:nvPr/>
+      </p:nvGrpSpPr>
+      <p:grpSpPr>
+        <a:xfrm>
+          <a:off x="0" y="0"/>
+          <a:ext cx="0" cy="0"/>
+          <a:chOff x="0" y="0"/>
+          <a:chExt cx="0" cy="0"/>
+        </a:xfrm>
+      </p:grpSpPr>
+      <p:sp>
+        <p:nvSpPr>
+          <p:cNvPr id="2" name="Title 1"/>
+          <p:cNvSpPr>
+            <a:spLocks noGrp="1"/>
+          </p:cNvSpPr>
+          <p:nvPr>
+            <p:ph type="title"/>
+          </p:nvPr>
+        </p:nvSpPr>
+        <p:spPr/>
+        <p:txBody>
+          <a:bodyPr/>
+          <a:lstStyle/>
+          <a:p>
+            <a:r>
+              <a:rPr lang="en-US" dirty="0"/>
+              <a:t>Agenda</a:t>
+            </a:r>
+          </a:p>
+        </p:txBody>
+      </p:sp>
+      <p:sp>
+        <p:nvSpPr>
+          <p:cNvPr id="3" name="Content Placeholder 2"/>
+          <p:cNvSpPr>
+            <a:spLocks noGrp="1"/>
+          </p:cNvSpPr>
+          <p:nvPr>
+            <p:ph idx="1"/>
+          </p:nvPr>
+        </p:nvSpPr>
+        <p:spPr/>
+        <p:txBody>
+          <a:bodyPr/>
+          <a:lstStyle/>
+          <a:p>
+            <a:r>
+              <a:rPr lang="en-US" dirty="0"/>
+              <a:t>Apache Maven</a:t>
+            </a:r>
+          </a:p>
+          <a:p>
+            <a:r>
+              <a:rPr lang="en-US" dirty="0"/>
+              <a:t>Objectives</a:t>
+            </a:r>
+          </a:p>
+          <a:p>
+            <a:r>
+              <a:rPr lang="en-US" dirty="0"/>
+              <a:t>Repository</a:t>
+            </a:r>
+          </a:p>
+          <a:p>
+            <a:r>
+              <a:rPr lang="en-US" dirty="0"/>
+              <a:t>How to Maven</a:t>
+            </a:r>
+          </a:p>
+          <a:p>
+            <a:r>
+              <a:rPr lang="en-US" dirty="0"/>
+              <a:t>Project Object Model</a:t>
+            </a:r>
+          </a:p>
+          <a:p>
+            <a:r>
+              <a:rPr lang="en-US" dirty="0"/>
+              <a:t>Command Line</a:t>
+            </a:r>
+          </a:p>
+          <a:p>
+            <a:r>
+              <a:rPr lang="en-US" dirty="0"/>
+              <a:t>Maven Central</a:t>
+            </a:r>
+          </a:p>
+          <a:p>
+            <a:endParaRPr lang="en-US" dirty="0"/>
+          </a:p>
+          <a:p>
+            <a:endParaRPr lang="en-US" dirty="0"/>
+          </a:p>
+          <a:p>
+            <a:endParaRPr lang="en-US" dirty="0"/>
+          </a:p>
+          <a:p>
+            <a:endParaRPr lang="en-US" dirty="0"/>
+          </a:p>
+          <a:p>
+            <a:endParaRPr lang="en-US" dirty="0"/>
+          </a:p>
+          <a:p>
+            <a:endParaRPr lang="en-US" dirty="0"/>
+          </a:p>
+          <a:p>
+            <a:pPr lvl="1"/>
+            <a:endParaRPr lang="en-US" dirty="0"/>
+          </a:p>
+        </p:txBody>
+      </p:sp>
+    </p:spTree>
+    <p:extLst>
+      <p:ext uri="{BB962C8B-B14F-4D97-AF65-F5344CB8AC3E}">
+        <p14:creationId xmlns:p14="http://schemas.microsoft.com/office/powerpoint/2010/main" val="1011993927"/>
+      </p:ext>
+    </p:extLst>
+  </p:cSld>
+  <p:clrMapOvr>
+    <a:masterClrMapping/>
+  </p:clrMapOvr>
+</p:sld>
+</file>
+
+<file path=ppt/slides/slide20.xml><?xml version="1.0" encoding="utf-8"?>
+<p:sld xmlns:a="http://schemas.openxmlformats.org/drawingml/2006/main" xmlns:r="http://schemas.openxmlformats.org/officeDocument/2006/relationships" xmlns:p="http://schemas.openxmlformats.org/presentationml/2006/main">
+  <p:cSld>
+    <p:spTree>
+      <p:nvGrpSpPr>
+        <p:cNvPr id="1" name=""/>
+        <p:cNvGrpSpPr/>
+        <p:nvPr/>
+      </p:nvGrpSpPr>
+      <p:grpSpPr>
+        <a:xfrm>
+          <a:off x="0" y="0"/>
+          <a:ext cx="0" cy="0"/>
+          <a:chOff x="0" y="0"/>
+          <a:chExt cx="0" cy="0"/>
+        </a:xfrm>
+      </p:grpSpPr>
+      <p:sp>
+        <p:nvSpPr>
+          <p:cNvPr id="2" name="Title 1"/>
+          <p:cNvSpPr>
+            <a:spLocks noGrp="1"/>
+          </p:cNvSpPr>
+          <p:nvPr>
+            <p:ph type="title"/>
+          </p:nvPr>
+        </p:nvSpPr>
+        <p:spPr/>
+        <p:txBody>
+          <a:bodyPr/>
+          <a:lstStyle/>
+          <a:p>
+            <a:r>
+              <a:rPr lang="en-US" dirty="0"/>
+              <a:t>Maven</a:t>
+            </a:r>
+          </a:p>
+        </p:txBody>
+      </p:sp>
+      <p:sp>
+        <p:nvSpPr>
+          <p:cNvPr id="3" name="Content Placeholder 2"/>
+          <p:cNvSpPr>
+            <a:spLocks noGrp="1"/>
+          </p:cNvSpPr>
+          <p:nvPr>
+            <p:ph idx="1"/>
+          </p:nvPr>
+        </p:nvSpPr>
+        <p:spPr/>
+        <p:txBody>
+          <a:bodyPr/>
+          <a:lstStyle/>
+          <a:p>
+            <a:r>
+              <a:rPr lang="en-US" dirty="0"/>
+              <a:t>Command Line</a:t>
+            </a:r>
+          </a:p>
+          <a:p>
+            <a:pPr lvl="1"/>
+            <a:r>
+              <a:rPr lang="en-US" dirty="0" err="1"/>
+              <a:t>mvn</a:t>
+            </a:r>
+            <a:r>
+              <a:rPr lang="en-US" dirty="0"/>
+              <a:t> </a:t>
+            </a:r>
+            <a:r>
+              <a:rPr lang="en-US" dirty="0" err="1"/>
+              <a:t>archetype:generate</a:t>
+            </a:r>
+            <a:endParaRPr lang="en-US" dirty="0"/>
+          </a:p>
+          <a:p>
+            <a:pPr lvl="2"/>
+            <a:r>
+              <a:rPr lang="en-US" dirty="0"/>
+              <a:t>war package</a:t>
+            </a:r>
+          </a:p>
+          <a:p>
+            <a:pPr lvl="2"/>
+            <a:endParaRPr lang="en-US" dirty="0"/>
+          </a:p>
+          <a:p>
+            <a:pPr lvl="1"/>
+            <a:endParaRPr lang="en-US" dirty="0"/>
+          </a:p>
+        </p:txBody>
+      </p:sp>
+      <p:pic>
+        <p:nvPicPr>
+          <p:cNvPr id="6" name="Picture 5">
+            <a:extLst>
+              <a:ext uri="{FF2B5EF4-FFF2-40B4-BE49-F238E27FC236}">
+                <a16:creationId xmlns:a16="http://schemas.microsoft.com/office/drawing/2014/main" id="{F34B7F9F-0E5B-A2D7-3DDF-67DFDDDA910A}"/>
+              </a:ext>
+            </a:extLst>
+          </p:cNvPr>
+          <p:cNvPicPr>
+            <a:picLocks noChangeAspect="1"/>
+          </p:cNvPicPr>
+          <p:nvPr/>
+        </p:nvPicPr>
+        <p:blipFill>
+          <a:blip r:embed="rId3"/>
+          <a:stretch>
+            <a:fillRect/>
+          </a:stretch>
+        </p:blipFill>
+        <p:spPr>
+          <a:xfrm>
+            <a:off x="1979712" y="3091783"/>
+            <a:ext cx="7056784" cy="3577577"/>
+          </a:xfrm>
+          <a:prstGeom prst="rect">
+            <a:avLst/>
+          </a:prstGeom>
+        </p:spPr>
+      </p:pic>
+    </p:spTree>
+    <p:extLst>
+      <p:ext uri="{BB962C8B-B14F-4D97-AF65-F5344CB8AC3E}">
+        <p14:creationId xmlns:p14="http://schemas.microsoft.com/office/powerpoint/2010/main" val="2112433083"/>
+      </p:ext>
+    </p:extLst>
+  </p:cSld>
+  <p:clrMapOvr>
+    <a:masterClrMapping/>
+  </p:clrMapOvr>
+</p:sld>
+</file>
+
+<file path=ppt/slides/slide21.xml><?xml version="1.0" encoding="utf-8"?>
+<p:sld xmlns:a="http://schemas.openxmlformats.org/drawingml/2006/main" xmlns:r="http://schemas.openxmlformats.org/officeDocument/2006/relationships" xmlns:p="http://schemas.openxmlformats.org/presentationml/2006/main">
+  <p:cSld>
+    <p:spTree>
+      <p:nvGrpSpPr>
+        <p:cNvPr id="1" name=""/>
+        <p:cNvGrpSpPr/>
+        <p:nvPr/>
+      </p:nvGrpSpPr>
+      <p:grpSpPr>
+        <a:xfrm>
+          <a:off x="0" y="0"/>
+          <a:ext cx="0" cy="0"/>
+          <a:chOff x="0" y="0"/>
+          <a:chExt cx="0" cy="0"/>
+        </a:xfrm>
+      </p:grpSpPr>
+      <p:sp>
+        <p:nvSpPr>
+          <p:cNvPr id="2" name="Title 1"/>
+          <p:cNvSpPr>
+            <a:spLocks noGrp="1"/>
+          </p:cNvSpPr>
+          <p:nvPr>
+            <p:ph type="title"/>
+          </p:nvPr>
+        </p:nvSpPr>
+        <p:spPr/>
+        <p:txBody>
+          <a:bodyPr/>
+          <a:lstStyle/>
+          <a:p>
+            <a:r>
+              <a:rPr lang="en-US" dirty="0"/>
+              <a:t>Maven</a:t>
+            </a:r>
+          </a:p>
+        </p:txBody>
+      </p:sp>
+      <p:sp>
+        <p:nvSpPr>
+          <p:cNvPr id="3" name="Content Placeholder 2"/>
+          <p:cNvSpPr>
+            <a:spLocks noGrp="1"/>
+          </p:cNvSpPr>
+          <p:nvPr>
+            <p:ph idx="1"/>
+          </p:nvPr>
+        </p:nvSpPr>
+        <p:spPr/>
+        <p:txBody>
+          <a:bodyPr/>
+          <a:lstStyle/>
+          <a:p>
+            <a:r>
+              <a:rPr lang="en-US" dirty="0"/>
+              <a:t>Command Line</a:t>
+            </a:r>
+          </a:p>
+          <a:p>
+            <a:pPr lvl="1"/>
+            <a:r>
+              <a:rPr lang="en-US" dirty="0" err="1"/>
+              <a:t>mvn</a:t>
+            </a:r>
+            <a:r>
+              <a:rPr lang="en-US" dirty="0"/>
               <a:t> compile</a:t>
             </a:r>
           </a:p>
@@ -11375,7 +12547,7 @@
 </p:sld>
 </file>
 
-<file path=ppt/slides/slide19.xml><?xml version="1.0" encoding="utf-8"?>
+<file path=ppt/slides/slide22.xml><?xml version="1.0" encoding="utf-8"?>
 <p:sld xmlns:a="http://schemas.openxmlformats.org/drawingml/2006/main" xmlns:r="http://schemas.openxmlformats.org/officeDocument/2006/relationships" xmlns:p="http://schemas.openxmlformats.org/presentationml/2006/main">
   <p:cSld>
     <p:spTree>
@@ -11494,139 +12666,7 @@
 </p:sld>
 </file>
 
-<file path=ppt/slides/slide2.xml><?xml version="1.0" encoding="utf-8"?>
-<p:sld xmlns:a="http://schemas.openxmlformats.org/drawingml/2006/main" xmlns:r="http://schemas.openxmlformats.org/officeDocument/2006/relationships" xmlns:p="http://schemas.openxmlformats.org/presentationml/2006/main">
-  <p:cSld>
-    <p:spTree>
-      <p:nvGrpSpPr>
-        <p:cNvPr id="1" name=""/>
-        <p:cNvGrpSpPr/>
-        <p:nvPr/>
-      </p:nvGrpSpPr>
-      <p:grpSpPr>
-        <a:xfrm>
-          <a:off x="0" y="0"/>
-          <a:ext cx="0" cy="0"/>
-          <a:chOff x="0" y="0"/>
-          <a:chExt cx="0" cy="0"/>
-        </a:xfrm>
-      </p:grpSpPr>
-      <p:sp>
-        <p:nvSpPr>
-          <p:cNvPr id="2" name="Title 1"/>
-          <p:cNvSpPr>
-            <a:spLocks noGrp="1"/>
-          </p:cNvSpPr>
-          <p:nvPr>
-            <p:ph type="title"/>
-          </p:nvPr>
-        </p:nvSpPr>
-        <p:spPr/>
-        <p:txBody>
-          <a:bodyPr/>
-          <a:lstStyle/>
-          <a:p>
-            <a:r>
-              <a:rPr lang="en-US" dirty="0"/>
-              <a:t>Agenda</a:t>
-            </a:r>
-          </a:p>
-        </p:txBody>
-      </p:sp>
-      <p:sp>
-        <p:nvSpPr>
-          <p:cNvPr id="3" name="Content Placeholder 2"/>
-          <p:cNvSpPr>
-            <a:spLocks noGrp="1"/>
-          </p:cNvSpPr>
-          <p:nvPr>
-            <p:ph idx="1"/>
-          </p:nvPr>
-        </p:nvSpPr>
-        <p:spPr/>
-        <p:txBody>
-          <a:bodyPr/>
-          <a:lstStyle/>
-          <a:p>
-            <a:r>
-              <a:rPr lang="en-US" dirty="0"/>
-              <a:t>Apache Maven</a:t>
-            </a:r>
-          </a:p>
-          <a:p>
-            <a:r>
-              <a:rPr lang="en-US" dirty="0"/>
-              <a:t>Objectives</a:t>
-            </a:r>
-          </a:p>
-          <a:p>
-            <a:r>
-              <a:rPr lang="en-US" dirty="0"/>
-              <a:t>Repository</a:t>
-            </a:r>
-          </a:p>
-          <a:p>
-            <a:r>
-              <a:rPr lang="en-US" dirty="0"/>
-              <a:t>How to Maven</a:t>
-            </a:r>
-          </a:p>
-          <a:p>
-            <a:r>
-              <a:rPr lang="en-US" dirty="0"/>
-              <a:t>Project Object Model</a:t>
-            </a:r>
-          </a:p>
-          <a:p>
-            <a:r>
-              <a:rPr lang="en-US" dirty="0"/>
-              <a:t>Command Line</a:t>
-            </a:r>
-          </a:p>
-          <a:p>
-            <a:r>
-              <a:rPr lang="en-US" dirty="0"/>
-              <a:t>Maven Central</a:t>
-            </a:r>
-          </a:p>
-          <a:p>
-            <a:endParaRPr lang="en-US" dirty="0"/>
-          </a:p>
-          <a:p>
-            <a:endParaRPr lang="en-US" dirty="0"/>
-          </a:p>
-          <a:p>
-            <a:endParaRPr lang="en-US" dirty="0"/>
-          </a:p>
-          <a:p>
-            <a:endParaRPr lang="en-US" dirty="0"/>
-          </a:p>
-          <a:p>
-            <a:endParaRPr lang="en-US" dirty="0"/>
-          </a:p>
-          <a:p>
-            <a:endParaRPr lang="en-US" dirty="0"/>
-          </a:p>
-          <a:p>
-            <a:pPr lvl="1"/>
-            <a:endParaRPr lang="en-US" dirty="0"/>
-          </a:p>
-        </p:txBody>
-      </p:sp>
-    </p:spTree>
-    <p:extLst>
-      <p:ext uri="{BB962C8B-B14F-4D97-AF65-F5344CB8AC3E}">
-        <p14:creationId xmlns:p14="http://schemas.microsoft.com/office/powerpoint/2010/main" val="1011993927"/>
-      </p:ext>
-    </p:extLst>
-  </p:cSld>
-  <p:clrMapOvr>
-    <a:masterClrMapping/>
-  </p:clrMapOvr>
-</p:sld>
-</file>
-
-<file path=ppt/slides/slide20.xml><?xml version="1.0" encoding="utf-8"?>
+<file path=ppt/slides/slide23.xml><?xml version="1.0" encoding="utf-8"?>
 <p:sld xmlns:a="http://schemas.openxmlformats.org/drawingml/2006/main" xmlns:r="http://schemas.openxmlformats.org/officeDocument/2006/relationships" xmlns:p="http://schemas.openxmlformats.org/presentationml/2006/main">
   <p:cSld>
     <p:spTree>
@@ -11745,7 +12785,7 @@
 </p:sld>
 </file>
 
-<file path=ppt/slides/slide21.xml><?xml version="1.0" encoding="utf-8"?>
+<file path=ppt/slides/slide24.xml><?xml version="1.0" encoding="utf-8"?>
 <p:sld xmlns:a="http://schemas.openxmlformats.org/drawingml/2006/main" xmlns:r="http://schemas.openxmlformats.org/officeDocument/2006/relationships" xmlns:p="http://schemas.openxmlformats.org/presentationml/2006/main">
   <p:cSld>
     <p:spTree>
@@ -11864,7 +12904,7 @@
 </p:sld>
 </file>
 
-<file path=ppt/slides/slide22.xml><?xml version="1.0" encoding="utf-8"?>
+<file path=ppt/slides/slide25.xml><?xml version="1.0" encoding="utf-8"?>
 <p:sld xmlns:a="http://schemas.openxmlformats.org/drawingml/2006/main" xmlns:r="http://schemas.openxmlformats.org/officeDocument/2006/relationships" xmlns:p="http://schemas.openxmlformats.org/presentationml/2006/main">
   <p:cSld>
     <p:spTree>
@@ -11983,7 +13023,166 @@
 </p:sld>
 </file>
 
-<file path=ppt/slides/slide23.xml><?xml version="1.0" encoding="utf-8"?>
+<file path=ppt/slides/slide26.xml><?xml version="1.0" encoding="utf-8"?>
+<p:sld xmlns:a="http://schemas.openxmlformats.org/drawingml/2006/main" xmlns:r="http://schemas.openxmlformats.org/officeDocument/2006/relationships" xmlns:p="http://schemas.openxmlformats.org/presentationml/2006/main">
+  <p:cSld>
+    <p:spTree>
+      <p:nvGrpSpPr>
+        <p:cNvPr id="1" name=""/>
+        <p:cNvGrpSpPr/>
+        <p:nvPr/>
+      </p:nvGrpSpPr>
+      <p:grpSpPr>
+        <a:xfrm>
+          <a:off x="0" y="0"/>
+          <a:ext cx="0" cy="0"/>
+          <a:chOff x="0" y="0"/>
+          <a:chExt cx="0" cy="0"/>
+        </a:xfrm>
+      </p:grpSpPr>
+      <p:sp>
+        <p:nvSpPr>
+          <p:cNvPr id="2" name="Title 1"/>
+          <p:cNvSpPr>
+            <a:spLocks noGrp="1"/>
+          </p:cNvSpPr>
+          <p:nvPr>
+            <p:ph type="title"/>
+          </p:nvPr>
+        </p:nvSpPr>
+        <p:spPr/>
+        <p:txBody>
+          <a:bodyPr/>
+          <a:lstStyle/>
+          <a:p>
+            <a:r>
+              <a:rPr lang="en-US" dirty="0"/>
+              <a:t>Maven</a:t>
+            </a:r>
+          </a:p>
+        </p:txBody>
+      </p:sp>
+      <p:sp>
+        <p:nvSpPr>
+          <p:cNvPr id="3" name="Content Placeholder 2"/>
+          <p:cNvSpPr>
+            <a:spLocks noGrp="1"/>
+          </p:cNvSpPr>
+          <p:nvPr>
+            <p:ph idx="1"/>
+          </p:nvPr>
+        </p:nvSpPr>
+        <p:spPr/>
+        <p:txBody>
+          <a:bodyPr/>
+          <a:lstStyle/>
+          <a:p>
+            <a:r>
+              <a:rPr lang="en-US" dirty="0"/>
+              <a:t>Command Line</a:t>
+            </a:r>
+          </a:p>
+          <a:p>
+            <a:pPr lvl="1"/>
+            <a:r>
+              <a:rPr lang="en-US" dirty="0" err="1"/>
+              <a:t>mvn</a:t>
+            </a:r>
+            <a:r>
+              <a:rPr lang="en-US" dirty="0"/>
+              <a:t> </a:t>
+            </a:r>
+            <a:r>
+              <a:rPr lang="en-US" dirty="0" err="1"/>
+              <a:t>exec:java</a:t>
+            </a:r>
+            <a:r>
+              <a:rPr lang="en-US" dirty="0"/>
+              <a:t> -</a:t>
+            </a:r>
+            <a:r>
+              <a:rPr lang="en-US" dirty="0" err="1"/>
+              <a:t>Dexec.mainClass</a:t>
+            </a:r>
+            <a:r>
+              <a:rPr lang="en-US" dirty="0"/>
+              <a:t>="</a:t>
+            </a:r>
+            <a:r>
+              <a:rPr lang="en-US" dirty="0" err="1"/>
+              <a:t>main.Class</a:t>
+            </a:r>
+            <a:r>
+              <a:rPr lang="en-US" dirty="0"/>
+              <a:t>" -</a:t>
+            </a:r>
+            <a:r>
+              <a:rPr lang="en-US" dirty="0" err="1"/>
+              <a:t>Dexec.args</a:t>
+            </a:r>
+            <a:r>
+              <a:rPr lang="en-US" dirty="0"/>
+              <a:t>="pr1 pr2 pr3 </a:t>
+            </a:r>
+            <a:r>
+              <a:rPr lang="en-US" dirty="0" err="1"/>
+              <a:t>prN</a:t>
+            </a:r>
+            <a:r>
+              <a:rPr lang="en-US" dirty="0"/>
+              <a:t>"</a:t>
+            </a:r>
+          </a:p>
+          <a:p>
+            <a:pPr lvl="1"/>
+            <a:endParaRPr lang="en-US" dirty="0"/>
+          </a:p>
+        </p:txBody>
+      </p:sp>
+      <p:pic>
+        <p:nvPicPr>
+          <p:cNvPr id="8" name="Picture 7">
+            <a:extLst>
+              <a:ext uri="{FF2B5EF4-FFF2-40B4-BE49-F238E27FC236}">
+                <a16:creationId xmlns:a16="http://schemas.microsoft.com/office/drawing/2014/main" id="{A327AE10-EDF4-2398-8CA7-7695EA493A9A}"/>
+              </a:ext>
+            </a:extLst>
+          </p:cNvPr>
+          <p:cNvPicPr>
+            <a:picLocks noChangeAspect="1"/>
+          </p:cNvPicPr>
+          <p:nvPr/>
+        </p:nvPicPr>
+        <p:blipFill>
+          <a:blip r:embed="rId3"/>
+          <a:stretch>
+            <a:fillRect/>
+          </a:stretch>
+        </p:blipFill>
+        <p:spPr>
+          <a:xfrm>
+            <a:off x="2123728" y="3140968"/>
+            <a:ext cx="6852940" cy="3107432"/>
+          </a:xfrm>
+          <a:prstGeom prst="rect">
+            <a:avLst/>
+          </a:prstGeom>
+        </p:spPr>
+      </p:pic>
+    </p:spTree>
+    <p:extLst>
+      <p:ext uri="{BB962C8B-B14F-4D97-AF65-F5344CB8AC3E}">
+        <p14:creationId xmlns:p14="http://schemas.microsoft.com/office/powerpoint/2010/main" val="2923345593"/>
+      </p:ext>
+    </p:extLst>
+  </p:cSld>
+  <p:clrMapOvr>
+    <a:masterClrMapping/>
+  </p:clrMapOvr>
+</p:sld>
+</file>
+
+<file path=ppt/slides/slide27.xml><?xml version="1.0" encoding="utf-8"?>
 <p:sld xmlns:a="http://schemas.openxmlformats.org/drawingml/2006/main" xmlns:r="http://schemas.openxmlformats.org/officeDocument/2006/relationships" xmlns:p="http://schemas.openxmlformats.org/presentationml/2006/main">
   <p:cSld>
     <p:spTree>
@@ -12512,7 +13711,7 @@
 </p:sld>
 </file>
 
-<file path=ppt/slides/slide24.xml><?xml version="1.0" encoding="utf-8"?>
+<file path=ppt/slides/slide28.xml><?xml version="1.0" encoding="utf-8"?>
 <p:sld xmlns:a="http://schemas.openxmlformats.org/drawingml/2006/main" xmlns:r="http://schemas.openxmlformats.org/officeDocument/2006/relationships" xmlns:p="http://schemas.openxmlformats.org/presentationml/2006/main">
   <p:cSld>
     <p:spTree>
@@ -12711,7 +13910,7 @@
 </p:sld>
 </file>
 
-<file path=ppt/slides/slide25.xml><?xml version="1.0" encoding="utf-8"?>
+<file path=ppt/slides/slide29.xml><?xml version="1.0" encoding="utf-8"?>
 <p:sld xmlns:a="http://schemas.openxmlformats.org/drawingml/2006/main" xmlns:r="http://schemas.openxmlformats.org/officeDocument/2006/relationships" xmlns:p="http://schemas.openxmlformats.org/presentationml/2006/main">
   <p:cSld>
     <p:spTree>
@@ -12830,7 +14029,99 @@
 </p:sld>
 </file>
 
-<file path=ppt/slides/slide26.xml><?xml version="1.0" encoding="utf-8"?>
+<file path=ppt/slides/slide3.xml><?xml version="1.0" encoding="utf-8"?>
+<p:sld xmlns:a="http://schemas.openxmlformats.org/drawingml/2006/main" xmlns:r="http://schemas.openxmlformats.org/officeDocument/2006/relationships" xmlns:p="http://schemas.openxmlformats.org/presentationml/2006/main">
+  <p:cSld>
+    <p:spTree>
+      <p:nvGrpSpPr>
+        <p:cNvPr id="1" name=""/>
+        <p:cNvGrpSpPr/>
+        <p:nvPr/>
+      </p:nvGrpSpPr>
+      <p:grpSpPr>
+        <a:xfrm>
+          <a:off x="0" y="0"/>
+          <a:ext cx="0" cy="0"/>
+          <a:chOff x="0" y="0"/>
+          <a:chExt cx="0" cy="0"/>
+        </a:xfrm>
+      </p:grpSpPr>
+      <p:sp>
+        <p:nvSpPr>
+          <p:cNvPr id="2" name="Title 1"/>
+          <p:cNvSpPr>
+            <a:spLocks noGrp="1"/>
+          </p:cNvSpPr>
+          <p:nvPr>
+            <p:ph type="title"/>
+          </p:nvPr>
+        </p:nvSpPr>
+        <p:spPr/>
+        <p:txBody>
+          <a:bodyPr/>
+          <a:lstStyle/>
+          <a:p>
+            <a:r>
+              <a:rPr lang="en-US" dirty="0"/>
+              <a:t>Maven</a:t>
+            </a:r>
+          </a:p>
+        </p:txBody>
+      </p:sp>
+      <p:sp>
+        <p:nvSpPr>
+          <p:cNvPr id="3" name="Content Placeholder 2"/>
+          <p:cNvSpPr>
+            <a:spLocks noGrp="1"/>
+          </p:cNvSpPr>
+          <p:nvPr>
+            <p:ph idx="1"/>
+          </p:nvPr>
+        </p:nvSpPr>
+        <p:spPr/>
+        <p:txBody>
+          <a:bodyPr/>
+          <a:lstStyle/>
+          <a:p>
+            <a:r>
+              <a:rPr lang="en-US" dirty="0"/>
+              <a:t>What is Apache Maven?</a:t>
+            </a:r>
+          </a:p>
+          <a:p>
+            <a:pPr lvl="1"/>
+            <a:r>
+              <a:rPr lang="en-US" dirty="0"/>
+              <a:t>Apache Maven is a software management and comprehension tool for java development</a:t>
+            </a:r>
+          </a:p>
+          <a:p>
+            <a:pPr lvl="1"/>
+            <a:endParaRPr lang="en-US" dirty="0"/>
+          </a:p>
+          <a:p>
+            <a:endParaRPr lang="en-US" dirty="0"/>
+          </a:p>
+          <a:p>
+            <a:pPr lvl="1"/>
+            <a:endParaRPr lang="en-US" dirty="0"/>
+          </a:p>
+        </p:txBody>
+      </p:sp>
+    </p:spTree>
+    <p:extLst>
+      <p:ext uri="{BB962C8B-B14F-4D97-AF65-F5344CB8AC3E}">
+        <p14:creationId xmlns:p14="http://schemas.microsoft.com/office/powerpoint/2010/main" val="2048179443"/>
+      </p:ext>
+    </p:extLst>
+  </p:cSld>
+  <p:clrMapOvr>
+    <a:masterClrMapping/>
+  </p:clrMapOvr>
+</p:sld>
+</file>
+
+<file path=ppt/slides/slide30.xml><?xml version="1.0" encoding="utf-8"?>
 <p:sld xmlns:a="http://schemas.openxmlformats.org/drawingml/2006/main" xmlns:r="http://schemas.openxmlformats.org/officeDocument/2006/relationships" xmlns:p="http://schemas.openxmlformats.org/presentationml/2006/main">
   <p:cSld>
     <p:spTree>
@@ -12979,7 +14270,7 @@
 </p:sld>
 </file>
 
-<file path=ppt/slides/slide27.xml><?xml version="1.0" encoding="utf-8"?>
+<file path=ppt/slides/slide31.xml><?xml version="1.0" encoding="utf-8"?>
 <p:sld xmlns:a="http://schemas.openxmlformats.org/drawingml/2006/main" xmlns:r="http://schemas.openxmlformats.org/officeDocument/2006/relationships" xmlns:p="http://schemas.openxmlformats.org/presentationml/2006/main">
   <p:cSld>
     <p:spTree>
@@ -13508,7 +14799,7 @@
 </p:sld>
 </file>
 
-<file path=ppt/slides/slide28.xml><?xml version="1.0" encoding="utf-8"?>
+<file path=ppt/slides/slide32.xml><?xml version="1.0" encoding="utf-8"?>
 <p:sld xmlns:a="http://schemas.openxmlformats.org/drawingml/2006/main" xmlns:r="http://schemas.openxmlformats.org/officeDocument/2006/relationships" xmlns:p="http://schemas.openxmlformats.org/presentationml/2006/main">
   <p:cSld>
     <p:spTree>
@@ -13707,7 +14998,7 @@
 </p:sld>
 </file>
 
-<file path=ppt/slides/slide29.xml><?xml version="1.0" encoding="utf-8"?>
+<file path=ppt/slides/slide33.xml><?xml version="1.0" encoding="utf-8"?>
 <p:sld xmlns:a="http://schemas.openxmlformats.org/drawingml/2006/main" xmlns:r="http://schemas.openxmlformats.org/officeDocument/2006/relationships" xmlns:p="http://schemas.openxmlformats.org/presentationml/2006/main">
   <p:cSld>
     <p:spTree>
@@ -13826,99 +15117,7 @@
 </p:sld>
 </file>
 
-<file path=ppt/slides/slide3.xml><?xml version="1.0" encoding="utf-8"?>
-<p:sld xmlns:a="http://schemas.openxmlformats.org/drawingml/2006/main" xmlns:r="http://schemas.openxmlformats.org/officeDocument/2006/relationships" xmlns:p="http://schemas.openxmlformats.org/presentationml/2006/main">
-  <p:cSld>
-    <p:spTree>
-      <p:nvGrpSpPr>
-        <p:cNvPr id="1" name=""/>
-        <p:cNvGrpSpPr/>
-        <p:nvPr/>
-      </p:nvGrpSpPr>
-      <p:grpSpPr>
-        <a:xfrm>
-          <a:off x="0" y="0"/>
-          <a:ext cx="0" cy="0"/>
-          <a:chOff x="0" y="0"/>
-          <a:chExt cx="0" cy="0"/>
-        </a:xfrm>
-      </p:grpSpPr>
-      <p:sp>
-        <p:nvSpPr>
-          <p:cNvPr id="2" name="Title 1"/>
-          <p:cNvSpPr>
-            <a:spLocks noGrp="1"/>
-          </p:cNvSpPr>
-          <p:nvPr>
-            <p:ph type="title"/>
-          </p:nvPr>
-        </p:nvSpPr>
-        <p:spPr/>
-        <p:txBody>
-          <a:bodyPr/>
-          <a:lstStyle/>
-          <a:p>
-            <a:r>
-              <a:rPr lang="en-US" dirty="0"/>
-              <a:t>Maven</a:t>
-            </a:r>
-          </a:p>
-        </p:txBody>
-      </p:sp>
-      <p:sp>
-        <p:nvSpPr>
-          <p:cNvPr id="3" name="Content Placeholder 2"/>
-          <p:cNvSpPr>
-            <a:spLocks noGrp="1"/>
-          </p:cNvSpPr>
-          <p:nvPr>
-            <p:ph idx="1"/>
-          </p:nvPr>
-        </p:nvSpPr>
-        <p:spPr/>
-        <p:txBody>
-          <a:bodyPr/>
-          <a:lstStyle/>
-          <a:p>
-            <a:r>
-              <a:rPr lang="en-US" dirty="0"/>
-              <a:t>What is Apache Maven?</a:t>
-            </a:r>
-          </a:p>
-          <a:p>
-            <a:pPr lvl="1"/>
-            <a:r>
-              <a:rPr lang="en-US" dirty="0"/>
-              <a:t>Apache Maven is a software management and comprehension tool for java development</a:t>
-            </a:r>
-          </a:p>
-          <a:p>
-            <a:pPr lvl="1"/>
-            <a:endParaRPr lang="en-US" dirty="0"/>
-          </a:p>
-          <a:p>
-            <a:endParaRPr lang="en-US" dirty="0"/>
-          </a:p>
-          <a:p>
-            <a:pPr lvl="1"/>
-            <a:endParaRPr lang="en-US" dirty="0"/>
-          </a:p>
-        </p:txBody>
-      </p:sp>
-    </p:spTree>
-    <p:extLst>
-      <p:ext uri="{BB962C8B-B14F-4D97-AF65-F5344CB8AC3E}">
-        <p14:creationId xmlns:p14="http://schemas.microsoft.com/office/powerpoint/2010/main" val="2048179443"/>
-      </p:ext>
-    </p:extLst>
-  </p:cSld>
-  <p:clrMapOvr>
-    <a:masterClrMapping/>
-  </p:clrMapOvr>
-</p:sld>
-</file>
-
-<file path=ppt/slides/slide30.xml><?xml version="1.0" encoding="utf-8"?>
+<file path=ppt/slides/slide34.xml><?xml version="1.0" encoding="utf-8"?>
 <p:sld xmlns:a="http://schemas.openxmlformats.org/drawingml/2006/main" xmlns:r="http://schemas.openxmlformats.org/officeDocument/2006/relationships" xmlns:p="http://schemas.openxmlformats.org/presentationml/2006/main">
   <p:cSld>
     <p:spTree>
@@ -14086,7 +15285,7 @@
 </p:sld>
 </file>
 
-<file path=ppt/slides/slide31.xml><?xml version="1.0" encoding="utf-8"?>
+<file path=ppt/slides/slide35.xml><?xml version="1.0" encoding="utf-8"?>
 <p:sld xmlns:a="http://schemas.openxmlformats.org/drawingml/2006/main" xmlns:r="http://schemas.openxmlformats.org/officeDocument/2006/relationships" xmlns:p="http://schemas.openxmlformats.org/presentationml/2006/main">
   <p:cSld>
     <p:spTree>
@@ -14244,7 +15443,7 @@
 </p:sld>
 </file>
 
-<file path=ppt/slides/slide32.xml><?xml version="1.0" encoding="utf-8"?>
+<file path=ppt/slides/slide36.xml><?xml version="1.0" encoding="utf-8"?>
 <p:sld xmlns:a="http://schemas.openxmlformats.org/drawingml/2006/main" xmlns:r="http://schemas.openxmlformats.org/officeDocument/2006/relationships" xmlns:p="http://schemas.openxmlformats.org/presentationml/2006/main">
   <p:cSld>
     <p:spTree>
@@ -14422,7 +15621,7 @@
 </p:sld>
 </file>
 
-<file path=ppt/slides/slide33.xml><?xml version="1.0" encoding="utf-8"?>
+<file path=ppt/slides/slide37.xml><?xml version="1.0" encoding="utf-8"?>
 <p:sld xmlns:a="http://schemas.openxmlformats.org/drawingml/2006/main" xmlns:r="http://schemas.openxmlformats.org/officeDocument/2006/relationships" xmlns:p="http://schemas.openxmlformats.org/presentationml/2006/main">
   <p:cSld>
     <p:spTree>
@@ -14580,7 +15779,7 @@
 </p:sld>
 </file>
 
-<file path=ppt/slides/slide34.xml><?xml version="1.0" encoding="utf-8"?>
+<file path=ppt/slides/slide38.xml><?xml version="1.0" encoding="utf-8"?>
 <p:sld xmlns:a="http://schemas.openxmlformats.org/drawingml/2006/main" xmlns:r="http://schemas.openxmlformats.org/officeDocument/2006/relationships" xmlns:p="http://schemas.openxmlformats.org/presentationml/2006/main">
   <p:cSld>
     <p:spTree>
@@ -15052,1708 +16251,6 @@
 </p:sld>
 </file>
 
-<file path=ppt/slides/slide35.xml><?xml version="1.0" encoding="utf-8"?>
-<p:sld xmlns:a="http://schemas.openxmlformats.org/drawingml/2006/main" xmlns:r="http://schemas.openxmlformats.org/officeDocument/2006/relationships" xmlns:p="http://schemas.openxmlformats.org/presentationml/2006/main">
-  <p:cSld>
-    <p:spTree>
-      <p:nvGrpSpPr>
-        <p:cNvPr id="1" name=""/>
-        <p:cNvGrpSpPr/>
-        <p:nvPr/>
-      </p:nvGrpSpPr>
-      <p:grpSpPr>
-        <a:xfrm>
-          <a:off x="0" y="0"/>
-          <a:ext cx="0" cy="0"/>
-          <a:chOff x="0" y="0"/>
-          <a:chExt cx="0" cy="0"/>
-        </a:xfrm>
-      </p:grpSpPr>
-      <p:sp>
-        <p:nvSpPr>
-          <p:cNvPr id="2" name="Title 1"/>
-          <p:cNvSpPr>
-            <a:spLocks noGrp="1"/>
-          </p:cNvSpPr>
-          <p:nvPr>
-            <p:ph type="title"/>
-          </p:nvPr>
-        </p:nvSpPr>
-        <p:spPr/>
-        <p:txBody>
-          <a:bodyPr/>
-          <a:lstStyle/>
-          <a:p>
-            <a:r>
-              <a:rPr lang="en-US" dirty="0"/>
-              <a:t>Maven</a:t>
-            </a:r>
-          </a:p>
-        </p:txBody>
-      </p:sp>
-      <p:sp>
-        <p:nvSpPr>
-          <p:cNvPr id="3" name="Content Placeholder 2"/>
-          <p:cNvSpPr>
-            <a:spLocks noGrp="1"/>
-          </p:cNvSpPr>
-          <p:nvPr>
-            <p:ph idx="1"/>
-          </p:nvPr>
-        </p:nvSpPr>
-        <p:spPr/>
-        <p:txBody>
-          <a:bodyPr>
-            <a:normAutofit/>
-          </a:bodyPr>
-          <a:lstStyle/>
-          <a:p>
-            <a:r>
-              <a:rPr lang="en-US" dirty="0"/>
-              <a:t>Maven Central</a:t>
-            </a:r>
-          </a:p>
-          <a:p>
-            <a:pPr lvl="1"/>
-            <a:r>
-              <a:rPr lang="en-US" dirty="0"/>
-              <a:t>Edit pom.xml - license, developer and SCM</a:t>
-            </a:r>
-          </a:p>
-          <a:p>
-            <a:endParaRPr lang="en-US" dirty="0"/>
-          </a:p>
-          <a:p>
-            <a:endParaRPr lang="en-US" dirty="0"/>
-          </a:p>
-          <a:p>
-            <a:endParaRPr lang="en-US" dirty="0"/>
-          </a:p>
-          <a:p>
-            <a:endParaRPr lang="en-US" dirty="0"/>
-          </a:p>
-          <a:p>
-            <a:endParaRPr lang="en-US" dirty="0"/>
-          </a:p>
-          <a:p>
-            <a:endParaRPr lang="en-US" dirty="0"/>
-          </a:p>
-          <a:p>
-            <a:endParaRPr lang="en-US" dirty="0"/>
-          </a:p>
-          <a:p>
-            <a:endParaRPr lang="en-US" dirty="0"/>
-          </a:p>
-          <a:p>
-            <a:endParaRPr lang="en-US" dirty="0"/>
-          </a:p>
-          <a:p>
-            <a:endParaRPr lang="en-US" dirty="0"/>
-          </a:p>
-          <a:p>
-            <a:pPr lvl="1"/>
-            <a:endParaRPr lang="en-US" dirty="0"/>
-          </a:p>
-          <a:p>
-            <a:pPr lvl="1"/>
-            <a:endParaRPr lang="en-US" dirty="0"/>
-          </a:p>
-          <a:p>
-            <a:pPr lvl="1"/>
-            <a:endParaRPr lang="en-US" dirty="0"/>
-          </a:p>
-        </p:txBody>
-      </p:sp>
-      <p:sp>
-        <p:nvSpPr>
-          <p:cNvPr id="4" name="TextBox 3">
-            <a:extLst>
-              <a:ext uri="{FF2B5EF4-FFF2-40B4-BE49-F238E27FC236}">
-                <a16:creationId xmlns:a16="http://schemas.microsoft.com/office/drawing/2014/main" id="{87AD0D5A-433E-6B8D-635E-7C7E333C2A33}"/>
-              </a:ext>
-            </a:extLst>
-          </p:cNvPr>
-          <p:cNvSpPr txBox="1"/>
-          <p:nvPr/>
-        </p:nvSpPr>
-        <p:spPr>
-          <a:xfrm>
-            <a:off x="1619672" y="2780928"/>
-            <a:ext cx="7380312" cy="3416320"/>
-          </a:xfrm>
-          <a:prstGeom prst="rect">
-            <a:avLst/>
-          </a:prstGeom>
-          <a:noFill/>
-          <a:ln w="25400">
-            <a:solidFill>
-              <a:schemeClr val="accent1"/>
-            </a:solidFill>
-          </a:ln>
-        </p:spPr>
-        <p:txBody>
-          <a:bodyPr wrap="square" rtlCol="0">
-            <a:spAutoFit/>
-          </a:bodyPr>
-          <a:lstStyle/>
-          <a:p>
-            <a:r>
-              <a:rPr lang="en-US" sz="1200" dirty="0"/>
-              <a:t> &lt;licenses&gt;</a:t>
-            </a:r>
-          </a:p>
-          <a:p>
-            <a:r>
-              <a:rPr lang="en-US" sz="1200" dirty="0"/>
-              <a:t>		&lt;license&gt;</a:t>
-            </a:r>
-          </a:p>
-          <a:p>
-            <a:r>
-              <a:rPr lang="en-US" sz="1200" dirty="0"/>
-              <a:t>			&lt;name&gt;The Apache License, Version 2.0&lt;/name&gt;</a:t>
-            </a:r>
-          </a:p>
-          <a:p>
-            <a:r>
-              <a:rPr lang="en-US" sz="1200" dirty="0"/>
-              <a:t>			&lt;</a:t>
-            </a:r>
-            <a:r>
-              <a:rPr lang="en-US" sz="1200" dirty="0" err="1"/>
-              <a:t>url</a:t>
-            </a:r>
-            <a:r>
-              <a:rPr lang="en-US" sz="1200" dirty="0"/>
-              <a:t>&gt;http://www.apache.org/licenses/LICENSE-2.0.txt&lt;/url&gt;</a:t>
-            </a:r>
-          </a:p>
-          <a:p>
-            <a:r>
-              <a:rPr lang="en-US" sz="1200" dirty="0"/>
-              <a:t>		&lt;/license&gt;</a:t>
-            </a:r>
-          </a:p>
-          <a:p>
-            <a:r>
-              <a:rPr lang="en-US" sz="1200" dirty="0"/>
-              <a:t>  &lt;/licenses&gt;</a:t>
-            </a:r>
-          </a:p>
-          <a:p>
-            <a:r>
-              <a:rPr lang="en-US" sz="1200" dirty="0"/>
-              <a:t>  &lt;developers&gt;</a:t>
-            </a:r>
-          </a:p>
-          <a:p>
-            <a:r>
-              <a:rPr lang="en-US" sz="1200" dirty="0"/>
-              <a:t>	&lt;developer&gt;</a:t>
-            </a:r>
-          </a:p>
-          <a:p>
-            <a:r>
-              <a:rPr lang="en-US" sz="1200" dirty="0"/>
-              <a:t>		&lt;id&gt;</a:t>
-            </a:r>
-            <a:r>
-              <a:rPr lang="en-US" sz="1200" dirty="0" err="1"/>
-              <a:t>tassun</a:t>
-            </a:r>
-            <a:r>
-              <a:rPr lang="en-US" sz="1200" dirty="0"/>
-              <a:t>&lt;/id&gt;</a:t>
-            </a:r>
-          </a:p>
-          <a:p>
-            <a:r>
-              <a:rPr lang="en-US" sz="1200" dirty="0"/>
-              <a:t>		&lt;name&gt;Tassun Oros&lt;/name&gt;</a:t>
-            </a:r>
-          </a:p>
-          <a:p>
-            <a:r>
-              <a:rPr lang="en-US" sz="1200" dirty="0"/>
-              <a:t>		&lt;email&gt;tassun_oro@hotmail.com&lt;/email&gt;</a:t>
-            </a:r>
-          </a:p>
-          <a:p>
-            <a:r>
-              <a:rPr lang="en-US" sz="1200" dirty="0"/>
-              <a:t>	&lt;/developer&gt;</a:t>
-            </a:r>
-          </a:p>
-          <a:p>
-            <a:r>
-              <a:rPr lang="en-US" sz="1200" dirty="0"/>
-              <a:t>  &lt;/developers&gt;</a:t>
-            </a:r>
-          </a:p>
-          <a:p>
-            <a:r>
-              <a:rPr lang="en-US" sz="1200" dirty="0"/>
-              <a:t>  &lt;</a:t>
-            </a:r>
-            <a:r>
-              <a:rPr lang="en-US" sz="1200" dirty="0" err="1"/>
-              <a:t>scm</a:t>
-            </a:r>
-            <a:r>
-              <a:rPr lang="en-US" sz="1200" dirty="0"/>
-              <a:t>&gt;</a:t>
-            </a:r>
-          </a:p>
-          <a:p>
-            <a:r>
-              <a:rPr lang="en-US" sz="1200" dirty="0"/>
-              <a:t>	&lt;connection&gt;</a:t>
-            </a:r>
-            <a:r>
-              <a:rPr lang="en-US" sz="1200" dirty="0" err="1"/>
-              <a:t>scm:git:git@github.com:tassun</a:t>
-            </a:r>
-            <a:r>
-              <a:rPr lang="en-US" sz="1200" dirty="0"/>
-              <a:t>/commons-</a:t>
-            </a:r>
-            <a:r>
-              <a:rPr lang="en-US" sz="1200" dirty="0" err="1"/>
-              <a:t>utils.git</a:t>
-            </a:r>
-            <a:r>
-              <a:rPr lang="en-US" sz="1200" dirty="0"/>
-              <a:t>&lt;/connection&gt;</a:t>
-            </a:r>
-          </a:p>
-          <a:p>
-            <a:r>
-              <a:rPr lang="en-US" sz="1200" dirty="0"/>
-              <a:t>	&lt;</a:t>
-            </a:r>
-            <a:r>
-              <a:rPr lang="en-US" sz="1200" dirty="0" err="1"/>
-              <a:t>developerConnection</a:t>
-            </a:r>
-            <a:r>
-              <a:rPr lang="en-US" sz="1200" dirty="0"/>
-              <a:t>&gt;</a:t>
-            </a:r>
-            <a:r>
-              <a:rPr lang="en-US" sz="1200" dirty="0" err="1"/>
-              <a:t>scm:git:ssh</a:t>
-            </a:r>
-            <a:r>
-              <a:rPr lang="en-US" sz="1200" dirty="0"/>
-              <a:t>://</a:t>
-            </a:r>
-            <a:r>
-              <a:rPr lang="en-US" sz="1200" dirty="0" err="1"/>
-              <a:t>github.com:tassun</a:t>
-            </a:r>
-            <a:r>
-              <a:rPr lang="en-US" sz="1200" dirty="0"/>
-              <a:t>/commons-</a:t>
-            </a:r>
-            <a:r>
-              <a:rPr lang="en-US" sz="1200" dirty="0" err="1"/>
-              <a:t>utils.git</a:t>
-            </a:r>
-            <a:r>
-              <a:rPr lang="en-US" sz="1200" dirty="0"/>
-              <a:t>&lt;/</a:t>
-            </a:r>
-            <a:r>
-              <a:rPr lang="en-US" sz="1200" dirty="0" err="1"/>
-              <a:t>developerConnection</a:t>
-            </a:r>
-            <a:r>
-              <a:rPr lang="en-US" sz="1200" dirty="0"/>
-              <a:t>&gt;</a:t>
-            </a:r>
-          </a:p>
-          <a:p>
-            <a:r>
-              <a:rPr lang="en-US" sz="1200" dirty="0"/>
-              <a:t>	&lt;</a:t>
-            </a:r>
-            <a:r>
-              <a:rPr lang="en-US" sz="1200" dirty="0" err="1"/>
-              <a:t>url</a:t>
-            </a:r>
-            <a:r>
-              <a:rPr lang="en-US" sz="1200" dirty="0"/>
-              <a:t>&gt;https://github.com/tassun/commons-utils/tree/master&lt;/url&gt;</a:t>
-            </a:r>
-          </a:p>
-          <a:p>
-            <a:r>
-              <a:rPr lang="en-US" sz="1200" dirty="0"/>
-              <a:t>  &lt;/</a:t>
-            </a:r>
-            <a:r>
-              <a:rPr lang="en-US" sz="1200" dirty="0" err="1"/>
-              <a:t>scm</a:t>
-            </a:r>
-            <a:r>
-              <a:rPr lang="en-US" sz="1200" dirty="0"/>
-              <a:t>&gt;</a:t>
-            </a:r>
-          </a:p>
-        </p:txBody>
-      </p:sp>
-    </p:spTree>
-    <p:extLst>
-      <p:ext uri="{BB962C8B-B14F-4D97-AF65-F5344CB8AC3E}">
-        <p14:creationId xmlns:p14="http://schemas.microsoft.com/office/powerpoint/2010/main" val="2272082214"/>
-      </p:ext>
-    </p:extLst>
-  </p:cSld>
-  <p:clrMapOvr>
-    <a:masterClrMapping/>
-  </p:clrMapOvr>
-</p:sld>
-</file>
-
-<file path=ppt/slides/slide36.xml><?xml version="1.0" encoding="utf-8"?>
-<p:sld xmlns:a="http://schemas.openxmlformats.org/drawingml/2006/main" xmlns:r="http://schemas.openxmlformats.org/officeDocument/2006/relationships" xmlns:p="http://schemas.openxmlformats.org/presentationml/2006/main">
-  <p:cSld>
-    <p:spTree>
-      <p:nvGrpSpPr>
-        <p:cNvPr id="1" name=""/>
-        <p:cNvGrpSpPr/>
-        <p:nvPr/>
-      </p:nvGrpSpPr>
-      <p:grpSpPr>
-        <a:xfrm>
-          <a:off x="0" y="0"/>
-          <a:ext cx="0" cy="0"/>
-          <a:chOff x="0" y="0"/>
-          <a:chExt cx="0" cy="0"/>
-        </a:xfrm>
-      </p:grpSpPr>
-      <p:sp>
-        <p:nvSpPr>
-          <p:cNvPr id="2" name="Title 1"/>
-          <p:cNvSpPr>
-            <a:spLocks noGrp="1"/>
-          </p:cNvSpPr>
-          <p:nvPr>
-            <p:ph type="title"/>
-          </p:nvPr>
-        </p:nvSpPr>
-        <p:spPr/>
-        <p:txBody>
-          <a:bodyPr/>
-          <a:lstStyle/>
-          <a:p>
-            <a:r>
-              <a:rPr lang="en-US" dirty="0"/>
-              <a:t>Maven</a:t>
-            </a:r>
-          </a:p>
-        </p:txBody>
-      </p:sp>
-      <p:sp>
-        <p:nvSpPr>
-          <p:cNvPr id="3" name="Content Placeholder 2"/>
-          <p:cNvSpPr>
-            <a:spLocks noGrp="1"/>
-          </p:cNvSpPr>
-          <p:nvPr>
-            <p:ph idx="1"/>
-          </p:nvPr>
-        </p:nvSpPr>
-        <p:spPr/>
-        <p:txBody>
-          <a:bodyPr>
-            <a:normAutofit/>
-          </a:bodyPr>
-          <a:lstStyle/>
-          <a:p>
-            <a:r>
-              <a:rPr lang="en-US" dirty="0"/>
-              <a:t>Maven Central</a:t>
-            </a:r>
-          </a:p>
-          <a:p>
-            <a:pPr lvl="1"/>
-            <a:r>
-              <a:rPr lang="en-US" dirty="0"/>
-              <a:t>Edit pom.xml - repository setup</a:t>
-            </a:r>
-          </a:p>
-          <a:p>
-            <a:endParaRPr lang="en-US" dirty="0"/>
-          </a:p>
-          <a:p>
-            <a:endParaRPr lang="en-US" dirty="0"/>
-          </a:p>
-          <a:p>
-            <a:endParaRPr lang="en-US" dirty="0"/>
-          </a:p>
-          <a:p>
-            <a:endParaRPr lang="en-US" dirty="0"/>
-          </a:p>
-          <a:p>
-            <a:endParaRPr lang="en-US" dirty="0"/>
-          </a:p>
-          <a:p>
-            <a:endParaRPr lang="en-US" dirty="0"/>
-          </a:p>
-          <a:p>
-            <a:endParaRPr lang="en-US" dirty="0"/>
-          </a:p>
-          <a:p>
-            <a:endParaRPr lang="en-US" dirty="0"/>
-          </a:p>
-          <a:p>
-            <a:endParaRPr lang="en-US" dirty="0"/>
-          </a:p>
-          <a:p>
-            <a:endParaRPr lang="en-US" dirty="0"/>
-          </a:p>
-          <a:p>
-            <a:endParaRPr lang="en-US" dirty="0"/>
-          </a:p>
-          <a:p>
-            <a:pPr lvl="1"/>
-            <a:endParaRPr lang="en-US" dirty="0"/>
-          </a:p>
-          <a:p>
-            <a:pPr lvl="1"/>
-            <a:endParaRPr lang="en-US" dirty="0"/>
-          </a:p>
-          <a:p>
-            <a:pPr lvl="1"/>
-            <a:endParaRPr lang="en-US" dirty="0"/>
-          </a:p>
-        </p:txBody>
-      </p:sp>
-      <p:sp>
-        <p:nvSpPr>
-          <p:cNvPr id="4" name="TextBox 3">
-            <a:extLst>
-              <a:ext uri="{FF2B5EF4-FFF2-40B4-BE49-F238E27FC236}">
-                <a16:creationId xmlns:a16="http://schemas.microsoft.com/office/drawing/2014/main" id="{87AD0D5A-433E-6B8D-635E-7C7E333C2A33}"/>
-              </a:ext>
-            </a:extLst>
-          </p:cNvPr>
-          <p:cNvSpPr txBox="1"/>
-          <p:nvPr/>
-        </p:nvSpPr>
-        <p:spPr>
-          <a:xfrm>
-            <a:off x="1619672" y="2852936"/>
-            <a:ext cx="7380312" cy="1938992"/>
-          </a:xfrm>
-          <a:prstGeom prst="rect">
-            <a:avLst/>
-          </a:prstGeom>
-          <a:noFill/>
-          <a:ln w="25400">
-            <a:solidFill>
-              <a:schemeClr val="accent1"/>
-            </a:solidFill>
-          </a:ln>
-        </p:spPr>
-        <p:txBody>
-          <a:bodyPr wrap="square" rtlCol="0">
-            <a:spAutoFit/>
-          </a:bodyPr>
-          <a:lstStyle/>
-          <a:p>
-            <a:r>
-              <a:rPr lang="fr-FR" sz="1200" dirty="0"/>
-              <a:t> &lt;</a:t>
-            </a:r>
-            <a:r>
-              <a:rPr lang="fr-FR" sz="1200" dirty="0" err="1"/>
-              <a:t>distributionManagement</a:t>
-            </a:r>
-            <a:r>
-              <a:rPr lang="fr-FR" sz="1200" dirty="0"/>
-              <a:t>&gt;</a:t>
-            </a:r>
-          </a:p>
-          <a:p>
-            <a:r>
-              <a:rPr lang="fr-FR" sz="1200" dirty="0"/>
-              <a:t>	&lt;</a:t>
-            </a:r>
-            <a:r>
-              <a:rPr lang="fr-FR" sz="1200" dirty="0" err="1"/>
-              <a:t>snapshotRepository</a:t>
-            </a:r>
-            <a:r>
-              <a:rPr lang="fr-FR" sz="1200" dirty="0"/>
-              <a:t>&gt;</a:t>
-            </a:r>
-          </a:p>
-          <a:p>
-            <a:r>
-              <a:rPr lang="fr-FR" sz="1200" dirty="0"/>
-              <a:t>		&lt;id&gt;</a:t>
-            </a:r>
-            <a:r>
-              <a:rPr lang="fr-FR" sz="1200" dirty="0" err="1"/>
-              <a:t>ossrh</a:t>
-            </a:r>
-            <a:r>
-              <a:rPr lang="fr-FR" sz="1200" dirty="0"/>
-              <a:t>&lt;/id&gt;</a:t>
-            </a:r>
-          </a:p>
-          <a:p>
-            <a:r>
-              <a:rPr lang="fr-FR" sz="1200" dirty="0"/>
-              <a:t>		&lt;url&gt;https://s01.oss.sonatype.org/content/repositories/snapshots&lt;/url&gt;</a:t>
-            </a:r>
-          </a:p>
-          <a:p>
-            <a:r>
-              <a:rPr lang="fr-FR" sz="1200" dirty="0"/>
-              <a:t>	&lt;/</a:t>
-            </a:r>
-            <a:r>
-              <a:rPr lang="fr-FR" sz="1200" dirty="0" err="1"/>
-              <a:t>snapshotRepository</a:t>
-            </a:r>
-            <a:r>
-              <a:rPr lang="fr-FR" sz="1200" dirty="0"/>
-              <a:t>&gt;</a:t>
-            </a:r>
-          </a:p>
-          <a:p>
-            <a:r>
-              <a:rPr lang="fr-FR" sz="1200" dirty="0"/>
-              <a:t>	&lt;repository&gt;</a:t>
-            </a:r>
-          </a:p>
-          <a:p>
-            <a:r>
-              <a:rPr lang="fr-FR" sz="1200" dirty="0"/>
-              <a:t>		&lt;id&gt;</a:t>
-            </a:r>
-            <a:r>
-              <a:rPr lang="fr-FR" sz="1200" dirty="0" err="1"/>
-              <a:t>ossrh</a:t>
-            </a:r>
-            <a:r>
-              <a:rPr lang="fr-FR" sz="1200" dirty="0"/>
-              <a:t>&lt;/id&gt;</a:t>
-            </a:r>
-          </a:p>
-          <a:p>
-            <a:r>
-              <a:rPr lang="fr-FR" sz="1200" dirty="0"/>
-              <a:t>		&lt;url&gt;https://s01.oss.sonatype.org/service/local/staging/deploy/maven2/&lt;/url&gt;</a:t>
-            </a:r>
-          </a:p>
-          <a:p>
-            <a:r>
-              <a:rPr lang="fr-FR" sz="1200" dirty="0"/>
-              <a:t>	&lt;/repository&gt;</a:t>
-            </a:r>
-          </a:p>
-          <a:p>
-            <a:r>
-              <a:rPr lang="fr-FR" sz="1200" dirty="0"/>
-              <a:t>  &lt;/</a:t>
-            </a:r>
-            <a:r>
-              <a:rPr lang="fr-FR" sz="1200" dirty="0" err="1"/>
-              <a:t>distributionManagement</a:t>
-            </a:r>
-            <a:r>
-              <a:rPr lang="fr-FR" sz="1200" dirty="0"/>
-              <a:t>&gt;</a:t>
-            </a:r>
-            <a:endParaRPr lang="en-US" sz="1200" dirty="0"/>
-          </a:p>
-        </p:txBody>
-      </p:sp>
-    </p:spTree>
-    <p:extLst>
-      <p:ext uri="{BB962C8B-B14F-4D97-AF65-F5344CB8AC3E}">
-        <p14:creationId xmlns:p14="http://schemas.microsoft.com/office/powerpoint/2010/main" val="766407466"/>
-      </p:ext>
-    </p:extLst>
-  </p:cSld>
-  <p:clrMapOvr>
-    <a:masterClrMapping/>
-  </p:clrMapOvr>
-</p:sld>
-</file>
-
-<file path=ppt/slides/slide37.xml><?xml version="1.0" encoding="utf-8"?>
-<p:sld xmlns:a="http://schemas.openxmlformats.org/drawingml/2006/main" xmlns:r="http://schemas.openxmlformats.org/officeDocument/2006/relationships" xmlns:p="http://schemas.openxmlformats.org/presentationml/2006/main">
-  <p:cSld>
-    <p:spTree>
-      <p:nvGrpSpPr>
-        <p:cNvPr id="1" name=""/>
-        <p:cNvGrpSpPr/>
-        <p:nvPr/>
-      </p:nvGrpSpPr>
-      <p:grpSpPr>
-        <a:xfrm>
-          <a:off x="0" y="0"/>
-          <a:ext cx="0" cy="0"/>
-          <a:chOff x="0" y="0"/>
-          <a:chExt cx="0" cy="0"/>
-        </a:xfrm>
-      </p:grpSpPr>
-      <p:sp>
-        <p:nvSpPr>
-          <p:cNvPr id="2" name="Title 1"/>
-          <p:cNvSpPr>
-            <a:spLocks noGrp="1"/>
-          </p:cNvSpPr>
-          <p:nvPr>
-            <p:ph type="title"/>
-          </p:nvPr>
-        </p:nvSpPr>
-        <p:spPr/>
-        <p:txBody>
-          <a:bodyPr/>
-          <a:lstStyle/>
-          <a:p>
-            <a:r>
-              <a:rPr lang="en-US" dirty="0"/>
-              <a:t>Maven</a:t>
-            </a:r>
-          </a:p>
-        </p:txBody>
-      </p:sp>
-      <p:sp>
-        <p:nvSpPr>
-          <p:cNvPr id="3" name="Content Placeholder 2"/>
-          <p:cNvSpPr>
-            <a:spLocks noGrp="1"/>
-          </p:cNvSpPr>
-          <p:nvPr>
-            <p:ph idx="1"/>
-          </p:nvPr>
-        </p:nvSpPr>
-        <p:spPr/>
-        <p:txBody>
-          <a:bodyPr>
-            <a:normAutofit/>
-          </a:bodyPr>
-          <a:lstStyle/>
-          <a:p>
-            <a:r>
-              <a:rPr lang="en-US" dirty="0"/>
-              <a:t>Maven Central</a:t>
-            </a:r>
-          </a:p>
-          <a:p>
-            <a:pPr lvl="1"/>
-            <a:r>
-              <a:rPr lang="en-US" dirty="0"/>
-              <a:t>Edit pom.xml - plugin</a:t>
-            </a:r>
-          </a:p>
-          <a:p>
-            <a:endParaRPr lang="en-US" dirty="0"/>
-          </a:p>
-          <a:p>
-            <a:endParaRPr lang="en-US" dirty="0"/>
-          </a:p>
-          <a:p>
-            <a:endParaRPr lang="en-US" dirty="0"/>
-          </a:p>
-          <a:p>
-            <a:endParaRPr lang="en-US" dirty="0"/>
-          </a:p>
-          <a:p>
-            <a:endParaRPr lang="en-US" dirty="0"/>
-          </a:p>
-          <a:p>
-            <a:endParaRPr lang="en-US" dirty="0"/>
-          </a:p>
-          <a:p>
-            <a:endParaRPr lang="en-US" dirty="0"/>
-          </a:p>
-          <a:p>
-            <a:endParaRPr lang="en-US" dirty="0"/>
-          </a:p>
-          <a:p>
-            <a:endParaRPr lang="en-US" dirty="0"/>
-          </a:p>
-          <a:p>
-            <a:endParaRPr lang="en-US" dirty="0"/>
-          </a:p>
-          <a:p>
-            <a:endParaRPr lang="en-US" dirty="0"/>
-          </a:p>
-          <a:p>
-            <a:pPr lvl="1"/>
-            <a:endParaRPr lang="en-US" dirty="0"/>
-          </a:p>
-          <a:p>
-            <a:pPr lvl="1"/>
-            <a:endParaRPr lang="en-US" dirty="0"/>
-          </a:p>
-          <a:p>
-            <a:pPr lvl="1"/>
-            <a:endParaRPr lang="en-US" dirty="0"/>
-          </a:p>
-        </p:txBody>
-      </p:sp>
-      <p:sp>
-        <p:nvSpPr>
-          <p:cNvPr id="4" name="TextBox 3">
-            <a:extLst>
-              <a:ext uri="{FF2B5EF4-FFF2-40B4-BE49-F238E27FC236}">
-                <a16:creationId xmlns:a16="http://schemas.microsoft.com/office/drawing/2014/main" id="{87AD0D5A-433E-6B8D-635E-7C7E333C2A33}"/>
-              </a:ext>
-            </a:extLst>
-          </p:cNvPr>
-          <p:cNvSpPr txBox="1"/>
-          <p:nvPr/>
-        </p:nvSpPr>
-        <p:spPr>
-          <a:xfrm>
-            <a:off x="1115616" y="2676976"/>
-            <a:ext cx="3816424" cy="2492990"/>
-          </a:xfrm>
-          <a:prstGeom prst="rect">
-            <a:avLst/>
-          </a:prstGeom>
-          <a:noFill/>
-          <a:ln w="25400">
-            <a:solidFill>
-              <a:schemeClr val="accent1"/>
-            </a:solidFill>
-          </a:ln>
-        </p:spPr>
-        <p:txBody>
-          <a:bodyPr wrap="square" rtlCol="0">
-            <a:spAutoFit/>
-          </a:bodyPr>
-          <a:lstStyle/>
-          <a:p>
-            <a:r>
-              <a:rPr lang="en-US" sz="1200" dirty="0"/>
-              <a:t>           &lt;plugin&gt;</a:t>
-            </a:r>
-          </a:p>
-          <a:p>
-            <a:r>
-              <a:rPr lang="en-US" sz="1200" dirty="0"/>
-              <a:t>                &lt;</a:t>
-            </a:r>
-            <a:r>
-              <a:rPr lang="en-US" sz="1200" dirty="0" err="1"/>
-              <a:t>groupId</a:t>
-            </a:r>
-            <a:r>
-              <a:rPr lang="en-US" sz="1200" dirty="0"/>
-              <a:t>&gt;</a:t>
-            </a:r>
-            <a:r>
-              <a:rPr lang="en-US" sz="1200" dirty="0" err="1"/>
-              <a:t>org.apache.maven.plugins</a:t>
-            </a:r>
-            <a:r>
-              <a:rPr lang="en-US" sz="1200" dirty="0"/>
-              <a:t>&lt;/</a:t>
-            </a:r>
-            <a:r>
-              <a:rPr lang="en-US" sz="1200" dirty="0" err="1"/>
-              <a:t>groupId</a:t>
-            </a:r>
-            <a:r>
-              <a:rPr lang="en-US" sz="1200" dirty="0"/>
-              <a:t>&gt;</a:t>
-            </a:r>
-          </a:p>
-          <a:p>
-            <a:r>
-              <a:rPr lang="en-US" sz="1200" dirty="0"/>
-              <a:t>                &lt;</a:t>
-            </a:r>
-            <a:r>
-              <a:rPr lang="en-US" sz="1200" dirty="0" err="1"/>
-              <a:t>artifactId</a:t>
-            </a:r>
-            <a:r>
-              <a:rPr lang="en-US" sz="1200" dirty="0"/>
-              <a:t>&gt;maven-source-plugin&lt;/</a:t>
-            </a:r>
-            <a:r>
-              <a:rPr lang="en-US" sz="1200" dirty="0" err="1"/>
-              <a:t>artifactId</a:t>
-            </a:r>
-            <a:r>
-              <a:rPr lang="en-US" sz="1200" dirty="0"/>
-              <a:t>&gt;</a:t>
-            </a:r>
-          </a:p>
-          <a:p>
-            <a:r>
-              <a:rPr lang="en-US" sz="1200" dirty="0"/>
-              <a:t>                &lt;version&gt;3.2.1&lt;/version&gt;</a:t>
-            </a:r>
-          </a:p>
-          <a:p>
-            <a:r>
-              <a:rPr lang="en-US" sz="1200" dirty="0"/>
-              <a:t>                &lt;executions&gt;</a:t>
-            </a:r>
-          </a:p>
-          <a:p>
-            <a:r>
-              <a:rPr lang="en-US" sz="1200" dirty="0"/>
-              <a:t>                    &lt;execution&gt;</a:t>
-            </a:r>
-          </a:p>
-          <a:p>
-            <a:r>
-              <a:rPr lang="en-US" sz="1200" dirty="0"/>
-              <a:t>                        &lt;id&gt;attach-sources&lt;/id&gt;</a:t>
-            </a:r>
-          </a:p>
-          <a:p>
-            <a:r>
-              <a:rPr lang="en-US" sz="1200" dirty="0"/>
-              <a:t>                        &lt;goals&gt;</a:t>
-            </a:r>
-          </a:p>
-          <a:p>
-            <a:r>
-              <a:rPr lang="en-US" sz="1200" dirty="0"/>
-              <a:t>                            &lt;goal&gt;jar-no-fork&lt;/goal&gt;</a:t>
-            </a:r>
-          </a:p>
-          <a:p>
-            <a:r>
-              <a:rPr lang="en-US" sz="1200" dirty="0"/>
-              <a:t>                        &lt;/goals&gt;</a:t>
-            </a:r>
-          </a:p>
-          <a:p>
-            <a:r>
-              <a:rPr lang="en-US" sz="1200" dirty="0"/>
-              <a:t>                    &lt;/execution&gt;</a:t>
-            </a:r>
-          </a:p>
-          <a:p>
-            <a:r>
-              <a:rPr lang="en-US" sz="1200" dirty="0"/>
-              <a:t>                &lt;/executions&gt;</a:t>
-            </a:r>
-          </a:p>
-          <a:p>
-            <a:r>
-              <a:rPr lang="en-US" sz="1200" dirty="0"/>
-              <a:t>            &lt;/plugin&gt;</a:t>
-            </a:r>
-          </a:p>
-        </p:txBody>
-      </p:sp>
-      <p:sp>
-        <p:nvSpPr>
-          <p:cNvPr id="5" name="TextBox 4">
-            <a:extLst>
-              <a:ext uri="{FF2B5EF4-FFF2-40B4-BE49-F238E27FC236}">
-                <a16:creationId xmlns:a16="http://schemas.microsoft.com/office/drawing/2014/main" id="{3FA1AF95-507B-0694-28EA-6E647D8DD8F9}"/>
-              </a:ext>
-            </a:extLst>
-          </p:cNvPr>
-          <p:cNvSpPr txBox="1"/>
-          <p:nvPr/>
-        </p:nvSpPr>
-        <p:spPr>
-          <a:xfrm>
-            <a:off x="5076056" y="2676976"/>
-            <a:ext cx="3888432" cy="3416320"/>
-          </a:xfrm>
-          <a:prstGeom prst="rect">
-            <a:avLst/>
-          </a:prstGeom>
-          <a:noFill/>
-          <a:ln w="25400">
-            <a:solidFill>
-              <a:schemeClr val="accent1"/>
-            </a:solidFill>
-          </a:ln>
-        </p:spPr>
-        <p:txBody>
-          <a:bodyPr wrap="square" rtlCol="0">
-            <a:spAutoFit/>
-          </a:bodyPr>
-          <a:lstStyle/>
-          <a:p>
-            <a:r>
-              <a:rPr lang="en-US" sz="1200" dirty="0"/>
-              <a:t>         &lt;plugin&gt;</a:t>
-            </a:r>
-          </a:p>
-          <a:p>
-            <a:r>
-              <a:rPr lang="en-US" sz="1200" dirty="0"/>
-              <a:t>                &lt;</a:t>
-            </a:r>
-            <a:r>
-              <a:rPr lang="en-US" sz="1200" dirty="0" err="1"/>
-              <a:t>groupId</a:t>
-            </a:r>
-            <a:r>
-              <a:rPr lang="en-US" sz="1200" dirty="0"/>
-              <a:t>&gt;</a:t>
-            </a:r>
-            <a:r>
-              <a:rPr lang="en-US" sz="1200" dirty="0" err="1"/>
-              <a:t>org.apache.maven.plugins</a:t>
-            </a:r>
-            <a:r>
-              <a:rPr lang="en-US" sz="1200" dirty="0"/>
-              <a:t>&lt;/</a:t>
-            </a:r>
-            <a:r>
-              <a:rPr lang="en-US" sz="1200" dirty="0" err="1"/>
-              <a:t>groupId</a:t>
-            </a:r>
-            <a:r>
-              <a:rPr lang="en-US" sz="1200" dirty="0"/>
-              <a:t>&gt;</a:t>
-            </a:r>
-          </a:p>
-          <a:p>
-            <a:r>
-              <a:rPr lang="en-US" sz="1200" dirty="0"/>
-              <a:t>                &lt;</a:t>
-            </a:r>
-            <a:r>
-              <a:rPr lang="en-US" sz="1200" dirty="0" err="1"/>
-              <a:t>artifactId</a:t>
-            </a:r>
-            <a:r>
-              <a:rPr lang="en-US" sz="1200" dirty="0"/>
-              <a:t>&gt;maven-</a:t>
-            </a:r>
-            <a:r>
-              <a:rPr lang="en-US" sz="1200" dirty="0" err="1"/>
-              <a:t>javadoc</a:t>
-            </a:r>
-            <a:r>
-              <a:rPr lang="en-US" sz="1200" dirty="0"/>
-              <a:t>-plugin&lt;/</a:t>
-            </a:r>
-            <a:r>
-              <a:rPr lang="en-US" sz="1200" dirty="0" err="1"/>
-              <a:t>artifactId</a:t>
-            </a:r>
-            <a:r>
-              <a:rPr lang="en-US" sz="1200" dirty="0"/>
-              <a:t>&gt;</a:t>
-            </a:r>
-          </a:p>
-          <a:p>
-            <a:r>
-              <a:rPr lang="en-US" sz="1200" dirty="0"/>
-              <a:t>                &lt;version&gt;3.2.0&lt;/version&gt;</a:t>
-            </a:r>
-          </a:p>
-          <a:p>
-            <a:r>
-              <a:rPr lang="en-US" sz="1200" dirty="0"/>
-              <a:t>                &lt;executions&gt;</a:t>
-            </a:r>
-          </a:p>
-          <a:p>
-            <a:r>
-              <a:rPr lang="en-US" sz="1200" dirty="0"/>
-              <a:t>                    &lt;execution&gt;</a:t>
-            </a:r>
-          </a:p>
-          <a:p>
-            <a:r>
-              <a:rPr lang="en-US" sz="1200" dirty="0"/>
-              <a:t>                        &lt;id&gt;attach-</a:t>
-            </a:r>
-            <a:r>
-              <a:rPr lang="en-US" sz="1200" dirty="0" err="1"/>
-              <a:t>javadocs</a:t>
-            </a:r>
-            <a:r>
-              <a:rPr lang="en-US" sz="1200" dirty="0"/>
-              <a:t>&lt;/id&gt;</a:t>
-            </a:r>
-          </a:p>
-          <a:p>
-            <a:r>
-              <a:rPr lang="en-US" sz="1200" dirty="0"/>
-              <a:t>                        &lt;goals&gt;</a:t>
-            </a:r>
-          </a:p>
-          <a:p>
-            <a:r>
-              <a:rPr lang="en-US" sz="1200" dirty="0"/>
-              <a:t>                            &lt;goal&gt;jar&lt;/goal&gt;</a:t>
-            </a:r>
-          </a:p>
-          <a:p>
-            <a:r>
-              <a:rPr lang="en-US" sz="1200" dirty="0"/>
-              <a:t>                        &lt;/goals&gt;</a:t>
-            </a:r>
-          </a:p>
-          <a:p>
-            <a:r>
-              <a:rPr lang="en-US" sz="1200" dirty="0"/>
-              <a:t>                    &lt;/execution&gt;</a:t>
-            </a:r>
-          </a:p>
-          <a:p>
-            <a:r>
-              <a:rPr lang="en-US" sz="1200" dirty="0"/>
-              <a:t>                &lt;/executions&gt;</a:t>
-            </a:r>
-          </a:p>
-          <a:p>
-            <a:r>
-              <a:rPr lang="en-US" sz="1200" dirty="0"/>
-              <a:t>            &lt;/plugin&gt;</a:t>
-            </a:r>
-          </a:p>
-          <a:p>
-            <a:r>
-              <a:rPr lang="en-US" sz="1200" dirty="0"/>
-              <a:t>            &lt;plugin&gt;</a:t>
-            </a:r>
-          </a:p>
-          <a:p>
-            <a:r>
-              <a:rPr lang="en-US" sz="1200" dirty="0"/>
-              <a:t>                &lt;</a:t>
-            </a:r>
-            <a:r>
-              <a:rPr lang="en-US" sz="1200" dirty="0" err="1"/>
-              <a:t>groupId</a:t>
-            </a:r>
-            <a:r>
-              <a:rPr lang="en-US" sz="1200" dirty="0"/>
-              <a:t>&gt;</a:t>
-            </a:r>
-            <a:r>
-              <a:rPr lang="en-US" sz="1200" dirty="0" err="1"/>
-              <a:t>org.apache.maven.plugins</a:t>
-            </a:r>
-            <a:r>
-              <a:rPr lang="en-US" sz="1200" dirty="0"/>
-              <a:t>&lt;/</a:t>
-            </a:r>
-            <a:r>
-              <a:rPr lang="en-US" sz="1200" dirty="0" err="1"/>
-              <a:t>groupId</a:t>
-            </a:r>
-            <a:r>
-              <a:rPr lang="en-US" sz="1200" dirty="0"/>
-              <a:t>&gt;</a:t>
-            </a:r>
-          </a:p>
-          <a:p>
-            <a:r>
-              <a:rPr lang="en-US" sz="1200" dirty="0"/>
-              <a:t>                &lt;</a:t>
-            </a:r>
-            <a:r>
-              <a:rPr lang="en-US" sz="1200" dirty="0" err="1"/>
-              <a:t>artifactId</a:t>
-            </a:r>
-            <a:r>
-              <a:rPr lang="en-US" sz="1200" dirty="0"/>
-              <a:t>&gt;maven-surefire-plugin&lt;/</a:t>
-            </a:r>
-            <a:r>
-              <a:rPr lang="en-US" sz="1200" dirty="0" err="1"/>
-              <a:t>artifactId</a:t>
-            </a:r>
-            <a:r>
-              <a:rPr lang="en-US" sz="1200" dirty="0"/>
-              <a:t>&gt;</a:t>
-            </a:r>
-          </a:p>
-          <a:p>
-            <a:r>
-              <a:rPr lang="en-US" sz="1200" dirty="0"/>
-              <a:t>                &lt;version&gt;2.22.2&lt;/version&gt;</a:t>
-            </a:r>
-          </a:p>
-          <a:p>
-            <a:r>
-              <a:rPr lang="en-US" sz="1200" dirty="0"/>
-              <a:t>            &lt;/plugin&gt;</a:t>
-            </a:r>
-          </a:p>
-        </p:txBody>
-      </p:sp>
-    </p:spTree>
-    <p:extLst>
-      <p:ext uri="{BB962C8B-B14F-4D97-AF65-F5344CB8AC3E}">
-        <p14:creationId xmlns:p14="http://schemas.microsoft.com/office/powerpoint/2010/main" val="2470309468"/>
-      </p:ext>
-    </p:extLst>
-  </p:cSld>
-  <p:clrMapOvr>
-    <a:masterClrMapping/>
-  </p:clrMapOvr>
-</p:sld>
-</file>
-
-<file path=ppt/slides/slide38.xml><?xml version="1.0" encoding="utf-8"?>
-<p:sld xmlns:a="http://schemas.openxmlformats.org/drawingml/2006/main" xmlns:r="http://schemas.openxmlformats.org/officeDocument/2006/relationships" xmlns:p="http://schemas.openxmlformats.org/presentationml/2006/main">
-  <p:cSld>
-    <p:spTree>
-      <p:nvGrpSpPr>
-        <p:cNvPr id="1" name=""/>
-        <p:cNvGrpSpPr/>
-        <p:nvPr/>
-      </p:nvGrpSpPr>
-      <p:grpSpPr>
-        <a:xfrm>
-          <a:off x="0" y="0"/>
-          <a:ext cx="0" cy="0"/>
-          <a:chOff x="0" y="0"/>
-          <a:chExt cx="0" cy="0"/>
-        </a:xfrm>
-      </p:grpSpPr>
-      <p:sp>
-        <p:nvSpPr>
-          <p:cNvPr id="2" name="Title 1"/>
-          <p:cNvSpPr>
-            <a:spLocks noGrp="1"/>
-          </p:cNvSpPr>
-          <p:nvPr>
-            <p:ph type="title"/>
-          </p:nvPr>
-        </p:nvSpPr>
-        <p:spPr/>
-        <p:txBody>
-          <a:bodyPr/>
-          <a:lstStyle/>
-          <a:p>
-            <a:r>
-              <a:rPr lang="en-US" dirty="0"/>
-              <a:t>Maven</a:t>
-            </a:r>
-          </a:p>
-        </p:txBody>
-      </p:sp>
-      <p:sp>
-        <p:nvSpPr>
-          <p:cNvPr id="3" name="Content Placeholder 2"/>
-          <p:cNvSpPr>
-            <a:spLocks noGrp="1"/>
-          </p:cNvSpPr>
-          <p:nvPr>
-            <p:ph idx="1"/>
-          </p:nvPr>
-        </p:nvSpPr>
-        <p:spPr/>
-        <p:txBody>
-          <a:bodyPr>
-            <a:normAutofit/>
-          </a:bodyPr>
-          <a:lstStyle/>
-          <a:p>
-            <a:r>
-              <a:rPr lang="en-US" dirty="0"/>
-              <a:t>Maven Central</a:t>
-            </a:r>
-          </a:p>
-          <a:p>
-            <a:pPr lvl="1"/>
-            <a:r>
-              <a:rPr lang="en-US" dirty="0"/>
-              <a:t>Edit pom.xml - profile</a:t>
-            </a:r>
-          </a:p>
-          <a:p>
-            <a:endParaRPr lang="en-US" dirty="0"/>
-          </a:p>
-          <a:p>
-            <a:endParaRPr lang="en-US" dirty="0"/>
-          </a:p>
-          <a:p>
-            <a:endParaRPr lang="en-US" dirty="0"/>
-          </a:p>
-          <a:p>
-            <a:endParaRPr lang="en-US" dirty="0"/>
-          </a:p>
-          <a:p>
-            <a:endParaRPr lang="en-US" dirty="0"/>
-          </a:p>
-          <a:p>
-            <a:endParaRPr lang="en-US" dirty="0"/>
-          </a:p>
-          <a:p>
-            <a:endParaRPr lang="en-US" dirty="0"/>
-          </a:p>
-          <a:p>
-            <a:endParaRPr lang="en-US" dirty="0"/>
-          </a:p>
-          <a:p>
-            <a:endParaRPr lang="en-US" dirty="0"/>
-          </a:p>
-          <a:p>
-            <a:endParaRPr lang="en-US" dirty="0"/>
-          </a:p>
-          <a:p>
-            <a:endParaRPr lang="en-US" dirty="0"/>
-          </a:p>
-          <a:p>
-            <a:pPr lvl="1"/>
-            <a:endParaRPr lang="en-US" dirty="0"/>
-          </a:p>
-          <a:p>
-            <a:pPr lvl="1"/>
-            <a:endParaRPr lang="en-US" dirty="0"/>
-          </a:p>
-          <a:p>
-            <a:pPr lvl="1"/>
-            <a:endParaRPr lang="en-US" dirty="0"/>
-          </a:p>
-        </p:txBody>
-      </p:sp>
-      <p:sp>
-        <p:nvSpPr>
-          <p:cNvPr id="4" name="TextBox 3">
-            <a:extLst>
-              <a:ext uri="{FF2B5EF4-FFF2-40B4-BE49-F238E27FC236}">
-                <a16:creationId xmlns:a16="http://schemas.microsoft.com/office/drawing/2014/main" id="{87AD0D5A-433E-6B8D-635E-7C7E333C2A33}"/>
-              </a:ext>
-            </a:extLst>
-          </p:cNvPr>
-          <p:cNvSpPr txBox="1"/>
-          <p:nvPr/>
-        </p:nvSpPr>
-        <p:spPr>
-          <a:xfrm>
-            <a:off x="2195736" y="2564904"/>
-            <a:ext cx="4392488" cy="4108817"/>
-          </a:xfrm>
-          <a:prstGeom prst="rect">
-            <a:avLst/>
-          </a:prstGeom>
-          <a:noFill/>
-          <a:ln w="25400">
-            <a:solidFill>
-              <a:schemeClr val="accent1"/>
-            </a:solidFill>
-          </a:ln>
-        </p:spPr>
-        <p:txBody>
-          <a:bodyPr wrap="square" rtlCol="0">
-            <a:spAutoFit/>
-          </a:bodyPr>
-          <a:lstStyle/>
-          <a:p>
-            <a:r>
-              <a:rPr lang="en-US" sz="900" dirty="0">
-                <a:cs typeface="Arial" panose="020B0604020202020204" pitchFamily="34" charset="0"/>
-              </a:rPr>
-              <a:t>&lt;profiles&gt;</a:t>
-            </a:r>
-          </a:p>
-          <a:p>
-            <a:r>
-              <a:rPr lang="en-US" sz="900" dirty="0">
-                <a:cs typeface="Arial" panose="020B0604020202020204" pitchFamily="34" charset="0"/>
-              </a:rPr>
-              <a:t>        &lt;profile&gt;</a:t>
-            </a:r>
-          </a:p>
-          <a:p>
-            <a:r>
-              <a:rPr lang="en-US" sz="900" dirty="0">
-                <a:cs typeface="Arial" panose="020B0604020202020204" pitchFamily="34" charset="0"/>
-              </a:rPr>
-              <a:t>            &lt;id&gt;ci-cd&lt;/id&gt;</a:t>
-            </a:r>
-          </a:p>
-          <a:p>
-            <a:r>
-              <a:rPr lang="en-US" sz="900" dirty="0">
-                <a:cs typeface="Arial" panose="020B0604020202020204" pitchFamily="34" charset="0"/>
-              </a:rPr>
-              <a:t>            &lt;build&gt;</a:t>
-            </a:r>
-          </a:p>
-          <a:p>
-            <a:r>
-              <a:rPr lang="en-US" sz="900" dirty="0">
-                <a:cs typeface="Arial" panose="020B0604020202020204" pitchFamily="34" charset="0"/>
-              </a:rPr>
-              <a:t>                &lt;plugins&gt;</a:t>
-            </a:r>
-          </a:p>
-          <a:p>
-            <a:r>
-              <a:rPr lang="en-US" sz="900" dirty="0">
-                <a:cs typeface="Arial" panose="020B0604020202020204" pitchFamily="34" charset="0"/>
-              </a:rPr>
-              <a:t>                    &lt;plugin&gt;</a:t>
-            </a:r>
-          </a:p>
-          <a:p>
-            <a:r>
-              <a:rPr lang="en-US" sz="900" dirty="0">
-                <a:cs typeface="Arial" panose="020B0604020202020204" pitchFamily="34" charset="0"/>
-              </a:rPr>
-              <a:t>                        &lt;</a:t>
-            </a:r>
-            <a:r>
-              <a:rPr lang="en-US" sz="900" dirty="0" err="1">
-                <a:cs typeface="Arial" panose="020B0604020202020204" pitchFamily="34" charset="0"/>
-              </a:rPr>
-              <a:t>groupId</a:t>
-            </a:r>
-            <a:r>
-              <a:rPr lang="en-US" sz="900" dirty="0">
-                <a:cs typeface="Arial" panose="020B0604020202020204" pitchFamily="34" charset="0"/>
-              </a:rPr>
-              <a:t>&gt;</a:t>
-            </a:r>
-            <a:r>
-              <a:rPr lang="en-US" sz="900" dirty="0" err="1">
-                <a:cs typeface="Arial" panose="020B0604020202020204" pitchFamily="34" charset="0"/>
-              </a:rPr>
-              <a:t>org.apache.maven.plugins</a:t>
-            </a:r>
-            <a:r>
-              <a:rPr lang="en-US" sz="900" dirty="0">
-                <a:cs typeface="Arial" panose="020B0604020202020204" pitchFamily="34" charset="0"/>
-              </a:rPr>
-              <a:t>&lt;/</a:t>
-            </a:r>
-            <a:r>
-              <a:rPr lang="en-US" sz="900" dirty="0" err="1">
-                <a:cs typeface="Arial" panose="020B0604020202020204" pitchFamily="34" charset="0"/>
-              </a:rPr>
-              <a:t>groupId</a:t>
-            </a:r>
-            <a:r>
-              <a:rPr lang="en-US" sz="900" dirty="0">
-                <a:cs typeface="Arial" panose="020B0604020202020204" pitchFamily="34" charset="0"/>
-              </a:rPr>
-              <a:t>&gt;</a:t>
-            </a:r>
-          </a:p>
-          <a:p>
-            <a:r>
-              <a:rPr lang="en-US" sz="900" dirty="0">
-                <a:cs typeface="Arial" panose="020B0604020202020204" pitchFamily="34" charset="0"/>
-              </a:rPr>
-              <a:t>                        &lt;</a:t>
-            </a:r>
-            <a:r>
-              <a:rPr lang="en-US" sz="900" dirty="0" err="1">
-                <a:cs typeface="Arial" panose="020B0604020202020204" pitchFamily="34" charset="0"/>
-              </a:rPr>
-              <a:t>artifactId</a:t>
-            </a:r>
-            <a:r>
-              <a:rPr lang="en-US" sz="900" dirty="0">
-                <a:cs typeface="Arial" panose="020B0604020202020204" pitchFamily="34" charset="0"/>
-              </a:rPr>
-              <a:t>&gt;maven-</a:t>
-            </a:r>
-            <a:r>
-              <a:rPr lang="en-US" sz="900" dirty="0" err="1">
-                <a:cs typeface="Arial" panose="020B0604020202020204" pitchFamily="34" charset="0"/>
-              </a:rPr>
-              <a:t>gpg</a:t>
-            </a:r>
-            <a:r>
-              <a:rPr lang="en-US" sz="900" dirty="0">
-                <a:cs typeface="Arial" panose="020B0604020202020204" pitchFamily="34" charset="0"/>
-              </a:rPr>
-              <a:t>-plugin&lt;/</a:t>
-            </a:r>
-            <a:r>
-              <a:rPr lang="en-US" sz="900" dirty="0" err="1">
-                <a:cs typeface="Arial" panose="020B0604020202020204" pitchFamily="34" charset="0"/>
-              </a:rPr>
-              <a:t>artifactId</a:t>
-            </a:r>
-            <a:r>
-              <a:rPr lang="en-US" sz="900" dirty="0">
-                <a:cs typeface="Arial" panose="020B0604020202020204" pitchFamily="34" charset="0"/>
-              </a:rPr>
-              <a:t>&gt;</a:t>
-            </a:r>
-          </a:p>
-          <a:p>
-            <a:r>
-              <a:rPr lang="en-US" sz="900" dirty="0">
-                <a:cs typeface="Arial" panose="020B0604020202020204" pitchFamily="34" charset="0"/>
-              </a:rPr>
-              <a:t>                        &lt;version&gt;1.6&lt;/version&gt;</a:t>
-            </a:r>
-          </a:p>
-          <a:p>
-            <a:r>
-              <a:rPr lang="en-US" sz="900" dirty="0">
-                <a:cs typeface="Arial" panose="020B0604020202020204" pitchFamily="34" charset="0"/>
-              </a:rPr>
-              <a:t>                        &lt;executions&gt;</a:t>
-            </a:r>
-          </a:p>
-          <a:p>
-            <a:r>
-              <a:rPr lang="en-US" sz="900" dirty="0">
-                <a:cs typeface="Arial" panose="020B0604020202020204" pitchFamily="34" charset="0"/>
-              </a:rPr>
-              <a:t>                            &lt;execution&gt;</a:t>
-            </a:r>
-          </a:p>
-          <a:p>
-            <a:r>
-              <a:rPr lang="en-US" sz="900" dirty="0">
-                <a:cs typeface="Arial" panose="020B0604020202020204" pitchFamily="34" charset="0"/>
-              </a:rPr>
-              <a:t>                                &lt;id&gt;sign-artifacts&lt;/id&gt;</a:t>
-            </a:r>
-          </a:p>
-          <a:p>
-            <a:r>
-              <a:rPr lang="en-US" sz="900" dirty="0">
-                <a:cs typeface="Arial" panose="020B0604020202020204" pitchFamily="34" charset="0"/>
-              </a:rPr>
-              <a:t>                                &lt;phase&gt;verify&lt;/phase&gt;</a:t>
-            </a:r>
-          </a:p>
-          <a:p>
-            <a:r>
-              <a:rPr lang="en-US" sz="900" dirty="0">
-                <a:cs typeface="Arial" panose="020B0604020202020204" pitchFamily="34" charset="0"/>
-              </a:rPr>
-              <a:t>                                &lt;goals&gt;</a:t>
-            </a:r>
-          </a:p>
-          <a:p>
-            <a:r>
-              <a:rPr lang="en-US" sz="900" dirty="0">
-                <a:cs typeface="Arial" panose="020B0604020202020204" pitchFamily="34" charset="0"/>
-              </a:rPr>
-              <a:t>                                    &lt;goal&gt;sign&lt;/goal&gt;</a:t>
-            </a:r>
-          </a:p>
-          <a:p>
-            <a:r>
-              <a:rPr lang="en-US" sz="900" dirty="0">
-                <a:cs typeface="Arial" panose="020B0604020202020204" pitchFamily="34" charset="0"/>
-              </a:rPr>
-              <a:t>                                &lt;/goals&gt;</a:t>
-            </a:r>
-          </a:p>
-          <a:p>
-            <a:r>
-              <a:rPr lang="en-US" sz="900" dirty="0">
-                <a:cs typeface="Arial" panose="020B0604020202020204" pitchFamily="34" charset="0"/>
-              </a:rPr>
-              <a:t>                                &lt;configuration&gt;</a:t>
-            </a:r>
-          </a:p>
-          <a:p>
-            <a:r>
-              <a:rPr lang="en-US" sz="900" dirty="0">
-                <a:cs typeface="Arial" panose="020B0604020202020204" pitchFamily="34" charset="0"/>
-              </a:rPr>
-              <a:t>                                    &lt;</a:t>
-            </a:r>
-            <a:r>
-              <a:rPr lang="en-US" sz="900" dirty="0" err="1">
-                <a:cs typeface="Arial" panose="020B0604020202020204" pitchFamily="34" charset="0"/>
-              </a:rPr>
-              <a:t>gpgArguments</a:t>
-            </a:r>
-            <a:r>
-              <a:rPr lang="en-US" sz="900" dirty="0">
-                <a:cs typeface="Arial" panose="020B0604020202020204" pitchFamily="34" charset="0"/>
-              </a:rPr>
-              <a:t>&gt;</a:t>
-            </a:r>
-          </a:p>
-          <a:p>
-            <a:r>
-              <a:rPr lang="en-US" sz="900" dirty="0">
-                <a:cs typeface="Arial" panose="020B0604020202020204" pitchFamily="34" charset="0"/>
-              </a:rPr>
-              <a:t>                                        &lt;</a:t>
-            </a:r>
-            <a:r>
-              <a:rPr lang="en-US" sz="900" dirty="0" err="1">
-                <a:cs typeface="Arial" panose="020B0604020202020204" pitchFamily="34" charset="0"/>
-              </a:rPr>
-              <a:t>arg</a:t>
-            </a:r>
-            <a:r>
-              <a:rPr lang="en-US" sz="900" dirty="0">
-                <a:cs typeface="Arial" panose="020B0604020202020204" pitchFamily="34" charset="0"/>
-              </a:rPr>
-              <a:t>&gt;--</a:t>
-            </a:r>
-            <a:r>
-              <a:rPr lang="en-US" sz="900" dirty="0" err="1">
-                <a:cs typeface="Arial" panose="020B0604020202020204" pitchFamily="34" charset="0"/>
-              </a:rPr>
-              <a:t>pinentry</a:t>
-            </a:r>
-            <a:r>
-              <a:rPr lang="en-US" sz="900" dirty="0">
-                <a:cs typeface="Arial" panose="020B0604020202020204" pitchFamily="34" charset="0"/>
-              </a:rPr>
-              <a:t>-mode&lt;/</a:t>
-            </a:r>
-            <a:r>
-              <a:rPr lang="en-US" sz="900" dirty="0" err="1">
-                <a:cs typeface="Arial" panose="020B0604020202020204" pitchFamily="34" charset="0"/>
-              </a:rPr>
-              <a:t>arg</a:t>
-            </a:r>
-            <a:r>
-              <a:rPr lang="en-US" sz="900" dirty="0">
-                <a:cs typeface="Arial" panose="020B0604020202020204" pitchFamily="34" charset="0"/>
-              </a:rPr>
-              <a:t>&gt;</a:t>
-            </a:r>
-          </a:p>
-          <a:p>
-            <a:r>
-              <a:rPr lang="en-US" sz="900" dirty="0">
-                <a:cs typeface="Arial" panose="020B0604020202020204" pitchFamily="34" charset="0"/>
-              </a:rPr>
-              <a:t>                                        &lt;</a:t>
-            </a:r>
-            <a:r>
-              <a:rPr lang="en-US" sz="900" dirty="0" err="1">
-                <a:cs typeface="Arial" panose="020B0604020202020204" pitchFamily="34" charset="0"/>
-              </a:rPr>
-              <a:t>arg</a:t>
-            </a:r>
-            <a:r>
-              <a:rPr lang="en-US" sz="900" dirty="0">
-                <a:cs typeface="Arial" panose="020B0604020202020204" pitchFamily="34" charset="0"/>
-              </a:rPr>
-              <a:t>&gt;loopback&lt;/</a:t>
-            </a:r>
-            <a:r>
-              <a:rPr lang="en-US" sz="900" dirty="0" err="1">
-                <a:cs typeface="Arial" panose="020B0604020202020204" pitchFamily="34" charset="0"/>
-              </a:rPr>
-              <a:t>arg</a:t>
-            </a:r>
-            <a:r>
-              <a:rPr lang="en-US" sz="900" dirty="0">
-                <a:cs typeface="Arial" panose="020B0604020202020204" pitchFamily="34" charset="0"/>
-              </a:rPr>
-              <a:t>&gt;</a:t>
-            </a:r>
-          </a:p>
-          <a:p>
-            <a:r>
-              <a:rPr lang="en-US" sz="900" dirty="0">
-                <a:cs typeface="Arial" panose="020B0604020202020204" pitchFamily="34" charset="0"/>
-              </a:rPr>
-              <a:t>                                    &lt;/</a:t>
-            </a:r>
-            <a:r>
-              <a:rPr lang="en-US" sz="900" dirty="0" err="1">
-                <a:cs typeface="Arial" panose="020B0604020202020204" pitchFamily="34" charset="0"/>
-              </a:rPr>
-              <a:t>gpgArguments</a:t>
-            </a:r>
-            <a:r>
-              <a:rPr lang="en-US" sz="900" dirty="0">
-                <a:cs typeface="Arial" panose="020B0604020202020204" pitchFamily="34" charset="0"/>
-              </a:rPr>
-              <a:t>&gt;</a:t>
-            </a:r>
-          </a:p>
-          <a:p>
-            <a:r>
-              <a:rPr lang="en-US" sz="900" dirty="0">
-                <a:cs typeface="Arial" panose="020B0604020202020204" pitchFamily="34" charset="0"/>
-              </a:rPr>
-              <a:t>                                &lt;/configuration&gt;</a:t>
-            </a:r>
-          </a:p>
-          <a:p>
-            <a:r>
-              <a:rPr lang="en-US" sz="900" dirty="0">
-                <a:cs typeface="Arial" panose="020B0604020202020204" pitchFamily="34" charset="0"/>
-              </a:rPr>
-              <a:t>                            &lt;/execution&gt;</a:t>
-            </a:r>
-          </a:p>
-          <a:p>
-            <a:r>
-              <a:rPr lang="en-US" sz="900" dirty="0">
-                <a:cs typeface="Arial" panose="020B0604020202020204" pitchFamily="34" charset="0"/>
-              </a:rPr>
-              <a:t>                        &lt;/executions&gt;</a:t>
-            </a:r>
-          </a:p>
-          <a:p>
-            <a:r>
-              <a:rPr lang="en-US" sz="900" dirty="0">
-                <a:cs typeface="Arial" panose="020B0604020202020204" pitchFamily="34" charset="0"/>
-              </a:rPr>
-              <a:t>                    &lt;/plugin&gt;</a:t>
-            </a:r>
-          </a:p>
-          <a:p>
-            <a:r>
-              <a:rPr lang="en-US" sz="900" dirty="0">
-                <a:cs typeface="Arial" panose="020B0604020202020204" pitchFamily="34" charset="0"/>
-              </a:rPr>
-              <a:t>                &lt;/plugins&gt;</a:t>
-            </a:r>
-          </a:p>
-          <a:p>
-            <a:r>
-              <a:rPr lang="en-US" sz="900" dirty="0">
-                <a:cs typeface="Arial" panose="020B0604020202020204" pitchFamily="34" charset="0"/>
-              </a:rPr>
-              <a:t>            &lt;/build&gt;</a:t>
-            </a:r>
-          </a:p>
-          <a:p>
-            <a:r>
-              <a:rPr lang="en-US" sz="900" dirty="0">
-                <a:cs typeface="Arial" panose="020B0604020202020204" pitchFamily="34" charset="0"/>
-              </a:rPr>
-              <a:t>        &lt;/profile&gt;</a:t>
-            </a:r>
-          </a:p>
-          <a:p>
-            <a:r>
-              <a:rPr lang="en-US" sz="900" dirty="0">
-                <a:cs typeface="Arial" panose="020B0604020202020204" pitchFamily="34" charset="0"/>
-              </a:rPr>
-              <a:t>    &lt;/profiles&gt;</a:t>
-            </a:r>
-          </a:p>
-        </p:txBody>
-      </p:sp>
-    </p:spTree>
-    <p:extLst>
-      <p:ext uri="{BB962C8B-B14F-4D97-AF65-F5344CB8AC3E}">
-        <p14:creationId xmlns:p14="http://schemas.microsoft.com/office/powerpoint/2010/main" val="166891792"/>
-      </p:ext>
-    </p:extLst>
-  </p:cSld>
-  <p:clrMapOvr>
-    <a:masterClrMapping/>
-  </p:clrMapOvr>
-</p:sld>
-</file>
-
 <file path=ppt/slides/slide39.xml><?xml version="1.0" encoding="utf-8"?>
 <p:sld xmlns:a="http://schemas.openxmlformats.org/drawingml/2006/main" xmlns:r="http://schemas.openxmlformats.org/officeDocument/2006/relationships" xmlns:p="http://schemas.openxmlformats.org/presentationml/2006/main">
   <p:cSld>
@@ -16819,25 +16316,8 @@
             <a:pPr lvl="1"/>
             <a:r>
               <a:rPr lang="en-US" dirty="0"/>
-              <a:t>repository config</a:t>
-            </a:r>
-          </a:p>
-          <a:p>
-            <a:pPr lvl="2"/>
-            <a:r>
-              <a:rPr lang="en-US" b="0" i="0" dirty="0">
-                <a:solidFill>
-                  <a:srgbClr val="C7254E"/>
-                </a:solidFill>
-                <a:effectLst/>
-                <a:latin typeface="Menlo"/>
-              </a:rPr>
-              <a:t>~/.m2/settings.xml</a:t>
-            </a:r>
-            <a:endParaRPr lang="en-US" dirty="0"/>
-          </a:p>
-          <a:p>
-            <a:endParaRPr lang="en-US" dirty="0"/>
+              <a:t>Edit pom.xml - license, developer and SCM</a:t>
+            </a:r>
           </a:p>
           <a:p>
             <a:endParaRPr lang="en-US" dirty="0"/>
@@ -16885,10 +16365,10 @@
       </p:sp>
       <p:sp>
         <p:nvSpPr>
-          <p:cNvPr id="5" name="TextBox 4">
+          <p:cNvPr id="4" name="TextBox 3">
             <a:extLst>
               <a:ext uri="{FF2B5EF4-FFF2-40B4-BE49-F238E27FC236}">
-                <a16:creationId xmlns:a16="http://schemas.microsoft.com/office/drawing/2014/main" id="{621AEDA0-A464-69C0-CFA3-01713FC5A230}"/>
+                <a16:creationId xmlns:a16="http://schemas.microsoft.com/office/drawing/2014/main" id="{87AD0D5A-433E-6B8D-635E-7C7E333C2A33}"/>
               </a:ext>
             </a:extLst>
           </p:cNvPr>
@@ -16897,8 +16377,8 @@
         </p:nvSpPr>
         <p:spPr>
           <a:xfrm>
-            <a:off x="2267744" y="3284984"/>
-            <a:ext cx="6172715" cy="2585323"/>
+            <a:off x="1619672" y="2780928"/>
+            <a:ext cx="7380312" cy="3416320"/>
           </a:xfrm>
           <a:prstGeom prst="rect">
             <a:avLst/>
@@ -16911,86 +16391,212 @@
           </a:ln>
         </p:spPr>
         <p:txBody>
-          <a:bodyPr wrap="none" rtlCol="0">
+          <a:bodyPr wrap="square" rtlCol="0">
             <a:spAutoFit/>
           </a:bodyPr>
           <a:lstStyle/>
           <a:p>
             <a:r>
-              <a:rPr lang="en-US" dirty="0"/>
-              <a:t>&lt;settings&gt;</a:t>
-            </a:r>
-          </a:p>
-          <a:p>
-            <a:r>
-              <a:rPr lang="en-US" dirty="0"/>
-              <a:t>	&lt;servers&gt;</a:t>
-            </a:r>
-          </a:p>
-          <a:p>
-            <a:r>
-              <a:rPr lang="en-US" dirty="0"/>
-              <a:t>		&lt;server&gt;</a:t>
-            </a:r>
-          </a:p>
-          <a:p>
-            <a:r>
-              <a:rPr lang="en-US" dirty="0"/>
-              <a:t>		  &lt;id&gt;</a:t>
-            </a:r>
-            <a:r>
-              <a:rPr lang="en-US" dirty="0" err="1"/>
-              <a:t>ossrh</a:t>
-            </a:r>
-            <a:r>
-              <a:rPr lang="en-US" dirty="0"/>
+              <a:rPr lang="en-US" sz="1200" dirty="0"/>
+              <a:t> &lt;licenses&gt;</a:t>
+            </a:r>
+          </a:p>
+          <a:p>
+            <a:r>
+              <a:rPr lang="en-US" sz="1200" dirty="0"/>
+              <a:t>		&lt;license&gt;</a:t>
+            </a:r>
+          </a:p>
+          <a:p>
+            <a:r>
+              <a:rPr lang="en-US" sz="1200" dirty="0"/>
+              <a:t>			&lt;name&gt;The Apache License, Version 2.0&lt;/name&gt;</a:t>
+            </a:r>
+          </a:p>
+          <a:p>
+            <a:r>
+              <a:rPr lang="en-US" sz="1200" dirty="0"/>
+              <a:t>			&lt;</a:t>
+            </a:r>
+            <a:r>
+              <a:rPr lang="en-US" sz="1200" dirty="0" err="1"/>
+              <a:t>url</a:t>
+            </a:r>
+            <a:r>
+              <a:rPr lang="en-US" sz="1200" dirty="0"/>
+              <a:t>&gt;http://www.apache.org/licenses/LICENSE-2.0.txt&lt;/url&gt;</a:t>
+            </a:r>
+          </a:p>
+          <a:p>
+            <a:r>
+              <a:rPr lang="en-US" sz="1200" dirty="0"/>
+              <a:t>		&lt;/license&gt;</a:t>
+            </a:r>
+          </a:p>
+          <a:p>
+            <a:r>
+              <a:rPr lang="en-US" sz="1200" dirty="0"/>
+              <a:t>  &lt;/licenses&gt;</a:t>
+            </a:r>
+          </a:p>
+          <a:p>
+            <a:r>
+              <a:rPr lang="en-US" sz="1200" dirty="0"/>
+              <a:t>  &lt;developers&gt;</a:t>
+            </a:r>
+          </a:p>
+          <a:p>
+            <a:r>
+              <a:rPr lang="en-US" sz="1200" dirty="0"/>
+              <a:t>	&lt;developer&gt;</a:t>
+            </a:r>
+          </a:p>
+          <a:p>
+            <a:r>
+              <a:rPr lang="en-US" sz="1200" dirty="0"/>
+              <a:t>		&lt;id&gt;</a:t>
+            </a:r>
+            <a:r>
+              <a:rPr lang="en-US" sz="1200" dirty="0" err="1"/>
+              <a:t>tassun</a:t>
+            </a:r>
+            <a:r>
+              <a:rPr lang="en-US" sz="1200" dirty="0"/>
               <a:t>&lt;/id&gt;</a:t>
             </a:r>
           </a:p>
           <a:p>
             <a:r>
-              <a:rPr lang="en-US" dirty="0"/>
-              <a:t>		  &lt;username&gt;</a:t>
-            </a:r>
-            <a:r>
-              <a:rPr lang="en-US" dirty="0" err="1"/>
-              <a:t>sonartypeUser</a:t>
-            </a:r>
-            <a:r>
-              <a:rPr lang="en-US" dirty="0"/>
-              <a:t>&lt;/username&gt;</a:t>
-            </a:r>
-          </a:p>
-          <a:p>
-            <a:r>
-              <a:rPr lang="en-US" dirty="0"/>
-              <a:t>		  &lt;password&gt;</a:t>
-            </a:r>
-            <a:r>
-              <a:rPr lang="en-US" dirty="0" err="1"/>
-              <a:t>secretPassword</a:t>
-            </a:r>
-            <a:r>
-              <a:rPr lang="en-US" dirty="0"/>
-              <a:t>&lt;/password&gt;</a:t>
-            </a:r>
-          </a:p>
-          <a:p>
-            <a:r>
-              <a:rPr lang="en-US" dirty="0"/>
-              <a:t>		&lt;/server&gt;</a:t>
-            </a:r>
-          </a:p>
-          <a:p>
-            <a:r>
-              <a:rPr lang="en-US" dirty="0"/>
-              <a:t>	&lt;/servers&gt;</a:t>
-            </a:r>
-          </a:p>
-          <a:p>
-            <a:r>
-              <a:rPr lang="en-US" dirty="0"/>
-              <a:t>&lt;/settings&gt;</a:t>
+              <a:rPr lang="en-US" sz="1200" dirty="0"/>
+              <a:t>		&lt;name&gt;Tassun Oros&lt;/name&gt;</a:t>
+            </a:r>
+          </a:p>
+          <a:p>
+            <a:r>
+              <a:rPr lang="en-US" sz="1200" dirty="0"/>
+              <a:t>		&lt;email&gt;tassun_oro@hotmail.com&lt;/email&gt;</a:t>
+            </a:r>
+          </a:p>
+          <a:p>
+            <a:r>
+              <a:rPr lang="en-US" sz="1200" dirty="0"/>
+              <a:t>	&lt;/developer&gt;</a:t>
+            </a:r>
+          </a:p>
+          <a:p>
+            <a:r>
+              <a:rPr lang="en-US" sz="1200" dirty="0"/>
+              <a:t>  &lt;/developers&gt;</a:t>
+            </a:r>
+          </a:p>
+          <a:p>
+            <a:r>
+              <a:rPr lang="en-US" sz="1200" dirty="0"/>
+              <a:t>  &lt;</a:t>
+            </a:r>
+            <a:r>
+              <a:rPr lang="en-US" sz="1200" dirty="0" err="1"/>
+              <a:t>scm</a:t>
+            </a:r>
+            <a:r>
+              <a:rPr lang="en-US" sz="1200" dirty="0"/>
+              <a:t>&gt;</a:t>
+            </a:r>
+          </a:p>
+          <a:p>
+            <a:r>
+              <a:rPr lang="en-US" sz="1200" dirty="0"/>
+              <a:t>	&lt;connection&gt;</a:t>
+            </a:r>
+            <a:r>
+              <a:rPr lang="en-US" sz="1200" dirty="0" err="1"/>
+              <a:t>scm:git:git@github.com:tassun</a:t>
+            </a:r>
+            <a:r>
+              <a:rPr lang="en-US" sz="1200" dirty="0"/>
+              <a:t>/commons-</a:t>
+            </a:r>
+            <a:r>
+              <a:rPr lang="en-US" sz="1200" dirty="0" err="1"/>
+              <a:t>utils.git</a:t>
+            </a:r>
+            <a:r>
+              <a:rPr lang="en-US" sz="1200" dirty="0"/>
+              <a:t>&lt;/connection&gt;</a:t>
+            </a:r>
+          </a:p>
+          <a:p>
+            <a:r>
+              <a:rPr lang="en-US" sz="1200" dirty="0"/>
+              <a:t>	&lt;</a:t>
+            </a:r>
+            <a:r>
+              <a:rPr lang="en-US" sz="1200" dirty="0" err="1"/>
+              <a:t>developerConnection</a:t>
+            </a:r>
+            <a:r>
+              <a:rPr lang="en-US" sz="1200" dirty="0"/>
+              <a:t>&gt;</a:t>
+            </a:r>
+            <a:r>
+              <a:rPr lang="en-US" sz="1200" dirty="0" err="1"/>
+              <a:t>scm:git:ssh</a:t>
+            </a:r>
+            <a:r>
+              <a:rPr lang="en-US" sz="1200" dirty="0"/>
+              <a:t>://</a:t>
+            </a:r>
+            <a:r>
+              <a:rPr lang="en-US" sz="1200" dirty="0" err="1"/>
+              <a:t>github.com:tassun</a:t>
+            </a:r>
+            <a:r>
+              <a:rPr lang="en-US" sz="1200" dirty="0"/>
+              <a:t>/commons-</a:t>
+            </a:r>
+            <a:r>
+              <a:rPr lang="en-US" sz="1200" dirty="0" err="1"/>
+              <a:t>utils.git</a:t>
+            </a:r>
+            <a:r>
+              <a:rPr lang="en-US" sz="1200" dirty="0"/>
+              <a:t>&lt;/</a:t>
+            </a:r>
+            <a:r>
+              <a:rPr lang="en-US" sz="1200" dirty="0" err="1"/>
+              <a:t>developerConnection</a:t>
+            </a:r>
+            <a:r>
+              <a:rPr lang="en-US" sz="1200" dirty="0"/>
+              <a:t>&gt;</a:t>
+            </a:r>
+          </a:p>
+          <a:p>
+            <a:r>
+              <a:rPr lang="en-US" sz="1200" dirty="0"/>
+              <a:t>	&lt;</a:t>
+            </a:r>
+            <a:r>
+              <a:rPr lang="en-US" sz="1200" dirty="0" err="1"/>
+              <a:t>url</a:t>
+            </a:r>
+            <a:r>
+              <a:rPr lang="en-US" sz="1200" dirty="0"/>
+              <a:t>&gt;https://github.com/tassun/commons-utils/tree/master&lt;/url&gt;</a:t>
+            </a:r>
+          </a:p>
+          <a:p>
+            <a:r>
+              <a:rPr lang="en-US" sz="1200" dirty="0"/>
+              <a:t>  &lt;/</a:t>
+            </a:r>
+            <a:r>
+              <a:rPr lang="en-US" sz="1200" dirty="0" err="1"/>
+              <a:t>scm</a:t>
+            </a:r>
+            <a:r>
+              <a:rPr lang="en-US" sz="1200" dirty="0"/>
+              <a:t>&gt;</a:t>
             </a:r>
           </a:p>
         </p:txBody>
@@ -16998,7 +16604,7 @@
     </p:spTree>
     <p:extLst>
       <p:ext uri="{BB962C8B-B14F-4D97-AF65-F5344CB8AC3E}">
-        <p14:creationId xmlns:p14="http://schemas.microsoft.com/office/powerpoint/2010/main" val="100846571"/>
+        <p14:creationId xmlns:p14="http://schemas.microsoft.com/office/powerpoint/2010/main" val="2272082214"/>
       </p:ext>
     </p:extLst>
   </p:cSld>
@@ -17189,6 +16795,1599 @@
             <a:pPr lvl="1"/>
             <a:r>
               <a:rPr lang="en-US" dirty="0"/>
+              <a:t>Edit pom.xml - repository setup</a:t>
+            </a:r>
+          </a:p>
+          <a:p>
+            <a:endParaRPr lang="en-US" dirty="0"/>
+          </a:p>
+          <a:p>
+            <a:endParaRPr lang="en-US" dirty="0"/>
+          </a:p>
+          <a:p>
+            <a:endParaRPr lang="en-US" dirty="0"/>
+          </a:p>
+          <a:p>
+            <a:endParaRPr lang="en-US" dirty="0"/>
+          </a:p>
+          <a:p>
+            <a:endParaRPr lang="en-US" dirty="0"/>
+          </a:p>
+          <a:p>
+            <a:endParaRPr lang="en-US" dirty="0"/>
+          </a:p>
+          <a:p>
+            <a:endParaRPr lang="en-US" dirty="0"/>
+          </a:p>
+          <a:p>
+            <a:endParaRPr lang="en-US" dirty="0"/>
+          </a:p>
+          <a:p>
+            <a:endParaRPr lang="en-US" dirty="0"/>
+          </a:p>
+          <a:p>
+            <a:endParaRPr lang="en-US" dirty="0"/>
+          </a:p>
+          <a:p>
+            <a:endParaRPr lang="en-US" dirty="0"/>
+          </a:p>
+          <a:p>
+            <a:pPr lvl="1"/>
+            <a:endParaRPr lang="en-US" dirty="0"/>
+          </a:p>
+          <a:p>
+            <a:pPr lvl="1"/>
+            <a:endParaRPr lang="en-US" dirty="0"/>
+          </a:p>
+          <a:p>
+            <a:pPr lvl="1"/>
+            <a:endParaRPr lang="en-US" dirty="0"/>
+          </a:p>
+        </p:txBody>
+      </p:sp>
+      <p:sp>
+        <p:nvSpPr>
+          <p:cNvPr id="4" name="TextBox 3">
+            <a:extLst>
+              <a:ext uri="{FF2B5EF4-FFF2-40B4-BE49-F238E27FC236}">
+                <a16:creationId xmlns:a16="http://schemas.microsoft.com/office/drawing/2014/main" id="{87AD0D5A-433E-6B8D-635E-7C7E333C2A33}"/>
+              </a:ext>
+            </a:extLst>
+          </p:cNvPr>
+          <p:cNvSpPr txBox="1"/>
+          <p:nvPr/>
+        </p:nvSpPr>
+        <p:spPr>
+          <a:xfrm>
+            <a:off x="1619672" y="2852936"/>
+            <a:ext cx="7380312" cy="1938992"/>
+          </a:xfrm>
+          <a:prstGeom prst="rect">
+            <a:avLst/>
+          </a:prstGeom>
+          <a:noFill/>
+          <a:ln w="25400">
+            <a:solidFill>
+              <a:schemeClr val="accent1"/>
+            </a:solidFill>
+          </a:ln>
+        </p:spPr>
+        <p:txBody>
+          <a:bodyPr wrap="square" rtlCol="0">
+            <a:spAutoFit/>
+          </a:bodyPr>
+          <a:lstStyle/>
+          <a:p>
+            <a:r>
+              <a:rPr lang="fr-FR" sz="1200" dirty="0"/>
+              <a:t> &lt;</a:t>
+            </a:r>
+            <a:r>
+              <a:rPr lang="fr-FR" sz="1200" dirty="0" err="1"/>
+              <a:t>distributionManagement</a:t>
+            </a:r>
+            <a:r>
+              <a:rPr lang="fr-FR" sz="1200" dirty="0"/>
+              <a:t>&gt;</a:t>
+            </a:r>
+          </a:p>
+          <a:p>
+            <a:r>
+              <a:rPr lang="fr-FR" sz="1200" dirty="0"/>
+              <a:t>	&lt;</a:t>
+            </a:r>
+            <a:r>
+              <a:rPr lang="fr-FR" sz="1200" dirty="0" err="1"/>
+              <a:t>snapshotRepository</a:t>
+            </a:r>
+            <a:r>
+              <a:rPr lang="fr-FR" sz="1200" dirty="0"/>
+              <a:t>&gt;</a:t>
+            </a:r>
+          </a:p>
+          <a:p>
+            <a:r>
+              <a:rPr lang="fr-FR" sz="1200" dirty="0"/>
+              <a:t>		&lt;id&gt;</a:t>
+            </a:r>
+            <a:r>
+              <a:rPr lang="fr-FR" sz="1200" dirty="0" err="1"/>
+              <a:t>ossrh</a:t>
+            </a:r>
+            <a:r>
+              <a:rPr lang="fr-FR" sz="1200" dirty="0"/>
+              <a:t>&lt;/id&gt;</a:t>
+            </a:r>
+          </a:p>
+          <a:p>
+            <a:r>
+              <a:rPr lang="fr-FR" sz="1200" dirty="0"/>
+              <a:t>		&lt;url&gt;https://s01.oss.sonatype.org/content/repositories/snapshots&lt;/url&gt;</a:t>
+            </a:r>
+          </a:p>
+          <a:p>
+            <a:r>
+              <a:rPr lang="fr-FR" sz="1200" dirty="0"/>
+              <a:t>	&lt;/</a:t>
+            </a:r>
+            <a:r>
+              <a:rPr lang="fr-FR" sz="1200" dirty="0" err="1"/>
+              <a:t>snapshotRepository</a:t>
+            </a:r>
+            <a:r>
+              <a:rPr lang="fr-FR" sz="1200" dirty="0"/>
+              <a:t>&gt;</a:t>
+            </a:r>
+          </a:p>
+          <a:p>
+            <a:r>
+              <a:rPr lang="fr-FR" sz="1200" dirty="0"/>
+              <a:t>	&lt;repository&gt;</a:t>
+            </a:r>
+          </a:p>
+          <a:p>
+            <a:r>
+              <a:rPr lang="fr-FR" sz="1200" dirty="0"/>
+              <a:t>		&lt;id&gt;</a:t>
+            </a:r>
+            <a:r>
+              <a:rPr lang="fr-FR" sz="1200" dirty="0" err="1"/>
+              <a:t>ossrh</a:t>
+            </a:r>
+            <a:r>
+              <a:rPr lang="fr-FR" sz="1200" dirty="0"/>
+              <a:t>&lt;/id&gt;</a:t>
+            </a:r>
+          </a:p>
+          <a:p>
+            <a:r>
+              <a:rPr lang="fr-FR" sz="1200" dirty="0"/>
+              <a:t>		&lt;url&gt;https://s01.oss.sonatype.org/service/local/staging/deploy/maven2/&lt;/url&gt;</a:t>
+            </a:r>
+          </a:p>
+          <a:p>
+            <a:r>
+              <a:rPr lang="fr-FR" sz="1200" dirty="0"/>
+              <a:t>	&lt;/repository&gt;</a:t>
+            </a:r>
+          </a:p>
+          <a:p>
+            <a:r>
+              <a:rPr lang="fr-FR" sz="1200" dirty="0"/>
+              <a:t>  &lt;/</a:t>
+            </a:r>
+            <a:r>
+              <a:rPr lang="fr-FR" sz="1200" dirty="0" err="1"/>
+              <a:t>distributionManagement</a:t>
+            </a:r>
+            <a:r>
+              <a:rPr lang="fr-FR" sz="1200" dirty="0"/>
+              <a:t>&gt;</a:t>
+            </a:r>
+            <a:endParaRPr lang="en-US" sz="1200" dirty="0"/>
+          </a:p>
+        </p:txBody>
+      </p:sp>
+    </p:spTree>
+    <p:extLst>
+      <p:ext uri="{BB962C8B-B14F-4D97-AF65-F5344CB8AC3E}">
+        <p14:creationId xmlns:p14="http://schemas.microsoft.com/office/powerpoint/2010/main" val="766407466"/>
+      </p:ext>
+    </p:extLst>
+  </p:cSld>
+  <p:clrMapOvr>
+    <a:masterClrMapping/>
+  </p:clrMapOvr>
+</p:sld>
+</file>
+
+<file path=ppt/slides/slide41.xml><?xml version="1.0" encoding="utf-8"?>
+<p:sld xmlns:a="http://schemas.openxmlformats.org/drawingml/2006/main" xmlns:r="http://schemas.openxmlformats.org/officeDocument/2006/relationships" xmlns:p="http://schemas.openxmlformats.org/presentationml/2006/main">
+  <p:cSld>
+    <p:spTree>
+      <p:nvGrpSpPr>
+        <p:cNvPr id="1" name=""/>
+        <p:cNvGrpSpPr/>
+        <p:nvPr/>
+      </p:nvGrpSpPr>
+      <p:grpSpPr>
+        <a:xfrm>
+          <a:off x="0" y="0"/>
+          <a:ext cx="0" cy="0"/>
+          <a:chOff x="0" y="0"/>
+          <a:chExt cx="0" cy="0"/>
+        </a:xfrm>
+      </p:grpSpPr>
+      <p:sp>
+        <p:nvSpPr>
+          <p:cNvPr id="2" name="Title 1"/>
+          <p:cNvSpPr>
+            <a:spLocks noGrp="1"/>
+          </p:cNvSpPr>
+          <p:nvPr>
+            <p:ph type="title"/>
+          </p:nvPr>
+        </p:nvSpPr>
+        <p:spPr/>
+        <p:txBody>
+          <a:bodyPr/>
+          <a:lstStyle/>
+          <a:p>
+            <a:r>
+              <a:rPr lang="en-US" dirty="0"/>
+              <a:t>Maven</a:t>
+            </a:r>
+          </a:p>
+        </p:txBody>
+      </p:sp>
+      <p:sp>
+        <p:nvSpPr>
+          <p:cNvPr id="3" name="Content Placeholder 2"/>
+          <p:cNvSpPr>
+            <a:spLocks noGrp="1"/>
+          </p:cNvSpPr>
+          <p:nvPr>
+            <p:ph idx="1"/>
+          </p:nvPr>
+        </p:nvSpPr>
+        <p:spPr/>
+        <p:txBody>
+          <a:bodyPr>
+            <a:normAutofit/>
+          </a:bodyPr>
+          <a:lstStyle/>
+          <a:p>
+            <a:r>
+              <a:rPr lang="en-US" dirty="0"/>
+              <a:t>Maven Central</a:t>
+            </a:r>
+          </a:p>
+          <a:p>
+            <a:pPr lvl="1"/>
+            <a:r>
+              <a:rPr lang="en-US" dirty="0"/>
+              <a:t>Edit pom.xml - plugin</a:t>
+            </a:r>
+          </a:p>
+          <a:p>
+            <a:endParaRPr lang="en-US" dirty="0"/>
+          </a:p>
+          <a:p>
+            <a:endParaRPr lang="en-US" dirty="0"/>
+          </a:p>
+          <a:p>
+            <a:endParaRPr lang="en-US" dirty="0"/>
+          </a:p>
+          <a:p>
+            <a:endParaRPr lang="en-US" dirty="0"/>
+          </a:p>
+          <a:p>
+            <a:endParaRPr lang="en-US" dirty="0"/>
+          </a:p>
+          <a:p>
+            <a:endParaRPr lang="en-US" dirty="0"/>
+          </a:p>
+          <a:p>
+            <a:endParaRPr lang="en-US" dirty="0"/>
+          </a:p>
+          <a:p>
+            <a:endParaRPr lang="en-US" dirty="0"/>
+          </a:p>
+          <a:p>
+            <a:endParaRPr lang="en-US" dirty="0"/>
+          </a:p>
+          <a:p>
+            <a:endParaRPr lang="en-US" dirty="0"/>
+          </a:p>
+          <a:p>
+            <a:endParaRPr lang="en-US" dirty="0"/>
+          </a:p>
+          <a:p>
+            <a:pPr lvl="1"/>
+            <a:endParaRPr lang="en-US" dirty="0"/>
+          </a:p>
+          <a:p>
+            <a:pPr lvl="1"/>
+            <a:endParaRPr lang="en-US" dirty="0"/>
+          </a:p>
+          <a:p>
+            <a:pPr lvl="1"/>
+            <a:endParaRPr lang="en-US" dirty="0"/>
+          </a:p>
+        </p:txBody>
+      </p:sp>
+      <p:sp>
+        <p:nvSpPr>
+          <p:cNvPr id="4" name="TextBox 3">
+            <a:extLst>
+              <a:ext uri="{FF2B5EF4-FFF2-40B4-BE49-F238E27FC236}">
+                <a16:creationId xmlns:a16="http://schemas.microsoft.com/office/drawing/2014/main" id="{87AD0D5A-433E-6B8D-635E-7C7E333C2A33}"/>
+              </a:ext>
+            </a:extLst>
+          </p:cNvPr>
+          <p:cNvSpPr txBox="1"/>
+          <p:nvPr/>
+        </p:nvSpPr>
+        <p:spPr>
+          <a:xfrm>
+            <a:off x="1115616" y="2676976"/>
+            <a:ext cx="3816424" cy="2492990"/>
+          </a:xfrm>
+          <a:prstGeom prst="rect">
+            <a:avLst/>
+          </a:prstGeom>
+          <a:noFill/>
+          <a:ln w="25400">
+            <a:solidFill>
+              <a:schemeClr val="accent1"/>
+            </a:solidFill>
+          </a:ln>
+        </p:spPr>
+        <p:txBody>
+          <a:bodyPr wrap="square" rtlCol="0">
+            <a:spAutoFit/>
+          </a:bodyPr>
+          <a:lstStyle/>
+          <a:p>
+            <a:r>
+              <a:rPr lang="en-US" sz="1200" dirty="0"/>
+              <a:t>           &lt;plugin&gt;</a:t>
+            </a:r>
+          </a:p>
+          <a:p>
+            <a:r>
+              <a:rPr lang="en-US" sz="1200" dirty="0"/>
+              <a:t>                &lt;</a:t>
+            </a:r>
+            <a:r>
+              <a:rPr lang="en-US" sz="1200" dirty="0" err="1"/>
+              <a:t>groupId</a:t>
+            </a:r>
+            <a:r>
+              <a:rPr lang="en-US" sz="1200" dirty="0"/>
+              <a:t>&gt;</a:t>
+            </a:r>
+            <a:r>
+              <a:rPr lang="en-US" sz="1200" dirty="0" err="1"/>
+              <a:t>org.apache.maven.plugins</a:t>
+            </a:r>
+            <a:r>
+              <a:rPr lang="en-US" sz="1200" dirty="0"/>
+              <a:t>&lt;/</a:t>
+            </a:r>
+            <a:r>
+              <a:rPr lang="en-US" sz="1200" dirty="0" err="1"/>
+              <a:t>groupId</a:t>
+            </a:r>
+            <a:r>
+              <a:rPr lang="en-US" sz="1200" dirty="0"/>
+              <a:t>&gt;</a:t>
+            </a:r>
+          </a:p>
+          <a:p>
+            <a:r>
+              <a:rPr lang="en-US" sz="1200" dirty="0"/>
+              <a:t>                &lt;</a:t>
+            </a:r>
+            <a:r>
+              <a:rPr lang="en-US" sz="1200" dirty="0" err="1"/>
+              <a:t>artifactId</a:t>
+            </a:r>
+            <a:r>
+              <a:rPr lang="en-US" sz="1200" dirty="0"/>
+              <a:t>&gt;maven-source-plugin&lt;/</a:t>
+            </a:r>
+            <a:r>
+              <a:rPr lang="en-US" sz="1200" dirty="0" err="1"/>
+              <a:t>artifactId</a:t>
+            </a:r>
+            <a:r>
+              <a:rPr lang="en-US" sz="1200" dirty="0"/>
+              <a:t>&gt;</a:t>
+            </a:r>
+          </a:p>
+          <a:p>
+            <a:r>
+              <a:rPr lang="en-US" sz="1200" dirty="0"/>
+              <a:t>                &lt;version&gt;3.2.1&lt;/version&gt;</a:t>
+            </a:r>
+          </a:p>
+          <a:p>
+            <a:r>
+              <a:rPr lang="en-US" sz="1200" dirty="0"/>
+              <a:t>                &lt;executions&gt;</a:t>
+            </a:r>
+          </a:p>
+          <a:p>
+            <a:r>
+              <a:rPr lang="en-US" sz="1200" dirty="0"/>
+              <a:t>                    &lt;execution&gt;</a:t>
+            </a:r>
+          </a:p>
+          <a:p>
+            <a:r>
+              <a:rPr lang="en-US" sz="1200" dirty="0"/>
+              <a:t>                        &lt;id&gt;attach-sources&lt;/id&gt;</a:t>
+            </a:r>
+          </a:p>
+          <a:p>
+            <a:r>
+              <a:rPr lang="en-US" sz="1200" dirty="0"/>
+              <a:t>                        &lt;goals&gt;</a:t>
+            </a:r>
+          </a:p>
+          <a:p>
+            <a:r>
+              <a:rPr lang="en-US" sz="1200" dirty="0"/>
+              <a:t>                            &lt;goal&gt;jar-no-fork&lt;/goal&gt;</a:t>
+            </a:r>
+          </a:p>
+          <a:p>
+            <a:r>
+              <a:rPr lang="en-US" sz="1200" dirty="0"/>
+              <a:t>                        &lt;/goals&gt;</a:t>
+            </a:r>
+          </a:p>
+          <a:p>
+            <a:r>
+              <a:rPr lang="en-US" sz="1200" dirty="0"/>
+              <a:t>                    &lt;/execution&gt;</a:t>
+            </a:r>
+          </a:p>
+          <a:p>
+            <a:r>
+              <a:rPr lang="en-US" sz="1200" dirty="0"/>
+              <a:t>                &lt;/executions&gt;</a:t>
+            </a:r>
+          </a:p>
+          <a:p>
+            <a:r>
+              <a:rPr lang="en-US" sz="1200" dirty="0"/>
+              <a:t>            &lt;/plugin&gt;</a:t>
+            </a:r>
+          </a:p>
+        </p:txBody>
+      </p:sp>
+      <p:sp>
+        <p:nvSpPr>
+          <p:cNvPr id="5" name="TextBox 4">
+            <a:extLst>
+              <a:ext uri="{FF2B5EF4-FFF2-40B4-BE49-F238E27FC236}">
+                <a16:creationId xmlns:a16="http://schemas.microsoft.com/office/drawing/2014/main" id="{3FA1AF95-507B-0694-28EA-6E647D8DD8F9}"/>
+              </a:ext>
+            </a:extLst>
+          </p:cNvPr>
+          <p:cNvSpPr txBox="1"/>
+          <p:nvPr/>
+        </p:nvSpPr>
+        <p:spPr>
+          <a:xfrm>
+            <a:off x="5076056" y="2676976"/>
+            <a:ext cx="3888432" cy="3416320"/>
+          </a:xfrm>
+          <a:prstGeom prst="rect">
+            <a:avLst/>
+          </a:prstGeom>
+          <a:noFill/>
+          <a:ln w="25400">
+            <a:solidFill>
+              <a:schemeClr val="accent1"/>
+            </a:solidFill>
+          </a:ln>
+        </p:spPr>
+        <p:txBody>
+          <a:bodyPr wrap="square" rtlCol="0">
+            <a:spAutoFit/>
+          </a:bodyPr>
+          <a:lstStyle/>
+          <a:p>
+            <a:r>
+              <a:rPr lang="en-US" sz="1200" dirty="0"/>
+              <a:t>         &lt;plugin&gt;</a:t>
+            </a:r>
+          </a:p>
+          <a:p>
+            <a:r>
+              <a:rPr lang="en-US" sz="1200" dirty="0"/>
+              <a:t>                &lt;</a:t>
+            </a:r>
+            <a:r>
+              <a:rPr lang="en-US" sz="1200" dirty="0" err="1"/>
+              <a:t>groupId</a:t>
+            </a:r>
+            <a:r>
+              <a:rPr lang="en-US" sz="1200" dirty="0"/>
+              <a:t>&gt;</a:t>
+            </a:r>
+            <a:r>
+              <a:rPr lang="en-US" sz="1200" dirty="0" err="1"/>
+              <a:t>org.apache.maven.plugins</a:t>
+            </a:r>
+            <a:r>
+              <a:rPr lang="en-US" sz="1200" dirty="0"/>
+              <a:t>&lt;/</a:t>
+            </a:r>
+            <a:r>
+              <a:rPr lang="en-US" sz="1200" dirty="0" err="1"/>
+              <a:t>groupId</a:t>
+            </a:r>
+            <a:r>
+              <a:rPr lang="en-US" sz="1200" dirty="0"/>
+              <a:t>&gt;</a:t>
+            </a:r>
+          </a:p>
+          <a:p>
+            <a:r>
+              <a:rPr lang="en-US" sz="1200" dirty="0"/>
+              <a:t>                &lt;</a:t>
+            </a:r>
+            <a:r>
+              <a:rPr lang="en-US" sz="1200" dirty="0" err="1"/>
+              <a:t>artifactId</a:t>
+            </a:r>
+            <a:r>
+              <a:rPr lang="en-US" sz="1200" dirty="0"/>
+              <a:t>&gt;maven-</a:t>
+            </a:r>
+            <a:r>
+              <a:rPr lang="en-US" sz="1200" dirty="0" err="1"/>
+              <a:t>javadoc</a:t>
+            </a:r>
+            <a:r>
+              <a:rPr lang="en-US" sz="1200" dirty="0"/>
+              <a:t>-plugin&lt;/</a:t>
+            </a:r>
+            <a:r>
+              <a:rPr lang="en-US" sz="1200" dirty="0" err="1"/>
+              <a:t>artifactId</a:t>
+            </a:r>
+            <a:r>
+              <a:rPr lang="en-US" sz="1200" dirty="0"/>
+              <a:t>&gt;</a:t>
+            </a:r>
+          </a:p>
+          <a:p>
+            <a:r>
+              <a:rPr lang="en-US" sz="1200" dirty="0"/>
+              <a:t>                &lt;version&gt;3.2.0&lt;/version&gt;</a:t>
+            </a:r>
+          </a:p>
+          <a:p>
+            <a:r>
+              <a:rPr lang="en-US" sz="1200" dirty="0"/>
+              <a:t>                &lt;executions&gt;</a:t>
+            </a:r>
+          </a:p>
+          <a:p>
+            <a:r>
+              <a:rPr lang="en-US" sz="1200" dirty="0"/>
+              <a:t>                    &lt;execution&gt;</a:t>
+            </a:r>
+          </a:p>
+          <a:p>
+            <a:r>
+              <a:rPr lang="en-US" sz="1200" dirty="0"/>
+              <a:t>                        &lt;id&gt;attach-</a:t>
+            </a:r>
+            <a:r>
+              <a:rPr lang="en-US" sz="1200" dirty="0" err="1"/>
+              <a:t>javadocs</a:t>
+            </a:r>
+            <a:r>
+              <a:rPr lang="en-US" sz="1200" dirty="0"/>
+              <a:t>&lt;/id&gt;</a:t>
+            </a:r>
+          </a:p>
+          <a:p>
+            <a:r>
+              <a:rPr lang="en-US" sz="1200" dirty="0"/>
+              <a:t>                        &lt;goals&gt;</a:t>
+            </a:r>
+          </a:p>
+          <a:p>
+            <a:r>
+              <a:rPr lang="en-US" sz="1200" dirty="0"/>
+              <a:t>                            &lt;goal&gt;jar&lt;/goal&gt;</a:t>
+            </a:r>
+          </a:p>
+          <a:p>
+            <a:r>
+              <a:rPr lang="en-US" sz="1200" dirty="0"/>
+              <a:t>                        &lt;/goals&gt;</a:t>
+            </a:r>
+          </a:p>
+          <a:p>
+            <a:r>
+              <a:rPr lang="en-US" sz="1200" dirty="0"/>
+              <a:t>                    &lt;/execution&gt;</a:t>
+            </a:r>
+          </a:p>
+          <a:p>
+            <a:r>
+              <a:rPr lang="en-US" sz="1200" dirty="0"/>
+              <a:t>                &lt;/executions&gt;</a:t>
+            </a:r>
+          </a:p>
+          <a:p>
+            <a:r>
+              <a:rPr lang="en-US" sz="1200" dirty="0"/>
+              <a:t>            &lt;/plugin&gt;</a:t>
+            </a:r>
+          </a:p>
+          <a:p>
+            <a:r>
+              <a:rPr lang="en-US" sz="1200" dirty="0"/>
+              <a:t>            &lt;plugin&gt;</a:t>
+            </a:r>
+          </a:p>
+          <a:p>
+            <a:r>
+              <a:rPr lang="en-US" sz="1200" dirty="0"/>
+              <a:t>                &lt;</a:t>
+            </a:r>
+            <a:r>
+              <a:rPr lang="en-US" sz="1200" dirty="0" err="1"/>
+              <a:t>groupId</a:t>
+            </a:r>
+            <a:r>
+              <a:rPr lang="en-US" sz="1200" dirty="0"/>
+              <a:t>&gt;</a:t>
+            </a:r>
+            <a:r>
+              <a:rPr lang="en-US" sz="1200" dirty="0" err="1"/>
+              <a:t>org.apache.maven.plugins</a:t>
+            </a:r>
+            <a:r>
+              <a:rPr lang="en-US" sz="1200" dirty="0"/>
+              <a:t>&lt;/</a:t>
+            </a:r>
+            <a:r>
+              <a:rPr lang="en-US" sz="1200" dirty="0" err="1"/>
+              <a:t>groupId</a:t>
+            </a:r>
+            <a:r>
+              <a:rPr lang="en-US" sz="1200" dirty="0"/>
+              <a:t>&gt;</a:t>
+            </a:r>
+          </a:p>
+          <a:p>
+            <a:r>
+              <a:rPr lang="en-US" sz="1200" dirty="0"/>
+              <a:t>                &lt;</a:t>
+            </a:r>
+            <a:r>
+              <a:rPr lang="en-US" sz="1200" dirty="0" err="1"/>
+              <a:t>artifactId</a:t>
+            </a:r>
+            <a:r>
+              <a:rPr lang="en-US" sz="1200" dirty="0"/>
+              <a:t>&gt;maven-surefire-plugin&lt;/</a:t>
+            </a:r>
+            <a:r>
+              <a:rPr lang="en-US" sz="1200" dirty="0" err="1"/>
+              <a:t>artifactId</a:t>
+            </a:r>
+            <a:r>
+              <a:rPr lang="en-US" sz="1200" dirty="0"/>
+              <a:t>&gt;</a:t>
+            </a:r>
+          </a:p>
+          <a:p>
+            <a:r>
+              <a:rPr lang="en-US" sz="1200" dirty="0"/>
+              <a:t>                &lt;version&gt;2.22.2&lt;/version&gt;</a:t>
+            </a:r>
+          </a:p>
+          <a:p>
+            <a:r>
+              <a:rPr lang="en-US" sz="1200" dirty="0"/>
+              <a:t>            &lt;/plugin&gt;</a:t>
+            </a:r>
+          </a:p>
+        </p:txBody>
+      </p:sp>
+    </p:spTree>
+    <p:extLst>
+      <p:ext uri="{BB962C8B-B14F-4D97-AF65-F5344CB8AC3E}">
+        <p14:creationId xmlns:p14="http://schemas.microsoft.com/office/powerpoint/2010/main" val="2470309468"/>
+      </p:ext>
+    </p:extLst>
+  </p:cSld>
+  <p:clrMapOvr>
+    <a:masterClrMapping/>
+  </p:clrMapOvr>
+</p:sld>
+</file>
+
+<file path=ppt/slides/slide42.xml><?xml version="1.0" encoding="utf-8"?>
+<p:sld xmlns:a="http://schemas.openxmlformats.org/drawingml/2006/main" xmlns:r="http://schemas.openxmlformats.org/officeDocument/2006/relationships" xmlns:p="http://schemas.openxmlformats.org/presentationml/2006/main">
+  <p:cSld>
+    <p:spTree>
+      <p:nvGrpSpPr>
+        <p:cNvPr id="1" name=""/>
+        <p:cNvGrpSpPr/>
+        <p:nvPr/>
+      </p:nvGrpSpPr>
+      <p:grpSpPr>
+        <a:xfrm>
+          <a:off x="0" y="0"/>
+          <a:ext cx="0" cy="0"/>
+          <a:chOff x="0" y="0"/>
+          <a:chExt cx="0" cy="0"/>
+        </a:xfrm>
+      </p:grpSpPr>
+      <p:sp>
+        <p:nvSpPr>
+          <p:cNvPr id="2" name="Title 1"/>
+          <p:cNvSpPr>
+            <a:spLocks noGrp="1"/>
+          </p:cNvSpPr>
+          <p:nvPr>
+            <p:ph type="title"/>
+          </p:nvPr>
+        </p:nvSpPr>
+        <p:spPr/>
+        <p:txBody>
+          <a:bodyPr/>
+          <a:lstStyle/>
+          <a:p>
+            <a:r>
+              <a:rPr lang="en-US" dirty="0"/>
+              <a:t>Maven</a:t>
+            </a:r>
+          </a:p>
+        </p:txBody>
+      </p:sp>
+      <p:sp>
+        <p:nvSpPr>
+          <p:cNvPr id="3" name="Content Placeholder 2"/>
+          <p:cNvSpPr>
+            <a:spLocks noGrp="1"/>
+          </p:cNvSpPr>
+          <p:nvPr>
+            <p:ph idx="1"/>
+          </p:nvPr>
+        </p:nvSpPr>
+        <p:spPr/>
+        <p:txBody>
+          <a:bodyPr>
+            <a:normAutofit/>
+          </a:bodyPr>
+          <a:lstStyle/>
+          <a:p>
+            <a:r>
+              <a:rPr lang="en-US" dirty="0"/>
+              <a:t>Maven Central</a:t>
+            </a:r>
+          </a:p>
+          <a:p>
+            <a:pPr lvl="1"/>
+            <a:r>
+              <a:rPr lang="en-US" dirty="0"/>
+              <a:t>Edit pom.xml - profile</a:t>
+            </a:r>
+          </a:p>
+          <a:p>
+            <a:endParaRPr lang="en-US" dirty="0"/>
+          </a:p>
+          <a:p>
+            <a:endParaRPr lang="en-US" dirty="0"/>
+          </a:p>
+          <a:p>
+            <a:endParaRPr lang="en-US" dirty="0"/>
+          </a:p>
+          <a:p>
+            <a:endParaRPr lang="en-US" dirty="0"/>
+          </a:p>
+          <a:p>
+            <a:endParaRPr lang="en-US" dirty="0"/>
+          </a:p>
+          <a:p>
+            <a:endParaRPr lang="en-US" dirty="0"/>
+          </a:p>
+          <a:p>
+            <a:endParaRPr lang="en-US" dirty="0"/>
+          </a:p>
+          <a:p>
+            <a:endParaRPr lang="en-US" dirty="0"/>
+          </a:p>
+          <a:p>
+            <a:endParaRPr lang="en-US" dirty="0"/>
+          </a:p>
+          <a:p>
+            <a:endParaRPr lang="en-US" dirty="0"/>
+          </a:p>
+          <a:p>
+            <a:endParaRPr lang="en-US" dirty="0"/>
+          </a:p>
+          <a:p>
+            <a:pPr lvl="1"/>
+            <a:endParaRPr lang="en-US" dirty="0"/>
+          </a:p>
+          <a:p>
+            <a:pPr lvl="1"/>
+            <a:endParaRPr lang="en-US" dirty="0"/>
+          </a:p>
+          <a:p>
+            <a:pPr lvl="1"/>
+            <a:endParaRPr lang="en-US" dirty="0"/>
+          </a:p>
+        </p:txBody>
+      </p:sp>
+      <p:sp>
+        <p:nvSpPr>
+          <p:cNvPr id="4" name="TextBox 3">
+            <a:extLst>
+              <a:ext uri="{FF2B5EF4-FFF2-40B4-BE49-F238E27FC236}">
+                <a16:creationId xmlns:a16="http://schemas.microsoft.com/office/drawing/2014/main" id="{87AD0D5A-433E-6B8D-635E-7C7E333C2A33}"/>
+              </a:ext>
+            </a:extLst>
+          </p:cNvPr>
+          <p:cNvSpPr txBox="1"/>
+          <p:nvPr/>
+        </p:nvSpPr>
+        <p:spPr>
+          <a:xfrm>
+            <a:off x="2195736" y="2564904"/>
+            <a:ext cx="4392488" cy="4108817"/>
+          </a:xfrm>
+          <a:prstGeom prst="rect">
+            <a:avLst/>
+          </a:prstGeom>
+          <a:noFill/>
+          <a:ln w="25400">
+            <a:solidFill>
+              <a:schemeClr val="accent1"/>
+            </a:solidFill>
+          </a:ln>
+        </p:spPr>
+        <p:txBody>
+          <a:bodyPr wrap="square" rtlCol="0">
+            <a:spAutoFit/>
+          </a:bodyPr>
+          <a:lstStyle/>
+          <a:p>
+            <a:r>
+              <a:rPr lang="en-US" sz="900" dirty="0">
+                <a:cs typeface="Arial" panose="020B0604020202020204" pitchFamily="34" charset="0"/>
+              </a:rPr>
+              <a:t>&lt;profiles&gt;</a:t>
+            </a:r>
+          </a:p>
+          <a:p>
+            <a:r>
+              <a:rPr lang="en-US" sz="900" dirty="0">
+                <a:cs typeface="Arial" panose="020B0604020202020204" pitchFamily="34" charset="0"/>
+              </a:rPr>
+              <a:t>        &lt;profile&gt;</a:t>
+            </a:r>
+          </a:p>
+          <a:p>
+            <a:r>
+              <a:rPr lang="en-US" sz="900" dirty="0">
+                <a:cs typeface="Arial" panose="020B0604020202020204" pitchFamily="34" charset="0"/>
+              </a:rPr>
+              <a:t>            &lt;id&gt;ci-cd&lt;/id&gt;</a:t>
+            </a:r>
+          </a:p>
+          <a:p>
+            <a:r>
+              <a:rPr lang="en-US" sz="900" dirty="0">
+                <a:cs typeface="Arial" panose="020B0604020202020204" pitchFamily="34" charset="0"/>
+              </a:rPr>
+              <a:t>            &lt;build&gt;</a:t>
+            </a:r>
+          </a:p>
+          <a:p>
+            <a:r>
+              <a:rPr lang="en-US" sz="900" dirty="0">
+                <a:cs typeface="Arial" panose="020B0604020202020204" pitchFamily="34" charset="0"/>
+              </a:rPr>
+              <a:t>                &lt;plugins&gt;</a:t>
+            </a:r>
+          </a:p>
+          <a:p>
+            <a:r>
+              <a:rPr lang="en-US" sz="900" dirty="0">
+                <a:cs typeface="Arial" panose="020B0604020202020204" pitchFamily="34" charset="0"/>
+              </a:rPr>
+              <a:t>                    &lt;plugin&gt;</a:t>
+            </a:r>
+          </a:p>
+          <a:p>
+            <a:r>
+              <a:rPr lang="en-US" sz="900" dirty="0">
+                <a:cs typeface="Arial" panose="020B0604020202020204" pitchFamily="34" charset="0"/>
+              </a:rPr>
+              <a:t>                        &lt;</a:t>
+            </a:r>
+            <a:r>
+              <a:rPr lang="en-US" sz="900" dirty="0" err="1">
+                <a:cs typeface="Arial" panose="020B0604020202020204" pitchFamily="34" charset="0"/>
+              </a:rPr>
+              <a:t>groupId</a:t>
+            </a:r>
+            <a:r>
+              <a:rPr lang="en-US" sz="900" dirty="0">
+                <a:cs typeface="Arial" panose="020B0604020202020204" pitchFamily="34" charset="0"/>
+              </a:rPr>
+              <a:t>&gt;</a:t>
+            </a:r>
+            <a:r>
+              <a:rPr lang="en-US" sz="900" dirty="0" err="1">
+                <a:cs typeface="Arial" panose="020B0604020202020204" pitchFamily="34" charset="0"/>
+              </a:rPr>
+              <a:t>org.apache.maven.plugins</a:t>
+            </a:r>
+            <a:r>
+              <a:rPr lang="en-US" sz="900" dirty="0">
+                <a:cs typeface="Arial" panose="020B0604020202020204" pitchFamily="34" charset="0"/>
+              </a:rPr>
+              <a:t>&lt;/</a:t>
+            </a:r>
+            <a:r>
+              <a:rPr lang="en-US" sz="900" dirty="0" err="1">
+                <a:cs typeface="Arial" panose="020B0604020202020204" pitchFamily="34" charset="0"/>
+              </a:rPr>
+              <a:t>groupId</a:t>
+            </a:r>
+            <a:r>
+              <a:rPr lang="en-US" sz="900" dirty="0">
+                <a:cs typeface="Arial" panose="020B0604020202020204" pitchFamily="34" charset="0"/>
+              </a:rPr>
+              <a:t>&gt;</a:t>
+            </a:r>
+          </a:p>
+          <a:p>
+            <a:r>
+              <a:rPr lang="en-US" sz="900" dirty="0">
+                <a:cs typeface="Arial" panose="020B0604020202020204" pitchFamily="34" charset="0"/>
+              </a:rPr>
+              <a:t>                        &lt;</a:t>
+            </a:r>
+            <a:r>
+              <a:rPr lang="en-US" sz="900" dirty="0" err="1">
+                <a:cs typeface="Arial" panose="020B0604020202020204" pitchFamily="34" charset="0"/>
+              </a:rPr>
+              <a:t>artifactId</a:t>
+            </a:r>
+            <a:r>
+              <a:rPr lang="en-US" sz="900" dirty="0">
+                <a:cs typeface="Arial" panose="020B0604020202020204" pitchFamily="34" charset="0"/>
+              </a:rPr>
+              <a:t>&gt;maven-</a:t>
+            </a:r>
+            <a:r>
+              <a:rPr lang="en-US" sz="900" dirty="0" err="1">
+                <a:cs typeface="Arial" panose="020B0604020202020204" pitchFamily="34" charset="0"/>
+              </a:rPr>
+              <a:t>gpg</a:t>
+            </a:r>
+            <a:r>
+              <a:rPr lang="en-US" sz="900" dirty="0">
+                <a:cs typeface="Arial" panose="020B0604020202020204" pitchFamily="34" charset="0"/>
+              </a:rPr>
+              <a:t>-plugin&lt;/</a:t>
+            </a:r>
+            <a:r>
+              <a:rPr lang="en-US" sz="900" dirty="0" err="1">
+                <a:cs typeface="Arial" panose="020B0604020202020204" pitchFamily="34" charset="0"/>
+              </a:rPr>
+              <a:t>artifactId</a:t>
+            </a:r>
+            <a:r>
+              <a:rPr lang="en-US" sz="900" dirty="0">
+                <a:cs typeface="Arial" panose="020B0604020202020204" pitchFamily="34" charset="0"/>
+              </a:rPr>
+              <a:t>&gt;</a:t>
+            </a:r>
+          </a:p>
+          <a:p>
+            <a:r>
+              <a:rPr lang="en-US" sz="900" dirty="0">
+                <a:cs typeface="Arial" panose="020B0604020202020204" pitchFamily="34" charset="0"/>
+              </a:rPr>
+              <a:t>                        &lt;version&gt;1.6&lt;/version&gt;</a:t>
+            </a:r>
+          </a:p>
+          <a:p>
+            <a:r>
+              <a:rPr lang="en-US" sz="900" dirty="0">
+                <a:cs typeface="Arial" panose="020B0604020202020204" pitchFamily="34" charset="0"/>
+              </a:rPr>
+              <a:t>                        &lt;executions&gt;</a:t>
+            </a:r>
+          </a:p>
+          <a:p>
+            <a:r>
+              <a:rPr lang="en-US" sz="900" dirty="0">
+                <a:cs typeface="Arial" panose="020B0604020202020204" pitchFamily="34" charset="0"/>
+              </a:rPr>
+              <a:t>                            &lt;execution&gt;</a:t>
+            </a:r>
+          </a:p>
+          <a:p>
+            <a:r>
+              <a:rPr lang="en-US" sz="900" dirty="0">
+                <a:cs typeface="Arial" panose="020B0604020202020204" pitchFamily="34" charset="0"/>
+              </a:rPr>
+              <a:t>                                &lt;id&gt;sign-artifacts&lt;/id&gt;</a:t>
+            </a:r>
+          </a:p>
+          <a:p>
+            <a:r>
+              <a:rPr lang="en-US" sz="900" dirty="0">
+                <a:cs typeface="Arial" panose="020B0604020202020204" pitchFamily="34" charset="0"/>
+              </a:rPr>
+              <a:t>                                &lt;phase&gt;verify&lt;/phase&gt;</a:t>
+            </a:r>
+          </a:p>
+          <a:p>
+            <a:r>
+              <a:rPr lang="en-US" sz="900" dirty="0">
+                <a:cs typeface="Arial" panose="020B0604020202020204" pitchFamily="34" charset="0"/>
+              </a:rPr>
+              <a:t>                                &lt;goals&gt;</a:t>
+            </a:r>
+          </a:p>
+          <a:p>
+            <a:r>
+              <a:rPr lang="en-US" sz="900" dirty="0">
+                <a:cs typeface="Arial" panose="020B0604020202020204" pitchFamily="34" charset="0"/>
+              </a:rPr>
+              <a:t>                                    &lt;goal&gt;sign&lt;/goal&gt;</a:t>
+            </a:r>
+          </a:p>
+          <a:p>
+            <a:r>
+              <a:rPr lang="en-US" sz="900" dirty="0">
+                <a:cs typeface="Arial" panose="020B0604020202020204" pitchFamily="34" charset="0"/>
+              </a:rPr>
+              <a:t>                                &lt;/goals&gt;</a:t>
+            </a:r>
+          </a:p>
+          <a:p>
+            <a:r>
+              <a:rPr lang="en-US" sz="900" dirty="0">
+                <a:cs typeface="Arial" panose="020B0604020202020204" pitchFamily="34" charset="0"/>
+              </a:rPr>
+              <a:t>                                &lt;configuration&gt;</a:t>
+            </a:r>
+          </a:p>
+          <a:p>
+            <a:r>
+              <a:rPr lang="en-US" sz="900" dirty="0">
+                <a:cs typeface="Arial" panose="020B0604020202020204" pitchFamily="34" charset="0"/>
+              </a:rPr>
+              <a:t>                                    &lt;</a:t>
+            </a:r>
+            <a:r>
+              <a:rPr lang="en-US" sz="900" dirty="0" err="1">
+                <a:cs typeface="Arial" panose="020B0604020202020204" pitchFamily="34" charset="0"/>
+              </a:rPr>
+              <a:t>gpgArguments</a:t>
+            </a:r>
+            <a:r>
+              <a:rPr lang="en-US" sz="900" dirty="0">
+                <a:cs typeface="Arial" panose="020B0604020202020204" pitchFamily="34" charset="0"/>
+              </a:rPr>
+              <a:t>&gt;</a:t>
+            </a:r>
+          </a:p>
+          <a:p>
+            <a:r>
+              <a:rPr lang="en-US" sz="900" dirty="0">
+                <a:cs typeface="Arial" panose="020B0604020202020204" pitchFamily="34" charset="0"/>
+              </a:rPr>
+              <a:t>                                        &lt;</a:t>
+            </a:r>
+            <a:r>
+              <a:rPr lang="en-US" sz="900" dirty="0" err="1">
+                <a:cs typeface="Arial" panose="020B0604020202020204" pitchFamily="34" charset="0"/>
+              </a:rPr>
+              <a:t>arg</a:t>
+            </a:r>
+            <a:r>
+              <a:rPr lang="en-US" sz="900" dirty="0">
+                <a:cs typeface="Arial" panose="020B0604020202020204" pitchFamily="34" charset="0"/>
+              </a:rPr>
+              <a:t>&gt;--</a:t>
+            </a:r>
+            <a:r>
+              <a:rPr lang="en-US" sz="900" dirty="0" err="1">
+                <a:cs typeface="Arial" panose="020B0604020202020204" pitchFamily="34" charset="0"/>
+              </a:rPr>
+              <a:t>pinentry</a:t>
+            </a:r>
+            <a:r>
+              <a:rPr lang="en-US" sz="900" dirty="0">
+                <a:cs typeface="Arial" panose="020B0604020202020204" pitchFamily="34" charset="0"/>
+              </a:rPr>
+              <a:t>-mode&lt;/</a:t>
+            </a:r>
+            <a:r>
+              <a:rPr lang="en-US" sz="900" dirty="0" err="1">
+                <a:cs typeface="Arial" panose="020B0604020202020204" pitchFamily="34" charset="0"/>
+              </a:rPr>
+              <a:t>arg</a:t>
+            </a:r>
+            <a:r>
+              <a:rPr lang="en-US" sz="900" dirty="0">
+                <a:cs typeface="Arial" panose="020B0604020202020204" pitchFamily="34" charset="0"/>
+              </a:rPr>
+              <a:t>&gt;</a:t>
+            </a:r>
+          </a:p>
+          <a:p>
+            <a:r>
+              <a:rPr lang="en-US" sz="900" dirty="0">
+                <a:cs typeface="Arial" panose="020B0604020202020204" pitchFamily="34" charset="0"/>
+              </a:rPr>
+              <a:t>                                        &lt;</a:t>
+            </a:r>
+            <a:r>
+              <a:rPr lang="en-US" sz="900" dirty="0" err="1">
+                <a:cs typeface="Arial" panose="020B0604020202020204" pitchFamily="34" charset="0"/>
+              </a:rPr>
+              <a:t>arg</a:t>
+            </a:r>
+            <a:r>
+              <a:rPr lang="en-US" sz="900" dirty="0">
+                <a:cs typeface="Arial" panose="020B0604020202020204" pitchFamily="34" charset="0"/>
+              </a:rPr>
+              <a:t>&gt;loopback&lt;/</a:t>
+            </a:r>
+            <a:r>
+              <a:rPr lang="en-US" sz="900" dirty="0" err="1">
+                <a:cs typeface="Arial" panose="020B0604020202020204" pitchFamily="34" charset="0"/>
+              </a:rPr>
+              <a:t>arg</a:t>
+            </a:r>
+            <a:r>
+              <a:rPr lang="en-US" sz="900" dirty="0">
+                <a:cs typeface="Arial" panose="020B0604020202020204" pitchFamily="34" charset="0"/>
+              </a:rPr>
+              <a:t>&gt;</a:t>
+            </a:r>
+          </a:p>
+          <a:p>
+            <a:r>
+              <a:rPr lang="en-US" sz="900" dirty="0">
+                <a:cs typeface="Arial" panose="020B0604020202020204" pitchFamily="34" charset="0"/>
+              </a:rPr>
+              <a:t>                                    &lt;/</a:t>
+            </a:r>
+            <a:r>
+              <a:rPr lang="en-US" sz="900" dirty="0" err="1">
+                <a:cs typeface="Arial" panose="020B0604020202020204" pitchFamily="34" charset="0"/>
+              </a:rPr>
+              <a:t>gpgArguments</a:t>
+            </a:r>
+            <a:r>
+              <a:rPr lang="en-US" sz="900" dirty="0">
+                <a:cs typeface="Arial" panose="020B0604020202020204" pitchFamily="34" charset="0"/>
+              </a:rPr>
+              <a:t>&gt;</a:t>
+            </a:r>
+          </a:p>
+          <a:p>
+            <a:r>
+              <a:rPr lang="en-US" sz="900" dirty="0">
+                <a:cs typeface="Arial" panose="020B0604020202020204" pitchFamily="34" charset="0"/>
+              </a:rPr>
+              <a:t>                                &lt;/configuration&gt;</a:t>
+            </a:r>
+          </a:p>
+          <a:p>
+            <a:r>
+              <a:rPr lang="en-US" sz="900" dirty="0">
+                <a:cs typeface="Arial" panose="020B0604020202020204" pitchFamily="34" charset="0"/>
+              </a:rPr>
+              <a:t>                            &lt;/execution&gt;</a:t>
+            </a:r>
+          </a:p>
+          <a:p>
+            <a:r>
+              <a:rPr lang="en-US" sz="900" dirty="0">
+                <a:cs typeface="Arial" panose="020B0604020202020204" pitchFamily="34" charset="0"/>
+              </a:rPr>
+              <a:t>                        &lt;/executions&gt;</a:t>
+            </a:r>
+          </a:p>
+          <a:p>
+            <a:r>
+              <a:rPr lang="en-US" sz="900" dirty="0">
+                <a:cs typeface="Arial" panose="020B0604020202020204" pitchFamily="34" charset="0"/>
+              </a:rPr>
+              <a:t>                    &lt;/plugin&gt;</a:t>
+            </a:r>
+          </a:p>
+          <a:p>
+            <a:r>
+              <a:rPr lang="en-US" sz="900" dirty="0">
+                <a:cs typeface="Arial" panose="020B0604020202020204" pitchFamily="34" charset="0"/>
+              </a:rPr>
+              <a:t>                &lt;/plugins&gt;</a:t>
+            </a:r>
+          </a:p>
+          <a:p>
+            <a:r>
+              <a:rPr lang="en-US" sz="900" dirty="0">
+                <a:cs typeface="Arial" panose="020B0604020202020204" pitchFamily="34" charset="0"/>
+              </a:rPr>
+              <a:t>            &lt;/build&gt;</a:t>
+            </a:r>
+          </a:p>
+          <a:p>
+            <a:r>
+              <a:rPr lang="en-US" sz="900" dirty="0">
+                <a:cs typeface="Arial" panose="020B0604020202020204" pitchFamily="34" charset="0"/>
+              </a:rPr>
+              <a:t>        &lt;/profile&gt;</a:t>
+            </a:r>
+          </a:p>
+          <a:p>
+            <a:r>
+              <a:rPr lang="en-US" sz="900" dirty="0">
+                <a:cs typeface="Arial" panose="020B0604020202020204" pitchFamily="34" charset="0"/>
+              </a:rPr>
+              <a:t>    &lt;/profiles&gt;</a:t>
+            </a:r>
+          </a:p>
+        </p:txBody>
+      </p:sp>
+    </p:spTree>
+    <p:extLst>
+      <p:ext uri="{BB962C8B-B14F-4D97-AF65-F5344CB8AC3E}">
+        <p14:creationId xmlns:p14="http://schemas.microsoft.com/office/powerpoint/2010/main" val="166891792"/>
+      </p:ext>
+    </p:extLst>
+  </p:cSld>
+  <p:clrMapOvr>
+    <a:masterClrMapping/>
+  </p:clrMapOvr>
+</p:sld>
+</file>
+
+<file path=ppt/slides/slide43.xml><?xml version="1.0" encoding="utf-8"?>
+<p:sld xmlns:a="http://schemas.openxmlformats.org/drawingml/2006/main" xmlns:r="http://schemas.openxmlformats.org/officeDocument/2006/relationships" xmlns:p="http://schemas.openxmlformats.org/presentationml/2006/main">
+  <p:cSld>
+    <p:spTree>
+      <p:nvGrpSpPr>
+        <p:cNvPr id="1" name=""/>
+        <p:cNvGrpSpPr/>
+        <p:nvPr/>
+      </p:nvGrpSpPr>
+      <p:grpSpPr>
+        <a:xfrm>
+          <a:off x="0" y="0"/>
+          <a:ext cx="0" cy="0"/>
+          <a:chOff x="0" y="0"/>
+          <a:chExt cx="0" cy="0"/>
+        </a:xfrm>
+      </p:grpSpPr>
+      <p:sp>
+        <p:nvSpPr>
+          <p:cNvPr id="2" name="Title 1"/>
+          <p:cNvSpPr>
+            <a:spLocks noGrp="1"/>
+          </p:cNvSpPr>
+          <p:nvPr>
+            <p:ph type="title"/>
+          </p:nvPr>
+        </p:nvSpPr>
+        <p:spPr/>
+        <p:txBody>
+          <a:bodyPr/>
+          <a:lstStyle/>
+          <a:p>
+            <a:r>
+              <a:rPr lang="en-US" dirty="0"/>
+              <a:t>Maven</a:t>
+            </a:r>
+          </a:p>
+        </p:txBody>
+      </p:sp>
+      <p:sp>
+        <p:nvSpPr>
+          <p:cNvPr id="3" name="Content Placeholder 2"/>
+          <p:cNvSpPr>
+            <a:spLocks noGrp="1"/>
+          </p:cNvSpPr>
+          <p:nvPr>
+            <p:ph idx="1"/>
+          </p:nvPr>
+        </p:nvSpPr>
+        <p:spPr/>
+        <p:txBody>
+          <a:bodyPr>
+            <a:normAutofit/>
+          </a:bodyPr>
+          <a:lstStyle/>
+          <a:p>
+            <a:r>
+              <a:rPr lang="en-US" dirty="0"/>
+              <a:t>Maven Central</a:t>
+            </a:r>
+          </a:p>
+          <a:p>
+            <a:pPr lvl="1"/>
+            <a:r>
+              <a:rPr lang="en-US" dirty="0"/>
+              <a:t>repository config</a:t>
+            </a:r>
+          </a:p>
+          <a:p>
+            <a:pPr lvl="2"/>
+            <a:r>
+              <a:rPr lang="en-US" b="0" i="0" dirty="0">
+                <a:solidFill>
+                  <a:srgbClr val="C7254E"/>
+                </a:solidFill>
+                <a:effectLst/>
+                <a:latin typeface="Menlo"/>
+              </a:rPr>
+              <a:t>~/.m2/settings.xml</a:t>
+            </a:r>
+            <a:endParaRPr lang="en-US" dirty="0"/>
+          </a:p>
+          <a:p>
+            <a:endParaRPr lang="en-US" dirty="0"/>
+          </a:p>
+          <a:p>
+            <a:endParaRPr lang="en-US" dirty="0"/>
+          </a:p>
+          <a:p>
+            <a:endParaRPr lang="en-US" dirty="0"/>
+          </a:p>
+          <a:p>
+            <a:endParaRPr lang="en-US" dirty="0"/>
+          </a:p>
+          <a:p>
+            <a:endParaRPr lang="en-US" dirty="0"/>
+          </a:p>
+          <a:p>
+            <a:endParaRPr lang="en-US" dirty="0"/>
+          </a:p>
+          <a:p>
+            <a:endParaRPr lang="en-US" dirty="0"/>
+          </a:p>
+          <a:p>
+            <a:endParaRPr lang="en-US" dirty="0"/>
+          </a:p>
+          <a:p>
+            <a:endParaRPr lang="en-US" dirty="0"/>
+          </a:p>
+          <a:p>
+            <a:endParaRPr lang="en-US" dirty="0"/>
+          </a:p>
+          <a:p>
+            <a:endParaRPr lang="en-US" dirty="0"/>
+          </a:p>
+          <a:p>
+            <a:pPr lvl="1"/>
+            <a:endParaRPr lang="en-US" dirty="0"/>
+          </a:p>
+          <a:p>
+            <a:pPr lvl="1"/>
+            <a:endParaRPr lang="en-US" dirty="0"/>
+          </a:p>
+          <a:p>
+            <a:pPr lvl="1"/>
+            <a:endParaRPr lang="en-US" dirty="0"/>
+          </a:p>
+        </p:txBody>
+      </p:sp>
+      <p:sp>
+        <p:nvSpPr>
+          <p:cNvPr id="5" name="TextBox 4">
+            <a:extLst>
+              <a:ext uri="{FF2B5EF4-FFF2-40B4-BE49-F238E27FC236}">
+                <a16:creationId xmlns:a16="http://schemas.microsoft.com/office/drawing/2014/main" id="{621AEDA0-A464-69C0-CFA3-01713FC5A230}"/>
+              </a:ext>
+            </a:extLst>
+          </p:cNvPr>
+          <p:cNvSpPr txBox="1"/>
+          <p:nvPr/>
+        </p:nvSpPr>
+        <p:spPr>
+          <a:xfrm>
+            <a:off x="2267744" y="3284984"/>
+            <a:ext cx="6172715" cy="2585323"/>
+          </a:xfrm>
+          <a:prstGeom prst="rect">
+            <a:avLst/>
+          </a:prstGeom>
+          <a:noFill/>
+          <a:ln w="25400">
+            <a:solidFill>
+              <a:schemeClr val="accent1"/>
+            </a:solidFill>
+          </a:ln>
+        </p:spPr>
+        <p:txBody>
+          <a:bodyPr wrap="none" rtlCol="0">
+            <a:spAutoFit/>
+          </a:bodyPr>
+          <a:lstStyle/>
+          <a:p>
+            <a:r>
+              <a:rPr lang="en-US" dirty="0"/>
+              <a:t>&lt;settings&gt;</a:t>
+            </a:r>
+          </a:p>
+          <a:p>
+            <a:r>
+              <a:rPr lang="en-US" dirty="0"/>
+              <a:t>	&lt;servers&gt;</a:t>
+            </a:r>
+          </a:p>
+          <a:p>
+            <a:r>
+              <a:rPr lang="en-US" dirty="0"/>
+              <a:t>		&lt;server&gt;</a:t>
+            </a:r>
+          </a:p>
+          <a:p>
+            <a:r>
+              <a:rPr lang="en-US" dirty="0"/>
+              <a:t>		  &lt;id&gt;</a:t>
+            </a:r>
+            <a:r>
+              <a:rPr lang="en-US" dirty="0" err="1"/>
+              <a:t>ossrh</a:t>
+            </a:r>
+            <a:r>
+              <a:rPr lang="en-US" dirty="0"/>
+              <a:t>&lt;/id&gt;</a:t>
+            </a:r>
+          </a:p>
+          <a:p>
+            <a:r>
+              <a:rPr lang="en-US" dirty="0"/>
+              <a:t>		  &lt;username&gt;</a:t>
+            </a:r>
+            <a:r>
+              <a:rPr lang="en-US" dirty="0" err="1"/>
+              <a:t>sonartypeUser</a:t>
+            </a:r>
+            <a:r>
+              <a:rPr lang="en-US" dirty="0"/>
+              <a:t>&lt;/username&gt;</a:t>
+            </a:r>
+          </a:p>
+          <a:p>
+            <a:r>
+              <a:rPr lang="en-US" dirty="0"/>
+              <a:t>		  &lt;password&gt;</a:t>
+            </a:r>
+            <a:r>
+              <a:rPr lang="en-US" dirty="0" err="1"/>
+              <a:t>secretPassword</a:t>
+            </a:r>
+            <a:r>
+              <a:rPr lang="en-US" dirty="0"/>
+              <a:t>&lt;/password&gt;</a:t>
+            </a:r>
+          </a:p>
+          <a:p>
+            <a:r>
+              <a:rPr lang="en-US" dirty="0"/>
+              <a:t>		&lt;/server&gt;</a:t>
+            </a:r>
+          </a:p>
+          <a:p>
+            <a:r>
+              <a:rPr lang="en-US" dirty="0"/>
+              <a:t>	&lt;/servers&gt;</a:t>
+            </a:r>
+          </a:p>
+          <a:p>
+            <a:r>
+              <a:rPr lang="en-US" dirty="0"/>
+              <a:t>&lt;/settings&gt;</a:t>
+            </a:r>
+          </a:p>
+        </p:txBody>
+      </p:sp>
+    </p:spTree>
+    <p:extLst>
+      <p:ext uri="{BB962C8B-B14F-4D97-AF65-F5344CB8AC3E}">
+        <p14:creationId xmlns:p14="http://schemas.microsoft.com/office/powerpoint/2010/main" val="100846571"/>
+      </p:ext>
+    </p:extLst>
+  </p:cSld>
+  <p:clrMapOvr>
+    <a:masterClrMapping/>
+  </p:clrMapOvr>
+</p:sld>
+</file>
+
+<file path=ppt/slides/slide44.xml><?xml version="1.0" encoding="utf-8"?>
+<p:sld xmlns:a="http://schemas.openxmlformats.org/drawingml/2006/main" xmlns:r="http://schemas.openxmlformats.org/officeDocument/2006/relationships" xmlns:p="http://schemas.openxmlformats.org/presentationml/2006/main">
+  <p:cSld>
+    <p:spTree>
+      <p:nvGrpSpPr>
+        <p:cNvPr id="1" name=""/>
+        <p:cNvGrpSpPr/>
+        <p:nvPr/>
+      </p:nvGrpSpPr>
+      <p:grpSpPr>
+        <a:xfrm>
+          <a:off x="0" y="0"/>
+          <a:ext cx="0" cy="0"/>
+          <a:chOff x="0" y="0"/>
+          <a:chExt cx="0" cy="0"/>
+        </a:xfrm>
+      </p:grpSpPr>
+      <p:sp>
+        <p:nvSpPr>
+          <p:cNvPr id="2" name="Title 1"/>
+          <p:cNvSpPr>
+            <a:spLocks noGrp="1"/>
+          </p:cNvSpPr>
+          <p:nvPr>
+            <p:ph type="title"/>
+          </p:nvPr>
+        </p:nvSpPr>
+        <p:spPr/>
+        <p:txBody>
+          <a:bodyPr/>
+          <a:lstStyle/>
+          <a:p>
+            <a:r>
+              <a:rPr lang="en-US" dirty="0"/>
+              <a:t>Maven</a:t>
+            </a:r>
+          </a:p>
+        </p:txBody>
+      </p:sp>
+      <p:sp>
+        <p:nvSpPr>
+          <p:cNvPr id="3" name="Content Placeholder 2"/>
+          <p:cNvSpPr>
+            <a:spLocks noGrp="1"/>
+          </p:cNvSpPr>
+          <p:nvPr>
+            <p:ph idx="1"/>
+          </p:nvPr>
+        </p:nvSpPr>
+        <p:spPr/>
+        <p:txBody>
+          <a:bodyPr>
+            <a:normAutofit/>
+          </a:bodyPr>
+          <a:lstStyle/>
+          <a:p>
+            <a:r>
+              <a:rPr lang="en-US" dirty="0"/>
+              <a:t>Maven Central</a:t>
+            </a:r>
+          </a:p>
+          <a:p>
+            <a:pPr lvl="1"/>
+            <a:r>
+              <a:rPr lang="en-US" dirty="0"/>
               <a:t>GPG Setup</a:t>
             </a:r>
           </a:p>
@@ -17330,7 +18529,7 @@
 </p:sld>
 </file>
 
-<file path=ppt/slides/slide41.xml><?xml version="1.0" encoding="utf-8"?>
+<file path=ppt/slides/slide45.xml><?xml version="1.0" encoding="utf-8"?>
 <p:sld xmlns:a="http://schemas.openxmlformats.org/drawingml/2006/main" xmlns:r="http://schemas.openxmlformats.org/officeDocument/2006/relationships" xmlns:p="http://schemas.openxmlformats.org/presentationml/2006/main">
   <p:cSld>
     <p:spTree>
@@ -17496,7 +18695,7 @@
 </p:sld>
 </file>
 
-<file path=ppt/slides/slide42.xml><?xml version="1.0" encoding="utf-8"?>
+<file path=ppt/slides/slide46.xml><?xml version="1.0" encoding="utf-8"?>
 <p:sld xmlns:a="http://schemas.openxmlformats.org/drawingml/2006/main" xmlns:r="http://schemas.openxmlformats.org/officeDocument/2006/relationships" xmlns:p="http://schemas.openxmlformats.org/presentationml/2006/main">
   <p:cSld>
     <p:spTree>
@@ -17714,7 +18913,7 @@
 </p:sld>
 </file>
 
-<file path=ppt/slides/slide43.xml><?xml version="1.0" encoding="utf-8"?>
+<file path=ppt/slides/slide47.xml><?xml version="1.0" encoding="utf-8"?>
 <p:sld xmlns:a="http://schemas.openxmlformats.org/drawingml/2006/main" xmlns:r="http://schemas.openxmlformats.org/officeDocument/2006/relationships" xmlns:p="http://schemas.openxmlformats.org/presentationml/2006/main">
   <p:cSld>
     <p:spTree>
@@ -17880,7 +19079,7 @@
 </p:sld>
 </file>
 
-<file path=ppt/slides/slide44.xml><?xml version="1.0" encoding="utf-8"?>
+<file path=ppt/slides/slide48.xml><?xml version="1.0" encoding="utf-8"?>
 <p:sld xmlns:a="http://schemas.openxmlformats.org/drawingml/2006/main" xmlns:r="http://schemas.openxmlformats.org/officeDocument/2006/relationships" xmlns:p="http://schemas.openxmlformats.org/presentationml/2006/main">
   <p:cSld>
     <p:spTree>
@@ -18102,7 +19301,7 @@
 </p:sld>
 </file>
 
-<file path=ppt/slides/slide45.xml><?xml version="1.0" encoding="utf-8"?>
+<file path=ppt/slides/slide49.xml><?xml version="1.0" encoding="utf-8"?>
 <p:sld xmlns:a="http://schemas.openxmlformats.org/drawingml/2006/main" xmlns:r="http://schemas.openxmlformats.org/officeDocument/2006/relationships" xmlns:p="http://schemas.openxmlformats.org/presentationml/2006/main">
   <p:cSld>
     <p:spTree>
@@ -18320,7 +19519,7 @@
 </p:sld>
 </file>
 
-<file path=ppt/slides/slide46.xml><?xml version="1.0" encoding="utf-8"?>
+<file path=ppt/slides/slide5.xml><?xml version="1.0" encoding="utf-8"?>
 <p:sld xmlns:a="http://schemas.openxmlformats.org/drawingml/2006/main" xmlns:r="http://schemas.openxmlformats.org/officeDocument/2006/relationships" xmlns:p="http://schemas.openxmlformats.org/presentationml/2006/main">
   <p:cSld>
     <p:spTree>
@@ -18371,6 +19570,126 @@
         </p:nvSpPr>
         <p:spPr/>
         <p:txBody>
+          <a:bodyPr/>
+          <a:lstStyle/>
+          <a:p>
+            <a:r>
+              <a:rPr lang="en-US" dirty="0"/>
+              <a:t>Repository</a:t>
+            </a:r>
+          </a:p>
+          <a:p>
+            <a:pPr lvl="1"/>
+            <a:r>
+              <a:rPr lang="en-US" dirty="0"/>
+              <a:t>Central Repository</a:t>
+            </a:r>
+          </a:p>
+          <a:p>
+            <a:pPr lvl="2"/>
+            <a:r>
+              <a:rPr lang="en-US" dirty="0"/>
+              <a:t>maven repository or internet repository</a:t>
+            </a:r>
+          </a:p>
+          <a:p>
+            <a:pPr lvl="1"/>
+            <a:r>
+              <a:rPr lang="en-US" dirty="0"/>
+              <a:t>Remote Repository</a:t>
+            </a:r>
+          </a:p>
+          <a:p>
+            <a:pPr lvl="2"/>
+            <a:r>
+              <a:rPr lang="en-US" dirty="0"/>
+              <a:t>organization repository</a:t>
+            </a:r>
+          </a:p>
+          <a:p>
+            <a:pPr lvl="1"/>
+            <a:r>
+              <a:rPr lang="en-US" dirty="0"/>
+              <a:t>Local Repository</a:t>
+            </a:r>
+          </a:p>
+          <a:p>
+            <a:pPr lvl="2"/>
+            <a:r>
+              <a:rPr lang="en-US" dirty="0"/>
+              <a:t>client repository (cache into .m2 folder under user home directory)</a:t>
+            </a:r>
+          </a:p>
+          <a:p>
+            <a:pPr lvl="1"/>
+            <a:endParaRPr lang="en-US" dirty="0"/>
+          </a:p>
+        </p:txBody>
+      </p:sp>
+    </p:spTree>
+    <p:extLst>
+      <p:ext uri="{BB962C8B-B14F-4D97-AF65-F5344CB8AC3E}">
+        <p14:creationId xmlns:p14="http://schemas.microsoft.com/office/powerpoint/2010/main" val="4050743212"/>
+      </p:ext>
+    </p:extLst>
+  </p:cSld>
+  <p:clrMapOvr>
+    <a:masterClrMapping/>
+  </p:clrMapOvr>
+</p:sld>
+</file>
+
+<file path=ppt/slides/slide50.xml><?xml version="1.0" encoding="utf-8"?>
+<p:sld xmlns:a="http://schemas.openxmlformats.org/drawingml/2006/main" xmlns:r="http://schemas.openxmlformats.org/officeDocument/2006/relationships" xmlns:p="http://schemas.openxmlformats.org/presentationml/2006/main">
+  <p:cSld>
+    <p:spTree>
+      <p:nvGrpSpPr>
+        <p:cNvPr id="1" name=""/>
+        <p:cNvGrpSpPr/>
+        <p:nvPr/>
+      </p:nvGrpSpPr>
+      <p:grpSpPr>
+        <a:xfrm>
+          <a:off x="0" y="0"/>
+          <a:ext cx="0" cy="0"/>
+          <a:chOff x="0" y="0"/>
+          <a:chExt cx="0" cy="0"/>
+        </a:xfrm>
+      </p:grpSpPr>
+      <p:sp>
+        <p:nvSpPr>
+          <p:cNvPr id="2" name="Title 1"/>
+          <p:cNvSpPr>
+            <a:spLocks noGrp="1"/>
+          </p:cNvSpPr>
+          <p:nvPr>
+            <p:ph type="title"/>
+          </p:nvPr>
+        </p:nvSpPr>
+        <p:spPr/>
+        <p:txBody>
+          <a:bodyPr/>
+          <a:lstStyle/>
+          <a:p>
+            <a:r>
+              <a:rPr lang="en-US" dirty="0"/>
+              <a:t>Maven</a:t>
+            </a:r>
+          </a:p>
+        </p:txBody>
+      </p:sp>
+      <p:sp>
+        <p:nvSpPr>
+          <p:cNvPr id="3" name="Content Placeholder 2"/>
+          <p:cNvSpPr>
+            <a:spLocks noGrp="1"/>
+          </p:cNvSpPr>
+          <p:nvPr>
+            <p:ph idx="1"/>
+          </p:nvPr>
+        </p:nvSpPr>
+        <p:spPr/>
+        <p:txBody>
           <a:bodyPr>
             <a:normAutofit/>
           </a:bodyPr>
@@ -18484,7 +19803,7 @@
 </p:sld>
 </file>
 
-<file path=ppt/slides/slide47.xml><?xml version="1.0" encoding="utf-8"?>
+<file path=ppt/slides/slide51.xml><?xml version="1.0" encoding="utf-8"?>
 <p:sld xmlns:a="http://schemas.openxmlformats.org/drawingml/2006/main" xmlns:r="http://schemas.openxmlformats.org/officeDocument/2006/relationships" xmlns:p="http://schemas.openxmlformats.org/presentationml/2006/main">
   <p:cSld>
     <p:spTree>
@@ -18654,7 +19973,7 @@
 </p:sld>
 </file>
 
-<file path=ppt/slides/slide48.xml><?xml version="1.0" encoding="utf-8"?>
+<file path=ppt/slides/slide52.xml><?xml version="1.0" encoding="utf-8"?>
 <p:sld xmlns:a="http://schemas.openxmlformats.org/drawingml/2006/main" xmlns:r="http://schemas.openxmlformats.org/officeDocument/2006/relationships" xmlns:p="http://schemas.openxmlformats.org/presentationml/2006/main">
   <p:cSld>
     <p:spTree>
@@ -18824,7 +20143,7 @@
 </p:sld>
 </file>
 
-<file path=ppt/slides/slide49.xml><?xml version="1.0" encoding="utf-8"?>
+<file path=ppt/slides/slide53.xml><?xml version="1.0" encoding="utf-8"?>
 <p:sld xmlns:a="http://schemas.openxmlformats.org/drawingml/2006/main" xmlns:r="http://schemas.openxmlformats.org/officeDocument/2006/relationships" xmlns:p="http://schemas.openxmlformats.org/presentationml/2006/main">
   <p:cSld>
     <p:spTree>
@@ -19005,127 +20324,7 @@
 </p:sld>
 </file>
 
-<file path=ppt/slides/slide5.xml><?xml version="1.0" encoding="utf-8"?>
-<p:sld xmlns:a="http://schemas.openxmlformats.org/drawingml/2006/main" xmlns:r="http://schemas.openxmlformats.org/officeDocument/2006/relationships" xmlns:p="http://schemas.openxmlformats.org/presentationml/2006/main">
-  <p:cSld>
-    <p:spTree>
-      <p:nvGrpSpPr>
-        <p:cNvPr id="1" name=""/>
-        <p:cNvGrpSpPr/>
-        <p:nvPr/>
-      </p:nvGrpSpPr>
-      <p:grpSpPr>
-        <a:xfrm>
-          <a:off x="0" y="0"/>
-          <a:ext cx="0" cy="0"/>
-          <a:chOff x="0" y="0"/>
-          <a:chExt cx="0" cy="0"/>
-        </a:xfrm>
-      </p:grpSpPr>
-      <p:sp>
-        <p:nvSpPr>
-          <p:cNvPr id="2" name="Title 1"/>
-          <p:cNvSpPr>
-            <a:spLocks noGrp="1"/>
-          </p:cNvSpPr>
-          <p:nvPr>
-            <p:ph type="title"/>
-          </p:nvPr>
-        </p:nvSpPr>
-        <p:spPr/>
-        <p:txBody>
-          <a:bodyPr/>
-          <a:lstStyle/>
-          <a:p>
-            <a:r>
-              <a:rPr lang="en-US" dirty="0"/>
-              <a:t>Maven</a:t>
-            </a:r>
-          </a:p>
-        </p:txBody>
-      </p:sp>
-      <p:sp>
-        <p:nvSpPr>
-          <p:cNvPr id="3" name="Content Placeholder 2"/>
-          <p:cNvSpPr>
-            <a:spLocks noGrp="1"/>
-          </p:cNvSpPr>
-          <p:nvPr>
-            <p:ph idx="1"/>
-          </p:nvPr>
-        </p:nvSpPr>
-        <p:spPr/>
-        <p:txBody>
-          <a:bodyPr/>
-          <a:lstStyle/>
-          <a:p>
-            <a:r>
-              <a:rPr lang="en-US" dirty="0"/>
-              <a:t>Repository</a:t>
-            </a:r>
-          </a:p>
-          <a:p>
-            <a:pPr lvl="1"/>
-            <a:r>
-              <a:rPr lang="en-US" dirty="0"/>
-              <a:t>Central Repository</a:t>
-            </a:r>
-          </a:p>
-          <a:p>
-            <a:pPr lvl="2"/>
-            <a:r>
-              <a:rPr lang="en-US" dirty="0"/>
-              <a:t>maven repository or internet repository</a:t>
-            </a:r>
-          </a:p>
-          <a:p>
-            <a:pPr lvl="1"/>
-            <a:r>
-              <a:rPr lang="en-US" dirty="0"/>
-              <a:t>Remote Repository</a:t>
-            </a:r>
-          </a:p>
-          <a:p>
-            <a:pPr lvl="2"/>
-            <a:r>
-              <a:rPr lang="en-US" dirty="0"/>
-              <a:t>organization repository</a:t>
-            </a:r>
-          </a:p>
-          <a:p>
-            <a:pPr lvl="1"/>
-            <a:r>
-              <a:rPr lang="en-US" dirty="0"/>
-              <a:t>Local Repository</a:t>
-            </a:r>
-          </a:p>
-          <a:p>
-            <a:pPr lvl="2"/>
-            <a:r>
-              <a:rPr lang="en-US" dirty="0"/>
-              <a:t>client repository (cache into .m2 folder under user home directory)</a:t>
-            </a:r>
-          </a:p>
-          <a:p>
-            <a:pPr lvl="1"/>
-            <a:endParaRPr lang="en-US" dirty="0"/>
-          </a:p>
-        </p:txBody>
-      </p:sp>
-    </p:spTree>
-    <p:extLst>
-      <p:ext uri="{BB962C8B-B14F-4D97-AF65-F5344CB8AC3E}">
-        <p14:creationId xmlns:p14="http://schemas.microsoft.com/office/powerpoint/2010/main" val="4050743212"/>
-      </p:ext>
-    </p:extLst>
-  </p:cSld>
-  <p:clrMapOvr>
-    <a:masterClrMapping/>
-  </p:clrMapOvr>
-</p:sld>
-</file>
-
-<file path=ppt/slides/slide50.xml><?xml version="1.0" encoding="utf-8"?>
+<file path=ppt/slides/slide54.xml><?xml version="1.0" encoding="utf-8"?>
 <p:sld xmlns:a="http://schemas.openxmlformats.org/drawingml/2006/main" xmlns:r="http://schemas.openxmlformats.org/officeDocument/2006/relationships" xmlns:p="http://schemas.openxmlformats.org/presentationml/2006/main">
   <p:cSld>
     <p:spTree>
